--- a/Chầu.pptx
+++ b/Chầu.pptx
@@ -5,7 +5,7 @@
     <p:sldMasterId id="2147483660" r:id="rId1"/>
   </p:sldMasterIdLst>
   <p:notesMasterIdLst>
-    <p:notesMasterId r:id="rId48"/>
+    <p:notesMasterId r:id="rId51"/>
   </p:notesMasterIdLst>
   <p:sldIdLst>
     <p:sldId id="4112" r:id="rId2"/>
@@ -46,14 +46,17 @@
     <p:sldId id="3569" r:id="rId37"/>
     <p:sldId id="5247" r:id="rId38"/>
     <p:sldId id="5248" r:id="rId39"/>
-    <p:sldId id="3512" r:id="rId40"/>
-    <p:sldId id="3513" r:id="rId41"/>
-    <p:sldId id="3514" r:id="rId42"/>
-    <p:sldId id="5260" r:id="rId43"/>
-    <p:sldId id="5261" r:id="rId44"/>
-    <p:sldId id="5259" r:id="rId45"/>
-    <p:sldId id="5262" r:id="rId46"/>
-    <p:sldId id="5263" r:id="rId47"/>
+    <p:sldId id="5266" r:id="rId40"/>
+    <p:sldId id="5265" r:id="rId41"/>
+    <p:sldId id="3512" r:id="rId42"/>
+    <p:sldId id="3513" r:id="rId43"/>
+    <p:sldId id="3514" r:id="rId44"/>
+    <p:sldId id="5260" r:id="rId45"/>
+    <p:sldId id="5261" r:id="rId46"/>
+    <p:sldId id="5259" r:id="rId47"/>
+    <p:sldId id="5262" r:id="rId48"/>
+    <p:sldId id="5263" r:id="rId49"/>
+    <p:sldId id="5264" r:id="rId50"/>
   </p:sldIdLst>
   <p:sldSz cx="9144000" cy="6858000" type="screen4x3"/>
   <p:notesSz cx="6858000" cy="9144000"/>
@@ -10053,16 +10056,6 @@
           <a:p>
             <a:pPr algn="l"/>
             <a:r>
-              <a:rPr lang="en-US" sz="1800" dirty="0" err="1">
-                <a:solidFill>
-                  <a:srgbClr val="FF0000"/>
-                </a:solidFill>
-                <a:latin typeface="Times New Roman" panose="02020603050405020304" pitchFamily="18" charset="0"/>
-                <a:cs typeface="Times New Roman" panose="02020603050405020304" pitchFamily="18" charset="0"/>
-              </a:rPr>
-              <a:t>Kết</a:t>
-            </a:r>
-            <a:r>
               <a:rPr lang="en-US" sz="1800" dirty="0">
                 <a:solidFill>
                   <a:srgbClr val="FF0000"/>
@@ -10070,27 +10063,7 @@
                 <a:latin typeface="Times New Roman" panose="02020603050405020304" pitchFamily="18" charset="0"/>
                 <a:cs typeface="Times New Roman" panose="02020603050405020304" pitchFamily="18" charset="0"/>
               </a:rPr>
-              <a:t> </a:t>
-            </a:r>
-            <a:r>
-              <a:rPr lang="en-US" sz="1800" dirty="0" err="1">
-                <a:solidFill>
-                  <a:srgbClr val="FF0000"/>
-                </a:solidFill>
-                <a:latin typeface="Times New Roman" panose="02020603050405020304" pitchFamily="18" charset="0"/>
-                <a:cs typeface="Times New Roman" panose="02020603050405020304" pitchFamily="18" charset="0"/>
-              </a:rPr>
-              <a:t>lễ</a:t>
-            </a:r>
-            <a:r>
-              <a:rPr lang="en-US" sz="1800" dirty="0">
-                <a:solidFill>
-                  <a:srgbClr val="FF0000"/>
-                </a:solidFill>
-                <a:latin typeface="Times New Roman" panose="02020603050405020304" pitchFamily="18" charset="0"/>
-                <a:cs typeface="Times New Roman" panose="02020603050405020304" pitchFamily="18" charset="0"/>
-              </a:rPr>
-              <a:t>                                   	         </a:t>
+              <a:t>                                    	         </a:t>
             </a:r>
             <a:r>
               <a:rPr lang="en-US" sz="2400" b="1" dirty="0">
@@ -10107,7 +10080,7 @@
                 <a:latin typeface="Times New Roman" panose="02020603050405020304" pitchFamily="18" charset="0"/>
                 <a:cs typeface="Times New Roman" panose="02020603050405020304" pitchFamily="18" charset="0"/>
               </a:rPr>
-              <a:t>MẸ ĐỨNG ĐÓ (221)</a:t>
+              <a:t>NIỀM TÂM SỰ (AL)</a:t>
             </a:r>
             <a:endParaRPr lang="en-US" sz="2400" b="1" dirty="0">
               <a:solidFill>
@@ -10159,105 +10132,203 @@
                 <a:latin typeface="Times New Roman" panose="02020603050405020304" pitchFamily="18" charset="0"/>
                 <a:cs typeface="Times New Roman" panose="02020603050405020304" pitchFamily="18" charset="0"/>
               </a:rPr>
-              <a:t>Mẹ</a:t>
-            </a:r>
-            <a:r>
-              <a:rPr lang="en-US" sz="5400" b="1" dirty="0">
-                <a:latin typeface="Times New Roman" panose="02020603050405020304" pitchFamily="18" charset="0"/>
-                <a:cs typeface="Times New Roman" panose="02020603050405020304" pitchFamily="18" charset="0"/>
-              </a:rPr>
-              <a:t> </a:t>
-            </a:r>
-            <a:r>
-              <a:rPr lang="en-US" sz="5400" b="1" dirty="0" err="1">
-                <a:latin typeface="Times New Roman" panose="02020603050405020304" pitchFamily="18" charset="0"/>
-                <a:cs typeface="Times New Roman" panose="02020603050405020304" pitchFamily="18" charset="0"/>
-              </a:rPr>
-              <a:t>đứng</a:t>
-            </a:r>
-            <a:r>
-              <a:rPr lang="en-US" sz="5400" b="1" dirty="0">
-                <a:latin typeface="Times New Roman" panose="02020603050405020304" pitchFamily="18" charset="0"/>
-                <a:cs typeface="Times New Roman" panose="02020603050405020304" pitchFamily="18" charset="0"/>
-              </a:rPr>
-              <a:t> </a:t>
-            </a:r>
-            <a:r>
-              <a:rPr lang="en-US" sz="5400" b="1" dirty="0" err="1">
-                <a:latin typeface="Times New Roman" panose="02020603050405020304" pitchFamily="18" charset="0"/>
-                <a:cs typeface="Times New Roman" panose="02020603050405020304" pitchFamily="18" charset="0"/>
-              </a:rPr>
-              <a:t>đó</a:t>
-            </a:r>
-            <a:r>
-              <a:rPr lang="en-US" sz="5400" b="1" dirty="0">
-                <a:latin typeface="Times New Roman" panose="02020603050405020304" pitchFamily="18" charset="0"/>
-                <a:cs typeface="Times New Roman" panose="02020603050405020304" pitchFamily="18" charset="0"/>
-              </a:rPr>
-              <a:t> </a:t>
-            </a:r>
-            <a:r>
-              <a:rPr lang="en-US" sz="5400" b="1" dirty="0" err="1">
-                <a:latin typeface="Times New Roman" panose="02020603050405020304" pitchFamily="18" charset="0"/>
-                <a:cs typeface="Times New Roman" panose="02020603050405020304" pitchFamily="18" charset="0"/>
-              </a:rPr>
-              <a:t>khi</a:t>
-            </a:r>
-            <a:r>
-              <a:rPr lang="en-US" sz="5400" b="1" dirty="0">
-                <a:latin typeface="Times New Roman" panose="02020603050405020304" pitchFamily="18" charset="0"/>
-                <a:cs typeface="Times New Roman" panose="02020603050405020304" pitchFamily="18" charset="0"/>
-              </a:rPr>
-              <a:t> </a:t>
-            </a:r>
-            <a:r>
-              <a:rPr lang="en-US" sz="5400" b="1" dirty="0" err="1">
-                <a:latin typeface="Times New Roman" panose="02020603050405020304" pitchFamily="18" charset="0"/>
-                <a:cs typeface="Times New Roman" panose="02020603050405020304" pitchFamily="18" charset="0"/>
-              </a:rPr>
-              <a:t>hoàng</a:t>
-            </a:r>
-            <a:r>
-              <a:rPr lang="en-US" sz="5400" b="1" dirty="0">
-                <a:latin typeface="Times New Roman" panose="02020603050405020304" pitchFamily="18" charset="0"/>
-                <a:cs typeface="Times New Roman" panose="02020603050405020304" pitchFamily="18" charset="0"/>
-              </a:rPr>
-              <a:t> </a:t>
-            </a:r>
-            <a:r>
-              <a:rPr lang="en-US" sz="5400" b="1" dirty="0" err="1">
-                <a:latin typeface="Times New Roman" panose="02020603050405020304" pitchFamily="18" charset="0"/>
-                <a:cs typeface="Times New Roman" panose="02020603050405020304" pitchFamily="18" charset="0"/>
-              </a:rPr>
-              <a:t>hôn</a:t>
-            </a:r>
-            <a:r>
-              <a:rPr lang="en-US" sz="5400" b="1" dirty="0">
-                <a:latin typeface="Times New Roman" panose="02020603050405020304" pitchFamily="18" charset="0"/>
-                <a:cs typeface="Times New Roman" panose="02020603050405020304" pitchFamily="18" charset="0"/>
-              </a:rPr>
-              <a:t> </a:t>
-            </a:r>
-            <a:r>
-              <a:rPr lang="en-US" sz="5400" b="1" dirty="0" err="1">
-                <a:latin typeface="Times New Roman" panose="02020603050405020304" pitchFamily="18" charset="0"/>
-                <a:cs typeface="Times New Roman" panose="02020603050405020304" pitchFamily="18" charset="0"/>
-              </a:rPr>
-              <a:t>tím</a:t>
-            </a:r>
-            <a:r>
-              <a:rPr lang="en-US" sz="5400" b="1" dirty="0">
-                <a:latin typeface="Times New Roman" panose="02020603050405020304" pitchFamily="18" charset="0"/>
-                <a:cs typeface="Times New Roman" panose="02020603050405020304" pitchFamily="18" charset="0"/>
-              </a:rPr>
-              <a:t> </a:t>
-            </a:r>
-            <a:r>
-              <a:rPr lang="en-US" sz="5400" b="1" dirty="0" err="1">
-                <a:latin typeface="Times New Roman" panose="02020603050405020304" pitchFamily="18" charset="0"/>
-                <a:cs typeface="Times New Roman" panose="02020603050405020304" pitchFamily="18" charset="0"/>
-              </a:rPr>
-              <a:t>mầu</a:t>
+              <a:t>Thầy</a:t>
+            </a:r>
+            <a:r>
+              <a:rPr lang="en-US" sz="5400" b="1" dirty="0">
+                <a:latin typeface="Times New Roman" panose="02020603050405020304" pitchFamily="18" charset="0"/>
+                <a:cs typeface="Times New Roman" panose="02020603050405020304" pitchFamily="18" charset="0"/>
+              </a:rPr>
+              <a:t> </a:t>
+            </a:r>
+            <a:r>
+              <a:rPr lang="en-US" sz="5400" b="1" dirty="0" err="1">
+                <a:latin typeface="Times New Roman" panose="02020603050405020304" pitchFamily="18" charset="0"/>
+                <a:cs typeface="Times New Roman" panose="02020603050405020304" pitchFamily="18" charset="0"/>
+              </a:rPr>
+              <a:t>yêu</a:t>
+            </a:r>
+            <a:r>
+              <a:rPr lang="en-US" sz="5400" b="1" dirty="0">
+                <a:latin typeface="Times New Roman" panose="02020603050405020304" pitchFamily="18" charset="0"/>
+                <a:cs typeface="Times New Roman" panose="02020603050405020304" pitchFamily="18" charset="0"/>
+              </a:rPr>
+              <a:t> </a:t>
+            </a:r>
+            <a:r>
+              <a:rPr lang="en-US" sz="5400" b="1" dirty="0" err="1">
+                <a:latin typeface="Times New Roman" panose="02020603050405020304" pitchFamily="18" charset="0"/>
+                <a:cs typeface="Times New Roman" panose="02020603050405020304" pitchFamily="18" charset="0"/>
+              </a:rPr>
+              <a:t>chúng</a:t>
+            </a:r>
+            <a:r>
+              <a:rPr lang="en-US" sz="5400" b="1" dirty="0">
+                <a:latin typeface="Times New Roman" panose="02020603050405020304" pitchFamily="18" charset="0"/>
+                <a:cs typeface="Times New Roman" panose="02020603050405020304" pitchFamily="18" charset="0"/>
+              </a:rPr>
+              <a:t> con </a:t>
+            </a:r>
+            <a:r>
+              <a:rPr lang="en-US" sz="5400" b="1" dirty="0" err="1">
+                <a:latin typeface="Times New Roman" panose="02020603050405020304" pitchFamily="18" charset="0"/>
+                <a:cs typeface="Times New Roman" panose="02020603050405020304" pitchFamily="18" charset="0"/>
+              </a:rPr>
+              <a:t>lời</a:t>
+            </a:r>
+            <a:r>
+              <a:rPr lang="en-US" sz="5400" b="1" dirty="0">
+                <a:latin typeface="Times New Roman" panose="02020603050405020304" pitchFamily="18" charset="0"/>
+                <a:cs typeface="Times New Roman" panose="02020603050405020304" pitchFamily="18" charset="0"/>
+              </a:rPr>
+              <a:t> ai </a:t>
+            </a:r>
+            <a:r>
+              <a:rPr lang="en-US" sz="5400" b="1" dirty="0" err="1">
+                <a:latin typeface="Times New Roman" panose="02020603050405020304" pitchFamily="18" charset="0"/>
+                <a:cs typeface="Times New Roman" panose="02020603050405020304" pitchFamily="18" charset="0"/>
+              </a:rPr>
+              <a:t>nói</a:t>
+            </a:r>
+            <a:r>
+              <a:rPr lang="en-US" sz="5400" b="1" dirty="0">
+                <a:latin typeface="Times New Roman" panose="02020603050405020304" pitchFamily="18" charset="0"/>
+                <a:cs typeface="Times New Roman" panose="02020603050405020304" pitchFamily="18" charset="0"/>
+              </a:rPr>
+              <a:t> </a:t>
+            </a:r>
+            <a:r>
+              <a:rPr lang="en-US" sz="5400" b="1" dirty="0" err="1">
+                <a:latin typeface="Times New Roman" panose="02020603050405020304" pitchFamily="18" charset="0"/>
+                <a:cs typeface="Times New Roman" panose="02020603050405020304" pitchFamily="18" charset="0"/>
+              </a:rPr>
+              <a:t>cho</a:t>
+            </a:r>
+            <a:r>
+              <a:rPr lang="en-US" sz="5400" b="1" dirty="0">
+                <a:latin typeface="Times New Roman" panose="02020603050405020304" pitchFamily="18" charset="0"/>
+                <a:cs typeface="Times New Roman" panose="02020603050405020304" pitchFamily="18" charset="0"/>
+              </a:rPr>
+              <a:t> </a:t>
+            </a:r>
+            <a:r>
+              <a:rPr lang="en-US" sz="5400" b="1" dirty="0" err="1">
+                <a:latin typeface="Times New Roman" panose="02020603050405020304" pitchFamily="18" charset="0"/>
+                <a:cs typeface="Times New Roman" panose="02020603050405020304" pitchFamily="18" charset="0"/>
+              </a:rPr>
+              <a:t>cùng</a:t>
+            </a:r>
+            <a:r>
+              <a:rPr lang="en-US" sz="5400" b="1" dirty="0">
+                <a:latin typeface="Times New Roman" panose="02020603050405020304" pitchFamily="18" charset="0"/>
+                <a:cs typeface="Times New Roman" panose="02020603050405020304" pitchFamily="18" charset="0"/>
+              </a:rPr>
+              <a:t> </a:t>
+            </a:r>
+            <a:r>
+              <a:rPr lang="en-US" sz="5400" b="1" dirty="0" err="1">
+                <a:latin typeface="Times New Roman" panose="02020603050405020304" pitchFamily="18" charset="0"/>
+                <a:cs typeface="Times New Roman" panose="02020603050405020304" pitchFamily="18" charset="0"/>
+              </a:rPr>
+              <a:t>Thầy</a:t>
+            </a:r>
+            <a:r>
+              <a:rPr lang="en-US" sz="5400" b="1" dirty="0">
+                <a:latin typeface="Times New Roman" panose="02020603050405020304" pitchFamily="18" charset="0"/>
+                <a:cs typeface="Times New Roman" panose="02020603050405020304" pitchFamily="18" charset="0"/>
+              </a:rPr>
+              <a:t> </a:t>
+            </a:r>
+            <a:r>
+              <a:rPr lang="en-US" sz="5400" b="1" dirty="0" err="1">
+                <a:latin typeface="Times New Roman" panose="02020603050405020304" pitchFamily="18" charset="0"/>
+                <a:cs typeface="Times New Roman" panose="02020603050405020304" pitchFamily="18" charset="0"/>
+              </a:rPr>
+              <a:t>yêu</a:t>
+            </a:r>
+            <a:r>
+              <a:rPr lang="en-US" sz="5400" b="1" dirty="0">
+                <a:latin typeface="Times New Roman" panose="02020603050405020304" pitchFamily="18" charset="0"/>
+                <a:cs typeface="Times New Roman" panose="02020603050405020304" pitchFamily="18" charset="0"/>
+              </a:rPr>
+              <a:t> </a:t>
+            </a:r>
+            <a:r>
+              <a:rPr lang="en-US" sz="5400" b="1" dirty="0" err="1">
+                <a:latin typeface="Times New Roman" panose="02020603050405020304" pitchFamily="18" charset="0"/>
+                <a:cs typeface="Times New Roman" panose="02020603050405020304" pitchFamily="18" charset="0"/>
+              </a:rPr>
+              <a:t>chúng</a:t>
+            </a:r>
+            <a:r>
+              <a:rPr lang="en-US" sz="5400" b="1" dirty="0">
+                <a:latin typeface="Times New Roman" panose="02020603050405020304" pitchFamily="18" charset="0"/>
+                <a:cs typeface="Times New Roman" panose="02020603050405020304" pitchFamily="18" charset="0"/>
+              </a:rPr>
+              <a:t> con </a:t>
+            </a:r>
+            <a:r>
+              <a:rPr lang="en-US" sz="5400" b="1" dirty="0" err="1">
+                <a:latin typeface="Times New Roman" panose="02020603050405020304" pitchFamily="18" charset="0"/>
+                <a:cs typeface="Times New Roman" panose="02020603050405020304" pitchFamily="18" charset="0"/>
+              </a:rPr>
+              <a:t>Thầy</a:t>
+            </a:r>
+            <a:r>
+              <a:rPr lang="en-US" sz="5400" b="1" dirty="0">
+                <a:latin typeface="Times New Roman" panose="02020603050405020304" pitchFamily="18" charset="0"/>
+                <a:cs typeface="Times New Roman" panose="02020603050405020304" pitchFamily="18" charset="0"/>
+              </a:rPr>
+              <a:t> </a:t>
+            </a:r>
+            <a:r>
+              <a:rPr lang="en-US" sz="5400" b="1" dirty="0" err="1">
+                <a:latin typeface="Times New Roman" panose="02020603050405020304" pitchFamily="18" charset="0"/>
+                <a:cs typeface="Times New Roman" panose="02020603050405020304" pitchFamily="18" charset="0"/>
+              </a:rPr>
+              <a:t>sinh</a:t>
+            </a:r>
+            <a:r>
+              <a:rPr lang="en-US" sz="5400" b="1" dirty="0">
+                <a:latin typeface="Times New Roman" panose="02020603050405020304" pitchFamily="18" charset="0"/>
+                <a:cs typeface="Times New Roman" panose="02020603050405020304" pitchFamily="18" charset="0"/>
+              </a:rPr>
+              <a:t> </a:t>
+            </a:r>
+            <a:r>
+              <a:rPr lang="en-US" sz="5400" b="1" dirty="0" err="1">
+                <a:latin typeface="Times New Roman" panose="02020603050405020304" pitchFamily="18" charset="0"/>
+                <a:cs typeface="Times New Roman" panose="02020603050405020304" pitchFamily="18" charset="0"/>
+              </a:rPr>
+              <a:t>xuống</a:t>
+            </a:r>
+            <a:r>
+              <a:rPr lang="en-US" sz="5400" b="1" dirty="0">
+                <a:latin typeface="Times New Roman" panose="02020603050405020304" pitchFamily="18" charset="0"/>
+                <a:cs typeface="Times New Roman" panose="02020603050405020304" pitchFamily="18" charset="0"/>
+              </a:rPr>
+              <a:t> </a:t>
+            </a:r>
+            <a:r>
+              <a:rPr lang="en-US" sz="5400" b="1" dirty="0" err="1">
+                <a:latin typeface="Times New Roman" panose="02020603050405020304" pitchFamily="18" charset="0"/>
+                <a:cs typeface="Times New Roman" panose="02020603050405020304" pitchFamily="18" charset="0"/>
+              </a:rPr>
+              <a:t>gian</a:t>
+            </a:r>
+            <a:r>
+              <a:rPr lang="en-US" sz="5400" b="1" dirty="0">
+                <a:latin typeface="Times New Roman" panose="02020603050405020304" pitchFamily="18" charset="0"/>
+                <a:cs typeface="Times New Roman" panose="02020603050405020304" pitchFamily="18" charset="0"/>
+              </a:rPr>
+              <a:t> </a:t>
+            </a:r>
+            <a:r>
+              <a:rPr lang="en-US" sz="5400" b="1" dirty="0" err="1">
+                <a:latin typeface="Times New Roman" panose="02020603050405020304" pitchFamily="18" charset="0"/>
+                <a:cs typeface="Times New Roman" panose="02020603050405020304" pitchFamily="18" charset="0"/>
+              </a:rPr>
+              <a:t>trần</a:t>
             </a:r>
             <a:r>
               <a:rPr lang="en-US" sz="5400" b="1" dirty="0">
@@ -10271,273 +10342,63 @@
                 <a:latin typeface="Times New Roman" panose="02020603050405020304" pitchFamily="18" charset="0"/>
                 <a:cs typeface="Times New Roman" panose="02020603050405020304" pitchFamily="18" charset="0"/>
               </a:rPr>
-              <a:t>Nhạc</a:t>
-            </a:r>
-            <a:r>
-              <a:rPr lang="en-US" sz="5400" b="1" dirty="0">
-                <a:latin typeface="Times New Roman" panose="02020603050405020304" pitchFamily="18" charset="0"/>
-                <a:cs typeface="Times New Roman" panose="02020603050405020304" pitchFamily="18" charset="0"/>
-              </a:rPr>
-              <a:t> </a:t>
-            </a:r>
-            <a:r>
-              <a:rPr lang="en-US" sz="5400" b="1" dirty="0" err="1">
-                <a:latin typeface="Times New Roman" panose="02020603050405020304" pitchFamily="18" charset="0"/>
-                <a:cs typeface="Times New Roman" panose="02020603050405020304" pitchFamily="18" charset="0"/>
-              </a:rPr>
-              <a:t>thương</a:t>
-            </a:r>
-            <a:r>
-              <a:rPr lang="en-US" sz="5400" b="1" dirty="0">
-                <a:latin typeface="Times New Roman" panose="02020603050405020304" pitchFamily="18" charset="0"/>
-                <a:cs typeface="Times New Roman" panose="02020603050405020304" pitchFamily="18" charset="0"/>
-              </a:rPr>
-              <a:t> </a:t>
-            </a:r>
-            <a:r>
-              <a:rPr lang="en-US" sz="5400" b="1" dirty="0" err="1">
-                <a:latin typeface="Times New Roman" panose="02020603050405020304" pitchFamily="18" charset="0"/>
-                <a:cs typeface="Times New Roman" panose="02020603050405020304" pitchFamily="18" charset="0"/>
-              </a:rPr>
-              <a:t>trầm</a:t>
-            </a:r>
-            <a:r>
-              <a:rPr lang="en-US" sz="5400" b="1" dirty="0">
-                <a:latin typeface="Times New Roman" panose="02020603050405020304" pitchFamily="18" charset="0"/>
-                <a:cs typeface="Times New Roman" panose="02020603050405020304" pitchFamily="18" charset="0"/>
-              </a:rPr>
-              <a:t> </a:t>
-            </a:r>
-            <a:r>
-              <a:rPr lang="en-US" sz="5400" b="1" dirty="0" err="1">
-                <a:latin typeface="Times New Roman" panose="02020603050405020304" pitchFamily="18" charset="0"/>
-                <a:cs typeface="Times New Roman" panose="02020603050405020304" pitchFamily="18" charset="0"/>
-              </a:rPr>
-              <a:t>buông</a:t>
-            </a:r>
-            <a:r>
-              <a:rPr lang="en-US" sz="5400" b="1" dirty="0">
-                <a:latin typeface="Times New Roman" panose="02020603050405020304" pitchFamily="18" charset="0"/>
-                <a:cs typeface="Times New Roman" panose="02020603050405020304" pitchFamily="18" charset="0"/>
-              </a:rPr>
-              <a:t> </a:t>
-            </a:r>
-            <a:r>
-              <a:rPr lang="en-US" sz="5400" b="1" dirty="0" err="1">
-                <a:latin typeface="Times New Roman" panose="02020603050405020304" pitchFamily="18" charset="0"/>
-                <a:cs typeface="Times New Roman" panose="02020603050405020304" pitchFamily="18" charset="0"/>
-              </a:rPr>
-              <a:t>hắt</a:t>
-            </a:r>
-            <a:r>
-              <a:rPr lang="en-US" sz="5400" b="1" dirty="0">
-                <a:latin typeface="Times New Roman" panose="02020603050405020304" pitchFamily="18" charset="0"/>
-                <a:cs typeface="Times New Roman" panose="02020603050405020304" pitchFamily="18" charset="0"/>
-              </a:rPr>
-              <a:t> </a:t>
-            </a:r>
-            <a:r>
-              <a:rPr lang="en-US" sz="5400" b="1" dirty="0" err="1">
-                <a:latin typeface="Times New Roman" panose="02020603050405020304" pitchFamily="18" charset="0"/>
-                <a:cs typeface="Times New Roman" panose="02020603050405020304" pitchFamily="18" charset="0"/>
-              </a:rPr>
-              <a:t>hiu</a:t>
-            </a:r>
-            <a:r>
-              <a:rPr lang="en-US" sz="5400" b="1" dirty="0">
-                <a:latin typeface="Times New Roman" panose="02020603050405020304" pitchFamily="18" charset="0"/>
-                <a:cs typeface="Times New Roman" panose="02020603050405020304" pitchFamily="18" charset="0"/>
-              </a:rPr>
-              <a:t>. </a:t>
-            </a:r>
-            <a:r>
-              <a:rPr lang="en-US" sz="5400" b="1" dirty="0" err="1">
-                <a:latin typeface="Times New Roman" panose="02020603050405020304" pitchFamily="18" charset="0"/>
-                <a:cs typeface="Times New Roman" panose="02020603050405020304" pitchFamily="18" charset="0"/>
-              </a:rPr>
-              <a:t>Đồi</a:t>
-            </a:r>
-            <a:r>
-              <a:rPr lang="en-US" sz="5400" b="1" dirty="0">
-                <a:latin typeface="Times New Roman" panose="02020603050405020304" pitchFamily="18" charset="0"/>
-                <a:cs typeface="Times New Roman" panose="02020603050405020304" pitchFamily="18" charset="0"/>
-              </a:rPr>
-              <a:t> </a:t>
-            </a:r>
-            <a:r>
-              <a:rPr lang="en-US" sz="5400" b="1" dirty="0" err="1">
-                <a:latin typeface="Times New Roman" panose="02020603050405020304" pitchFamily="18" charset="0"/>
-                <a:cs typeface="Times New Roman" panose="02020603050405020304" pitchFamily="18" charset="0"/>
-              </a:rPr>
-              <a:t>cao</a:t>
-            </a:r>
-            <a:r>
-              <a:rPr lang="en-US" sz="5400" b="1" dirty="0">
-                <a:latin typeface="Times New Roman" panose="02020603050405020304" pitchFamily="18" charset="0"/>
-                <a:cs typeface="Times New Roman" panose="02020603050405020304" pitchFamily="18" charset="0"/>
-              </a:rPr>
-              <a:t> u </a:t>
-            </a:r>
-            <a:r>
-              <a:rPr lang="en-US" sz="5400" b="1" dirty="0" err="1">
-                <a:latin typeface="Times New Roman" panose="02020603050405020304" pitchFamily="18" charset="0"/>
-                <a:cs typeface="Times New Roman" panose="02020603050405020304" pitchFamily="18" charset="0"/>
-              </a:rPr>
-              <a:t>hoài</a:t>
-            </a:r>
-            <a:r>
-              <a:rPr lang="en-US" sz="5400" b="1" dirty="0">
-                <a:latin typeface="Times New Roman" panose="02020603050405020304" pitchFamily="18" charset="0"/>
-                <a:cs typeface="Times New Roman" panose="02020603050405020304" pitchFamily="18" charset="0"/>
-              </a:rPr>
-              <a:t> </a:t>
-            </a:r>
-            <a:r>
-              <a:rPr lang="en-US" sz="5400" b="1" dirty="0" err="1">
-                <a:latin typeface="Times New Roman" panose="02020603050405020304" pitchFamily="18" charset="0"/>
-                <a:cs typeface="Times New Roman" panose="02020603050405020304" pitchFamily="18" charset="0"/>
-              </a:rPr>
-              <a:t>loang</a:t>
-            </a:r>
-            <a:r>
-              <a:rPr lang="en-US" sz="5400" b="1" dirty="0">
-                <a:latin typeface="Times New Roman" panose="02020603050405020304" pitchFamily="18" charset="0"/>
-                <a:cs typeface="Times New Roman" panose="02020603050405020304" pitchFamily="18" charset="0"/>
-              </a:rPr>
-              <a:t> </a:t>
-            </a:r>
-            <a:r>
-              <a:rPr lang="en-US" sz="5400" b="1" dirty="0" err="1">
-                <a:latin typeface="Times New Roman" panose="02020603050405020304" pitchFamily="18" charset="0"/>
-                <a:cs typeface="Times New Roman" panose="02020603050405020304" pitchFamily="18" charset="0"/>
-              </a:rPr>
-              <a:t>máu</a:t>
-            </a:r>
-            <a:r>
-              <a:rPr lang="en-US" sz="5400" b="1" dirty="0">
-                <a:latin typeface="Times New Roman" panose="02020603050405020304" pitchFamily="18" charset="0"/>
-                <a:cs typeface="Times New Roman" panose="02020603050405020304" pitchFamily="18" charset="0"/>
-              </a:rPr>
-              <a:t> </a:t>
-            </a:r>
-            <a:r>
-              <a:rPr lang="en-US" sz="5400" b="1" dirty="0" err="1">
-                <a:latin typeface="Times New Roman" panose="02020603050405020304" pitchFamily="18" charset="0"/>
-                <a:cs typeface="Times New Roman" panose="02020603050405020304" pitchFamily="18" charset="0"/>
-              </a:rPr>
-              <a:t>đào</a:t>
-            </a:r>
-            <a:r>
-              <a:rPr lang="en-US" sz="5400" b="1" dirty="0">
-                <a:latin typeface="Times New Roman" panose="02020603050405020304" pitchFamily="18" charset="0"/>
-                <a:cs typeface="Times New Roman" panose="02020603050405020304" pitchFamily="18" charset="0"/>
-              </a:rPr>
-              <a:t>. Con </a:t>
-            </a:r>
-            <a:r>
-              <a:rPr lang="en-US" sz="5400" b="1" dirty="0" err="1">
-                <a:latin typeface="Times New Roman" panose="02020603050405020304" pitchFamily="18" charset="0"/>
-                <a:cs typeface="Times New Roman" panose="02020603050405020304" pitchFamily="18" charset="0"/>
-              </a:rPr>
-              <a:t>Chúa</a:t>
-            </a:r>
-            <a:r>
-              <a:rPr lang="en-US" sz="5400" b="1" dirty="0">
-                <a:latin typeface="Times New Roman" panose="02020603050405020304" pitchFamily="18" charset="0"/>
-                <a:cs typeface="Times New Roman" panose="02020603050405020304" pitchFamily="18" charset="0"/>
-              </a:rPr>
-              <a:t> </a:t>
-            </a:r>
-            <a:r>
-              <a:rPr lang="en-US" sz="5400" b="1" dirty="0" err="1">
-                <a:latin typeface="Times New Roman" panose="02020603050405020304" pitchFamily="18" charset="0"/>
-                <a:cs typeface="Times New Roman" panose="02020603050405020304" pitchFamily="18" charset="0"/>
-              </a:rPr>
-              <a:t>đau</a:t>
-            </a:r>
-            <a:r>
-              <a:rPr lang="en-US" sz="5400" b="1" dirty="0">
-                <a:latin typeface="Times New Roman" panose="02020603050405020304" pitchFamily="18" charset="0"/>
-                <a:cs typeface="Times New Roman" panose="02020603050405020304" pitchFamily="18" charset="0"/>
-              </a:rPr>
-              <a:t> </a:t>
-            </a:r>
-            <a:r>
-              <a:rPr lang="en-US" sz="5400" b="1" dirty="0" err="1">
-                <a:latin typeface="Times New Roman" panose="02020603050405020304" pitchFamily="18" charset="0"/>
-                <a:cs typeface="Times New Roman" panose="02020603050405020304" pitchFamily="18" charset="0"/>
-              </a:rPr>
-              <a:t>thương</a:t>
-            </a:r>
-            <a:r>
-              <a:rPr lang="en-US" sz="5400" b="1" dirty="0">
-                <a:latin typeface="Times New Roman" panose="02020603050405020304" pitchFamily="18" charset="0"/>
-                <a:cs typeface="Times New Roman" panose="02020603050405020304" pitchFamily="18" charset="0"/>
-              </a:rPr>
-              <a:t> </a:t>
-            </a:r>
-            <a:r>
-              <a:rPr lang="en-US" sz="5400" b="1" dirty="0" err="1">
-                <a:latin typeface="Times New Roman" panose="02020603050405020304" pitchFamily="18" charset="0"/>
-                <a:cs typeface="Times New Roman" panose="02020603050405020304" pitchFamily="18" charset="0"/>
-              </a:rPr>
-              <a:t>treo</a:t>
-            </a:r>
-            <a:r>
-              <a:rPr lang="en-US" sz="5400" b="1" dirty="0">
-                <a:latin typeface="Times New Roman" panose="02020603050405020304" pitchFamily="18" charset="0"/>
-                <a:cs typeface="Times New Roman" panose="02020603050405020304" pitchFamily="18" charset="0"/>
-              </a:rPr>
-              <a:t> </a:t>
-            </a:r>
-            <a:r>
-              <a:rPr lang="en-US" sz="5400" b="1" dirty="0" err="1">
-                <a:latin typeface="Times New Roman" panose="02020603050405020304" pitchFamily="18" charset="0"/>
-                <a:cs typeface="Times New Roman" panose="02020603050405020304" pitchFamily="18" charset="0"/>
-              </a:rPr>
-              <a:t>trên</a:t>
-            </a:r>
-            <a:r>
-              <a:rPr lang="en-US" sz="5400" b="1" dirty="0">
-                <a:latin typeface="Times New Roman" panose="02020603050405020304" pitchFamily="18" charset="0"/>
-                <a:cs typeface="Times New Roman" panose="02020603050405020304" pitchFamily="18" charset="0"/>
-              </a:rPr>
-              <a:t> </a:t>
-            </a:r>
-            <a:r>
-              <a:rPr lang="en-US" sz="5400" b="1" dirty="0" err="1">
-                <a:latin typeface="Times New Roman" panose="02020603050405020304" pitchFamily="18" charset="0"/>
-                <a:cs typeface="Times New Roman" panose="02020603050405020304" pitchFamily="18" charset="0"/>
-              </a:rPr>
-              <a:t>Thập</a:t>
-            </a:r>
-            <a:r>
-              <a:rPr lang="en-US" sz="5400" b="1" dirty="0">
-                <a:latin typeface="Times New Roman" panose="02020603050405020304" pitchFamily="18" charset="0"/>
-                <a:cs typeface="Times New Roman" panose="02020603050405020304" pitchFamily="18" charset="0"/>
-              </a:rPr>
-              <a:t> </a:t>
-            </a:r>
-            <a:r>
-              <a:rPr lang="en-US" sz="5400" b="1" dirty="0" err="1">
-                <a:latin typeface="Times New Roman" panose="02020603050405020304" pitchFamily="18" charset="0"/>
-                <a:cs typeface="Times New Roman" panose="02020603050405020304" pitchFamily="18" charset="0"/>
-              </a:rPr>
-              <a:t>giá</a:t>
-            </a:r>
-            <a:r>
-              <a:rPr lang="en-US" sz="5400" b="1" dirty="0">
-                <a:latin typeface="Times New Roman" panose="02020603050405020304" pitchFamily="18" charset="0"/>
-                <a:cs typeface="Times New Roman" panose="02020603050405020304" pitchFamily="18" charset="0"/>
-              </a:rPr>
-              <a:t>. </a:t>
-            </a:r>
-            <a:r>
-              <a:rPr lang="en-US" sz="5400" b="1" dirty="0" err="1">
-                <a:latin typeface="Times New Roman" panose="02020603050405020304" pitchFamily="18" charset="0"/>
-                <a:cs typeface="Times New Roman" panose="02020603050405020304" pitchFamily="18" charset="0"/>
-              </a:rPr>
-              <a:t>Hiến</a:t>
+              <a:t>Thầy</a:t>
+            </a:r>
+            <a:r>
+              <a:rPr lang="en-US" sz="5400" b="1" dirty="0">
+                <a:latin typeface="Times New Roman" panose="02020603050405020304" pitchFamily="18" charset="0"/>
+                <a:cs typeface="Times New Roman" panose="02020603050405020304" pitchFamily="18" charset="0"/>
+              </a:rPr>
+              <a:t> </a:t>
+            </a:r>
+            <a:r>
+              <a:rPr lang="en-US" sz="5400" b="1" dirty="0" err="1">
+                <a:latin typeface="Times New Roman" panose="02020603050405020304" pitchFamily="18" charset="0"/>
+                <a:cs typeface="Times New Roman" panose="02020603050405020304" pitchFamily="18" charset="0"/>
+              </a:rPr>
+              <a:t>yêu</a:t>
+            </a:r>
+            <a:r>
+              <a:rPr lang="en-US" sz="5400" b="1" dirty="0">
+                <a:latin typeface="Times New Roman" panose="02020603050405020304" pitchFamily="18" charset="0"/>
+                <a:cs typeface="Times New Roman" panose="02020603050405020304" pitchFamily="18" charset="0"/>
+              </a:rPr>
+              <a:t> </a:t>
+            </a:r>
+            <a:r>
+              <a:rPr lang="en-US" sz="5400" b="1" dirty="0" err="1">
+                <a:latin typeface="Times New Roman" panose="02020603050405020304" pitchFamily="18" charset="0"/>
+                <a:cs typeface="Times New Roman" panose="02020603050405020304" pitchFamily="18" charset="0"/>
+              </a:rPr>
+              <a:t>chúng</a:t>
+            </a:r>
+            <a:r>
+              <a:rPr lang="en-US" sz="5400" b="1" dirty="0">
+                <a:latin typeface="Times New Roman" panose="02020603050405020304" pitchFamily="18" charset="0"/>
+                <a:cs typeface="Times New Roman" panose="02020603050405020304" pitchFamily="18" charset="0"/>
+              </a:rPr>
+              <a:t> con </a:t>
+            </a:r>
+            <a:r>
+              <a:rPr lang="en-US" sz="5400" b="1" dirty="0" err="1">
+                <a:latin typeface="Times New Roman" panose="02020603050405020304" pitchFamily="18" charset="0"/>
+                <a:cs typeface="Times New Roman" panose="02020603050405020304" pitchFamily="18" charset="0"/>
+              </a:rPr>
+              <a:t>Thầy</a:t>
+            </a:r>
+            <a:r>
+              <a:rPr lang="en-US" sz="5400" b="1" dirty="0">
+                <a:latin typeface="Times New Roman" panose="02020603050405020304" pitchFamily="18" charset="0"/>
+                <a:cs typeface="Times New Roman" panose="02020603050405020304" pitchFamily="18" charset="0"/>
+              </a:rPr>
+              <a:t> ban </a:t>
+            </a:r>
+            <a:r>
+              <a:rPr lang="en-US" sz="5400" b="1" dirty="0" err="1">
+                <a:latin typeface="Times New Roman" panose="02020603050405020304" pitchFamily="18" charset="0"/>
+                <a:cs typeface="Times New Roman" panose="02020603050405020304" pitchFamily="18" charset="0"/>
+              </a:rPr>
+              <a:t>trót</a:t>
             </a:r>
             <a:r>
               <a:rPr lang="en-US" sz="5400" b="1" dirty="0">
@@ -10565,98 +10426,126 @@
                 <a:latin typeface="Times New Roman" panose="02020603050405020304" pitchFamily="18" charset="0"/>
                 <a:cs typeface="Times New Roman" panose="02020603050405020304" pitchFamily="18" charset="0"/>
               </a:rPr>
-              <a:t>vì</a:t>
-            </a:r>
-            <a:r>
-              <a:rPr lang="en-US" sz="5400" b="1" dirty="0">
-                <a:latin typeface="Times New Roman" panose="02020603050405020304" pitchFamily="18" charset="0"/>
-                <a:cs typeface="Times New Roman" panose="02020603050405020304" pitchFamily="18" charset="0"/>
-              </a:rPr>
-              <a:t> </a:t>
-            </a:r>
-            <a:r>
-              <a:rPr lang="en-US" sz="5400" b="1" dirty="0" err="1">
-                <a:latin typeface="Times New Roman" panose="02020603050405020304" pitchFamily="18" charset="0"/>
-                <a:cs typeface="Times New Roman" panose="02020603050405020304" pitchFamily="18" charset="0"/>
-              </a:rPr>
-              <a:t>nhân</a:t>
-            </a:r>
-            <a:r>
-              <a:rPr lang="en-US" sz="5400" b="1" dirty="0">
-                <a:latin typeface="Times New Roman" panose="02020603050405020304" pitchFamily="18" charset="0"/>
-                <a:cs typeface="Times New Roman" panose="02020603050405020304" pitchFamily="18" charset="0"/>
-              </a:rPr>
-              <a:t> </a:t>
-            </a:r>
-            <a:r>
-              <a:rPr lang="en-US" sz="5400" b="1" dirty="0" err="1">
-                <a:latin typeface="Times New Roman" panose="02020603050405020304" pitchFamily="18" charset="0"/>
-                <a:cs typeface="Times New Roman" panose="02020603050405020304" pitchFamily="18" charset="0"/>
-              </a:rPr>
-              <a:t>loại</a:t>
-            </a:r>
-            <a:r>
-              <a:rPr lang="en-US" sz="5400" b="1" dirty="0">
-                <a:latin typeface="Times New Roman" panose="02020603050405020304" pitchFamily="18" charset="0"/>
-                <a:cs typeface="Times New Roman" panose="02020603050405020304" pitchFamily="18" charset="0"/>
-              </a:rPr>
-              <a:t> </a:t>
-            </a:r>
-            <a:r>
-              <a:rPr lang="en-US" sz="5400" b="1" dirty="0" err="1">
-                <a:latin typeface="Times New Roman" panose="02020603050405020304" pitchFamily="18" charset="0"/>
-                <a:cs typeface="Times New Roman" panose="02020603050405020304" pitchFamily="18" charset="0"/>
-              </a:rPr>
-              <a:t>tội</a:t>
-            </a:r>
-            <a:r>
-              <a:rPr lang="en-US" sz="5400" b="1" dirty="0">
-                <a:latin typeface="Times New Roman" panose="02020603050405020304" pitchFamily="18" charset="0"/>
-                <a:cs typeface="Times New Roman" panose="02020603050405020304" pitchFamily="18" charset="0"/>
-              </a:rPr>
-              <a:t> </a:t>
-            </a:r>
-            <a:r>
-              <a:rPr lang="en-US" sz="5400" b="1" dirty="0" err="1">
-                <a:latin typeface="Times New Roman" panose="02020603050405020304" pitchFamily="18" charset="0"/>
-                <a:cs typeface="Times New Roman" panose="02020603050405020304" pitchFamily="18" charset="0"/>
-              </a:rPr>
-              <a:t>tình</a:t>
-            </a:r>
-            <a:r>
-              <a:rPr lang="en-US" sz="5400" b="1" dirty="0">
-                <a:latin typeface="Times New Roman" panose="02020603050405020304" pitchFamily="18" charset="0"/>
-                <a:cs typeface="Times New Roman" panose="02020603050405020304" pitchFamily="18" charset="0"/>
-              </a:rPr>
-              <a:t> (</a:t>
-            </a:r>
-            <a:r>
-              <a:rPr lang="en-US" sz="5400" b="1" dirty="0" err="1">
-                <a:latin typeface="Times New Roman" panose="02020603050405020304" pitchFamily="18" charset="0"/>
-                <a:cs typeface="Times New Roman" panose="02020603050405020304" pitchFamily="18" charset="0"/>
-              </a:rPr>
-              <a:t>tội</a:t>
-            </a:r>
-            <a:r>
-              <a:rPr lang="en-US" sz="5400" b="1" dirty="0">
-                <a:latin typeface="Times New Roman" panose="02020603050405020304" pitchFamily="18" charset="0"/>
-                <a:cs typeface="Times New Roman" panose="02020603050405020304" pitchFamily="18" charset="0"/>
-              </a:rPr>
-              <a:t> </a:t>
-            </a:r>
-            <a:r>
-              <a:rPr lang="en-US" sz="5400" b="1" dirty="0" err="1">
-                <a:latin typeface="Times New Roman" panose="02020603050405020304" pitchFamily="18" charset="0"/>
-                <a:cs typeface="Times New Roman" panose="02020603050405020304" pitchFamily="18" charset="0"/>
-              </a:rPr>
-              <a:t>tình</a:t>
-            </a:r>
-            <a:r>
-              <a:rPr lang="en-US" sz="5400" b="1" dirty="0">
-                <a:latin typeface="Times New Roman" panose="02020603050405020304" pitchFamily="18" charset="0"/>
-                <a:cs typeface="Times New Roman" panose="02020603050405020304" pitchFamily="18" charset="0"/>
-              </a:rPr>
-              <a:t>).</a:t>
+              <a:t>mình</a:t>
+            </a:r>
+            <a:r>
+              <a:rPr lang="en-US" sz="5400" b="1" dirty="0">
+                <a:latin typeface="Times New Roman" panose="02020603050405020304" pitchFamily="18" charset="0"/>
+                <a:cs typeface="Times New Roman" panose="02020603050405020304" pitchFamily="18" charset="0"/>
+              </a:rPr>
+              <a:t> </a:t>
+            </a:r>
+            <a:r>
+              <a:rPr lang="en-US" sz="5400" b="1" dirty="0" err="1">
+                <a:latin typeface="Times New Roman" panose="02020603050405020304" pitchFamily="18" charset="0"/>
+                <a:cs typeface="Times New Roman" panose="02020603050405020304" pitchFamily="18" charset="0"/>
+              </a:rPr>
+              <a:t>để</a:t>
+            </a:r>
+            <a:r>
+              <a:rPr lang="en-US" sz="5400" b="1" dirty="0">
+                <a:latin typeface="Times New Roman" panose="02020603050405020304" pitchFamily="18" charset="0"/>
+                <a:cs typeface="Times New Roman" panose="02020603050405020304" pitchFamily="18" charset="0"/>
+              </a:rPr>
+              <a:t> </a:t>
+            </a:r>
+            <a:r>
+              <a:rPr lang="en-US" sz="5400" b="1" dirty="0" err="1">
+                <a:latin typeface="Times New Roman" panose="02020603050405020304" pitchFamily="18" charset="0"/>
+                <a:cs typeface="Times New Roman" panose="02020603050405020304" pitchFamily="18" charset="0"/>
+              </a:rPr>
+              <a:t>nuôi</a:t>
+            </a:r>
+            <a:r>
+              <a:rPr lang="en-US" sz="5400" b="1" dirty="0">
+                <a:latin typeface="Times New Roman" panose="02020603050405020304" pitchFamily="18" charset="0"/>
+                <a:cs typeface="Times New Roman" panose="02020603050405020304" pitchFamily="18" charset="0"/>
+              </a:rPr>
+              <a:t> </a:t>
+            </a:r>
+            <a:r>
+              <a:rPr lang="en-US" sz="5400" b="1" dirty="0" err="1">
+                <a:latin typeface="Times New Roman" panose="02020603050405020304" pitchFamily="18" charset="0"/>
+                <a:cs typeface="Times New Roman" panose="02020603050405020304" pitchFamily="18" charset="0"/>
+              </a:rPr>
+              <a:t>chúng</a:t>
+            </a:r>
+            <a:r>
+              <a:rPr lang="en-US" sz="5400" b="1" dirty="0">
+                <a:latin typeface="Times New Roman" panose="02020603050405020304" pitchFamily="18" charset="0"/>
+                <a:cs typeface="Times New Roman" panose="02020603050405020304" pitchFamily="18" charset="0"/>
+              </a:rPr>
+              <a:t> con </a:t>
+            </a:r>
+            <a:r>
+              <a:rPr lang="en-US" sz="5400" b="1" dirty="0" err="1">
+                <a:latin typeface="Times New Roman" panose="02020603050405020304" pitchFamily="18" charset="0"/>
+                <a:cs typeface="Times New Roman" panose="02020603050405020304" pitchFamily="18" charset="0"/>
+              </a:rPr>
+              <a:t>ngày</a:t>
+            </a:r>
+            <a:r>
+              <a:rPr lang="en-US" sz="5400" b="1" dirty="0">
+                <a:latin typeface="Times New Roman" panose="02020603050405020304" pitchFamily="18" charset="0"/>
+                <a:cs typeface="Times New Roman" panose="02020603050405020304" pitchFamily="18" charset="0"/>
+              </a:rPr>
+              <a:t> </a:t>
+            </a:r>
+            <a:r>
+              <a:rPr lang="en-US" sz="5400" b="1" dirty="0" err="1">
+                <a:latin typeface="Times New Roman" panose="02020603050405020304" pitchFamily="18" charset="0"/>
+                <a:cs typeface="Times New Roman" panose="02020603050405020304" pitchFamily="18" charset="0"/>
+              </a:rPr>
+              <a:t>lưu</a:t>
+            </a:r>
+            <a:r>
+              <a:rPr lang="en-US" sz="5400" b="1" dirty="0">
+                <a:latin typeface="Times New Roman" panose="02020603050405020304" pitchFamily="18" charset="0"/>
+                <a:cs typeface="Times New Roman" panose="02020603050405020304" pitchFamily="18" charset="0"/>
+              </a:rPr>
+              <a:t> </a:t>
+            </a:r>
+            <a:r>
+              <a:rPr lang="en-US" sz="5400" b="1" dirty="0" err="1">
+                <a:latin typeface="Times New Roman" panose="02020603050405020304" pitchFamily="18" charset="0"/>
+                <a:cs typeface="Times New Roman" panose="02020603050405020304" pitchFamily="18" charset="0"/>
+              </a:rPr>
+              <a:t>ký</a:t>
+            </a:r>
+            <a:r>
+              <a:rPr lang="en-US" sz="5400" b="1" dirty="0">
+                <a:latin typeface="Times New Roman" panose="02020603050405020304" pitchFamily="18" charset="0"/>
+                <a:cs typeface="Times New Roman" panose="02020603050405020304" pitchFamily="18" charset="0"/>
+              </a:rPr>
+              <a:t> </a:t>
+            </a:r>
+            <a:r>
+              <a:rPr lang="en-US" sz="5400" b="1" dirty="0" err="1">
+                <a:latin typeface="Times New Roman" panose="02020603050405020304" pitchFamily="18" charset="0"/>
+                <a:cs typeface="Times New Roman" panose="02020603050405020304" pitchFamily="18" charset="0"/>
+              </a:rPr>
+              <a:t>trần</a:t>
+            </a:r>
+            <a:r>
+              <a:rPr lang="en-US" sz="5400" b="1" dirty="0">
+                <a:latin typeface="Times New Roman" panose="02020603050405020304" pitchFamily="18" charset="0"/>
+                <a:cs typeface="Times New Roman" panose="02020603050405020304" pitchFamily="18" charset="0"/>
+              </a:rPr>
+              <a:t> </a:t>
+            </a:r>
+            <a:r>
+              <a:rPr lang="en-US" sz="5400" b="1" dirty="0" err="1">
+                <a:latin typeface="Times New Roman" panose="02020603050405020304" pitchFamily="18" charset="0"/>
+                <a:cs typeface="Times New Roman" panose="02020603050405020304" pitchFamily="18" charset="0"/>
+              </a:rPr>
+              <a:t>gian</a:t>
+            </a:r>
+            <a:r>
+              <a:rPr lang="en-US" sz="5400" b="1" dirty="0">
+                <a:latin typeface="Times New Roman" panose="02020603050405020304" pitchFamily="18" charset="0"/>
+                <a:cs typeface="Times New Roman" panose="02020603050405020304" pitchFamily="18" charset="0"/>
+              </a:rPr>
+              <a:t>.</a:t>
             </a:r>
             <a:endParaRPr lang="vi-VN" sz="5400" b="1" dirty="0">
               <a:latin typeface="Times New Roman" panose="02020603050405020304" pitchFamily="18" charset="0"/>
@@ -10668,7 +10557,7 @@
     </p:spTree>
     <p:extLst>
       <p:ext uri="{BB962C8B-B14F-4D97-AF65-F5344CB8AC3E}">
-        <p14:creationId xmlns:p14="http://schemas.microsoft.com/office/powerpoint/2010/main" val="2892178179"/>
+        <p14:creationId xmlns:p14="http://schemas.microsoft.com/office/powerpoint/2010/main" val="3840089142"/>
       </p:ext>
     </p:extLst>
   </p:cSld>
@@ -10816,588 +10705,64 @@
       </p:grpSpPr>
       <p:sp>
         <p:nvSpPr>
-          <p:cNvPr id="2" name="Title 1"/>
+          <p:cNvPr id="2" name="Title 1">
+            <a:extLst>
+              <a:ext uri="{FF2B5EF4-FFF2-40B4-BE49-F238E27FC236}">
+                <a16:creationId xmlns:a16="http://schemas.microsoft.com/office/drawing/2014/main" id="{85EBFD76-E616-4E87-8CFD-B12716F67D57}"/>
+              </a:ext>
+            </a:extLst>
+          </p:cNvPr>
           <p:cNvSpPr>
             <a:spLocks noGrp="1"/>
           </p:cNvSpPr>
           <p:nvPr>
-            <p:ph type="ctrTitle"/>
+            <p:ph type="title"/>
           </p:nvPr>
         </p:nvSpPr>
-        <p:spPr>
-          <a:xfrm>
-            <a:off x="0" y="-3769"/>
-            <a:ext cx="9144000" cy="533400"/>
-          </a:xfrm>
-        </p:spPr>
+        <p:spPr/>
         <p:txBody>
-          <a:bodyPr>
-            <a:normAutofit/>
-          </a:bodyPr>
+          <a:bodyPr/>
           <a:lstStyle/>
           <a:p>
-            <a:pPr algn="l"/>
-            <a:r>
-              <a:rPr lang="en-US" sz="1800" dirty="0" err="1">
-                <a:solidFill>
-                  <a:srgbClr val="FF0000"/>
-                </a:solidFill>
-                <a:latin typeface="Times New Roman" panose="02020603050405020304" pitchFamily="18" charset="0"/>
-                <a:cs typeface="Times New Roman" panose="02020603050405020304" pitchFamily="18" charset="0"/>
-              </a:rPr>
-              <a:t>Kết</a:t>
-            </a:r>
-            <a:r>
-              <a:rPr lang="en-US" sz="1800" dirty="0">
-                <a:solidFill>
-                  <a:srgbClr val="FF0000"/>
-                </a:solidFill>
-                <a:latin typeface="Times New Roman" panose="02020603050405020304" pitchFamily="18" charset="0"/>
-                <a:cs typeface="Times New Roman" panose="02020603050405020304" pitchFamily="18" charset="0"/>
-              </a:rPr>
-              <a:t> </a:t>
-            </a:r>
-            <a:r>
-              <a:rPr lang="en-US" sz="1800" dirty="0" err="1">
-                <a:solidFill>
-                  <a:srgbClr val="FF0000"/>
-                </a:solidFill>
-                <a:latin typeface="Times New Roman" panose="02020603050405020304" pitchFamily="18" charset="0"/>
-                <a:cs typeface="Times New Roman" panose="02020603050405020304" pitchFamily="18" charset="0"/>
-              </a:rPr>
-              <a:t>lễ</a:t>
-            </a:r>
-            <a:r>
-              <a:rPr lang="en-US" sz="1800" dirty="0">
-                <a:solidFill>
-                  <a:srgbClr val="FF0000"/>
-                </a:solidFill>
-                <a:latin typeface="Times New Roman" panose="02020603050405020304" pitchFamily="18" charset="0"/>
-                <a:cs typeface="Times New Roman" panose="02020603050405020304" pitchFamily="18" charset="0"/>
-              </a:rPr>
-              <a:t>                                   	         </a:t>
-            </a:r>
-            <a:r>
-              <a:rPr lang="en-US" sz="2400" b="1" dirty="0">
-                <a:solidFill>
-                  <a:srgbClr val="FF0000"/>
-                </a:solidFill>
-                <a:effectLst>
-                  <a:outerShdw blurRad="38100" dist="38100" dir="2700000" algn="tl">
-                    <a:srgbClr val="000000">
-                      <a:alpha val="43137"/>
-                    </a:srgbClr>
-                  </a:outerShdw>
-                </a:effectLst>
-                <a:latin typeface="Times New Roman" panose="02020603050405020304" pitchFamily="18" charset="0"/>
-                <a:cs typeface="Times New Roman" panose="02020603050405020304" pitchFamily="18" charset="0"/>
-              </a:rPr>
-              <a:t>MẸ ĐỨNG ĐÓ (221)</a:t>
-            </a:r>
-            <a:endParaRPr lang="en-US" sz="2400" b="1" dirty="0">
-              <a:solidFill>
-                <a:srgbClr val="FF0000"/>
-              </a:solidFill>
-              <a:effectLst>
-                <a:outerShdw blurRad="38100" dist="38100" dir="2700000" algn="tl">
-                  <a:srgbClr val="000000">
-                    <a:alpha val="43137"/>
-                  </a:srgbClr>
-                </a:outerShdw>
-              </a:effectLst>
-            </a:endParaRPr>
+            <a:endParaRPr lang="en-US"/>
           </a:p>
         </p:txBody>
       </p:sp>
       <p:sp>
         <p:nvSpPr>
-          <p:cNvPr id="3" name="Subtitle 2"/>
+          <p:cNvPr id="3" name="Content Placeholder 2">
+            <a:extLst>
+              <a:ext uri="{FF2B5EF4-FFF2-40B4-BE49-F238E27FC236}">
+                <a16:creationId xmlns:a16="http://schemas.microsoft.com/office/drawing/2014/main" id="{90F46518-4A7E-400B-B1DA-093AAF6A197C}"/>
+              </a:ext>
+            </a:extLst>
+          </p:cNvPr>
           <p:cNvSpPr>
             <a:spLocks noGrp="1"/>
           </p:cNvSpPr>
           <p:nvPr>
-            <p:ph type="subTitle" idx="1"/>
+            <p:ph idx="1"/>
           </p:nvPr>
         </p:nvSpPr>
-        <p:spPr>
-          <a:xfrm>
-            <a:off x="0" y="942318"/>
-            <a:ext cx="9144000" cy="5105400"/>
-          </a:xfrm>
-        </p:spPr>
+        <p:spPr/>
         <p:txBody>
-          <a:bodyPr>
-            <a:noAutofit/>
-          </a:bodyPr>
+          <a:bodyPr/>
           <a:lstStyle/>
           <a:p>
-            <a:pPr algn="just"/>
-            <a:r>
-              <a:rPr lang="en-US" sz="5400" b="1" dirty="0" err="1">
-                <a:latin typeface="Times New Roman" panose="02020603050405020304" pitchFamily="18" charset="0"/>
-                <a:cs typeface="Times New Roman" panose="02020603050405020304" pitchFamily="18" charset="0"/>
-              </a:rPr>
-              <a:t>Mẹ</a:t>
-            </a:r>
-            <a:r>
-              <a:rPr lang="en-US" sz="5400" b="1" dirty="0">
-                <a:latin typeface="Times New Roman" panose="02020603050405020304" pitchFamily="18" charset="0"/>
-                <a:cs typeface="Times New Roman" panose="02020603050405020304" pitchFamily="18" charset="0"/>
-              </a:rPr>
-              <a:t> </a:t>
-            </a:r>
-            <a:r>
-              <a:rPr lang="en-US" sz="5400" b="1" dirty="0" err="1">
-                <a:latin typeface="Times New Roman" panose="02020603050405020304" pitchFamily="18" charset="0"/>
-                <a:cs typeface="Times New Roman" panose="02020603050405020304" pitchFamily="18" charset="0"/>
-              </a:rPr>
-              <a:t>đứng</a:t>
-            </a:r>
-            <a:r>
-              <a:rPr lang="en-US" sz="5400" b="1" dirty="0">
-                <a:latin typeface="Times New Roman" panose="02020603050405020304" pitchFamily="18" charset="0"/>
-                <a:cs typeface="Times New Roman" panose="02020603050405020304" pitchFamily="18" charset="0"/>
-              </a:rPr>
-              <a:t> </a:t>
-            </a:r>
-            <a:r>
-              <a:rPr lang="en-US" sz="5400" b="1" dirty="0" err="1">
-                <a:latin typeface="Times New Roman" panose="02020603050405020304" pitchFamily="18" charset="0"/>
-                <a:cs typeface="Times New Roman" panose="02020603050405020304" pitchFamily="18" charset="0"/>
-              </a:rPr>
-              <a:t>đó</a:t>
-            </a:r>
-            <a:r>
-              <a:rPr lang="en-US" sz="5400" b="1" dirty="0">
-                <a:latin typeface="Times New Roman" panose="02020603050405020304" pitchFamily="18" charset="0"/>
-                <a:cs typeface="Times New Roman" panose="02020603050405020304" pitchFamily="18" charset="0"/>
-              </a:rPr>
-              <a:t> </a:t>
-            </a:r>
-            <a:r>
-              <a:rPr lang="en-US" sz="5400" b="1" dirty="0" err="1">
-                <a:latin typeface="Times New Roman" panose="02020603050405020304" pitchFamily="18" charset="0"/>
-                <a:cs typeface="Times New Roman" panose="02020603050405020304" pitchFamily="18" charset="0"/>
-              </a:rPr>
-              <a:t>tâm</a:t>
-            </a:r>
-            <a:r>
-              <a:rPr lang="en-US" sz="5400" b="1" dirty="0">
-                <a:latin typeface="Times New Roman" panose="02020603050405020304" pitchFamily="18" charset="0"/>
-                <a:cs typeface="Times New Roman" panose="02020603050405020304" pitchFamily="18" charset="0"/>
-              </a:rPr>
-              <a:t> </a:t>
-            </a:r>
-            <a:r>
-              <a:rPr lang="en-US" sz="5400" b="1" dirty="0" err="1">
-                <a:latin typeface="Times New Roman" panose="02020603050405020304" pitchFamily="18" charset="0"/>
-                <a:cs typeface="Times New Roman" panose="02020603050405020304" pitchFamily="18" charset="0"/>
-              </a:rPr>
-              <a:t>hồn</a:t>
-            </a:r>
-            <a:r>
-              <a:rPr lang="en-US" sz="5400" b="1" dirty="0">
-                <a:latin typeface="Times New Roman" panose="02020603050405020304" pitchFamily="18" charset="0"/>
-                <a:cs typeface="Times New Roman" panose="02020603050405020304" pitchFamily="18" charset="0"/>
-              </a:rPr>
-              <a:t> </a:t>
-            </a:r>
-            <a:r>
-              <a:rPr lang="en-US" sz="5400" b="1" dirty="0" err="1">
-                <a:latin typeface="Times New Roman" panose="02020603050405020304" pitchFamily="18" charset="0"/>
-                <a:cs typeface="Times New Roman" panose="02020603050405020304" pitchFamily="18" charset="0"/>
-              </a:rPr>
-              <a:t>tê</a:t>
-            </a:r>
-            <a:r>
-              <a:rPr lang="en-US" sz="5400" b="1" dirty="0">
-                <a:latin typeface="Times New Roman" panose="02020603050405020304" pitchFamily="18" charset="0"/>
-                <a:cs typeface="Times New Roman" panose="02020603050405020304" pitchFamily="18" charset="0"/>
-              </a:rPr>
-              <a:t> </a:t>
-            </a:r>
-            <a:r>
-              <a:rPr lang="en-US" sz="5400" b="1" dirty="0" err="1">
-                <a:latin typeface="Times New Roman" panose="02020603050405020304" pitchFamily="18" charset="0"/>
-                <a:cs typeface="Times New Roman" panose="02020603050405020304" pitchFamily="18" charset="0"/>
-              </a:rPr>
-              <a:t>tái</a:t>
-            </a:r>
-            <a:r>
-              <a:rPr lang="en-US" sz="5400" b="1" dirty="0">
-                <a:latin typeface="Times New Roman" panose="02020603050405020304" pitchFamily="18" charset="0"/>
-                <a:cs typeface="Times New Roman" panose="02020603050405020304" pitchFamily="18" charset="0"/>
-              </a:rPr>
-              <a:t> </a:t>
-            </a:r>
-            <a:r>
-              <a:rPr lang="en-US" sz="5400" b="1" dirty="0" err="1">
-                <a:latin typeface="Times New Roman" panose="02020603050405020304" pitchFamily="18" charset="0"/>
-                <a:cs typeface="Times New Roman" panose="02020603050405020304" pitchFamily="18" charset="0"/>
-              </a:rPr>
-              <a:t>sầu</a:t>
-            </a:r>
-            <a:r>
-              <a:rPr lang="en-US" sz="5400" b="1" dirty="0">
-                <a:latin typeface="Times New Roman" panose="02020603050405020304" pitchFamily="18" charset="0"/>
-                <a:cs typeface="Times New Roman" panose="02020603050405020304" pitchFamily="18" charset="0"/>
-              </a:rPr>
-              <a:t>. </a:t>
-            </a:r>
-            <a:r>
-              <a:rPr lang="en-US" sz="5400" b="1" dirty="0" err="1">
-                <a:latin typeface="Times New Roman" panose="02020603050405020304" pitchFamily="18" charset="0"/>
-                <a:cs typeface="Times New Roman" panose="02020603050405020304" pitchFamily="18" charset="0"/>
-              </a:rPr>
-              <a:t>Đồng</a:t>
-            </a:r>
-            <a:r>
-              <a:rPr lang="en-US" sz="5400" b="1" dirty="0">
-                <a:latin typeface="Times New Roman" panose="02020603050405020304" pitchFamily="18" charset="0"/>
-                <a:cs typeface="Times New Roman" panose="02020603050405020304" pitchFamily="18" charset="0"/>
-              </a:rPr>
-              <a:t> </a:t>
-            </a:r>
-            <a:r>
-              <a:rPr lang="en-US" sz="5400" b="1" dirty="0" err="1">
-                <a:latin typeface="Times New Roman" panose="02020603050405020304" pitchFamily="18" charset="0"/>
-                <a:cs typeface="Times New Roman" panose="02020603050405020304" pitchFamily="18" charset="0"/>
-              </a:rPr>
-              <a:t>công</a:t>
-            </a:r>
-            <a:r>
-              <a:rPr lang="en-US" sz="5400" b="1" dirty="0">
-                <a:latin typeface="Times New Roman" panose="02020603050405020304" pitchFamily="18" charset="0"/>
-                <a:cs typeface="Times New Roman" panose="02020603050405020304" pitchFamily="18" charset="0"/>
-              </a:rPr>
-              <a:t> </a:t>
-            </a:r>
-            <a:r>
-              <a:rPr lang="en-US" sz="5400" b="1" dirty="0" err="1">
-                <a:latin typeface="Times New Roman" panose="02020603050405020304" pitchFamily="18" charset="0"/>
-                <a:cs typeface="Times New Roman" panose="02020603050405020304" pitchFamily="18" charset="0"/>
-              </a:rPr>
-              <a:t>cùng</a:t>
-            </a:r>
-            <a:r>
-              <a:rPr lang="en-US" sz="5400" b="1" dirty="0">
-                <a:latin typeface="Times New Roman" panose="02020603050405020304" pitchFamily="18" charset="0"/>
-                <a:cs typeface="Times New Roman" panose="02020603050405020304" pitchFamily="18" charset="0"/>
-              </a:rPr>
-              <a:t> con </a:t>
-            </a:r>
-            <a:r>
-              <a:rPr lang="en-US" sz="5400" b="1" dirty="0" err="1">
-                <a:latin typeface="Times New Roman" panose="02020603050405020304" pitchFamily="18" charset="0"/>
-                <a:cs typeface="Times New Roman" panose="02020603050405020304" pitchFamily="18" charset="0"/>
-              </a:rPr>
-              <a:t>dấu</a:t>
-            </a:r>
-            <a:r>
-              <a:rPr lang="en-US" sz="5400" b="1" dirty="0">
-                <a:latin typeface="Times New Roman" panose="02020603050405020304" pitchFamily="18" charset="0"/>
-                <a:cs typeface="Times New Roman" panose="02020603050405020304" pitchFamily="18" charset="0"/>
-              </a:rPr>
-              <a:t> </a:t>
-            </a:r>
-            <a:r>
-              <a:rPr lang="en-US" sz="5400" b="1" dirty="0" err="1">
-                <a:latin typeface="Times New Roman" panose="02020603050405020304" pitchFamily="18" charset="0"/>
-                <a:cs typeface="Times New Roman" panose="02020603050405020304" pitchFamily="18" charset="0"/>
-              </a:rPr>
-              <a:t>yêu</a:t>
-            </a:r>
-            <a:r>
-              <a:rPr lang="en-US" sz="5400" b="1" dirty="0">
-                <a:latin typeface="Times New Roman" panose="02020603050405020304" pitchFamily="18" charset="0"/>
-                <a:cs typeface="Times New Roman" panose="02020603050405020304" pitchFamily="18" charset="0"/>
-              </a:rPr>
-              <a:t>. </a:t>
-            </a:r>
-            <a:r>
-              <a:rPr lang="en-US" sz="5400" b="1" dirty="0" err="1">
-                <a:latin typeface="Times New Roman" panose="02020603050405020304" pitchFamily="18" charset="0"/>
-                <a:cs typeface="Times New Roman" panose="02020603050405020304" pitchFamily="18" charset="0"/>
-              </a:rPr>
-              <a:t>Vì</a:t>
-            </a:r>
-            <a:r>
-              <a:rPr lang="en-US" sz="5400" b="1" dirty="0">
-                <a:latin typeface="Times New Roman" panose="02020603050405020304" pitchFamily="18" charset="0"/>
-                <a:cs typeface="Times New Roman" panose="02020603050405020304" pitchFamily="18" charset="0"/>
-              </a:rPr>
-              <a:t> </a:t>
-            </a:r>
-            <a:r>
-              <a:rPr lang="en-US" sz="5400" b="1" dirty="0" err="1">
-                <a:latin typeface="Times New Roman" panose="02020603050405020304" pitchFamily="18" charset="0"/>
-                <a:cs typeface="Times New Roman" panose="02020603050405020304" pitchFamily="18" charset="0"/>
-              </a:rPr>
-              <a:t>thương</a:t>
-            </a:r>
-            <a:r>
-              <a:rPr lang="en-US" sz="5400" b="1" dirty="0">
-                <a:latin typeface="Times New Roman" panose="02020603050405020304" pitchFamily="18" charset="0"/>
-                <a:cs typeface="Times New Roman" panose="02020603050405020304" pitchFamily="18" charset="0"/>
-              </a:rPr>
-              <a:t> </a:t>
-            </a:r>
-            <a:r>
-              <a:rPr lang="en-US" sz="5400" b="1" dirty="0" err="1">
-                <a:latin typeface="Times New Roman" panose="02020603050405020304" pitchFamily="18" charset="0"/>
-                <a:cs typeface="Times New Roman" panose="02020603050405020304" pitchFamily="18" charset="0"/>
-              </a:rPr>
-              <a:t>nhân</a:t>
-            </a:r>
-            <a:r>
-              <a:rPr lang="en-US" sz="5400" b="1" dirty="0">
-                <a:latin typeface="Times New Roman" panose="02020603050405020304" pitchFamily="18" charset="0"/>
-                <a:cs typeface="Times New Roman" panose="02020603050405020304" pitchFamily="18" charset="0"/>
-              </a:rPr>
-              <a:t> </a:t>
-            </a:r>
-            <a:r>
-              <a:rPr lang="en-US" sz="5400" b="1" dirty="0" err="1">
-                <a:latin typeface="Times New Roman" panose="02020603050405020304" pitchFamily="18" charset="0"/>
-                <a:cs typeface="Times New Roman" panose="02020603050405020304" pitchFamily="18" charset="0"/>
-              </a:rPr>
-              <a:t>loại</a:t>
-            </a:r>
-            <a:r>
-              <a:rPr lang="en-US" sz="5400" b="1" dirty="0">
-                <a:latin typeface="Times New Roman" panose="02020603050405020304" pitchFamily="18" charset="0"/>
-                <a:cs typeface="Times New Roman" panose="02020603050405020304" pitchFamily="18" charset="0"/>
-              </a:rPr>
-              <a:t> </a:t>
-            </a:r>
-            <a:r>
-              <a:rPr lang="en-US" sz="5400" b="1" dirty="0" err="1">
-                <a:latin typeface="Times New Roman" panose="02020603050405020304" pitchFamily="18" charset="0"/>
-                <a:cs typeface="Times New Roman" panose="02020603050405020304" pitchFamily="18" charset="0"/>
-              </a:rPr>
-              <a:t>bao</a:t>
-            </a:r>
-            <a:r>
-              <a:rPr lang="en-US" sz="5400" b="1" dirty="0">
-                <a:latin typeface="Times New Roman" panose="02020603050405020304" pitchFamily="18" charset="0"/>
-                <a:cs typeface="Times New Roman" panose="02020603050405020304" pitchFamily="18" charset="0"/>
-              </a:rPr>
-              <a:t> </a:t>
-            </a:r>
-            <a:r>
-              <a:rPr lang="en-US" sz="5400" b="1" dirty="0" err="1">
-                <a:latin typeface="Times New Roman" panose="02020603050405020304" pitchFamily="18" charset="0"/>
-                <a:cs typeface="Times New Roman" panose="02020603050405020304" pitchFamily="18" charset="0"/>
-              </a:rPr>
-              <a:t>khốn</a:t>
-            </a:r>
-            <a:r>
-              <a:rPr lang="en-US" sz="5400" b="1" dirty="0">
-                <a:latin typeface="Times New Roman" panose="02020603050405020304" pitchFamily="18" charset="0"/>
-                <a:cs typeface="Times New Roman" panose="02020603050405020304" pitchFamily="18" charset="0"/>
-              </a:rPr>
-              <a:t> </a:t>
-            </a:r>
-            <a:r>
-              <a:rPr lang="en-US" sz="5400" b="1" dirty="0" err="1">
-                <a:latin typeface="Times New Roman" panose="02020603050405020304" pitchFamily="18" charset="0"/>
-                <a:cs typeface="Times New Roman" panose="02020603050405020304" pitchFamily="18" charset="0"/>
-              </a:rPr>
-              <a:t>cùng</a:t>
-            </a:r>
-            <a:r>
-              <a:rPr lang="en-US" sz="5400" b="1" dirty="0">
-                <a:latin typeface="Times New Roman" panose="02020603050405020304" pitchFamily="18" charset="0"/>
-                <a:cs typeface="Times New Roman" panose="02020603050405020304" pitchFamily="18" charset="0"/>
-              </a:rPr>
-              <a:t>. Xin </a:t>
-            </a:r>
-            <a:r>
-              <a:rPr lang="en-US" sz="5400" b="1" dirty="0" err="1">
-                <a:latin typeface="Times New Roman" panose="02020603050405020304" pitchFamily="18" charset="0"/>
-                <a:cs typeface="Times New Roman" panose="02020603050405020304" pitchFamily="18" charset="0"/>
-              </a:rPr>
-              <a:t>dẫn</a:t>
-            </a:r>
-            <a:r>
-              <a:rPr lang="en-US" sz="5400" b="1" dirty="0">
-                <a:latin typeface="Times New Roman" panose="02020603050405020304" pitchFamily="18" charset="0"/>
-                <a:cs typeface="Times New Roman" panose="02020603050405020304" pitchFamily="18" charset="0"/>
-              </a:rPr>
-              <a:t> </a:t>
-            </a:r>
-            <a:r>
-              <a:rPr lang="en-US" sz="5400" b="1" dirty="0" err="1">
-                <a:latin typeface="Times New Roman" panose="02020603050405020304" pitchFamily="18" charset="0"/>
-                <a:cs typeface="Times New Roman" panose="02020603050405020304" pitchFamily="18" charset="0"/>
-              </a:rPr>
-              <a:t>đưa</a:t>
-            </a:r>
-            <a:r>
-              <a:rPr lang="en-US" sz="5400" b="1" dirty="0">
-                <a:latin typeface="Times New Roman" panose="02020603050405020304" pitchFamily="18" charset="0"/>
-                <a:cs typeface="Times New Roman" panose="02020603050405020304" pitchFamily="18" charset="0"/>
-              </a:rPr>
-              <a:t> </a:t>
-            </a:r>
-            <a:r>
-              <a:rPr lang="en-US" sz="5400" b="1" dirty="0" err="1">
-                <a:latin typeface="Times New Roman" panose="02020603050405020304" pitchFamily="18" charset="0"/>
-                <a:cs typeface="Times New Roman" panose="02020603050405020304" pitchFamily="18" charset="0"/>
-              </a:rPr>
-              <a:t>bao</a:t>
-            </a:r>
-            <a:r>
-              <a:rPr lang="en-US" sz="5400" b="1" dirty="0">
-                <a:latin typeface="Times New Roman" panose="02020603050405020304" pitchFamily="18" charset="0"/>
-                <a:cs typeface="Times New Roman" panose="02020603050405020304" pitchFamily="18" charset="0"/>
-              </a:rPr>
-              <a:t> </a:t>
-            </a:r>
-            <a:r>
-              <a:rPr lang="en-US" sz="5400" b="1" dirty="0" err="1">
-                <a:latin typeface="Times New Roman" panose="02020603050405020304" pitchFamily="18" charset="0"/>
-                <a:cs typeface="Times New Roman" panose="02020603050405020304" pitchFamily="18" charset="0"/>
-              </a:rPr>
-              <a:t>tâm</a:t>
-            </a:r>
-            <a:r>
-              <a:rPr lang="en-US" sz="5400" b="1" dirty="0">
-                <a:latin typeface="Times New Roman" panose="02020603050405020304" pitchFamily="18" charset="0"/>
-                <a:cs typeface="Times New Roman" panose="02020603050405020304" pitchFamily="18" charset="0"/>
-              </a:rPr>
-              <a:t> </a:t>
-            </a:r>
-            <a:r>
-              <a:rPr lang="en-US" sz="5400" b="1" dirty="0" err="1">
-                <a:latin typeface="Times New Roman" panose="02020603050405020304" pitchFamily="18" charset="0"/>
-                <a:cs typeface="Times New Roman" panose="02020603050405020304" pitchFamily="18" charset="0"/>
-              </a:rPr>
-              <a:t>hồn</a:t>
-            </a:r>
-            <a:r>
-              <a:rPr lang="en-US" sz="5400" b="1" dirty="0">
-                <a:latin typeface="Times New Roman" panose="02020603050405020304" pitchFamily="18" charset="0"/>
-                <a:cs typeface="Times New Roman" panose="02020603050405020304" pitchFamily="18" charset="0"/>
-              </a:rPr>
-              <a:t> </a:t>
-            </a:r>
-            <a:r>
-              <a:rPr lang="en-US" sz="5400" b="1" dirty="0" err="1">
-                <a:latin typeface="Times New Roman" panose="02020603050405020304" pitchFamily="18" charset="0"/>
-                <a:cs typeface="Times New Roman" panose="02020603050405020304" pitchFamily="18" charset="0"/>
-              </a:rPr>
-              <a:t>lạc</a:t>
-            </a:r>
-            <a:r>
-              <a:rPr lang="en-US" sz="5400" b="1" dirty="0">
-                <a:latin typeface="Times New Roman" panose="02020603050405020304" pitchFamily="18" charset="0"/>
-                <a:cs typeface="Times New Roman" panose="02020603050405020304" pitchFamily="18" charset="0"/>
-              </a:rPr>
-              <a:t> </a:t>
-            </a:r>
-            <a:r>
-              <a:rPr lang="en-US" sz="5400" b="1" dirty="0" err="1">
-                <a:latin typeface="Times New Roman" panose="02020603050405020304" pitchFamily="18" charset="0"/>
-                <a:cs typeface="Times New Roman" panose="02020603050405020304" pitchFamily="18" charset="0"/>
-              </a:rPr>
-              <a:t>hướng</a:t>
-            </a:r>
-            <a:r>
-              <a:rPr lang="en-US" sz="5400" b="1" dirty="0">
-                <a:latin typeface="Times New Roman" panose="02020603050405020304" pitchFamily="18" charset="0"/>
-                <a:cs typeface="Times New Roman" panose="02020603050405020304" pitchFamily="18" charset="0"/>
-              </a:rPr>
-              <a:t> </a:t>
-            </a:r>
-            <a:r>
-              <a:rPr lang="en-US" sz="5400" b="1" dirty="0" err="1">
-                <a:latin typeface="Times New Roman" panose="02020603050405020304" pitchFamily="18" charset="0"/>
-                <a:cs typeface="Times New Roman" panose="02020603050405020304" pitchFamily="18" charset="0"/>
-              </a:rPr>
-              <a:t>về</a:t>
-            </a:r>
-            <a:r>
-              <a:rPr lang="en-US" sz="5400" b="1" dirty="0">
-                <a:latin typeface="Times New Roman" panose="02020603050405020304" pitchFamily="18" charset="0"/>
-                <a:cs typeface="Times New Roman" panose="02020603050405020304" pitchFamily="18" charset="0"/>
-              </a:rPr>
-              <a:t> </a:t>
-            </a:r>
-            <a:r>
-              <a:rPr lang="en-US" sz="5400" b="1" dirty="0" err="1">
-                <a:latin typeface="Times New Roman" panose="02020603050405020304" pitchFamily="18" charset="0"/>
-                <a:cs typeface="Times New Roman" panose="02020603050405020304" pitchFamily="18" charset="0"/>
-              </a:rPr>
-              <a:t>bên</a:t>
-            </a:r>
-            <a:r>
-              <a:rPr lang="en-US" sz="5400" b="1" dirty="0">
-                <a:latin typeface="Times New Roman" panose="02020603050405020304" pitchFamily="18" charset="0"/>
-                <a:cs typeface="Times New Roman" panose="02020603050405020304" pitchFamily="18" charset="0"/>
-              </a:rPr>
-              <a:t> </a:t>
-            </a:r>
-            <a:r>
-              <a:rPr lang="en-US" sz="5400" b="1" dirty="0" err="1">
-                <a:latin typeface="Times New Roman" panose="02020603050405020304" pitchFamily="18" charset="0"/>
-                <a:cs typeface="Times New Roman" panose="02020603050405020304" pitchFamily="18" charset="0"/>
-              </a:rPr>
-              <a:t>Mẹ</a:t>
-            </a:r>
-            <a:r>
-              <a:rPr lang="en-US" sz="5400" b="1" dirty="0">
-                <a:latin typeface="Times New Roman" panose="02020603050405020304" pitchFamily="18" charset="0"/>
-                <a:cs typeface="Times New Roman" panose="02020603050405020304" pitchFamily="18" charset="0"/>
-              </a:rPr>
-              <a:t>, </a:t>
-            </a:r>
-            <a:r>
-              <a:rPr lang="en-US" sz="5400" b="1" dirty="0" err="1">
-                <a:latin typeface="Times New Roman" panose="02020603050405020304" pitchFamily="18" charset="0"/>
-                <a:cs typeface="Times New Roman" panose="02020603050405020304" pitchFamily="18" charset="0"/>
-              </a:rPr>
-              <a:t>Mẹ</a:t>
-            </a:r>
-            <a:r>
-              <a:rPr lang="en-US" sz="5400" b="1" dirty="0">
-                <a:latin typeface="Times New Roman" panose="02020603050405020304" pitchFamily="18" charset="0"/>
-                <a:cs typeface="Times New Roman" panose="02020603050405020304" pitchFamily="18" charset="0"/>
-              </a:rPr>
-              <a:t> </a:t>
-            </a:r>
-            <a:r>
-              <a:rPr lang="en-US" sz="5400" b="1" dirty="0" err="1">
-                <a:latin typeface="Times New Roman" panose="02020603050405020304" pitchFamily="18" charset="0"/>
-                <a:cs typeface="Times New Roman" panose="02020603050405020304" pitchFamily="18" charset="0"/>
-              </a:rPr>
-              <a:t>ơi</a:t>
-            </a:r>
-            <a:r>
-              <a:rPr lang="en-US" sz="5400" b="1" dirty="0">
-                <a:latin typeface="Times New Roman" panose="02020603050405020304" pitchFamily="18" charset="0"/>
-                <a:cs typeface="Times New Roman" panose="02020603050405020304" pitchFamily="18" charset="0"/>
-              </a:rPr>
-              <a:t>.</a:t>
-            </a:r>
-            <a:endParaRPr lang="vi-VN" sz="5400" b="1" dirty="0">
-              <a:latin typeface="Times New Roman" panose="02020603050405020304" pitchFamily="18" charset="0"/>
-              <a:cs typeface="Times New Roman" panose="02020603050405020304" pitchFamily="18" charset="0"/>
-            </a:endParaRPr>
+            <a:endParaRPr lang="en-US"/>
           </a:p>
         </p:txBody>
       </p:sp>
     </p:spTree>
     <p:extLst>
       <p:ext uri="{BB962C8B-B14F-4D97-AF65-F5344CB8AC3E}">
-        <p14:creationId xmlns:p14="http://schemas.microsoft.com/office/powerpoint/2010/main" val="2038982610"/>
+        <p14:creationId xmlns:p14="http://schemas.microsoft.com/office/powerpoint/2010/main" val="2174354911"/>
       </p:ext>
     </p:extLst>
   </p:cSld>
   <p:clrMapOvr>
     <a:masterClrMapping/>
   </p:clrMapOvr>
-  <p:transition/>
 </p:sld>
 </file>
 
@@ -11442,16 +10807,6 @@
           <a:p>
             <a:pPr algn="l"/>
             <a:r>
-              <a:rPr lang="en-US" sz="1800" dirty="0" err="1">
-                <a:solidFill>
-                  <a:srgbClr val="FF0000"/>
-                </a:solidFill>
-                <a:latin typeface="Times New Roman" panose="02020603050405020304" pitchFamily="18" charset="0"/>
-                <a:cs typeface="Times New Roman" panose="02020603050405020304" pitchFamily="18" charset="0"/>
-              </a:rPr>
-              <a:t>Kết</a:t>
-            </a:r>
-            <a:r>
               <a:rPr lang="en-US" sz="1800" dirty="0">
                 <a:solidFill>
                   <a:srgbClr val="FF0000"/>
@@ -11459,27 +10814,7 @@
                 <a:latin typeface="Times New Roman" panose="02020603050405020304" pitchFamily="18" charset="0"/>
                 <a:cs typeface="Times New Roman" panose="02020603050405020304" pitchFamily="18" charset="0"/>
               </a:rPr>
-              <a:t> </a:t>
-            </a:r>
-            <a:r>
-              <a:rPr lang="en-US" sz="1800" dirty="0" err="1">
-                <a:solidFill>
-                  <a:srgbClr val="FF0000"/>
-                </a:solidFill>
-                <a:latin typeface="Times New Roman" panose="02020603050405020304" pitchFamily="18" charset="0"/>
-                <a:cs typeface="Times New Roman" panose="02020603050405020304" pitchFamily="18" charset="0"/>
-              </a:rPr>
-              <a:t>lễ</a:t>
-            </a:r>
-            <a:r>
-              <a:rPr lang="en-US" sz="1800" dirty="0">
-                <a:solidFill>
-                  <a:srgbClr val="FF0000"/>
-                </a:solidFill>
-                <a:latin typeface="Times New Roman" panose="02020603050405020304" pitchFamily="18" charset="0"/>
-                <a:cs typeface="Times New Roman" panose="02020603050405020304" pitchFamily="18" charset="0"/>
-              </a:rPr>
-              <a:t>                                   	         </a:t>
+              <a:t>                                    	         </a:t>
             </a:r>
             <a:r>
               <a:rPr lang="en-US" sz="2400" b="1" dirty="0">
@@ -11541,133 +10876,287 @@
                 <a:latin typeface="Times New Roman" panose="02020603050405020304" pitchFamily="18" charset="0"/>
                 <a:cs typeface="Times New Roman" panose="02020603050405020304" pitchFamily="18" charset="0"/>
               </a:rPr>
-              <a:t>1. </a:t>
-            </a:r>
-            <a:r>
-              <a:rPr lang="en-US" sz="5400" b="1" dirty="0" err="1">
-                <a:latin typeface="Times New Roman" panose="02020603050405020304" pitchFamily="18" charset="0"/>
-                <a:cs typeface="Times New Roman" panose="02020603050405020304" pitchFamily="18" charset="0"/>
-              </a:rPr>
-              <a:t>Hỡi</a:t>
-            </a:r>
-            <a:r>
-              <a:rPr lang="en-US" sz="5400" b="1" dirty="0">
-                <a:latin typeface="Times New Roman" panose="02020603050405020304" pitchFamily="18" charset="0"/>
-                <a:cs typeface="Times New Roman" panose="02020603050405020304" pitchFamily="18" charset="0"/>
-              </a:rPr>
-              <a:t> </a:t>
-            </a:r>
-            <a:r>
-              <a:rPr lang="en-US" sz="5400" b="1" dirty="0" err="1">
-                <a:latin typeface="Times New Roman" panose="02020603050405020304" pitchFamily="18" charset="0"/>
-                <a:cs typeface="Times New Roman" panose="02020603050405020304" pitchFamily="18" charset="0"/>
-              </a:rPr>
-              <a:t>ai</a:t>
-            </a:r>
-            <a:r>
-              <a:rPr lang="en-US" sz="5400" b="1" dirty="0">
-                <a:latin typeface="Times New Roman" panose="02020603050405020304" pitchFamily="18" charset="0"/>
-                <a:cs typeface="Times New Roman" panose="02020603050405020304" pitchFamily="18" charset="0"/>
-              </a:rPr>
-              <a:t> qua </a:t>
-            </a:r>
-            <a:r>
-              <a:rPr lang="en-US" sz="5400" b="1" dirty="0" err="1">
-                <a:latin typeface="Times New Roman" panose="02020603050405020304" pitchFamily="18" charset="0"/>
-                <a:cs typeface="Times New Roman" panose="02020603050405020304" pitchFamily="18" charset="0"/>
-              </a:rPr>
-              <a:t>đường</a:t>
-            </a:r>
-            <a:r>
-              <a:rPr lang="en-US" sz="5400" b="1" dirty="0">
-                <a:latin typeface="Times New Roman" panose="02020603050405020304" pitchFamily="18" charset="0"/>
-                <a:cs typeface="Times New Roman" panose="02020603050405020304" pitchFamily="18" charset="0"/>
-              </a:rPr>
-              <a:t> </a:t>
-            </a:r>
-            <a:r>
-              <a:rPr lang="en-US" sz="5400" b="1" dirty="0" err="1">
-                <a:latin typeface="Times New Roman" panose="02020603050405020304" pitchFamily="18" charset="0"/>
-                <a:cs typeface="Times New Roman" panose="02020603050405020304" pitchFamily="18" charset="0"/>
-              </a:rPr>
-              <a:t>ngừng</a:t>
-            </a:r>
-            <a:r>
-              <a:rPr lang="en-US" sz="5400" b="1" dirty="0">
-                <a:latin typeface="Times New Roman" panose="02020603050405020304" pitchFamily="18" charset="0"/>
-                <a:cs typeface="Times New Roman" panose="02020603050405020304" pitchFamily="18" charset="0"/>
-              </a:rPr>
-              <a:t> </a:t>
-            </a:r>
-            <a:r>
-              <a:rPr lang="en-US" sz="5400" b="1" dirty="0" err="1">
-                <a:latin typeface="Times New Roman" panose="02020603050405020304" pitchFamily="18" charset="0"/>
-                <a:cs typeface="Times New Roman" panose="02020603050405020304" pitchFamily="18" charset="0"/>
-              </a:rPr>
-              <a:t>bước</a:t>
-            </a:r>
-            <a:r>
-              <a:rPr lang="en-US" sz="5400" b="1" dirty="0">
-                <a:latin typeface="Times New Roman" panose="02020603050405020304" pitchFamily="18" charset="0"/>
-                <a:cs typeface="Times New Roman" panose="02020603050405020304" pitchFamily="18" charset="0"/>
-              </a:rPr>
-              <a:t> </a:t>
-            </a:r>
-            <a:r>
-              <a:rPr lang="en-US" sz="5400" b="1" dirty="0" err="1">
-                <a:latin typeface="Times New Roman" panose="02020603050405020304" pitchFamily="18" charset="0"/>
-                <a:cs typeface="Times New Roman" panose="02020603050405020304" pitchFamily="18" charset="0"/>
-              </a:rPr>
-              <a:t>đây</a:t>
-            </a:r>
-            <a:r>
-              <a:rPr lang="en-US" sz="5400" b="1" dirty="0">
-                <a:latin typeface="Times New Roman" panose="02020603050405020304" pitchFamily="18" charset="0"/>
-                <a:cs typeface="Times New Roman" panose="02020603050405020304" pitchFamily="18" charset="0"/>
-              </a:rPr>
-              <a:t> </a:t>
-            </a:r>
-            <a:r>
-              <a:rPr lang="en-US" sz="5400" b="1" dirty="0" err="1">
-                <a:latin typeface="Times New Roman" panose="02020603050405020304" pitchFamily="18" charset="0"/>
-                <a:cs typeface="Times New Roman" panose="02020603050405020304" pitchFamily="18" charset="0"/>
-              </a:rPr>
-              <a:t>mà</a:t>
-            </a:r>
-            <a:r>
-              <a:rPr lang="en-US" sz="5400" b="1" dirty="0">
-                <a:latin typeface="Times New Roman" panose="02020603050405020304" pitchFamily="18" charset="0"/>
-                <a:cs typeface="Times New Roman" panose="02020603050405020304" pitchFamily="18" charset="0"/>
-              </a:rPr>
-              <a:t> </a:t>
-            </a:r>
-            <a:r>
-              <a:rPr lang="en-US" sz="5400" b="1" dirty="0" err="1">
-                <a:latin typeface="Times New Roman" panose="02020603050405020304" pitchFamily="18" charset="0"/>
-                <a:cs typeface="Times New Roman" panose="02020603050405020304" pitchFamily="18" charset="0"/>
-              </a:rPr>
-              <a:t>chiêm</a:t>
-            </a:r>
-            <a:r>
-              <a:rPr lang="en-US" sz="5400" b="1" dirty="0">
-                <a:latin typeface="Times New Roman" panose="02020603050405020304" pitchFamily="18" charset="0"/>
-                <a:cs typeface="Times New Roman" panose="02020603050405020304" pitchFamily="18" charset="0"/>
-              </a:rPr>
-              <a:t> </a:t>
-            </a:r>
-            <a:r>
-              <a:rPr lang="en-US" sz="5400" b="1" dirty="0" err="1">
-                <a:latin typeface="Times New Roman" panose="02020603050405020304" pitchFamily="18" charset="0"/>
-                <a:cs typeface="Times New Roman" panose="02020603050405020304" pitchFamily="18" charset="0"/>
-              </a:rPr>
-              <a:t>ngắm</a:t>
-            </a:r>
-            <a:r>
-              <a:rPr lang="en-US" sz="5400" b="1" dirty="0">
-                <a:latin typeface="Times New Roman" panose="02020603050405020304" pitchFamily="18" charset="0"/>
-                <a:cs typeface="Times New Roman" panose="02020603050405020304" pitchFamily="18" charset="0"/>
-              </a:rPr>
-              <a:t> </a:t>
+              <a:t>ĐK: </a:t>
+            </a:r>
+            <a:r>
+              <a:rPr lang="en-US" sz="5400" b="1" dirty="0" err="1">
+                <a:latin typeface="Times New Roman" panose="02020603050405020304" pitchFamily="18" charset="0"/>
+                <a:cs typeface="Times New Roman" panose="02020603050405020304" pitchFamily="18" charset="0"/>
+              </a:rPr>
+              <a:t>Mẹ</a:t>
+            </a:r>
+            <a:r>
+              <a:rPr lang="en-US" sz="5400" b="1" dirty="0">
+                <a:latin typeface="Times New Roman" panose="02020603050405020304" pitchFamily="18" charset="0"/>
+                <a:cs typeface="Times New Roman" panose="02020603050405020304" pitchFamily="18" charset="0"/>
+              </a:rPr>
+              <a:t> </a:t>
+            </a:r>
+            <a:r>
+              <a:rPr lang="en-US" sz="5400" b="1" dirty="0" err="1">
+                <a:latin typeface="Times New Roman" panose="02020603050405020304" pitchFamily="18" charset="0"/>
+                <a:cs typeface="Times New Roman" panose="02020603050405020304" pitchFamily="18" charset="0"/>
+              </a:rPr>
+              <a:t>đứng</a:t>
+            </a:r>
+            <a:r>
+              <a:rPr lang="en-US" sz="5400" b="1" dirty="0">
+                <a:latin typeface="Times New Roman" panose="02020603050405020304" pitchFamily="18" charset="0"/>
+                <a:cs typeface="Times New Roman" panose="02020603050405020304" pitchFamily="18" charset="0"/>
+              </a:rPr>
+              <a:t> </a:t>
+            </a:r>
+            <a:r>
+              <a:rPr lang="en-US" sz="5400" b="1" dirty="0" err="1">
+                <a:latin typeface="Times New Roman" panose="02020603050405020304" pitchFamily="18" charset="0"/>
+                <a:cs typeface="Times New Roman" panose="02020603050405020304" pitchFamily="18" charset="0"/>
+              </a:rPr>
+              <a:t>đó</a:t>
+            </a:r>
+            <a:r>
+              <a:rPr lang="en-US" sz="5400" b="1" dirty="0">
+                <a:latin typeface="Times New Roman" panose="02020603050405020304" pitchFamily="18" charset="0"/>
+                <a:cs typeface="Times New Roman" panose="02020603050405020304" pitchFamily="18" charset="0"/>
+              </a:rPr>
+              <a:t> </a:t>
+            </a:r>
+            <a:r>
+              <a:rPr lang="en-US" sz="5400" b="1" dirty="0" err="1">
+                <a:latin typeface="Times New Roman" panose="02020603050405020304" pitchFamily="18" charset="0"/>
+                <a:cs typeface="Times New Roman" panose="02020603050405020304" pitchFamily="18" charset="0"/>
+              </a:rPr>
+              <a:t>khi</a:t>
+            </a:r>
+            <a:r>
+              <a:rPr lang="en-US" sz="5400" b="1" dirty="0">
+                <a:latin typeface="Times New Roman" panose="02020603050405020304" pitchFamily="18" charset="0"/>
+                <a:cs typeface="Times New Roman" panose="02020603050405020304" pitchFamily="18" charset="0"/>
+              </a:rPr>
+              <a:t> </a:t>
+            </a:r>
+            <a:r>
+              <a:rPr lang="en-US" sz="5400" b="1" dirty="0" err="1">
+                <a:latin typeface="Times New Roman" panose="02020603050405020304" pitchFamily="18" charset="0"/>
+                <a:cs typeface="Times New Roman" panose="02020603050405020304" pitchFamily="18" charset="0"/>
+              </a:rPr>
+              <a:t>hoàng</a:t>
+            </a:r>
+            <a:r>
+              <a:rPr lang="en-US" sz="5400" b="1" dirty="0">
+                <a:latin typeface="Times New Roman" panose="02020603050405020304" pitchFamily="18" charset="0"/>
+                <a:cs typeface="Times New Roman" panose="02020603050405020304" pitchFamily="18" charset="0"/>
+              </a:rPr>
+              <a:t> </a:t>
+            </a:r>
+            <a:r>
+              <a:rPr lang="en-US" sz="5400" b="1" dirty="0" err="1">
+                <a:latin typeface="Times New Roman" panose="02020603050405020304" pitchFamily="18" charset="0"/>
+                <a:cs typeface="Times New Roman" panose="02020603050405020304" pitchFamily="18" charset="0"/>
+              </a:rPr>
+              <a:t>hôn</a:t>
+            </a:r>
+            <a:r>
+              <a:rPr lang="en-US" sz="5400" b="1" dirty="0">
+                <a:latin typeface="Times New Roman" panose="02020603050405020304" pitchFamily="18" charset="0"/>
+                <a:cs typeface="Times New Roman" panose="02020603050405020304" pitchFamily="18" charset="0"/>
+              </a:rPr>
+              <a:t> </a:t>
+            </a:r>
+            <a:r>
+              <a:rPr lang="en-US" sz="5400" b="1" dirty="0" err="1">
+                <a:latin typeface="Times New Roman" panose="02020603050405020304" pitchFamily="18" charset="0"/>
+                <a:cs typeface="Times New Roman" panose="02020603050405020304" pitchFamily="18" charset="0"/>
+              </a:rPr>
+              <a:t>tím</a:t>
+            </a:r>
+            <a:r>
+              <a:rPr lang="en-US" sz="5400" b="1" dirty="0">
+                <a:latin typeface="Times New Roman" panose="02020603050405020304" pitchFamily="18" charset="0"/>
+                <a:cs typeface="Times New Roman" panose="02020603050405020304" pitchFamily="18" charset="0"/>
+              </a:rPr>
+              <a:t> </a:t>
+            </a:r>
+            <a:r>
+              <a:rPr lang="en-US" sz="5400" b="1" dirty="0" err="1">
+                <a:latin typeface="Times New Roman" panose="02020603050405020304" pitchFamily="18" charset="0"/>
+                <a:cs typeface="Times New Roman" panose="02020603050405020304" pitchFamily="18" charset="0"/>
+              </a:rPr>
+              <a:t>mầu</a:t>
+            </a:r>
+            <a:r>
+              <a:rPr lang="en-US" sz="5400" b="1" dirty="0">
+                <a:latin typeface="Times New Roman" panose="02020603050405020304" pitchFamily="18" charset="0"/>
+                <a:cs typeface="Times New Roman" panose="02020603050405020304" pitchFamily="18" charset="0"/>
+              </a:rPr>
+              <a:t>. </a:t>
+            </a:r>
+            <a:r>
+              <a:rPr lang="en-US" sz="5400" b="1" dirty="0" err="1">
+                <a:latin typeface="Times New Roman" panose="02020603050405020304" pitchFamily="18" charset="0"/>
+                <a:cs typeface="Times New Roman" panose="02020603050405020304" pitchFamily="18" charset="0"/>
+              </a:rPr>
+              <a:t>Nhạc</a:t>
+            </a:r>
+            <a:r>
+              <a:rPr lang="en-US" sz="5400" b="1" dirty="0">
+                <a:latin typeface="Times New Roman" panose="02020603050405020304" pitchFamily="18" charset="0"/>
+                <a:cs typeface="Times New Roman" panose="02020603050405020304" pitchFamily="18" charset="0"/>
+              </a:rPr>
+              <a:t> </a:t>
+            </a:r>
+            <a:r>
+              <a:rPr lang="en-US" sz="5400" b="1" dirty="0" err="1">
+                <a:latin typeface="Times New Roman" panose="02020603050405020304" pitchFamily="18" charset="0"/>
+                <a:cs typeface="Times New Roman" panose="02020603050405020304" pitchFamily="18" charset="0"/>
+              </a:rPr>
+              <a:t>thương</a:t>
+            </a:r>
+            <a:r>
+              <a:rPr lang="en-US" sz="5400" b="1" dirty="0">
+                <a:latin typeface="Times New Roman" panose="02020603050405020304" pitchFamily="18" charset="0"/>
+                <a:cs typeface="Times New Roman" panose="02020603050405020304" pitchFamily="18" charset="0"/>
+              </a:rPr>
+              <a:t> </a:t>
+            </a:r>
+            <a:r>
+              <a:rPr lang="en-US" sz="5400" b="1" dirty="0" err="1">
+                <a:latin typeface="Times New Roman" panose="02020603050405020304" pitchFamily="18" charset="0"/>
+                <a:cs typeface="Times New Roman" panose="02020603050405020304" pitchFamily="18" charset="0"/>
+              </a:rPr>
+              <a:t>trầm</a:t>
+            </a:r>
+            <a:r>
+              <a:rPr lang="en-US" sz="5400" b="1" dirty="0">
+                <a:latin typeface="Times New Roman" panose="02020603050405020304" pitchFamily="18" charset="0"/>
+                <a:cs typeface="Times New Roman" panose="02020603050405020304" pitchFamily="18" charset="0"/>
+              </a:rPr>
+              <a:t> </a:t>
+            </a:r>
+            <a:r>
+              <a:rPr lang="en-US" sz="5400" b="1" dirty="0" err="1">
+                <a:latin typeface="Times New Roman" panose="02020603050405020304" pitchFamily="18" charset="0"/>
+                <a:cs typeface="Times New Roman" panose="02020603050405020304" pitchFamily="18" charset="0"/>
+              </a:rPr>
+              <a:t>buông</a:t>
+            </a:r>
+            <a:r>
+              <a:rPr lang="en-US" sz="5400" b="1" dirty="0">
+                <a:latin typeface="Times New Roman" panose="02020603050405020304" pitchFamily="18" charset="0"/>
+                <a:cs typeface="Times New Roman" panose="02020603050405020304" pitchFamily="18" charset="0"/>
+              </a:rPr>
+              <a:t> </a:t>
+            </a:r>
+            <a:r>
+              <a:rPr lang="en-US" sz="5400" b="1" dirty="0" err="1">
+                <a:latin typeface="Times New Roman" panose="02020603050405020304" pitchFamily="18" charset="0"/>
+                <a:cs typeface="Times New Roman" panose="02020603050405020304" pitchFamily="18" charset="0"/>
+              </a:rPr>
+              <a:t>hắt</a:t>
+            </a:r>
+            <a:r>
+              <a:rPr lang="en-US" sz="5400" b="1" dirty="0">
+                <a:latin typeface="Times New Roman" panose="02020603050405020304" pitchFamily="18" charset="0"/>
+                <a:cs typeface="Times New Roman" panose="02020603050405020304" pitchFamily="18" charset="0"/>
+              </a:rPr>
+              <a:t> </a:t>
+            </a:r>
+            <a:r>
+              <a:rPr lang="en-US" sz="5400" b="1" dirty="0" err="1">
+                <a:latin typeface="Times New Roman" panose="02020603050405020304" pitchFamily="18" charset="0"/>
+                <a:cs typeface="Times New Roman" panose="02020603050405020304" pitchFamily="18" charset="0"/>
+              </a:rPr>
+              <a:t>hiu</a:t>
+            </a:r>
+            <a:r>
+              <a:rPr lang="en-US" sz="5400" b="1" dirty="0">
+                <a:latin typeface="Times New Roman" panose="02020603050405020304" pitchFamily="18" charset="0"/>
+                <a:cs typeface="Times New Roman" panose="02020603050405020304" pitchFamily="18" charset="0"/>
+              </a:rPr>
+              <a:t>. </a:t>
+            </a:r>
+            <a:r>
+              <a:rPr lang="en-US" sz="5400" b="1" dirty="0" err="1">
+                <a:latin typeface="Times New Roman" panose="02020603050405020304" pitchFamily="18" charset="0"/>
+                <a:cs typeface="Times New Roman" panose="02020603050405020304" pitchFamily="18" charset="0"/>
+              </a:rPr>
+              <a:t>Đồi</a:t>
+            </a:r>
+            <a:r>
+              <a:rPr lang="en-US" sz="5400" b="1" dirty="0">
+                <a:latin typeface="Times New Roman" panose="02020603050405020304" pitchFamily="18" charset="0"/>
+                <a:cs typeface="Times New Roman" panose="02020603050405020304" pitchFamily="18" charset="0"/>
+              </a:rPr>
+              <a:t> </a:t>
+            </a:r>
+            <a:r>
+              <a:rPr lang="en-US" sz="5400" b="1" dirty="0" err="1">
+                <a:latin typeface="Times New Roman" panose="02020603050405020304" pitchFamily="18" charset="0"/>
+                <a:cs typeface="Times New Roman" panose="02020603050405020304" pitchFamily="18" charset="0"/>
+              </a:rPr>
+              <a:t>cao</a:t>
+            </a:r>
+            <a:r>
+              <a:rPr lang="en-US" sz="5400" b="1" dirty="0">
+                <a:latin typeface="Times New Roman" panose="02020603050405020304" pitchFamily="18" charset="0"/>
+                <a:cs typeface="Times New Roman" panose="02020603050405020304" pitchFamily="18" charset="0"/>
+              </a:rPr>
+              <a:t> u </a:t>
+            </a:r>
+            <a:r>
+              <a:rPr lang="en-US" sz="5400" b="1" dirty="0" err="1">
+                <a:latin typeface="Times New Roman" panose="02020603050405020304" pitchFamily="18" charset="0"/>
+                <a:cs typeface="Times New Roman" panose="02020603050405020304" pitchFamily="18" charset="0"/>
+              </a:rPr>
+              <a:t>hoài</a:t>
+            </a:r>
+            <a:r>
+              <a:rPr lang="en-US" sz="5400" b="1" dirty="0">
+                <a:latin typeface="Times New Roman" panose="02020603050405020304" pitchFamily="18" charset="0"/>
+                <a:cs typeface="Times New Roman" panose="02020603050405020304" pitchFamily="18" charset="0"/>
+              </a:rPr>
+              <a:t> </a:t>
+            </a:r>
+            <a:r>
+              <a:rPr lang="en-US" sz="5400" b="1" dirty="0" err="1">
+                <a:latin typeface="Times New Roman" panose="02020603050405020304" pitchFamily="18" charset="0"/>
+                <a:cs typeface="Times New Roman" panose="02020603050405020304" pitchFamily="18" charset="0"/>
+              </a:rPr>
+              <a:t>loang</a:t>
+            </a:r>
+            <a:r>
+              <a:rPr lang="en-US" sz="5400" b="1" dirty="0">
+                <a:latin typeface="Times New Roman" panose="02020603050405020304" pitchFamily="18" charset="0"/>
+                <a:cs typeface="Times New Roman" panose="02020603050405020304" pitchFamily="18" charset="0"/>
+              </a:rPr>
+              <a:t> </a:t>
+            </a:r>
+            <a:r>
+              <a:rPr lang="en-US" sz="5400" b="1" dirty="0" err="1">
+                <a:latin typeface="Times New Roman" panose="02020603050405020304" pitchFamily="18" charset="0"/>
+                <a:cs typeface="Times New Roman" panose="02020603050405020304" pitchFamily="18" charset="0"/>
+              </a:rPr>
+              <a:t>máu</a:t>
+            </a:r>
+            <a:r>
+              <a:rPr lang="en-US" sz="5400" b="1" dirty="0">
+                <a:latin typeface="Times New Roman" panose="02020603050405020304" pitchFamily="18" charset="0"/>
+                <a:cs typeface="Times New Roman" panose="02020603050405020304" pitchFamily="18" charset="0"/>
+              </a:rPr>
+              <a:t> </a:t>
+            </a:r>
+            <a:r>
+              <a:rPr lang="en-US" sz="5400" b="1" dirty="0" err="1">
+                <a:latin typeface="Times New Roman" panose="02020603050405020304" pitchFamily="18" charset="0"/>
+                <a:cs typeface="Times New Roman" panose="02020603050405020304" pitchFamily="18" charset="0"/>
+              </a:rPr>
+              <a:t>đào</a:t>
+            </a:r>
+            <a:r>
+              <a:rPr lang="en-US" sz="5400" b="1" dirty="0">
+                <a:latin typeface="Times New Roman" panose="02020603050405020304" pitchFamily="18" charset="0"/>
+                <a:cs typeface="Times New Roman" panose="02020603050405020304" pitchFamily="18" charset="0"/>
+              </a:rPr>
+              <a:t>. Con </a:t>
             </a:r>
             <a:r>
               <a:rPr lang="en-US" sz="5400" b="1" dirty="0" err="1">
@@ -11688,90 +11177,6 @@
                 <a:latin typeface="Times New Roman" panose="02020603050405020304" pitchFamily="18" charset="0"/>
                 <a:cs typeface="Times New Roman" panose="02020603050405020304" pitchFamily="18" charset="0"/>
               </a:rPr>
-              <a:t>Chí</a:t>
-            </a:r>
-            <a:r>
-              <a:rPr lang="en-US" sz="5400" b="1" dirty="0">
-                <a:latin typeface="Times New Roman" panose="02020603050405020304" pitchFamily="18" charset="0"/>
-                <a:cs typeface="Times New Roman" panose="02020603050405020304" pitchFamily="18" charset="0"/>
-              </a:rPr>
-              <a:t> </a:t>
-            </a:r>
-            <a:r>
-              <a:rPr lang="en-US" sz="5400" b="1" dirty="0" err="1">
-                <a:latin typeface="Times New Roman" panose="02020603050405020304" pitchFamily="18" charset="0"/>
-                <a:cs typeface="Times New Roman" panose="02020603050405020304" pitchFamily="18" charset="0"/>
-              </a:rPr>
-              <a:t>tôn</a:t>
-            </a:r>
-            <a:r>
-              <a:rPr lang="en-US" sz="5400" b="1" dirty="0">
-                <a:latin typeface="Times New Roman" panose="02020603050405020304" pitchFamily="18" charset="0"/>
-                <a:cs typeface="Times New Roman" panose="02020603050405020304" pitchFamily="18" charset="0"/>
-              </a:rPr>
-              <a:t> cam </a:t>
-            </a:r>
-            <a:r>
-              <a:rPr lang="en-US" sz="5400" b="1" dirty="0" err="1">
-                <a:latin typeface="Times New Roman" panose="02020603050405020304" pitchFamily="18" charset="0"/>
-                <a:cs typeface="Times New Roman" panose="02020603050405020304" pitchFamily="18" charset="0"/>
-              </a:rPr>
-              <a:t>chịu</a:t>
-            </a:r>
-            <a:r>
-              <a:rPr lang="en-US" sz="5400" b="1" dirty="0">
-                <a:latin typeface="Times New Roman" panose="02020603050405020304" pitchFamily="18" charset="0"/>
-                <a:cs typeface="Times New Roman" panose="02020603050405020304" pitchFamily="18" charset="0"/>
-              </a:rPr>
-              <a:t> </a:t>
-            </a:r>
-            <a:r>
-              <a:rPr lang="en-US" sz="5400" b="1" dirty="0" err="1">
-                <a:latin typeface="Times New Roman" panose="02020603050405020304" pitchFamily="18" charset="0"/>
-                <a:cs typeface="Times New Roman" panose="02020603050405020304" pitchFamily="18" charset="0"/>
-              </a:rPr>
-              <a:t>muôn</a:t>
-            </a:r>
-            <a:r>
-              <a:rPr lang="en-US" sz="5400" b="1" dirty="0">
-                <a:latin typeface="Times New Roman" panose="02020603050405020304" pitchFamily="18" charset="0"/>
-                <a:cs typeface="Times New Roman" panose="02020603050405020304" pitchFamily="18" charset="0"/>
-              </a:rPr>
-              <a:t> </a:t>
-            </a:r>
-            <a:r>
-              <a:rPr lang="en-US" sz="5400" b="1" dirty="0" err="1">
-                <a:latin typeface="Times New Roman" panose="02020603050405020304" pitchFamily="18" charset="0"/>
-                <a:cs typeface="Times New Roman" panose="02020603050405020304" pitchFamily="18" charset="0"/>
-              </a:rPr>
-              <a:t>nỗi</a:t>
-            </a:r>
-            <a:r>
-              <a:rPr lang="en-US" sz="5400" b="1" dirty="0">
-                <a:latin typeface="Times New Roman" panose="02020603050405020304" pitchFamily="18" charset="0"/>
-                <a:cs typeface="Times New Roman" panose="02020603050405020304" pitchFamily="18" charset="0"/>
-              </a:rPr>
-              <a:t> </a:t>
-            </a:r>
-            <a:r>
-              <a:rPr lang="en-US" sz="5400" b="1" dirty="0" err="1">
-                <a:latin typeface="Times New Roman" panose="02020603050405020304" pitchFamily="18" charset="0"/>
-                <a:cs typeface="Times New Roman" panose="02020603050405020304" pitchFamily="18" charset="0"/>
-              </a:rPr>
-              <a:t>khổ</a:t>
-            </a:r>
-            <a:r>
-              <a:rPr lang="en-US" sz="5400" b="1" dirty="0">
-                <a:latin typeface="Times New Roman" panose="02020603050405020304" pitchFamily="18" charset="0"/>
-                <a:cs typeface="Times New Roman" panose="02020603050405020304" pitchFamily="18" charset="0"/>
-              </a:rPr>
-              <a:t> </a:t>
-            </a:r>
-            <a:r>
-              <a:rPr lang="en-US" sz="5400" b="1" dirty="0" err="1">
-                <a:latin typeface="Times New Roman" panose="02020603050405020304" pitchFamily="18" charset="0"/>
-                <a:cs typeface="Times New Roman" panose="02020603050405020304" pitchFamily="18" charset="0"/>
-              </a:rPr>
               <a:t>đau</a:t>
             </a:r>
             <a:r>
@@ -11779,6 +11184,76 @@
                 <a:latin typeface="Times New Roman" panose="02020603050405020304" pitchFamily="18" charset="0"/>
                 <a:cs typeface="Times New Roman" panose="02020603050405020304" pitchFamily="18" charset="0"/>
               </a:rPr>
+              <a:t> </a:t>
+            </a:r>
+            <a:r>
+              <a:rPr lang="en-US" sz="5400" b="1" dirty="0" err="1">
+                <a:latin typeface="Times New Roman" panose="02020603050405020304" pitchFamily="18" charset="0"/>
+                <a:cs typeface="Times New Roman" panose="02020603050405020304" pitchFamily="18" charset="0"/>
+              </a:rPr>
+              <a:t>thương</a:t>
+            </a:r>
+            <a:r>
+              <a:rPr lang="en-US" sz="5400" b="1" dirty="0">
+                <a:latin typeface="Times New Roman" panose="02020603050405020304" pitchFamily="18" charset="0"/>
+                <a:cs typeface="Times New Roman" panose="02020603050405020304" pitchFamily="18" charset="0"/>
+              </a:rPr>
+              <a:t> </a:t>
+            </a:r>
+            <a:r>
+              <a:rPr lang="en-US" sz="5400" b="1" dirty="0" err="1">
+                <a:latin typeface="Times New Roman" panose="02020603050405020304" pitchFamily="18" charset="0"/>
+                <a:cs typeface="Times New Roman" panose="02020603050405020304" pitchFamily="18" charset="0"/>
+              </a:rPr>
+              <a:t>treo</a:t>
+            </a:r>
+            <a:r>
+              <a:rPr lang="en-US" sz="5400" b="1" dirty="0">
+                <a:latin typeface="Times New Roman" panose="02020603050405020304" pitchFamily="18" charset="0"/>
+                <a:cs typeface="Times New Roman" panose="02020603050405020304" pitchFamily="18" charset="0"/>
+              </a:rPr>
+              <a:t> </a:t>
+            </a:r>
+            <a:r>
+              <a:rPr lang="en-US" sz="5400" b="1" dirty="0" err="1">
+                <a:latin typeface="Times New Roman" panose="02020603050405020304" pitchFamily="18" charset="0"/>
+                <a:cs typeface="Times New Roman" panose="02020603050405020304" pitchFamily="18" charset="0"/>
+              </a:rPr>
+              <a:t>trên</a:t>
+            </a:r>
+            <a:r>
+              <a:rPr lang="en-US" sz="5400" b="1" dirty="0">
+                <a:latin typeface="Times New Roman" panose="02020603050405020304" pitchFamily="18" charset="0"/>
+                <a:cs typeface="Times New Roman" panose="02020603050405020304" pitchFamily="18" charset="0"/>
+              </a:rPr>
+              <a:t> </a:t>
+            </a:r>
+            <a:r>
+              <a:rPr lang="en-US" sz="5400" b="1" dirty="0" err="1">
+                <a:latin typeface="Times New Roman" panose="02020603050405020304" pitchFamily="18" charset="0"/>
+                <a:cs typeface="Times New Roman" panose="02020603050405020304" pitchFamily="18" charset="0"/>
+              </a:rPr>
+              <a:t>Thập</a:t>
+            </a:r>
+            <a:r>
+              <a:rPr lang="en-US" sz="5400" b="1" dirty="0">
+                <a:latin typeface="Times New Roman" panose="02020603050405020304" pitchFamily="18" charset="0"/>
+                <a:cs typeface="Times New Roman" panose="02020603050405020304" pitchFamily="18" charset="0"/>
+              </a:rPr>
+              <a:t> </a:t>
+            </a:r>
+            <a:r>
+              <a:rPr lang="en-US" sz="5400" b="1" dirty="0" err="1">
+                <a:latin typeface="Times New Roman" panose="02020603050405020304" pitchFamily="18" charset="0"/>
+                <a:cs typeface="Times New Roman" panose="02020603050405020304" pitchFamily="18" charset="0"/>
+              </a:rPr>
+              <a:t>giá</a:t>
+            </a:r>
+            <a:r>
+              <a:rPr lang="en-US" sz="5400" b="1" dirty="0">
+                <a:latin typeface="Times New Roman" panose="02020603050405020304" pitchFamily="18" charset="0"/>
+                <a:cs typeface="Times New Roman" panose="02020603050405020304" pitchFamily="18" charset="0"/>
+              </a:rPr>
               <a:t>. </a:t>
             </a:r>
             <a:r>
@@ -11786,35 +11261,35 @@
                 <a:latin typeface="Times New Roman" panose="02020603050405020304" pitchFamily="18" charset="0"/>
                 <a:cs typeface="Times New Roman" panose="02020603050405020304" pitchFamily="18" charset="0"/>
               </a:rPr>
-              <a:t>Vì</a:t>
-            </a:r>
-            <a:r>
-              <a:rPr lang="en-US" sz="5400" b="1" dirty="0">
-                <a:latin typeface="Times New Roman" panose="02020603050405020304" pitchFamily="18" charset="0"/>
-                <a:cs typeface="Times New Roman" panose="02020603050405020304" pitchFamily="18" charset="0"/>
-              </a:rPr>
-              <a:t> </a:t>
-            </a:r>
-            <a:r>
-              <a:rPr lang="en-US" sz="5400" b="1" dirty="0" err="1">
-                <a:latin typeface="Times New Roman" panose="02020603050405020304" pitchFamily="18" charset="0"/>
-                <a:cs typeface="Times New Roman" panose="02020603050405020304" pitchFamily="18" charset="0"/>
-              </a:rPr>
-              <a:t>thương</a:t>
-            </a:r>
-            <a:r>
-              <a:rPr lang="en-US" sz="5400" b="1" dirty="0">
-                <a:latin typeface="Times New Roman" panose="02020603050405020304" pitchFamily="18" charset="0"/>
-                <a:cs typeface="Times New Roman" panose="02020603050405020304" pitchFamily="18" charset="0"/>
-              </a:rPr>
-              <a:t> </a:t>
-            </a:r>
-            <a:r>
-              <a:rPr lang="en-US" sz="5400" b="1" dirty="0" err="1">
-                <a:latin typeface="Times New Roman" panose="02020603050405020304" pitchFamily="18" charset="0"/>
-                <a:cs typeface="Times New Roman" panose="02020603050405020304" pitchFamily="18" charset="0"/>
-              </a:rPr>
-              <a:t>toàn</a:t>
+              <a:t>Hiến</a:t>
+            </a:r>
+            <a:r>
+              <a:rPr lang="en-US" sz="5400" b="1" dirty="0">
+                <a:latin typeface="Times New Roman" panose="02020603050405020304" pitchFamily="18" charset="0"/>
+                <a:cs typeface="Times New Roman" panose="02020603050405020304" pitchFamily="18" charset="0"/>
+              </a:rPr>
+              <a:t> </a:t>
+            </a:r>
+            <a:r>
+              <a:rPr lang="en-US" sz="5400" b="1" dirty="0" err="1">
+                <a:latin typeface="Times New Roman" panose="02020603050405020304" pitchFamily="18" charset="0"/>
+                <a:cs typeface="Times New Roman" panose="02020603050405020304" pitchFamily="18" charset="0"/>
+              </a:rPr>
+              <a:t>thân</a:t>
+            </a:r>
+            <a:r>
+              <a:rPr lang="en-US" sz="5400" b="1" dirty="0">
+                <a:latin typeface="Times New Roman" panose="02020603050405020304" pitchFamily="18" charset="0"/>
+                <a:cs typeface="Times New Roman" panose="02020603050405020304" pitchFamily="18" charset="0"/>
+              </a:rPr>
+              <a:t> </a:t>
+            </a:r>
+            <a:r>
+              <a:rPr lang="en-US" sz="5400" b="1" dirty="0" err="1">
+                <a:latin typeface="Times New Roman" panose="02020603050405020304" pitchFamily="18" charset="0"/>
+                <a:cs typeface="Times New Roman" panose="02020603050405020304" pitchFamily="18" charset="0"/>
+              </a:rPr>
+              <a:t>vì</a:t>
             </a:r>
             <a:r>
               <a:rPr lang="en-US" sz="5400" b="1" dirty="0">
@@ -11856,182 +11331,56 @@
                 <a:latin typeface="Times New Roman" panose="02020603050405020304" pitchFamily="18" charset="0"/>
                 <a:cs typeface="Times New Roman" panose="02020603050405020304" pitchFamily="18" charset="0"/>
               </a:rPr>
-              <a:t>muôn</a:t>
-            </a:r>
-            <a:r>
-              <a:rPr lang="en-US" sz="5400" b="1" dirty="0">
-                <a:latin typeface="Times New Roman" panose="02020603050405020304" pitchFamily="18" charset="0"/>
-                <a:cs typeface="Times New Roman" panose="02020603050405020304" pitchFamily="18" charset="0"/>
-              </a:rPr>
-              <a:t> </a:t>
-            </a:r>
-            <a:r>
-              <a:rPr lang="en-US" sz="5400" b="1" dirty="0" err="1">
-                <a:latin typeface="Times New Roman" panose="02020603050405020304" pitchFamily="18" charset="0"/>
-                <a:cs typeface="Times New Roman" panose="02020603050405020304" pitchFamily="18" charset="0"/>
-              </a:rPr>
-              <a:t>chốn</a:t>
-            </a:r>
-            <a:r>
-              <a:rPr lang="en-US" sz="5400" b="1" dirty="0">
-                <a:latin typeface="Times New Roman" panose="02020603050405020304" pitchFamily="18" charset="0"/>
-                <a:cs typeface="Times New Roman" panose="02020603050405020304" pitchFamily="18" charset="0"/>
-              </a:rPr>
-              <a:t> </a:t>
-            </a:r>
-            <a:r>
-              <a:rPr lang="en-US" sz="5400" b="1" dirty="0" err="1">
-                <a:latin typeface="Times New Roman" panose="02020603050405020304" pitchFamily="18" charset="0"/>
-                <a:cs typeface="Times New Roman" panose="02020603050405020304" pitchFamily="18" charset="0"/>
-              </a:rPr>
-              <a:t>muôn</a:t>
-            </a:r>
-            <a:r>
-              <a:rPr lang="en-US" sz="5400" b="1" dirty="0">
-                <a:latin typeface="Times New Roman" panose="02020603050405020304" pitchFamily="18" charset="0"/>
-                <a:cs typeface="Times New Roman" panose="02020603050405020304" pitchFamily="18" charset="0"/>
-              </a:rPr>
-              <a:t> </a:t>
-            </a:r>
-            <a:r>
-              <a:rPr lang="en-US" sz="5400" b="1" dirty="0" err="1">
-                <a:latin typeface="Times New Roman" panose="02020603050405020304" pitchFamily="18" charset="0"/>
-                <a:cs typeface="Times New Roman" panose="02020603050405020304" pitchFamily="18" charset="0"/>
-              </a:rPr>
-              <a:t>đời</a:t>
-            </a:r>
-            <a:r>
-              <a:rPr lang="en-US" sz="5400" b="1" dirty="0">
-                <a:latin typeface="Times New Roman" panose="02020603050405020304" pitchFamily="18" charset="0"/>
-                <a:cs typeface="Times New Roman" panose="02020603050405020304" pitchFamily="18" charset="0"/>
-              </a:rPr>
-              <a:t>. </a:t>
-            </a:r>
-            <a:r>
-              <a:rPr lang="en-US" sz="5400" b="1" dirty="0" err="1">
-                <a:latin typeface="Times New Roman" panose="02020603050405020304" pitchFamily="18" charset="0"/>
-                <a:cs typeface="Times New Roman" panose="02020603050405020304" pitchFamily="18" charset="0"/>
-              </a:rPr>
-              <a:t>Ngày</a:t>
-            </a:r>
-            <a:r>
-              <a:rPr lang="en-US" sz="5400" b="1" dirty="0">
-                <a:latin typeface="Times New Roman" panose="02020603050405020304" pitchFamily="18" charset="0"/>
-                <a:cs typeface="Times New Roman" panose="02020603050405020304" pitchFamily="18" charset="0"/>
-              </a:rPr>
-              <a:t> </a:t>
-            </a:r>
-            <a:r>
-              <a:rPr lang="en-US" sz="5400" b="1" dirty="0" err="1">
-                <a:latin typeface="Times New Roman" panose="02020603050405020304" pitchFamily="18" charset="0"/>
-                <a:cs typeface="Times New Roman" panose="02020603050405020304" pitchFamily="18" charset="0"/>
-              </a:rPr>
-              <a:t>đêm</a:t>
-            </a:r>
-            <a:r>
-              <a:rPr lang="en-US" sz="5400" b="1" dirty="0">
-                <a:latin typeface="Times New Roman" panose="02020603050405020304" pitchFamily="18" charset="0"/>
-                <a:cs typeface="Times New Roman" panose="02020603050405020304" pitchFamily="18" charset="0"/>
-              </a:rPr>
-              <a:t> </a:t>
-            </a:r>
-            <a:r>
-              <a:rPr lang="en-US" sz="5400" b="1" dirty="0" err="1">
-                <a:latin typeface="Times New Roman" panose="02020603050405020304" pitchFamily="18" charset="0"/>
-                <a:cs typeface="Times New Roman" panose="02020603050405020304" pitchFamily="18" charset="0"/>
-              </a:rPr>
-              <a:t>khóc</a:t>
-            </a:r>
-            <a:r>
-              <a:rPr lang="en-US" sz="5400" b="1" dirty="0">
-                <a:latin typeface="Times New Roman" panose="02020603050405020304" pitchFamily="18" charset="0"/>
-                <a:cs typeface="Times New Roman" panose="02020603050405020304" pitchFamily="18" charset="0"/>
-              </a:rPr>
-              <a:t> than </a:t>
-            </a:r>
-            <a:r>
-              <a:rPr lang="en-US" sz="5400" b="1" dirty="0" err="1">
-                <a:latin typeface="Times New Roman" panose="02020603050405020304" pitchFamily="18" charset="0"/>
-                <a:cs typeface="Times New Roman" panose="02020603050405020304" pitchFamily="18" charset="0"/>
-              </a:rPr>
-              <a:t>mong</a:t>
-            </a:r>
-            <a:r>
-              <a:rPr lang="en-US" sz="5400" b="1" dirty="0">
-                <a:latin typeface="Times New Roman" panose="02020603050405020304" pitchFamily="18" charset="0"/>
-                <a:cs typeface="Times New Roman" panose="02020603050405020304" pitchFamily="18" charset="0"/>
-              </a:rPr>
-              <a:t> </a:t>
-            </a:r>
-            <a:r>
-              <a:rPr lang="en-US" sz="5400" b="1" dirty="0" err="1">
-                <a:latin typeface="Times New Roman" panose="02020603050405020304" pitchFamily="18" charset="0"/>
-                <a:cs typeface="Times New Roman" panose="02020603050405020304" pitchFamily="18" charset="0"/>
-              </a:rPr>
-              <a:t>chờ</a:t>
-            </a:r>
-            <a:r>
-              <a:rPr lang="en-US" sz="5400" b="1" dirty="0">
-                <a:latin typeface="Times New Roman" panose="02020603050405020304" pitchFamily="18" charset="0"/>
-                <a:cs typeface="Times New Roman" panose="02020603050405020304" pitchFamily="18" charset="0"/>
-              </a:rPr>
-              <a:t> </a:t>
-            </a:r>
-            <a:r>
-              <a:rPr lang="en-US" sz="5400" b="1" dirty="0" err="1">
-                <a:latin typeface="Times New Roman" panose="02020603050405020304" pitchFamily="18" charset="0"/>
-                <a:cs typeface="Times New Roman" panose="02020603050405020304" pitchFamily="18" charset="0"/>
-              </a:rPr>
-              <a:t>vinh</a:t>
-            </a:r>
-            <a:r>
-              <a:rPr lang="en-US" sz="5400" b="1" dirty="0">
-                <a:latin typeface="Times New Roman" panose="02020603050405020304" pitchFamily="18" charset="0"/>
-                <a:cs typeface="Times New Roman" panose="02020603050405020304" pitchFamily="18" charset="0"/>
-              </a:rPr>
-              <a:t> </a:t>
-            </a:r>
-            <a:r>
-              <a:rPr lang="en-US" sz="5400" b="1" dirty="0" err="1">
-                <a:latin typeface="Times New Roman" panose="02020603050405020304" pitchFamily="18" charset="0"/>
-                <a:cs typeface="Times New Roman" panose="02020603050405020304" pitchFamily="18" charset="0"/>
-              </a:rPr>
-              <a:t>phúc</a:t>
-            </a:r>
-            <a:r>
-              <a:rPr lang="en-US" sz="5400" b="1" dirty="0">
-                <a:latin typeface="Times New Roman" panose="02020603050405020304" pitchFamily="18" charset="0"/>
-                <a:cs typeface="Times New Roman" panose="02020603050405020304" pitchFamily="18" charset="0"/>
-              </a:rPr>
-              <a:t> </a:t>
-            </a:r>
-            <a:r>
-              <a:rPr lang="en-US" sz="5400" b="1" dirty="0" err="1">
-                <a:latin typeface="Times New Roman" panose="02020603050405020304" pitchFamily="18" charset="0"/>
-                <a:cs typeface="Times New Roman" panose="02020603050405020304" pitchFamily="18" charset="0"/>
-              </a:rPr>
-              <a:t>quê</a:t>
-            </a:r>
-            <a:r>
-              <a:rPr lang="en-US" sz="5400" b="1" dirty="0">
-                <a:latin typeface="Times New Roman" panose="02020603050405020304" pitchFamily="18" charset="0"/>
-                <a:cs typeface="Times New Roman" panose="02020603050405020304" pitchFamily="18" charset="0"/>
-              </a:rPr>
-              <a:t> </a:t>
-            </a:r>
-            <a:r>
-              <a:rPr lang="en-US" sz="5400" b="1" dirty="0" err="1">
-                <a:latin typeface="Times New Roman" panose="02020603050405020304" pitchFamily="18" charset="0"/>
-                <a:cs typeface="Times New Roman" panose="02020603050405020304" pitchFamily="18" charset="0"/>
-              </a:rPr>
-              <a:t>trời</a:t>
-            </a:r>
-            <a:r>
-              <a:rPr lang="en-US" sz="5400" b="1" dirty="0">
-                <a:latin typeface="Times New Roman" panose="02020603050405020304" pitchFamily="18" charset="0"/>
-                <a:cs typeface="Times New Roman" panose="02020603050405020304" pitchFamily="18" charset="0"/>
-              </a:rPr>
-              <a:t>.</a:t>
+              <a:t>tội</a:t>
+            </a:r>
+            <a:r>
+              <a:rPr lang="en-US" sz="5400" b="1" dirty="0">
+                <a:latin typeface="Times New Roman" panose="02020603050405020304" pitchFamily="18" charset="0"/>
+                <a:cs typeface="Times New Roman" panose="02020603050405020304" pitchFamily="18" charset="0"/>
+              </a:rPr>
+              <a:t> </a:t>
+            </a:r>
+            <a:r>
+              <a:rPr lang="en-US" sz="5400" b="1" dirty="0" err="1">
+                <a:latin typeface="Times New Roman" panose="02020603050405020304" pitchFamily="18" charset="0"/>
+                <a:cs typeface="Times New Roman" panose="02020603050405020304" pitchFamily="18" charset="0"/>
+              </a:rPr>
+              <a:t>tình</a:t>
+            </a:r>
+            <a:r>
+              <a:rPr lang="en-US" sz="5400" b="1" dirty="0">
+                <a:latin typeface="Times New Roman" panose="02020603050405020304" pitchFamily="18" charset="0"/>
+                <a:cs typeface="Times New Roman" panose="02020603050405020304" pitchFamily="18" charset="0"/>
+              </a:rPr>
+              <a:t> (</a:t>
+            </a:r>
+            <a:r>
+              <a:rPr lang="en-US" sz="5400" b="1" dirty="0" err="1">
+                <a:latin typeface="Times New Roman" panose="02020603050405020304" pitchFamily="18" charset="0"/>
+                <a:cs typeface="Times New Roman" panose="02020603050405020304" pitchFamily="18" charset="0"/>
+              </a:rPr>
+              <a:t>tội</a:t>
+            </a:r>
+            <a:r>
+              <a:rPr lang="en-US" sz="5400" b="1" dirty="0">
+                <a:latin typeface="Times New Roman" panose="02020603050405020304" pitchFamily="18" charset="0"/>
+                <a:cs typeface="Times New Roman" panose="02020603050405020304" pitchFamily="18" charset="0"/>
+              </a:rPr>
+              <a:t> </a:t>
+            </a:r>
+            <a:r>
+              <a:rPr lang="en-US" sz="5400" b="1" dirty="0" err="1">
+                <a:latin typeface="Times New Roman" panose="02020603050405020304" pitchFamily="18" charset="0"/>
+                <a:cs typeface="Times New Roman" panose="02020603050405020304" pitchFamily="18" charset="0"/>
+              </a:rPr>
+              <a:t>tình</a:t>
+            </a:r>
+            <a:r>
+              <a:rPr lang="en-US" sz="5400" b="1" dirty="0">
+                <a:latin typeface="Times New Roman" panose="02020603050405020304" pitchFamily="18" charset="0"/>
+                <a:cs typeface="Times New Roman" panose="02020603050405020304" pitchFamily="18" charset="0"/>
+              </a:rPr>
+              <a:t>).</a:t>
             </a:r>
             <a:endParaRPr lang="vi-VN" sz="5400" b="1" dirty="0">
               <a:latin typeface="Times New Roman" panose="02020603050405020304" pitchFamily="18" charset="0"/>
@@ -12043,7 +11392,7 @@
     </p:spTree>
     <p:extLst>
       <p:ext uri="{BB962C8B-B14F-4D97-AF65-F5344CB8AC3E}">
-        <p14:creationId xmlns:p14="http://schemas.microsoft.com/office/powerpoint/2010/main" val="3824621592"/>
+        <p14:creationId xmlns:p14="http://schemas.microsoft.com/office/powerpoint/2010/main" val="2892178179"/>
       </p:ext>
     </p:extLst>
   </p:cSld>
@@ -12095,16 +11444,6 @@
           <a:p>
             <a:pPr algn="l"/>
             <a:r>
-              <a:rPr lang="en-US" sz="1800" dirty="0" err="1">
-                <a:solidFill>
-                  <a:srgbClr val="FF0000"/>
-                </a:solidFill>
-                <a:latin typeface="Times New Roman" panose="02020603050405020304" pitchFamily="18" charset="0"/>
-                <a:cs typeface="Times New Roman" panose="02020603050405020304" pitchFamily="18" charset="0"/>
-              </a:rPr>
-              <a:t>Kết</a:t>
-            </a:r>
-            <a:r>
               <a:rPr lang="en-US" sz="1800" dirty="0">
                 <a:solidFill>
                   <a:srgbClr val="FF0000"/>
@@ -12112,27 +11451,7 @@
                 <a:latin typeface="Times New Roman" panose="02020603050405020304" pitchFamily="18" charset="0"/>
                 <a:cs typeface="Times New Roman" panose="02020603050405020304" pitchFamily="18" charset="0"/>
               </a:rPr>
-              <a:t> </a:t>
-            </a:r>
-            <a:r>
-              <a:rPr lang="en-US" sz="1800" dirty="0" err="1">
-                <a:solidFill>
-                  <a:srgbClr val="FF0000"/>
-                </a:solidFill>
-                <a:latin typeface="Times New Roman" panose="02020603050405020304" pitchFamily="18" charset="0"/>
-                <a:cs typeface="Times New Roman" panose="02020603050405020304" pitchFamily="18" charset="0"/>
-              </a:rPr>
-              <a:t>lễ</a:t>
-            </a:r>
-            <a:r>
-              <a:rPr lang="en-US" sz="1800" dirty="0">
-                <a:solidFill>
-                  <a:srgbClr val="FF0000"/>
-                </a:solidFill>
-                <a:latin typeface="Times New Roman" panose="02020603050405020304" pitchFamily="18" charset="0"/>
-                <a:cs typeface="Times New Roman" panose="02020603050405020304" pitchFamily="18" charset="0"/>
-              </a:rPr>
-              <a:t>                                   	         </a:t>
+              <a:t>                                    	         </a:t>
             </a:r>
             <a:r>
               <a:rPr lang="en-US" sz="2400" b="1" dirty="0">
@@ -12190,13 +11509,6 @@
           <a:p>
             <a:pPr algn="just"/>
             <a:r>
-              <a:rPr lang="en-US" sz="5400" b="1" dirty="0">
-                <a:latin typeface="Times New Roman" panose="02020603050405020304" pitchFamily="18" charset="0"/>
-                <a:cs typeface="Times New Roman" panose="02020603050405020304" pitchFamily="18" charset="0"/>
-              </a:rPr>
-              <a:t>ĐK: </a:t>
-            </a:r>
-            <a:r>
               <a:rPr lang="en-US" sz="5400" b="1" dirty="0" err="1">
                 <a:latin typeface="Times New Roman" panose="02020603050405020304" pitchFamily="18" charset="0"/>
                 <a:cs typeface="Times New Roman" panose="02020603050405020304" pitchFamily="18" charset="0"/>
@@ -12243,63 +11555,63 @@
                 <a:latin typeface="Times New Roman" panose="02020603050405020304" pitchFamily="18" charset="0"/>
                 <a:cs typeface="Times New Roman" panose="02020603050405020304" pitchFamily="18" charset="0"/>
               </a:rPr>
-              <a:t>khi</a:t>
-            </a:r>
-            <a:r>
-              <a:rPr lang="en-US" sz="5400" b="1" dirty="0">
-                <a:latin typeface="Times New Roman" panose="02020603050405020304" pitchFamily="18" charset="0"/>
-                <a:cs typeface="Times New Roman" panose="02020603050405020304" pitchFamily="18" charset="0"/>
-              </a:rPr>
-              <a:t> </a:t>
-            </a:r>
-            <a:r>
-              <a:rPr lang="en-US" sz="5400" b="1" dirty="0" err="1">
-                <a:latin typeface="Times New Roman" panose="02020603050405020304" pitchFamily="18" charset="0"/>
-                <a:cs typeface="Times New Roman" panose="02020603050405020304" pitchFamily="18" charset="0"/>
-              </a:rPr>
-              <a:t>hoàng</a:t>
-            </a:r>
-            <a:r>
-              <a:rPr lang="en-US" sz="5400" b="1" dirty="0">
-                <a:latin typeface="Times New Roman" panose="02020603050405020304" pitchFamily="18" charset="0"/>
-                <a:cs typeface="Times New Roman" panose="02020603050405020304" pitchFamily="18" charset="0"/>
-              </a:rPr>
-              <a:t> </a:t>
-            </a:r>
-            <a:r>
-              <a:rPr lang="en-US" sz="5400" b="1" dirty="0" err="1">
-                <a:latin typeface="Times New Roman" panose="02020603050405020304" pitchFamily="18" charset="0"/>
-                <a:cs typeface="Times New Roman" panose="02020603050405020304" pitchFamily="18" charset="0"/>
-              </a:rPr>
-              <a:t>hôn</a:t>
-            </a:r>
-            <a:r>
-              <a:rPr lang="en-US" sz="5400" b="1" dirty="0">
-                <a:latin typeface="Times New Roman" panose="02020603050405020304" pitchFamily="18" charset="0"/>
-                <a:cs typeface="Times New Roman" panose="02020603050405020304" pitchFamily="18" charset="0"/>
-              </a:rPr>
-              <a:t> </a:t>
-            </a:r>
-            <a:r>
-              <a:rPr lang="en-US" sz="5400" b="1" dirty="0" err="1">
-                <a:latin typeface="Times New Roman" panose="02020603050405020304" pitchFamily="18" charset="0"/>
-                <a:cs typeface="Times New Roman" panose="02020603050405020304" pitchFamily="18" charset="0"/>
-              </a:rPr>
-              <a:t>tím</a:t>
-            </a:r>
-            <a:r>
-              <a:rPr lang="en-US" sz="5400" b="1" dirty="0">
-                <a:latin typeface="Times New Roman" panose="02020603050405020304" pitchFamily="18" charset="0"/>
-                <a:cs typeface="Times New Roman" panose="02020603050405020304" pitchFamily="18" charset="0"/>
-              </a:rPr>
-              <a:t> </a:t>
-            </a:r>
-            <a:r>
-              <a:rPr lang="en-US" sz="5400" b="1" dirty="0" err="1">
-                <a:latin typeface="Times New Roman" panose="02020603050405020304" pitchFamily="18" charset="0"/>
-                <a:cs typeface="Times New Roman" panose="02020603050405020304" pitchFamily="18" charset="0"/>
-              </a:rPr>
-              <a:t>mầu</a:t>
+              <a:t>tâm</a:t>
+            </a:r>
+            <a:r>
+              <a:rPr lang="en-US" sz="5400" b="1" dirty="0">
+                <a:latin typeface="Times New Roman" panose="02020603050405020304" pitchFamily="18" charset="0"/>
+                <a:cs typeface="Times New Roman" panose="02020603050405020304" pitchFamily="18" charset="0"/>
+              </a:rPr>
+              <a:t> </a:t>
+            </a:r>
+            <a:r>
+              <a:rPr lang="en-US" sz="5400" b="1" dirty="0" err="1">
+                <a:latin typeface="Times New Roman" panose="02020603050405020304" pitchFamily="18" charset="0"/>
+                <a:cs typeface="Times New Roman" panose="02020603050405020304" pitchFamily="18" charset="0"/>
+              </a:rPr>
+              <a:t>hồn</a:t>
+            </a:r>
+            <a:r>
+              <a:rPr lang="en-US" sz="5400" b="1" dirty="0">
+                <a:latin typeface="Times New Roman" panose="02020603050405020304" pitchFamily="18" charset="0"/>
+                <a:cs typeface="Times New Roman" panose="02020603050405020304" pitchFamily="18" charset="0"/>
+              </a:rPr>
+              <a:t> </a:t>
+            </a:r>
+            <a:r>
+              <a:rPr lang="en-US" sz="5400" b="1" dirty="0" err="1">
+                <a:latin typeface="Times New Roman" panose="02020603050405020304" pitchFamily="18" charset="0"/>
+                <a:cs typeface="Times New Roman" panose="02020603050405020304" pitchFamily="18" charset="0"/>
+              </a:rPr>
+              <a:t>tê</a:t>
+            </a:r>
+            <a:r>
+              <a:rPr lang="en-US" sz="5400" b="1" dirty="0">
+                <a:latin typeface="Times New Roman" panose="02020603050405020304" pitchFamily="18" charset="0"/>
+                <a:cs typeface="Times New Roman" panose="02020603050405020304" pitchFamily="18" charset="0"/>
+              </a:rPr>
+              <a:t> </a:t>
+            </a:r>
+            <a:r>
+              <a:rPr lang="en-US" sz="5400" b="1" dirty="0" err="1">
+                <a:latin typeface="Times New Roman" panose="02020603050405020304" pitchFamily="18" charset="0"/>
+                <a:cs typeface="Times New Roman" panose="02020603050405020304" pitchFamily="18" charset="0"/>
+              </a:rPr>
+              <a:t>tái</a:t>
+            </a:r>
+            <a:r>
+              <a:rPr lang="en-US" sz="5400" b="1" dirty="0">
+                <a:latin typeface="Times New Roman" panose="02020603050405020304" pitchFamily="18" charset="0"/>
+                <a:cs typeface="Times New Roman" panose="02020603050405020304" pitchFamily="18" charset="0"/>
+              </a:rPr>
+              <a:t> </a:t>
+            </a:r>
+            <a:r>
+              <a:rPr lang="en-US" sz="5400" b="1" dirty="0" err="1">
+                <a:latin typeface="Times New Roman" panose="02020603050405020304" pitchFamily="18" charset="0"/>
+                <a:cs typeface="Times New Roman" panose="02020603050405020304" pitchFamily="18" charset="0"/>
+              </a:rPr>
+              <a:t>sầu</a:t>
             </a:r>
             <a:r>
               <a:rPr lang="en-US" sz="5400" b="1" dirty="0">
@@ -12313,7 +11625,77 @@
                 <a:latin typeface="Times New Roman" panose="02020603050405020304" pitchFamily="18" charset="0"/>
                 <a:cs typeface="Times New Roman" panose="02020603050405020304" pitchFamily="18" charset="0"/>
               </a:rPr>
-              <a:t>Nhạc</a:t>
+              <a:t>Đồng</a:t>
+            </a:r>
+            <a:r>
+              <a:rPr lang="en-US" sz="5400" b="1" dirty="0">
+                <a:latin typeface="Times New Roman" panose="02020603050405020304" pitchFamily="18" charset="0"/>
+                <a:cs typeface="Times New Roman" panose="02020603050405020304" pitchFamily="18" charset="0"/>
+              </a:rPr>
+              <a:t> </a:t>
+            </a:r>
+            <a:r>
+              <a:rPr lang="en-US" sz="5400" b="1" dirty="0" err="1">
+                <a:latin typeface="Times New Roman" panose="02020603050405020304" pitchFamily="18" charset="0"/>
+                <a:cs typeface="Times New Roman" panose="02020603050405020304" pitchFamily="18" charset="0"/>
+              </a:rPr>
+              <a:t>công</a:t>
+            </a:r>
+            <a:r>
+              <a:rPr lang="en-US" sz="5400" b="1" dirty="0">
+                <a:latin typeface="Times New Roman" panose="02020603050405020304" pitchFamily="18" charset="0"/>
+                <a:cs typeface="Times New Roman" panose="02020603050405020304" pitchFamily="18" charset="0"/>
+              </a:rPr>
+              <a:t> </a:t>
+            </a:r>
+            <a:r>
+              <a:rPr lang="en-US" sz="5400" b="1" dirty="0" err="1">
+                <a:latin typeface="Times New Roman" panose="02020603050405020304" pitchFamily="18" charset="0"/>
+                <a:cs typeface="Times New Roman" panose="02020603050405020304" pitchFamily="18" charset="0"/>
+              </a:rPr>
+              <a:t>cùng</a:t>
+            </a:r>
+            <a:r>
+              <a:rPr lang="en-US" sz="5400" b="1" dirty="0">
+                <a:latin typeface="Times New Roman" panose="02020603050405020304" pitchFamily="18" charset="0"/>
+                <a:cs typeface="Times New Roman" panose="02020603050405020304" pitchFamily="18" charset="0"/>
+              </a:rPr>
+              <a:t> con </a:t>
+            </a:r>
+            <a:r>
+              <a:rPr lang="en-US" sz="5400" b="1" dirty="0" err="1">
+                <a:latin typeface="Times New Roman" panose="02020603050405020304" pitchFamily="18" charset="0"/>
+                <a:cs typeface="Times New Roman" panose="02020603050405020304" pitchFamily="18" charset="0"/>
+              </a:rPr>
+              <a:t>dấu</a:t>
+            </a:r>
+            <a:r>
+              <a:rPr lang="en-US" sz="5400" b="1" dirty="0">
+                <a:latin typeface="Times New Roman" panose="02020603050405020304" pitchFamily="18" charset="0"/>
+                <a:cs typeface="Times New Roman" panose="02020603050405020304" pitchFamily="18" charset="0"/>
+              </a:rPr>
+              <a:t> </a:t>
+            </a:r>
+            <a:r>
+              <a:rPr lang="en-US" sz="5400" b="1" dirty="0" err="1">
+                <a:latin typeface="Times New Roman" panose="02020603050405020304" pitchFamily="18" charset="0"/>
+                <a:cs typeface="Times New Roman" panose="02020603050405020304" pitchFamily="18" charset="0"/>
+              </a:rPr>
+              <a:t>yêu</a:t>
+            </a:r>
+            <a:r>
+              <a:rPr lang="en-US" sz="5400" b="1" dirty="0">
+                <a:latin typeface="Times New Roman" panose="02020603050405020304" pitchFamily="18" charset="0"/>
+                <a:cs typeface="Times New Roman" panose="02020603050405020304" pitchFamily="18" charset="0"/>
+              </a:rPr>
+              <a:t>. </a:t>
+            </a:r>
+            <a:r>
+              <a:rPr lang="en-US" sz="5400" b="1" dirty="0" err="1">
+                <a:latin typeface="Times New Roman" panose="02020603050405020304" pitchFamily="18" charset="0"/>
+                <a:cs typeface="Times New Roman" panose="02020603050405020304" pitchFamily="18" charset="0"/>
+              </a:rPr>
+              <a:t>Vì</a:t>
             </a:r>
             <a:r>
               <a:rPr lang="en-US" sz="5400" b="1" dirty="0">
@@ -12341,286 +11723,6 @@
                 <a:latin typeface="Times New Roman" panose="02020603050405020304" pitchFamily="18" charset="0"/>
                 <a:cs typeface="Times New Roman" panose="02020603050405020304" pitchFamily="18" charset="0"/>
               </a:rPr>
-              <a:t>trầm</a:t>
-            </a:r>
-            <a:r>
-              <a:rPr lang="en-US" sz="5400" b="1" dirty="0">
-                <a:latin typeface="Times New Roman" panose="02020603050405020304" pitchFamily="18" charset="0"/>
-                <a:cs typeface="Times New Roman" panose="02020603050405020304" pitchFamily="18" charset="0"/>
-              </a:rPr>
-              <a:t> </a:t>
-            </a:r>
-            <a:r>
-              <a:rPr lang="en-US" sz="5400" b="1" dirty="0" err="1">
-                <a:latin typeface="Times New Roman" panose="02020603050405020304" pitchFamily="18" charset="0"/>
-                <a:cs typeface="Times New Roman" panose="02020603050405020304" pitchFamily="18" charset="0"/>
-              </a:rPr>
-              <a:t>buông</a:t>
-            </a:r>
-            <a:r>
-              <a:rPr lang="en-US" sz="5400" b="1" dirty="0">
-                <a:latin typeface="Times New Roman" panose="02020603050405020304" pitchFamily="18" charset="0"/>
-                <a:cs typeface="Times New Roman" panose="02020603050405020304" pitchFamily="18" charset="0"/>
-              </a:rPr>
-              <a:t> </a:t>
-            </a:r>
-            <a:r>
-              <a:rPr lang="en-US" sz="5400" b="1" dirty="0" err="1">
-                <a:latin typeface="Times New Roman" panose="02020603050405020304" pitchFamily="18" charset="0"/>
-                <a:cs typeface="Times New Roman" panose="02020603050405020304" pitchFamily="18" charset="0"/>
-              </a:rPr>
-              <a:t>hắt</a:t>
-            </a:r>
-            <a:r>
-              <a:rPr lang="en-US" sz="5400" b="1" dirty="0">
-                <a:latin typeface="Times New Roman" panose="02020603050405020304" pitchFamily="18" charset="0"/>
-                <a:cs typeface="Times New Roman" panose="02020603050405020304" pitchFamily="18" charset="0"/>
-              </a:rPr>
-              <a:t> </a:t>
-            </a:r>
-            <a:r>
-              <a:rPr lang="en-US" sz="5400" b="1" dirty="0" err="1">
-                <a:latin typeface="Times New Roman" panose="02020603050405020304" pitchFamily="18" charset="0"/>
-                <a:cs typeface="Times New Roman" panose="02020603050405020304" pitchFamily="18" charset="0"/>
-              </a:rPr>
-              <a:t>hiu</a:t>
-            </a:r>
-            <a:r>
-              <a:rPr lang="en-US" sz="5400" b="1" dirty="0">
-                <a:latin typeface="Times New Roman" panose="02020603050405020304" pitchFamily="18" charset="0"/>
-                <a:cs typeface="Times New Roman" panose="02020603050405020304" pitchFamily="18" charset="0"/>
-              </a:rPr>
-              <a:t>. </a:t>
-            </a:r>
-            <a:r>
-              <a:rPr lang="en-US" sz="5400" b="1" dirty="0" err="1">
-                <a:latin typeface="Times New Roman" panose="02020603050405020304" pitchFamily="18" charset="0"/>
-                <a:cs typeface="Times New Roman" panose="02020603050405020304" pitchFamily="18" charset="0"/>
-              </a:rPr>
-              <a:t>Đồi</a:t>
-            </a:r>
-            <a:r>
-              <a:rPr lang="en-US" sz="5400" b="1" dirty="0">
-                <a:latin typeface="Times New Roman" panose="02020603050405020304" pitchFamily="18" charset="0"/>
-                <a:cs typeface="Times New Roman" panose="02020603050405020304" pitchFamily="18" charset="0"/>
-              </a:rPr>
-              <a:t> </a:t>
-            </a:r>
-            <a:r>
-              <a:rPr lang="en-US" sz="5400" b="1" dirty="0" err="1">
-                <a:latin typeface="Times New Roman" panose="02020603050405020304" pitchFamily="18" charset="0"/>
-                <a:cs typeface="Times New Roman" panose="02020603050405020304" pitchFamily="18" charset="0"/>
-              </a:rPr>
-              <a:t>cao</a:t>
-            </a:r>
-            <a:r>
-              <a:rPr lang="en-US" sz="5400" b="1" dirty="0">
-                <a:latin typeface="Times New Roman" panose="02020603050405020304" pitchFamily="18" charset="0"/>
-                <a:cs typeface="Times New Roman" panose="02020603050405020304" pitchFamily="18" charset="0"/>
-              </a:rPr>
-              <a:t> u </a:t>
-            </a:r>
-            <a:r>
-              <a:rPr lang="en-US" sz="5400" b="1" dirty="0" err="1">
-                <a:latin typeface="Times New Roman" panose="02020603050405020304" pitchFamily="18" charset="0"/>
-                <a:cs typeface="Times New Roman" panose="02020603050405020304" pitchFamily="18" charset="0"/>
-              </a:rPr>
-              <a:t>hoài</a:t>
-            </a:r>
-            <a:r>
-              <a:rPr lang="en-US" sz="5400" b="1" dirty="0">
-                <a:latin typeface="Times New Roman" panose="02020603050405020304" pitchFamily="18" charset="0"/>
-                <a:cs typeface="Times New Roman" panose="02020603050405020304" pitchFamily="18" charset="0"/>
-              </a:rPr>
-              <a:t> </a:t>
-            </a:r>
-            <a:r>
-              <a:rPr lang="en-US" sz="5400" b="1" dirty="0" err="1">
-                <a:latin typeface="Times New Roman" panose="02020603050405020304" pitchFamily="18" charset="0"/>
-                <a:cs typeface="Times New Roman" panose="02020603050405020304" pitchFamily="18" charset="0"/>
-              </a:rPr>
-              <a:t>loang</a:t>
-            </a:r>
-            <a:r>
-              <a:rPr lang="en-US" sz="5400" b="1" dirty="0">
-                <a:latin typeface="Times New Roman" panose="02020603050405020304" pitchFamily="18" charset="0"/>
-                <a:cs typeface="Times New Roman" panose="02020603050405020304" pitchFamily="18" charset="0"/>
-              </a:rPr>
-              <a:t> </a:t>
-            </a:r>
-            <a:r>
-              <a:rPr lang="en-US" sz="5400" b="1" dirty="0" err="1">
-                <a:latin typeface="Times New Roman" panose="02020603050405020304" pitchFamily="18" charset="0"/>
-                <a:cs typeface="Times New Roman" panose="02020603050405020304" pitchFamily="18" charset="0"/>
-              </a:rPr>
-              <a:t>máu</a:t>
-            </a:r>
-            <a:r>
-              <a:rPr lang="en-US" sz="5400" b="1" dirty="0">
-                <a:latin typeface="Times New Roman" panose="02020603050405020304" pitchFamily="18" charset="0"/>
-                <a:cs typeface="Times New Roman" panose="02020603050405020304" pitchFamily="18" charset="0"/>
-              </a:rPr>
-              <a:t> </a:t>
-            </a:r>
-            <a:r>
-              <a:rPr lang="en-US" sz="5400" b="1" dirty="0" err="1">
-                <a:latin typeface="Times New Roman" panose="02020603050405020304" pitchFamily="18" charset="0"/>
-                <a:cs typeface="Times New Roman" panose="02020603050405020304" pitchFamily="18" charset="0"/>
-              </a:rPr>
-              <a:t>đào</a:t>
-            </a:r>
-            <a:r>
-              <a:rPr lang="en-US" sz="5400" b="1" dirty="0">
-                <a:latin typeface="Times New Roman" panose="02020603050405020304" pitchFamily="18" charset="0"/>
-                <a:cs typeface="Times New Roman" panose="02020603050405020304" pitchFamily="18" charset="0"/>
-              </a:rPr>
-              <a:t>. Con </a:t>
-            </a:r>
-            <a:r>
-              <a:rPr lang="en-US" sz="5400" b="1" dirty="0" err="1">
-                <a:latin typeface="Times New Roman" panose="02020603050405020304" pitchFamily="18" charset="0"/>
-                <a:cs typeface="Times New Roman" panose="02020603050405020304" pitchFamily="18" charset="0"/>
-              </a:rPr>
-              <a:t>Chúa</a:t>
-            </a:r>
-            <a:r>
-              <a:rPr lang="en-US" sz="5400" b="1" dirty="0">
-                <a:latin typeface="Times New Roman" panose="02020603050405020304" pitchFamily="18" charset="0"/>
-                <a:cs typeface="Times New Roman" panose="02020603050405020304" pitchFamily="18" charset="0"/>
-              </a:rPr>
-              <a:t> </a:t>
-            </a:r>
-            <a:r>
-              <a:rPr lang="en-US" sz="5400" b="1" dirty="0" err="1">
-                <a:latin typeface="Times New Roman" panose="02020603050405020304" pitchFamily="18" charset="0"/>
-                <a:cs typeface="Times New Roman" panose="02020603050405020304" pitchFamily="18" charset="0"/>
-              </a:rPr>
-              <a:t>đau</a:t>
-            </a:r>
-            <a:r>
-              <a:rPr lang="en-US" sz="5400" b="1" dirty="0">
-                <a:latin typeface="Times New Roman" panose="02020603050405020304" pitchFamily="18" charset="0"/>
-                <a:cs typeface="Times New Roman" panose="02020603050405020304" pitchFamily="18" charset="0"/>
-              </a:rPr>
-              <a:t> </a:t>
-            </a:r>
-            <a:r>
-              <a:rPr lang="en-US" sz="5400" b="1" dirty="0" err="1">
-                <a:latin typeface="Times New Roman" panose="02020603050405020304" pitchFamily="18" charset="0"/>
-                <a:cs typeface="Times New Roman" panose="02020603050405020304" pitchFamily="18" charset="0"/>
-              </a:rPr>
-              <a:t>thương</a:t>
-            </a:r>
-            <a:r>
-              <a:rPr lang="en-US" sz="5400" b="1" dirty="0">
-                <a:latin typeface="Times New Roman" panose="02020603050405020304" pitchFamily="18" charset="0"/>
-                <a:cs typeface="Times New Roman" panose="02020603050405020304" pitchFamily="18" charset="0"/>
-              </a:rPr>
-              <a:t> </a:t>
-            </a:r>
-            <a:r>
-              <a:rPr lang="en-US" sz="5400" b="1" dirty="0" err="1">
-                <a:latin typeface="Times New Roman" panose="02020603050405020304" pitchFamily="18" charset="0"/>
-                <a:cs typeface="Times New Roman" panose="02020603050405020304" pitchFamily="18" charset="0"/>
-              </a:rPr>
-              <a:t>treo</a:t>
-            </a:r>
-            <a:r>
-              <a:rPr lang="en-US" sz="5400" b="1" dirty="0">
-                <a:latin typeface="Times New Roman" panose="02020603050405020304" pitchFamily="18" charset="0"/>
-                <a:cs typeface="Times New Roman" panose="02020603050405020304" pitchFamily="18" charset="0"/>
-              </a:rPr>
-              <a:t> </a:t>
-            </a:r>
-            <a:r>
-              <a:rPr lang="en-US" sz="5400" b="1" dirty="0" err="1">
-                <a:latin typeface="Times New Roman" panose="02020603050405020304" pitchFamily="18" charset="0"/>
-                <a:cs typeface="Times New Roman" panose="02020603050405020304" pitchFamily="18" charset="0"/>
-              </a:rPr>
-              <a:t>trên</a:t>
-            </a:r>
-            <a:r>
-              <a:rPr lang="en-US" sz="5400" b="1" dirty="0">
-                <a:latin typeface="Times New Roman" panose="02020603050405020304" pitchFamily="18" charset="0"/>
-                <a:cs typeface="Times New Roman" panose="02020603050405020304" pitchFamily="18" charset="0"/>
-              </a:rPr>
-              <a:t> </a:t>
-            </a:r>
-            <a:r>
-              <a:rPr lang="en-US" sz="5400" b="1" dirty="0" err="1">
-                <a:latin typeface="Times New Roman" panose="02020603050405020304" pitchFamily="18" charset="0"/>
-                <a:cs typeface="Times New Roman" panose="02020603050405020304" pitchFamily="18" charset="0"/>
-              </a:rPr>
-              <a:t>Thập</a:t>
-            </a:r>
-            <a:r>
-              <a:rPr lang="en-US" sz="5400" b="1" dirty="0">
-                <a:latin typeface="Times New Roman" panose="02020603050405020304" pitchFamily="18" charset="0"/>
-                <a:cs typeface="Times New Roman" panose="02020603050405020304" pitchFamily="18" charset="0"/>
-              </a:rPr>
-              <a:t> </a:t>
-            </a:r>
-            <a:r>
-              <a:rPr lang="en-US" sz="5400" b="1" dirty="0" err="1">
-                <a:latin typeface="Times New Roman" panose="02020603050405020304" pitchFamily="18" charset="0"/>
-                <a:cs typeface="Times New Roman" panose="02020603050405020304" pitchFamily="18" charset="0"/>
-              </a:rPr>
-              <a:t>giá</a:t>
-            </a:r>
-            <a:r>
-              <a:rPr lang="en-US" sz="5400" b="1" dirty="0">
-                <a:latin typeface="Times New Roman" panose="02020603050405020304" pitchFamily="18" charset="0"/>
-                <a:cs typeface="Times New Roman" panose="02020603050405020304" pitchFamily="18" charset="0"/>
-              </a:rPr>
-              <a:t>. </a:t>
-            </a:r>
-            <a:r>
-              <a:rPr lang="en-US" sz="5400" b="1" dirty="0" err="1">
-                <a:latin typeface="Times New Roman" panose="02020603050405020304" pitchFamily="18" charset="0"/>
-                <a:cs typeface="Times New Roman" panose="02020603050405020304" pitchFamily="18" charset="0"/>
-              </a:rPr>
-              <a:t>Hiến</a:t>
-            </a:r>
-            <a:r>
-              <a:rPr lang="en-US" sz="5400" b="1" dirty="0">
-                <a:latin typeface="Times New Roman" panose="02020603050405020304" pitchFamily="18" charset="0"/>
-                <a:cs typeface="Times New Roman" panose="02020603050405020304" pitchFamily="18" charset="0"/>
-              </a:rPr>
-              <a:t> </a:t>
-            </a:r>
-            <a:r>
-              <a:rPr lang="en-US" sz="5400" b="1" dirty="0" err="1">
-                <a:latin typeface="Times New Roman" panose="02020603050405020304" pitchFamily="18" charset="0"/>
-                <a:cs typeface="Times New Roman" panose="02020603050405020304" pitchFamily="18" charset="0"/>
-              </a:rPr>
-              <a:t>thân</a:t>
-            </a:r>
-            <a:r>
-              <a:rPr lang="en-US" sz="5400" b="1" dirty="0">
-                <a:latin typeface="Times New Roman" panose="02020603050405020304" pitchFamily="18" charset="0"/>
-                <a:cs typeface="Times New Roman" panose="02020603050405020304" pitchFamily="18" charset="0"/>
-              </a:rPr>
-              <a:t> </a:t>
-            </a:r>
-            <a:r>
-              <a:rPr lang="en-US" sz="5400" b="1" dirty="0" err="1">
-                <a:latin typeface="Times New Roman" panose="02020603050405020304" pitchFamily="18" charset="0"/>
-                <a:cs typeface="Times New Roman" panose="02020603050405020304" pitchFamily="18" charset="0"/>
-              </a:rPr>
-              <a:t>vì</a:t>
-            </a:r>
-            <a:r>
-              <a:rPr lang="en-US" sz="5400" b="1" dirty="0">
-                <a:latin typeface="Times New Roman" panose="02020603050405020304" pitchFamily="18" charset="0"/>
-                <a:cs typeface="Times New Roman" panose="02020603050405020304" pitchFamily="18" charset="0"/>
-              </a:rPr>
-              <a:t> </a:t>
-            </a:r>
-            <a:r>
-              <a:rPr lang="en-US" sz="5400" b="1" dirty="0" err="1">
-                <a:latin typeface="Times New Roman" panose="02020603050405020304" pitchFamily="18" charset="0"/>
-                <a:cs typeface="Times New Roman" panose="02020603050405020304" pitchFamily="18" charset="0"/>
-              </a:rPr>
               <a:t>nhân</a:t>
             </a:r>
             <a:r>
@@ -12649,56 +11751,210 @@
                 <a:latin typeface="Times New Roman" panose="02020603050405020304" pitchFamily="18" charset="0"/>
                 <a:cs typeface="Times New Roman" panose="02020603050405020304" pitchFamily="18" charset="0"/>
               </a:rPr>
-              <a:t>tội</a:t>
-            </a:r>
-            <a:r>
-              <a:rPr lang="en-US" sz="5400" b="1" dirty="0">
-                <a:latin typeface="Times New Roman" panose="02020603050405020304" pitchFamily="18" charset="0"/>
-                <a:cs typeface="Times New Roman" panose="02020603050405020304" pitchFamily="18" charset="0"/>
-              </a:rPr>
-              <a:t> </a:t>
-            </a:r>
-            <a:r>
-              <a:rPr lang="en-US" sz="5400" b="1" dirty="0" err="1">
-                <a:latin typeface="Times New Roman" panose="02020603050405020304" pitchFamily="18" charset="0"/>
-                <a:cs typeface="Times New Roman" panose="02020603050405020304" pitchFamily="18" charset="0"/>
-              </a:rPr>
-              <a:t>tình</a:t>
-            </a:r>
-            <a:r>
-              <a:rPr lang="en-US" sz="5400" b="1" dirty="0">
-                <a:latin typeface="Times New Roman" panose="02020603050405020304" pitchFamily="18" charset="0"/>
-                <a:cs typeface="Times New Roman" panose="02020603050405020304" pitchFamily="18" charset="0"/>
-              </a:rPr>
-              <a:t> (</a:t>
-            </a:r>
-            <a:r>
-              <a:rPr lang="en-US" sz="5400" b="1" dirty="0" err="1">
-                <a:latin typeface="Times New Roman" panose="02020603050405020304" pitchFamily="18" charset="0"/>
-                <a:cs typeface="Times New Roman" panose="02020603050405020304" pitchFamily="18" charset="0"/>
-              </a:rPr>
-              <a:t>tội</a:t>
-            </a:r>
-            <a:r>
-              <a:rPr lang="en-US" sz="5400" b="1" dirty="0">
-                <a:latin typeface="Times New Roman" panose="02020603050405020304" pitchFamily="18" charset="0"/>
-                <a:cs typeface="Times New Roman" panose="02020603050405020304" pitchFamily="18" charset="0"/>
-              </a:rPr>
-              <a:t> </a:t>
-            </a:r>
-            <a:r>
-              <a:rPr lang="en-US" sz="5400" b="1" dirty="0" err="1">
-                <a:latin typeface="Times New Roman" panose="02020603050405020304" pitchFamily="18" charset="0"/>
-                <a:cs typeface="Times New Roman" panose="02020603050405020304" pitchFamily="18" charset="0"/>
-              </a:rPr>
-              <a:t>tình</a:t>
-            </a:r>
-            <a:r>
-              <a:rPr lang="en-US" sz="5400" b="1" dirty="0">
-                <a:latin typeface="Times New Roman" panose="02020603050405020304" pitchFamily="18" charset="0"/>
-                <a:cs typeface="Times New Roman" panose="02020603050405020304" pitchFamily="18" charset="0"/>
-              </a:rPr>
-              <a:t>).</a:t>
+              <a:t>bao</a:t>
+            </a:r>
+            <a:r>
+              <a:rPr lang="en-US" sz="5400" b="1" dirty="0">
+                <a:latin typeface="Times New Roman" panose="02020603050405020304" pitchFamily="18" charset="0"/>
+                <a:cs typeface="Times New Roman" panose="02020603050405020304" pitchFamily="18" charset="0"/>
+              </a:rPr>
+              <a:t> </a:t>
+            </a:r>
+            <a:r>
+              <a:rPr lang="en-US" sz="5400" b="1" dirty="0" err="1">
+                <a:latin typeface="Times New Roman" panose="02020603050405020304" pitchFamily="18" charset="0"/>
+                <a:cs typeface="Times New Roman" panose="02020603050405020304" pitchFamily="18" charset="0"/>
+              </a:rPr>
+              <a:t>khốn</a:t>
+            </a:r>
+            <a:r>
+              <a:rPr lang="en-US" sz="5400" b="1" dirty="0">
+                <a:latin typeface="Times New Roman" panose="02020603050405020304" pitchFamily="18" charset="0"/>
+                <a:cs typeface="Times New Roman" panose="02020603050405020304" pitchFamily="18" charset="0"/>
+              </a:rPr>
+              <a:t> </a:t>
+            </a:r>
+            <a:r>
+              <a:rPr lang="en-US" sz="5400" b="1" dirty="0" err="1">
+                <a:latin typeface="Times New Roman" panose="02020603050405020304" pitchFamily="18" charset="0"/>
+                <a:cs typeface="Times New Roman" panose="02020603050405020304" pitchFamily="18" charset="0"/>
+              </a:rPr>
+              <a:t>cùng</a:t>
+            </a:r>
+            <a:r>
+              <a:rPr lang="en-US" sz="5400" b="1" dirty="0">
+                <a:latin typeface="Times New Roman" panose="02020603050405020304" pitchFamily="18" charset="0"/>
+                <a:cs typeface="Times New Roman" panose="02020603050405020304" pitchFamily="18" charset="0"/>
+              </a:rPr>
+              <a:t>. Xin </a:t>
+            </a:r>
+            <a:r>
+              <a:rPr lang="en-US" sz="5400" b="1" dirty="0" err="1">
+                <a:latin typeface="Times New Roman" panose="02020603050405020304" pitchFamily="18" charset="0"/>
+                <a:cs typeface="Times New Roman" panose="02020603050405020304" pitchFamily="18" charset="0"/>
+              </a:rPr>
+              <a:t>dẫn</a:t>
+            </a:r>
+            <a:r>
+              <a:rPr lang="en-US" sz="5400" b="1" dirty="0">
+                <a:latin typeface="Times New Roman" panose="02020603050405020304" pitchFamily="18" charset="0"/>
+                <a:cs typeface="Times New Roman" panose="02020603050405020304" pitchFamily="18" charset="0"/>
+              </a:rPr>
+              <a:t> </a:t>
+            </a:r>
+            <a:r>
+              <a:rPr lang="en-US" sz="5400" b="1" dirty="0" err="1">
+                <a:latin typeface="Times New Roman" panose="02020603050405020304" pitchFamily="18" charset="0"/>
+                <a:cs typeface="Times New Roman" panose="02020603050405020304" pitchFamily="18" charset="0"/>
+              </a:rPr>
+              <a:t>đưa</a:t>
+            </a:r>
+            <a:r>
+              <a:rPr lang="en-US" sz="5400" b="1" dirty="0">
+                <a:latin typeface="Times New Roman" panose="02020603050405020304" pitchFamily="18" charset="0"/>
+                <a:cs typeface="Times New Roman" panose="02020603050405020304" pitchFamily="18" charset="0"/>
+              </a:rPr>
+              <a:t> </a:t>
+            </a:r>
+            <a:r>
+              <a:rPr lang="en-US" sz="5400" b="1" dirty="0" err="1">
+                <a:latin typeface="Times New Roman" panose="02020603050405020304" pitchFamily="18" charset="0"/>
+                <a:cs typeface="Times New Roman" panose="02020603050405020304" pitchFamily="18" charset="0"/>
+              </a:rPr>
+              <a:t>bao</a:t>
+            </a:r>
+            <a:r>
+              <a:rPr lang="en-US" sz="5400" b="1" dirty="0">
+                <a:latin typeface="Times New Roman" panose="02020603050405020304" pitchFamily="18" charset="0"/>
+                <a:cs typeface="Times New Roman" panose="02020603050405020304" pitchFamily="18" charset="0"/>
+              </a:rPr>
+              <a:t> </a:t>
+            </a:r>
+            <a:r>
+              <a:rPr lang="en-US" sz="5400" b="1" dirty="0" err="1">
+                <a:latin typeface="Times New Roman" panose="02020603050405020304" pitchFamily="18" charset="0"/>
+                <a:cs typeface="Times New Roman" panose="02020603050405020304" pitchFamily="18" charset="0"/>
+              </a:rPr>
+              <a:t>tâm</a:t>
+            </a:r>
+            <a:r>
+              <a:rPr lang="en-US" sz="5400" b="1" dirty="0">
+                <a:latin typeface="Times New Roman" panose="02020603050405020304" pitchFamily="18" charset="0"/>
+                <a:cs typeface="Times New Roman" panose="02020603050405020304" pitchFamily="18" charset="0"/>
+              </a:rPr>
+              <a:t> </a:t>
+            </a:r>
+            <a:r>
+              <a:rPr lang="en-US" sz="5400" b="1" dirty="0" err="1">
+                <a:latin typeface="Times New Roman" panose="02020603050405020304" pitchFamily="18" charset="0"/>
+                <a:cs typeface="Times New Roman" panose="02020603050405020304" pitchFamily="18" charset="0"/>
+              </a:rPr>
+              <a:t>hồn</a:t>
+            </a:r>
+            <a:r>
+              <a:rPr lang="en-US" sz="5400" b="1" dirty="0">
+                <a:latin typeface="Times New Roman" panose="02020603050405020304" pitchFamily="18" charset="0"/>
+                <a:cs typeface="Times New Roman" panose="02020603050405020304" pitchFamily="18" charset="0"/>
+              </a:rPr>
+              <a:t> </a:t>
+            </a:r>
+            <a:r>
+              <a:rPr lang="en-US" sz="5400" b="1" dirty="0" err="1">
+                <a:latin typeface="Times New Roman" panose="02020603050405020304" pitchFamily="18" charset="0"/>
+                <a:cs typeface="Times New Roman" panose="02020603050405020304" pitchFamily="18" charset="0"/>
+              </a:rPr>
+              <a:t>lạc</a:t>
+            </a:r>
+            <a:r>
+              <a:rPr lang="en-US" sz="5400" b="1" dirty="0">
+                <a:latin typeface="Times New Roman" panose="02020603050405020304" pitchFamily="18" charset="0"/>
+                <a:cs typeface="Times New Roman" panose="02020603050405020304" pitchFamily="18" charset="0"/>
+              </a:rPr>
+              <a:t> </a:t>
+            </a:r>
+            <a:r>
+              <a:rPr lang="en-US" sz="5400" b="1" dirty="0" err="1">
+                <a:latin typeface="Times New Roman" panose="02020603050405020304" pitchFamily="18" charset="0"/>
+                <a:cs typeface="Times New Roman" panose="02020603050405020304" pitchFamily="18" charset="0"/>
+              </a:rPr>
+              <a:t>hướng</a:t>
+            </a:r>
+            <a:r>
+              <a:rPr lang="en-US" sz="5400" b="1" dirty="0">
+                <a:latin typeface="Times New Roman" panose="02020603050405020304" pitchFamily="18" charset="0"/>
+                <a:cs typeface="Times New Roman" panose="02020603050405020304" pitchFamily="18" charset="0"/>
+              </a:rPr>
+              <a:t> </a:t>
+            </a:r>
+            <a:r>
+              <a:rPr lang="en-US" sz="5400" b="1" dirty="0" err="1">
+                <a:latin typeface="Times New Roman" panose="02020603050405020304" pitchFamily="18" charset="0"/>
+                <a:cs typeface="Times New Roman" panose="02020603050405020304" pitchFamily="18" charset="0"/>
+              </a:rPr>
+              <a:t>về</a:t>
+            </a:r>
+            <a:r>
+              <a:rPr lang="en-US" sz="5400" b="1" dirty="0">
+                <a:latin typeface="Times New Roman" panose="02020603050405020304" pitchFamily="18" charset="0"/>
+                <a:cs typeface="Times New Roman" panose="02020603050405020304" pitchFamily="18" charset="0"/>
+              </a:rPr>
+              <a:t> </a:t>
+            </a:r>
+            <a:r>
+              <a:rPr lang="en-US" sz="5400" b="1" dirty="0" err="1">
+                <a:latin typeface="Times New Roman" panose="02020603050405020304" pitchFamily="18" charset="0"/>
+                <a:cs typeface="Times New Roman" panose="02020603050405020304" pitchFamily="18" charset="0"/>
+              </a:rPr>
+              <a:t>bên</a:t>
+            </a:r>
+            <a:r>
+              <a:rPr lang="en-US" sz="5400" b="1" dirty="0">
+                <a:latin typeface="Times New Roman" panose="02020603050405020304" pitchFamily="18" charset="0"/>
+                <a:cs typeface="Times New Roman" panose="02020603050405020304" pitchFamily="18" charset="0"/>
+              </a:rPr>
+              <a:t> </a:t>
+            </a:r>
+            <a:r>
+              <a:rPr lang="en-US" sz="5400" b="1" dirty="0" err="1">
+                <a:latin typeface="Times New Roman" panose="02020603050405020304" pitchFamily="18" charset="0"/>
+                <a:cs typeface="Times New Roman" panose="02020603050405020304" pitchFamily="18" charset="0"/>
+              </a:rPr>
+              <a:t>Mẹ</a:t>
+            </a:r>
+            <a:r>
+              <a:rPr lang="en-US" sz="5400" b="1" dirty="0">
+                <a:latin typeface="Times New Roman" panose="02020603050405020304" pitchFamily="18" charset="0"/>
+                <a:cs typeface="Times New Roman" panose="02020603050405020304" pitchFamily="18" charset="0"/>
+              </a:rPr>
+              <a:t>, </a:t>
+            </a:r>
+            <a:r>
+              <a:rPr lang="en-US" sz="5400" b="1" dirty="0" err="1">
+                <a:latin typeface="Times New Roman" panose="02020603050405020304" pitchFamily="18" charset="0"/>
+                <a:cs typeface="Times New Roman" panose="02020603050405020304" pitchFamily="18" charset="0"/>
+              </a:rPr>
+              <a:t>Mẹ</a:t>
+            </a:r>
+            <a:r>
+              <a:rPr lang="en-US" sz="5400" b="1" dirty="0">
+                <a:latin typeface="Times New Roman" panose="02020603050405020304" pitchFamily="18" charset="0"/>
+                <a:cs typeface="Times New Roman" panose="02020603050405020304" pitchFamily="18" charset="0"/>
+              </a:rPr>
+              <a:t> </a:t>
+            </a:r>
+            <a:r>
+              <a:rPr lang="en-US" sz="5400" b="1" dirty="0" err="1">
+                <a:latin typeface="Times New Roman" panose="02020603050405020304" pitchFamily="18" charset="0"/>
+                <a:cs typeface="Times New Roman" panose="02020603050405020304" pitchFamily="18" charset="0"/>
+              </a:rPr>
+              <a:t>ơi</a:t>
+            </a:r>
+            <a:r>
+              <a:rPr lang="en-US" sz="5400" b="1" dirty="0">
+                <a:latin typeface="Times New Roman" panose="02020603050405020304" pitchFamily="18" charset="0"/>
+                <a:cs typeface="Times New Roman" panose="02020603050405020304" pitchFamily="18" charset="0"/>
+              </a:rPr>
+              <a:t>.</a:t>
             </a:r>
             <a:endParaRPr lang="vi-VN" sz="5400" b="1" dirty="0">
               <a:latin typeface="Times New Roman" panose="02020603050405020304" pitchFamily="18" charset="0"/>
@@ -12710,7 +11966,7 @@
     </p:spTree>
     <p:extLst>
       <p:ext uri="{BB962C8B-B14F-4D97-AF65-F5344CB8AC3E}">
-        <p14:creationId xmlns:p14="http://schemas.microsoft.com/office/powerpoint/2010/main" val="2200411873"/>
+        <p14:creationId xmlns:p14="http://schemas.microsoft.com/office/powerpoint/2010/main" val="2038982610"/>
       </p:ext>
     </p:extLst>
   </p:cSld>
@@ -12762,16 +12018,6 @@
           <a:p>
             <a:pPr algn="l"/>
             <a:r>
-              <a:rPr lang="en-US" sz="1800" dirty="0" err="1">
-                <a:solidFill>
-                  <a:srgbClr val="FF0000"/>
-                </a:solidFill>
-                <a:latin typeface="Times New Roman" panose="02020603050405020304" pitchFamily="18" charset="0"/>
-                <a:cs typeface="Times New Roman" panose="02020603050405020304" pitchFamily="18" charset="0"/>
-              </a:rPr>
-              <a:t>Kết</a:t>
-            </a:r>
-            <a:r>
               <a:rPr lang="en-US" sz="1800" dirty="0">
                 <a:solidFill>
                   <a:srgbClr val="FF0000"/>
@@ -12779,27 +12025,7 @@
                 <a:latin typeface="Times New Roman" panose="02020603050405020304" pitchFamily="18" charset="0"/>
                 <a:cs typeface="Times New Roman" panose="02020603050405020304" pitchFamily="18" charset="0"/>
               </a:rPr>
-              <a:t> </a:t>
-            </a:r>
-            <a:r>
-              <a:rPr lang="en-US" sz="1800" dirty="0" err="1">
-                <a:solidFill>
-                  <a:srgbClr val="FF0000"/>
-                </a:solidFill>
-                <a:latin typeface="Times New Roman" panose="02020603050405020304" pitchFamily="18" charset="0"/>
-                <a:cs typeface="Times New Roman" panose="02020603050405020304" pitchFamily="18" charset="0"/>
-              </a:rPr>
-              <a:t>lễ</a:t>
-            </a:r>
-            <a:r>
-              <a:rPr lang="en-US" sz="1800" dirty="0">
-                <a:solidFill>
-                  <a:srgbClr val="FF0000"/>
-                </a:solidFill>
-                <a:latin typeface="Times New Roman" panose="02020603050405020304" pitchFamily="18" charset="0"/>
-                <a:cs typeface="Times New Roman" panose="02020603050405020304" pitchFamily="18" charset="0"/>
-              </a:rPr>
-              <a:t>                                   	         </a:t>
+              <a:t>                                    	         </a:t>
             </a:r>
             <a:r>
               <a:rPr lang="en-US" sz="2400" b="1" dirty="0">
@@ -12857,109 +12083,242 @@
           <a:p>
             <a:pPr algn="just"/>
             <a:r>
-              <a:rPr lang="en-US" sz="5400" b="1" dirty="0" err="1">
-                <a:latin typeface="Times New Roman" panose="02020603050405020304" pitchFamily="18" charset="0"/>
-                <a:cs typeface="Times New Roman" panose="02020603050405020304" pitchFamily="18" charset="0"/>
-              </a:rPr>
-              <a:t>Mẹ</a:t>
-            </a:r>
-            <a:r>
-              <a:rPr lang="en-US" sz="5400" b="1" dirty="0">
-                <a:latin typeface="Times New Roman" panose="02020603050405020304" pitchFamily="18" charset="0"/>
-                <a:cs typeface="Times New Roman" panose="02020603050405020304" pitchFamily="18" charset="0"/>
-              </a:rPr>
-              <a:t> </a:t>
-            </a:r>
-            <a:r>
-              <a:rPr lang="en-US" sz="5400" b="1" dirty="0" err="1">
-                <a:latin typeface="Times New Roman" panose="02020603050405020304" pitchFamily="18" charset="0"/>
-                <a:cs typeface="Times New Roman" panose="02020603050405020304" pitchFamily="18" charset="0"/>
-              </a:rPr>
-              <a:t>đứng</a:t>
-            </a:r>
-            <a:r>
-              <a:rPr lang="en-US" sz="5400" b="1" dirty="0">
-                <a:latin typeface="Times New Roman" panose="02020603050405020304" pitchFamily="18" charset="0"/>
-                <a:cs typeface="Times New Roman" panose="02020603050405020304" pitchFamily="18" charset="0"/>
-              </a:rPr>
-              <a:t> </a:t>
-            </a:r>
-            <a:r>
-              <a:rPr lang="en-US" sz="5400" b="1" dirty="0" err="1">
-                <a:latin typeface="Times New Roman" panose="02020603050405020304" pitchFamily="18" charset="0"/>
-                <a:cs typeface="Times New Roman" panose="02020603050405020304" pitchFamily="18" charset="0"/>
-              </a:rPr>
-              <a:t>đó</a:t>
-            </a:r>
-            <a:r>
-              <a:rPr lang="en-US" sz="5400" b="1" dirty="0">
-                <a:latin typeface="Times New Roman" panose="02020603050405020304" pitchFamily="18" charset="0"/>
-                <a:cs typeface="Times New Roman" panose="02020603050405020304" pitchFamily="18" charset="0"/>
-              </a:rPr>
-              <a:t> </a:t>
-            </a:r>
-            <a:r>
-              <a:rPr lang="en-US" sz="5400" b="1" dirty="0" err="1">
-                <a:latin typeface="Times New Roman" panose="02020603050405020304" pitchFamily="18" charset="0"/>
-                <a:cs typeface="Times New Roman" panose="02020603050405020304" pitchFamily="18" charset="0"/>
-              </a:rPr>
-              <a:t>tâm</a:t>
-            </a:r>
-            <a:r>
-              <a:rPr lang="en-US" sz="5400" b="1" dirty="0">
-                <a:latin typeface="Times New Roman" panose="02020603050405020304" pitchFamily="18" charset="0"/>
-                <a:cs typeface="Times New Roman" panose="02020603050405020304" pitchFamily="18" charset="0"/>
-              </a:rPr>
-              <a:t> </a:t>
-            </a:r>
-            <a:r>
-              <a:rPr lang="en-US" sz="5400" b="1" dirty="0" err="1">
-                <a:latin typeface="Times New Roman" panose="02020603050405020304" pitchFamily="18" charset="0"/>
-                <a:cs typeface="Times New Roman" panose="02020603050405020304" pitchFamily="18" charset="0"/>
-              </a:rPr>
-              <a:t>hồn</a:t>
-            </a:r>
-            <a:r>
-              <a:rPr lang="en-US" sz="5400" b="1" dirty="0">
-                <a:latin typeface="Times New Roman" panose="02020603050405020304" pitchFamily="18" charset="0"/>
-                <a:cs typeface="Times New Roman" panose="02020603050405020304" pitchFamily="18" charset="0"/>
-              </a:rPr>
-              <a:t> </a:t>
-            </a:r>
-            <a:r>
-              <a:rPr lang="en-US" sz="5400" b="1" dirty="0" err="1">
-                <a:latin typeface="Times New Roman" panose="02020603050405020304" pitchFamily="18" charset="0"/>
-                <a:cs typeface="Times New Roman" panose="02020603050405020304" pitchFamily="18" charset="0"/>
-              </a:rPr>
-              <a:t>tê</a:t>
-            </a:r>
-            <a:r>
-              <a:rPr lang="en-US" sz="5400" b="1" dirty="0">
-                <a:latin typeface="Times New Roman" panose="02020603050405020304" pitchFamily="18" charset="0"/>
-                <a:cs typeface="Times New Roman" panose="02020603050405020304" pitchFamily="18" charset="0"/>
-              </a:rPr>
-              <a:t> </a:t>
-            </a:r>
-            <a:r>
-              <a:rPr lang="en-US" sz="5400" b="1" dirty="0" err="1">
-                <a:latin typeface="Times New Roman" panose="02020603050405020304" pitchFamily="18" charset="0"/>
-                <a:cs typeface="Times New Roman" panose="02020603050405020304" pitchFamily="18" charset="0"/>
-              </a:rPr>
-              <a:t>tái</a:t>
-            </a:r>
-            <a:r>
-              <a:rPr lang="en-US" sz="5400" b="1" dirty="0">
-                <a:latin typeface="Times New Roman" panose="02020603050405020304" pitchFamily="18" charset="0"/>
-                <a:cs typeface="Times New Roman" panose="02020603050405020304" pitchFamily="18" charset="0"/>
-              </a:rPr>
-              <a:t> </a:t>
-            </a:r>
-            <a:r>
-              <a:rPr lang="en-US" sz="5400" b="1" dirty="0" err="1">
-                <a:latin typeface="Times New Roman" panose="02020603050405020304" pitchFamily="18" charset="0"/>
-                <a:cs typeface="Times New Roman" panose="02020603050405020304" pitchFamily="18" charset="0"/>
-              </a:rPr>
-              <a:t>sầu</a:t>
+              <a:rPr lang="en-US" sz="5400" b="1" dirty="0">
+                <a:latin typeface="Times New Roman" panose="02020603050405020304" pitchFamily="18" charset="0"/>
+                <a:cs typeface="Times New Roman" panose="02020603050405020304" pitchFamily="18" charset="0"/>
+              </a:rPr>
+              <a:t>1. </a:t>
+            </a:r>
+            <a:r>
+              <a:rPr lang="en-US" sz="5400" b="1" dirty="0" err="1">
+                <a:latin typeface="Times New Roman" panose="02020603050405020304" pitchFamily="18" charset="0"/>
+                <a:cs typeface="Times New Roman" panose="02020603050405020304" pitchFamily="18" charset="0"/>
+              </a:rPr>
+              <a:t>Hỡi</a:t>
+            </a:r>
+            <a:r>
+              <a:rPr lang="en-US" sz="5400" b="1" dirty="0">
+                <a:latin typeface="Times New Roman" panose="02020603050405020304" pitchFamily="18" charset="0"/>
+                <a:cs typeface="Times New Roman" panose="02020603050405020304" pitchFamily="18" charset="0"/>
+              </a:rPr>
+              <a:t> </a:t>
+            </a:r>
+            <a:r>
+              <a:rPr lang="en-US" sz="5400" b="1" dirty="0" err="1">
+                <a:latin typeface="Times New Roman" panose="02020603050405020304" pitchFamily="18" charset="0"/>
+                <a:cs typeface="Times New Roman" panose="02020603050405020304" pitchFamily="18" charset="0"/>
+              </a:rPr>
+              <a:t>ai</a:t>
+            </a:r>
+            <a:r>
+              <a:rPr lang="en-US" sz="5400" b="1" dirty="0">
+                <a:latin typeface="Times New Roman" panose="02020603050405020304" pitchFamily="18" charset="0"/>
+                <a:cs typeface="Times New Roman" panose="02020603050405020304" pitchFamily="18" charset="0"/>
+              </a:rPr>
+              <a:t> qua </a:t>
+            </a:r>
+            <a:r>
+              <a:rPr lang="en-US" sz="5400" b="1" dirty="0" err="1">
+                <a:latin typeface="Times New Roman" panose="02020603050405020304" pitchFamily="18" charset="0"/>
+                <a:cs typeface="Times New Roman" panose="02020603050405020304" pitchFamily="18" charset="0"/>
+              </a:rPr>
+              <a:t>đường</a:t>
+            </a:r>
+            <a:r>
+              <a:rPr lang="en-US" sz="5400" b="1" dirty="0">
+                <a:latin typeface="Times New Roman" panose="02020603050405020304" pitchFamily="18" charset="0"/>
+                <a:cs typeface="Times New Roman" panose="02020603050405020304" pitchFamily="18" charset="0"/>
+              </a:rPr>
+              <a:t> </a:t>
+            </a:r>
+            <a:r>
+              <a:rPr lang="en-US" sz="5400" b="1" dirty="0" err="1">
+                <a:latin typeface="Times New Roman" panose="02020603050405020304" pitchFamily="18" charset="0"/>
+                <a:cs typeface="Times New Roman" panose="02020603050405020304" pitchFamily="18" charset="0"/>
+              </a:rPr>
+              <a:t>ngừng</a:t>
+            </a:r>
+            <a:r>
+              <a:rPr lang="en-US" sz="5400" b="1" dirty="0">
+                <a:latin typeface="Times New Roman" panose="02020603050405020304" pitchFamily="18" charset="0"/>
+                <a:cs typeface="Times New Roman" panose="02020603050405020304" pitchFamily="18" charset="0"/>
+              </a:rPr>
+              <a:t> </a:t>
+            </a:r>
+            <a:r>
+              <a:rPr lang="en-US" sz="5400" b="1" dirty="0" err="1">
+                <a:latin typeface="Times New Roman" panose="02020603050405020304" pitchFamily="18" charset="0"/>
+                <a:cs typeface="Times New Roman" panose="02020603050405020304" pitchFamily="18" charset="0"/>
+              </a:rPr>
+              <a:t>bước</a:t>
+            </a:r>
+            <a:r>
+              <a:rPr lang="en-US" sz="5400" b="1" dirty="0">
+                <a:latin typeface="Times New Roman" panose="02020603050405020304" pitchFamily="18" charset="0"/>
+                <a:cs typeface="Times New Roman" panose="02020603050405020304" pitchFamily="18" charset="0"/>
+              </a:rPr>
+              <a:t> </a:t>
+            </a:r>
+            <a:r>
+              <a:rPr lang="en-US" sz="5400" b="1" dirty="0" err="1">
+                <a:latin typeface="Times New Roman" panose="02020603050405020304" pitchFamily="18" charset="0"/>
+                <a:cs typeface="Times New Roman" panose="02020603050405020304" pitchFamily="18" charset="0"/>
+              </a:rPr>
+              <a:t>đây</a:t>
+            </a:r>
+            <a:r>
+              <a:rPr lang="en-US" sz="5400" b="1" dirty="0">
+                <a:latin typeface="Times New Roman" panose="02020603050405020304" pitchFamily="18" charset="0"/>
+                <a:cs typeface="Times New Roman" panose="02020603050405020304" pitchFamily="18" charset="0"/>
+              </a:rPr>
+              <a:t> </a:t>
+            </a:r>
+            <a:r>
+              <a:rPr lang="en-US" sz="5400" b="1" dirty="0" err="1">
+                <a:latin typeface="Times New Roman" panose="02020603050405020304" pitchFamily="18" charset="0"/>
+                <a:cs typeface="Times New Roman" panose="02020603050405020304" pitchFamily="18" charset="0"/>
+              </a:rPr>
+              <a:t>mà</a:t>
+            </a:r>
+            <a:r>
+              <a:rPr lang="en-US" sz="5400" b="1" dirty="0">
+                <a:latin typeface="Times New Roman" panose="02020603050405020304" pitchFamily="18" charset="0"/>
+                <a:cs typeface="Times New Roman" panose="02020603050405020304" pitchFamily="18" charset="0"/>
+              </a:rPr>
+              <a:t> </a:t>
+            </a:r>
+            <a:r>
+              <a:rPr lang="en-US" sz="5400" b="1" dirty="0" err="1">
+                <a:latin typeface="Times New Roman" panose="02020603050405020304" pitchFamily="18" charset="0"/>
+                <a:cs typeface="Times New Roman" panose="02020603050405020304" pitchFamily="18" charset="0"/>
+              </a:rPr>
+              <a:t>chiêm</a:t>
+            </a:r>
+            <a:r>
+              <a:rPr lang="en-US" sz="5400" b="1" dirty="0">
+                <a:latin typeface="Times New Roman" panose="02020603050405020304" pitchFamily="18" charset="0"/>
+                <a:cs typeface="Times New Roman" panose="02020603050405020304" pitchFamily="18" charset="0"/>
+              </a:rPr>
+              <a:t> </a:t>
+            </a:r>
+            <a:r>
+              <a:rPr lang="en-US" sz="5400" b="1" dirty="0" err="1">
+                <a:latin typeface="Times New Roman" panose="02020603050405020304" pitchFamily="18" charset="0"/>
+                <a:cs typeface="Times New Roman" panose="02020603050405020304" pitchFamily="18" charset="0"/>
+              </a:rPr>
+              <a:t>ngắm</a:t>
+            </a:r>
+            <a:r>
+              <a:rPr lang="en-US" sz="5400" b="1" dirty="0">
+                <a:latin typeface="Times New Roman" panose="02020603050405020304" pitchFamily="18" charset="0"/>
+                <a:cs typeface="Times New Roman" panose="02020603050405020304" pitchFamily="18" charset="0"/>
+              </a:rPr>
+              <a:t> </a:t>
+            </a:r>
+            <a:r>
+              <a:rPr lang="en-US" sz="5400" b="1" dirty="0" err="1">
+                <a:latin typeface="Times New Roman" panose="02020603050405020304" pitchFamily="18" charset="0"/>
+                <a:cs typeface="Times New Roman" panose="02020603050405020304" pitchFamily="18" charset="0"/>
+              </a:rPr>
+              <a:t>Chúa</a:t>
+            </a:r>
+            <a:r>
+              <a:rPr lang="en-US" sz="5400" b="1" dirty="0">
+                <a:latin typeface="Times New Roman" panose="02020603050405020304" pitchFamily="18" charset="0"/>
+                <a:cs typeface="Times New Roman" panose="02020603050405020304" pitchFamily="18" charset="0"/>
+              </a:rPr>
+              <a:t> </a:t>
+            </a:r>
+            <a:r>
+              <a:rPr lang="en-US" sz="5400" b="1" dirty="0" err="1">
+                <a:latin typeface="Times New Roman" panose="02020603050405020304" pitchFamily="18" charset="0"/>
+                <a:cs typeface="Times New Roman" panose="02020603050405020304" pitchFamily="18" charset="0"/>
+              </a:rPr>
+              <a:t>Chí</a:t>
+            </a:r>
+            <a:r>
+              <a:rPr lang="en-US" sz="5400" b="1" dirty="0">
+                <a:latin typeface="Times New Roman" panose="02020603050405020304" pitchFamily="18" charset="0"/>
+                <a:cs typeface="Times New Roman" panose="02020603050405020304" pitchFamily="18" charset="0"/>
+              </a:rPr>
+              <a:t> </a:t>
+            </a:r>
+            <a:r>
+              <a:rPr lang="en-US" sz="5400" b="1" dirty="0" err="1">
+                <a:latin typeface="Times New Roman" panose="02020603050405020304" pitchFamily="18" charset="0"/>
+                <a:cs typeface="Times New Roman" panose="02020603050405020304" pitchFamily="18" charset="0"/>
+              </a:rPr>
+              <a:t>tôn</a:t>
+            </a:r>
+            <a:r>
+              <a:rPr lang="en-US" sz="5400" b="1" dirty="0">
+                <a:latin typeface="Times New Roman" panose="02020603050405020304" pitchFamily="18" charset="0"/>
+                <a:cs typeface="Times New Roman" panose="02020603050405020304" pitchFamily="18" charset="0"/>
+              </a:rPr>
+              <a:t> cam </a:t>
+            </a:r>
+            <a:r>
+              <a:rPr lang="en-US" sz="5400" b="1" dirty="0" err="1">
+                <a:latin typeface="Times New Roman" panose="02020603050405020304" pitchFamily="18" charset="0"/>
+                <a:cs typeface="Times New Roman" panose="02020603050405020304" pitchFamily="18" charset="0"/>
+              </a:rPr>
+              <a:t>chịu</a:t>
+            </a:r>
+            <a:r>
+              <a:rPr lang="en-US" sz="5400" b="1" dirty="0">
+                <a:latin typeface="Times New Roman" panose="02020603050405020304" pitchFamily="18" charset="0"/>
+                <a:cs typeface="Times New Roman" panose="02020603050405020304" pitchFamily="18" charset="0"/>
+              </a:rPr>
+              <a:t> </a:t>
+            </a:r>
+            <a:r>
+              <a:rPr lang="en-US" sz="5400" b="1" dirty="0" err="1">
+                <a:latin typeface="Times New Roman" panose="02020603050405020304" pitchFamily="18" charset="0"/>
+                <a:cs typeface="Times New Roman" panose="02020603050405020304" pitchFamily="18" charset="0"/>
+              </a:rPr>
+              <a:t>muôn</a:t>
+            </a:r>
+            <a:r>
+              <a:rPr lang="en-US" sz="5400" b="1" dirty="0">
+                <a:latin typeface="Times New Roman" panose="02020603050405020304" pitchFamily="18" charset="0"/>
+                <a:cs typeface="Times New Roman" panose="02020603050405020304" pitchFamily="18" charset="0"/>
+              </a:rPr>
+              <a:t> </a:t>
+            </a:r>
+            <a:r>
+              <a:rPr lang="en-US" sz="5400" b="1" dirty="0" err="1">
+                <a:latin typeface="Times New Roman" panose="02020603050405020304" pitchFamily="18" charset="0"/>
+                <a:cs typeface="Times New Roman" panose="02020603050405020304" pitchFamily="18" charset="0"/>
+              </a:rPr>
+              <a:t>nỗi</a:t>
+            </a:r>
+            <a:r>
+              <a:rPr lang="en-US" sz="5400" b="1" dirty="0">
+                <a:latin typeface="Times New Roman" panose="02020603050405020304" pitchFamily="18" charset="0"/>
+                <a:cs typeface="Times New Roman" panose="02020603050405020304" pitchFamily="18" charset="0"/>
+              </a:rPr>
+              <a:t> </a:t>
+            </a:r>
+            <a:r>
+              <a:rPr lang="en-US" sz="5400" b="1" dirty="0" err="1">
+                <a:latin typeface="Times New Roman" panose="02020603050405020304" pitchFamily="18" charset="0"/>
+                <a:cs typeface="Times New Roman" panose="02020603050405020304" pitchFamily="18" charset="0"/>
+              </a:rPr>
+              <a:t>khổ</a:t>
+            </a:r>
+            <a:r>
+              <a:rPr lang="en-US" sz="5400" b="1" dirty="0">
+                <a:latin typeface="Times New Roman" panose="02020603050405020304" pitchFamily="18" charset="0"/>
+                <a:cs typeface="Times New Roman" panose="02020603050405020304" pitchFamily="18" charset="0"/>
+              </a:rPr>
+              <a:t> </a:t>
+            </a:r>
+            <a:r>
+              <a:rPr lang="en-US" sz="5400" b="1" dirty="0" err="1">
+                <a:latin typeface="Times New Roman" panose="02020603050405020304" pitchFamily="18" charset="0"/>
+                <a:cs typeface="Times New Roman" panose="02020603050405020304" pitchFamily="18" charset="0"/>
+              </a:rPr>
+              <a:t>đau</a:t>
             </a:r>
             <a:r>
               <a:rPr lang="en-US" sz="5400" b="1" dirty="0">
@@ -12973,63 +12332,119 @@
                 <a:latin typeface="Times New Roman" panose="02020603050405020304" pitchFamily="18" charset="0"/>
                 <a:cs typeface="Times New Roman" panose="02020603050405020304" pitchFamily="18" charset="0"/>
               </a:rPr>
-              <a:t>Đồng</a:t>
-            </a:r>
-            <a:r>
-              <a:rPr lang="en-US" sz="5400" b="1" dirty="0">
-                <a:latin typeface="Times New Roman" panose="02020603050405020304" pitchFamily="18" charset="0"/>
-                <a:cs typeface="Times New Roman" panose="02020603050405020304" pitchFamily="18" charset="0"/>
-              </a:rPr>
-              <a:t> </a:t>
-            </a:r>
-            <a:r>
-              <a:rPr lang="en-US" sz="5400" b="1" dirty="0" err="1">
-                <a:latin typeface="Times New Roman" panose="02020603050405020304" pitchFamily="18" charset="0"/>
-                <a:cs typeface="Times New Roman" panose="02020603050405020304" pitchFamily="18" charset="0"/>
-              </a:rPr>
-              <a:t>công</a:t>
-            </a:r>
-            <a:r>
-              <a:rPr lang="en-US" sz="5400" b="1" dirty="0">
-                <a:latin typeface="Times New Roman" panose="02020603050405020304" pitchFamily="18" charset="0"/>
-                <a:cs typeface="Times New Roman" panose="02020603050405020304" pitchFamily="18" charset="0"/>
-              </a:rPr>
-              <a:t> </a:t>
-            </a:r>
-            <a:r>
-              <a:rPr lang="en-US" sz="5400" b="1" dirty="0" err="1">
-                <a:latin typeface="Times New Roman" panose="02020603050405020304" pitchFamily="18" charset="0"/>
-                <a:cs typeface="Times New Roman" panose="02020603050405020304" pitchFamily="18" charset="0"/>
-              </a:rPr>
-              <a:t>cùng</a:t>
-            </a:r>
-            <a:r>
-              <a:rPr lang="en-US" sz="5400" b="1" dirty="0">
-                <a:latin typeface="Times New Roman" panose="02020603050405020304" pitchFamily="18" charset="0"/>
-                <a:cs typeface="Times New Roman" panose="02020603050405020304" pitchFamily="18" charset="0"/>
-              </a:rPr>
-              <a:t> con </a:t>
-            </a:r>
-            <a:r>
-              <a:rPr lang="en-US" sz="5400" b="1" dirty="0" err="1">
-                <a:latin typeface="Times New Roman" panose="02020603050405020304" pitchFamily="18" charset="0"/>
-                <a:cs typeface="Times New Roman" panose="02020603050405020304" pitchFamily="18" charset="0"/>
-              </a:rPr>
-              <a:t>dấu</a:t>
-            </a:r>
-            <a:r>
-              <a:rPr lang="en-US" sz="5400" b="1" dirty="0">
-                <a:latin typeface="Times New Roman" panose="02020603050405020304" pitchFamily="18" charset="0"/>
-                <a:cs typeface="Times New Roman" panose="02020603050405020304" pitchFamily="18" charset="0"/>
-              </a:rPr>
-              <a:t> </a:t>
-            </a:r>
-            <a:r>
-              <a:rPr lang="en-US" sz="5400" b="1" dirty="0" err="1">
-                <a:latin typeface="Times New Roman" panose="02020603050405020304" pitchFamily="18" charset="0"/>
-                <a:cs typeface="Times New Roman" panose="02020603050405020304" pitchFamily="18" charset="0"/>
-              </a:rPr>
-              <a:t>yêu</a:t>
+              <a:t>Vì</a:t>
+            </a:r>
+            <a:r>
+              <a:rPr lang="en-US" sz="5400" b="1" dirty="0">
+                <a:latin typeface="Times New Roman" panose="02020603050405020304" pitchFamily="18" charset="0"/>
+                <a:cs typeface="Times New Roman" panose="02020603050405020304" pitchFamily="18" charset="0"/>
+              </a:rPr>
+              <a:t> </a:t>
+            </a:r>
+            <a:r>
+              <a:rPr lang="en-US" sz="5400" b="1" dirty="0" err="1">
+                <a:latin typeface="Times New Roman" panose="02020603050405020304" pitchFamily="18" charset="0"/>
+                <a:cs typeface="Times New Roman" panose="02020603050405020304" pitchFamily="18" charset="0"/>
+              </a:rPr>
+              <a:t>thương</a:t>
+            </a:r>
+            <a:r>
+              <a:rPr lang="en-US" sz="5400" b="1" dirty="0">
+                <a:latin typeface="Times New Roman" panose="02020603050405020304" pitchFamily="18" charset="0"/>
+                <a:cs typeface="Times New Roman" panose="02020603050405020304" pitchFamily="18" charset="0"/>
+              </a:rPr>
+              <a:t> </a:t>
+            </a:r>
+            <a:r>
+              <a:rPr lang="en-US" sz="5400" b="1" dirty="0" err="1">
+                <a:latin typeface="Times New Roman" panose="02020603050405020304" pitchFamily="18" charset="0"/>
+                <a:cs typeface="Times New Roman" panose="02020603050405020304" pitchFamily="18" charset="0"/>
+              </a:rPr>
+              <a:t>toàn</a:t>
+            </a:r>
+            <a:r>
+              <a:rPr lang="en-US" sz="5400" b="1" dirty="0">
+                <a:latin typeface="Times New Roman" panose="02020603050405020304" pitchFamily="18" charset="0"/>
+                <a:cs typeface="Times New Roman" panose="02020603050405020304" pitchFamily="18" charset="0"/>
+              </a:rPr>
+              <a:t> </a:t>
+            </a:r>
+            <a:r>
+              <a:rPr lang="en-US" sz="5400" b="1" dirty="0" err="1">
+                <a:latin typeface="Times New Roman" panose="02020603050405020304" pitchFamily="18" charset="0"/>
+                <a:cs typeface="Times New Roman" panose="02020603050405020304" pitchFamily="18" charset="0"/>
+              </a:rPr>
+              <a:t>nhân</a:t>
+            </a:r>
+            <a:r>
+              <a:rPr lang="en-US" sz="5400" b="1" dirty="0">
+                <a:latin typeface="Times New Roman" panose="02020603050405020304" pitchFamily="18" charset="0"/>
+                <a:cs typeface="Times New Roman" panose="02020603050405020304" pitchFamily="18" charset="0"/>
+              </a:rPr>
+              <a:t> </a:t>
+            </a:r>
+            <a:r>
+              <a:rPr lang="en-US" sz="5400" b="1" dirty="0" err="1">
+                <a:latin typeface="Times New Roman" panose="02020603050405020304" pitchFamily="18" charset="0"/>
+                <a:cs typeface="Times New Roman" panose="02020603050405020304" pitchFamily="18" charset="0"/>
+              </a:rPr>
+              <a:t>loại</a:t>
+            </a:r>
+            <a:r>
+              <a:rPr lang="en-US" sz="5400" b="1" dirty="0">
+                <a:latin typeface="Times New Roman" panose="02020603050405020304" pitchFamily="18" charset="0"/>
+                <a:cs typeface="Times New Roman" panose="02020603050405020304" pitchFamily="18" charset="0"/>
+              </a:rPr>
+              <a:t> </a:t>
+            </a:r>
+            <a:r>
+              <a:rPr lang="en-US" sz="5400" b="1" dirty="0" err="1">
+                <a:latin typeface="Times New Roman" panose="02020603050405020304" pitchFamily="18" charset="0"/>
+                <a:cs typeface="Times New Roman" panose="02020603050405020304" pitchFamily="18" charset="0"/>
+              </a:rPr>
+              <a:t>muôn</a:t>
+            </a:r>
+            <a:r>
+              <a:rPr lang="en-US" sz="5400" b="1" dirty="0">
+                <a:latin typeface="Times New Roman" panose="02020603050405020304" pitchFamily="18" charset="0"/>
+                <a:cs typeface="Times New Roman" panose="02020603050405020304" pitchFamily="18" charset="0"/>
+              </a:rPr>
+              <a:t> </a:t>
+            </a:r>
+            <a:r>
+              <a:rPr lang="en-US" sz="5400" b="1" dirty="0" err="1">
+                <a:latin typeface="Times New Roman" panose="02020603050405020304" pitchFamily="18" charset="0"/>
+                <a:cs typeface="Times New Roman" panose="02020603050405020304" pitchFamily="18" charset="0"/>
+              </a:rPr>
+              <a:t>chốn</a:t>
+            </a:r>
+            <a:r>
+              <a:rPr lang="en-US" sz="5400" b="1" dirty="0">
+                <a:latin typeface="Times New Roman" panose="02020603050405020304" pitchFamily="18" charset="0"/>
+                <a:cs typeface="Times New Roman" panose="02020603050405020304" pitchFamily="18" charset="0"/>
+              </a:rPr>
+              <a:t> </a:t>
+            </a:r>
+            <a:r>
+              <a:rPr lang="en-US" sz="5400" b="1" dirty="0" err="1">
+                <a:latin typeface="Times New Roman" panose="02020603050405020304" pitchFamily="18" charset="0"/>
+                <a:cs typeface="Times New Roman" panose="02020603050405020304" pitchFamily="18" charset="0"/>
+              </a:rPr>
+              <a:t>muôn</a:t>
+            </a:r>
+            <a:r>
+              <a:rPr lang="en-US" sz="5400" b="1" dirty="0">
+                <a:latin typeface="Times New Roman" panose="02020603050405020304" pitchFamily="18" charset="0"/>
+                <a:cs typeface="Times New Roman" panose="02020603050405020304" pitchFamily="18" charset="0"/>
+              </a:rPr>
+              <a:t> </a:t>
+            </a:r>
+            <a:r>
+              <a:rPr lang="en-US" sz="5400" b="1" dirty="0" err="1">
+                <a:latin typeface="Times New Roman" panose="02020603050405020304" pitchFamily="18" charset="0"/>
+                <a:cs typeface="Times New Roman" panose="02020603050405020304" pitchFamily="18" charset="0"/>
+              </a:rPr>
+              <a:t>đời</a:t>
             </a:r>
             <a:r>
               <a:rPr lang="en-US" sz="5400" b="1" dirty="0">
@@ -13043,259 +12458,119 @@
                 <a:latin typeface="Times New Roman" panose="02020603050405020304" pitchFamily="18" charset="0"/>
                 <a:cs typeface="Times New Roman" panose="02020603050405020304" pitchFamily="18" charset="0"/>
               </a:rPr>
-              <a:t>Vì</a:t>
-            </a:r>
-            <a:r>
-              <a:rPr lang="en-US" sz="5400" b="1" dirty="0">
-                <a:latin typeface="Times New Roman" panose="02020603050405020304" pitchFamily="18" charset="0"/>
-                <a:cs typeface="Times New Roman" panose="02020603050405020304" pitchFamily="18" charset="0"/>
-              </a:rPr>
-              <a:t> </a:t>
-            </a:r>
-            <a:r>
-              <a:rPr lang="en-US" sz="5400" b="1" dirty="0" err="1">
-                <a:latin typeface="Times New Roman" panose="02020603050405020304" pitchFamily="18" charset="0"/>
-                <a:cs typeface="Times New Roman" panose="02020603050405020304" pitchFamily="18" charset="0"/>
-              </a:rPr>
-              <a:t>thương</a:t>
-            </a:r>
-            <a:r>
-              <a:rPr lang="en-US" sz="5400" b="1" dirty="0">
-                <a:latin typeface="Times New Roman" panose="02020603050405020304" pitchFamily="18" charset="0"/>
-                <a:cs typeface="Times New Roman" panose="02020603050405020304" pitchFamily="18" charset="0"/>
-              </a:rPr>
-              <a:t> </a:t>
-            </a:r>
-            <a:r>
-              <a:rPr lang="en-US" sz="5400" b="1" dirty="0" err="1">
-                <a:latin typeface="Times New Roman" panose="02020603050405020304" pitchFamily="18" charset="0"/>
-                <a:cs typeface="Times New Roman" panose="02020603050405020304" pitchFamily="18" charset="0"/>
-              </a:rPr>
-              <a:t>nhân</a:t>
-            </a:r>
-            <a:r>
-              <a:rPr lang="en-US" sz="5400" b="1" dirty="0">
-                <a:latin typeface="Times New Roman" panose="02020603050405020304" pitchFamily="18" charset="0"/>
-                <a:cs typeface="Times New Roman" panose="02020603050405020304" pitchFamily="18" charset="0"/>
-              </a:rPr>
-              <a:t> </a:t>
-            </a:r>
-            <a:r>
-              <a:rPr lang="en-US" sz="5400" b="1" dirty="0" err="1">
-                <a:latin typeface="Times New Roman" panose="02020603050405020304" pitchFamily="18" charset="0"/>
-                <a:cs typeface="Times New Roman" panose="02020603050405020304" pitchFamily="18" charset="0"/>
-              </a:rPr>
-              <a:t>loại</a:t>
-            </a:r>
-            <a:r>
-              <a:rPr lang="en-US" sz="5400" b="1" dirty="0">
-                <a:latin typeface="Times New Roman" panose="02020603050405020304" pitchFamily="18" charset="0"/>
-                <a:cs typeface="Times New Roman" panose="02020603050405020304" pitchFamily="18" charset="0"/>
-              </a:rPr>
-              <a:t> </a:t>
-            </a:r>
-            <a:r>
-              <a:rPr lang="en-US" sz="5400" b="1" dirty="0" err="1">
-                <a:latin typeface="Times New Roman" panose="02020603050405020304" pitchFamily="18" charset="0"/>
-                <a:cs typeface="Times New Roman" panose="02020603050405020304" pitchFamily="18" charset="0"/>
-              </a:rPr>
-              <a:t>bao</a:t>
-            </a:r>
-            <a:r>
-              <a:rPr lang="en-US" sz="5400" b="1" dirty="0">
-                <a:latin typeface="Times New Roman" panose="02020603050405020304" pitchFamily="18" charset="0"/>
-                <a:cs typeface="Times New Roman" panose="02020603050405020304" pitchFamily="18" charset="0"/>
-              </a:rPr>
-              <a:t> </a:t>
-            </a:r>
-            <a:r>
-              <a:rPr lang="en-US" sz="5400" b="1" dirty="0" err="1">
-                <a:latin typeface="Times New Roman" panose="02020603050405020304" pitchFamily="18" charset="0"/>
-                <a:cs typeface="Times New Roman" panose="02020603050405020304" pitchFamily="18" charset="0"/>
-              </a:rPr>
-              <a:t>khốn</a:t>
-            </a:r>
-            <a:r>
-              <a:rPr lang="en-US" sz="5400" b="1" dirty="0">
-                <a:latin typeface="Times New Roman" panose="02020603050405020304" pitchFamily="18" charset="0"/>
-                <a:cs typeface="Times New Roman" panose="02020603050405020304" pitchFamily="18" charset="0"/>
-              </a:rPr>
-              <a:t> </a:t>
-            </a:r>
-            <a:r>
-              <a:rPr lang="en-US" sz="5400" b="1" dirty="0" err="1">
-                <a:latin typeface="Times New Roman" panose="02020603050405020304" pitchFamily="18" charset="0"/>
-                <a:cs typeface="Times New Roman" panose="02020603050405020304" pitchFamily="18" charset="0"/>
-              </a:rPr>
-              <a:t>cùng</a:t>
-            </a:r>
-            <a:r>
-              <a:rPr lang="en-US" sz="5400" b="1" dirty="0">
-                <a:latin typeface="Times New Roman" panose="02020603050405020304" pitchFamily="18" charset="0"/>
-                <a:cs typeface="Times New Roman" panose="02020603050405020304" pitchFamily="18" charset="0"/>
-              </a:rPr>
-              <a:t>. Xin </a:t>
-            </a:r>
-            <a:r>
-              <a:rPr lang="en-US" sz="5400" b="1" dirty="0" err="1">
-                <a:latin typeface="Times New Roman" panose="02020603050405020304" pitchFamily="18" charset="0"/>
-                <a:cs typeface="Times New Roman" panose="02020603050405020304" pitchFamily="18" charset="0"/>
-              </a:rPr>
-              <a:t>dẫn</a:t>
-            </a:r>
-            <a:r>
-              <a:rPr lang="en-US" sz="5400" b="1" dirty="0">
-                <a:latin typeface="Times New Roman" panose="02020603050405020304" pitchFamily="18" charset="0"/>
-                <a:cs typeface="Times New Roman" panose="02020603050405020304" pitchFamily="18" charset="0"/>
-              </a:rPr>
-              <a:t> </a:t>
-            </a:r>
-            <a:r>
-              <a:rPr lang="en-US" sz="5400" b="1" dirty="0" err="1">
-                <a:latin typeface="Times New Roman" panose="02020603050405020304" pitchFamily="18" charset="0"/>
-                <a:cs typeface="Times New Roman" panose="02020603050405020304" pitchFamily="18" charset="0"/>
-              </a:rPr>
-              <a:t>đưa</a:t>
-            </a:r>
-            <a:r>
-              <a:rPr lang="en-US" sz="5400" b="1" dirty="0">
-                <a:latin typeface="Times New Roman" panose="02020603050405020304" pitchFamily="18" charset="0"/>
-                <a:cs typeface="Times New Roman" panose="02020603050405020304" pitchFamily="18" charset="0"/>
-              </a:rPr>
-              <a:t> </a:t>
-            </a:r>
-            <a:r>
-              <a:rPr lang="en-US" sz="5400" b="1" dirty="0" err="1">
-                <a:latin typeface="Times New Roman" panose="02020603050405020304" pitchFamily="18" charset="0"/>
-                <a:cs typeface="Times New Roman" panose="02020603050405020304" pitchFamily="18" charset="0"/>
-              </a:rPr>
-              <a:t>bao</a:t>
-            </a:r>
-            <a:r>
-              <a:rPr lang="en-US" sz="5400" b="1" dirty="0">
-                <a:latin typeface="Times New Roman" panose="02020603050405020304" pitchFamily="18" charset="0"/>
-                <a:cs typeface="Times New Roman" panose="02020603050405020304" pitchFamily="18" charset="0"/>
-              </a:rPr>
-              <a:t> </a:t>
-            </a:r>
-            <a:r>
-              <a:rPr lang="en-US" sz="5400" b="1" dirty="0" err="1">
-                <a:latin typeface="Times New Roman" panose="02020603050405020304" pitchFamily="18" charset="0"/>
-                <a:cs typeface="Times New Roman" panose="02020603050405020304" pitchFamily="18" charset="0"/>
-              </a:rPr>
-              <a:t>tâm</a:t>
-            </a:r>
-            <a:r>
-              <a:rPr lang="en-US" sz="5400" b="1" dirty="0">
-                <a:latin typeface="Times New Roman" panose="02020603050405020304" pitchFamily="18" charset="0"/>
-                <a:cs typeface="Times New Roman" panose="02020603050405020304" pitchFamily="18" charset="0"/>
-              </a:rPr>
-              <a:t> </a:t>
-            </a:r>
-            <a:r>
-              <a:rPr lang="en-US" sz="5400" b="1" dirty="0" err="1">
-                <a:latin typeface="Times New Roman" panose="02020603050405020304" pitchFamily="18" charset="0"/>
-                <a:cs typeface="Times New Roman" panose="02020603050405020304" pitchFamily="18" charset="0"/>
-              </a:rPr>
-              <a:t>hồn</a:t>
-            </a:r>
-            <a:r>
-              <a:rPr lang="en-US" sz="5400" b="1" dirty="0">
-                <a:latin typeface="Times New Roman" panose="02020603050405020304" pitchFamily="18" charset="0"/>
-                <a:cs typeface="Times New Roman" panose="02020603050405020304" pitchFamily="18" charset="0"/>
-              </a:rPr>
-              <a:t> </a:t>
-            </a:r>
-            <a:r>
-              <a:rPr lang="en-US" sz="5400" b="1" dirty="0" err="1">
-                <a:latin typeface="Times New Roman" panose="02020603050405020304" pitchFamily="18" charset="0"/>
-                <a:cs typeface="Times New Roman" panose="02020603050405020304" pitchFamily="18" charset="0"/>
-              </a:rPr>
-              <a:t>lạc</a:t>
-            </a:r>
-            <a:r>
-              <a:rPr lang="en-US" sz="5400" b="1" dirty="0">
-                <a:latin typeface="Times New Roman" panose="02020603050405020304" pitchFamily="18" charset="0"/>
-                <a:cs typeface="Times New Roman" panose="02020603050405020304" pitchFamily="18" charset="0"/>
-              </a:rPr>
-              <a:t> </a:t>
-            </a:r>
-            <a:r>
-              <a:rPr lang="en-US" sz="5400" b="1" dirty="0" err="1">
-                <a:latin typeface="Times New Roman" panose="02020603050405020304" pitchFamily="18" charset="0"/>
-                <a:cs typeface="Times New Roman" panose="02020603050405020304" pitchFamily="18" charset="0"/>
-              </a:rPr>
-              <a:t>hướng</a:t>
-            </a:r>
-            <a:r>
-              <a:rPr lang="en-US" sz="5400" b="1" dirty="0">
-                <a:latin typeface="Times New Roman" panose="02020603050405020304" pitchFamily="18" charset="0"/>
-                <a:cs typeface="Times New Roman" panose="02020603050405020304" pitchFamily="18" charset="0"/>
-              </a:rPr>
-              <a:t> </a:t>
-            </a:r>
-            <a:r>
-              <a:rPr lang="en-US" sz="5400" b="1" dirty="0" err="1">
-                <a:latin typeface="Times New Roman" panose="02020603050405020304" pitchFamily="18" charset="0"/>
-                <a:cs typeface="Times New Roman" panose="02020603050405020304" pitchFamily="18" charset="0"/>
-              </a:rPr>
-              <a:t>về</a:t>
-            </a:r>
-            <a:r>
-              <a:rPr lang="en-US" sz="5400" b="1" dirty="0">
-                <a:latin typeface="Times New Roman" panose="02020603050405020304" pitchFamily="18" charset="0"/>
-                <a:cs typeface="Times New Roman" panose="02020603050405020304" pitchFamily="18" charset="0"/>
-              </a:rPr>
-              <a:t> </a:t>
-            </a:r>
-            <a:r>
-              <a:rPr lang="en-US" sz="5400" b="1" dirty="0" err="1">
-                <a:latin typeface="Times New Roman" panose="02020603050405020304" pitchFamily="18" charset="0"/>
-                <a:cs typeface="Times New Roman" panose="02020603050405020304" pitchFamily="18" charset="0"/>
-              </a:rPr>
-              <a:t>bên</a:t>
-            </a:r>
-            <a:r>
-              <a:rPr lang="en-US" sz="5400" b="1" dirty="0">
-                <a:latin typeface="Times New Roman" panose="02020603050405020304" pitchFamily="18" charset="0"/>
-                <a:cs typeface="Times New Roman" panose="02020603050405020304" pitchFamily="18" charset="0"/>
-              </a:rPr>
-              <a:t> </a:t>
-            </a:r>
-            <a:r>
-              <a:rPr lang="en-US" sz="5400" b="1" dirty="0" err="1">
-                <a:latin typeface="Times New Roman" panose="02020603050405020304" pitchFamily="18" charset="0"/>
-                <a:cs typeface="Times New Roman" panose="02020603050405020304" pitchFamily="18" charset="0"/>
-              </a:rPr>
-              <a:t>Mẹ</a:t>
-            </a:r>
-            <a:r>
-              <a:rPr lang="en-US" sz="5400" b="1" dirty="0">
-                <a:latin typeface="Times New Roman" panose="02020603050405020304" pitchFamily="18" charset="0"/>
-                <a:cs typeface="Times New Roman" panose="02020603050405020304" pitchFamily="18" charset="0"/>
-              </a:rPr>
-              <a:t>, </a:t>
-            </a:r>
-            <a:r>
-              <a:rPr lang="en-US" sz="5400" b="1" dirty="0" err="1">
-                <a:latin typeface="Times New Roman" panose="02020603050405020304" pitchFamily="18" charset="0"/>
-                <a:cs typeface="Times New Roman" panose="02020603050405020304" pitchFamily="18" charset="0"/>
-              </a:rPr>
-              <a:t>Mẹ</a:t>
-            </a:r>
-            <a:r>
-              <a:rPr lang="en-US" sz="5400" b="1" dirty="0">
-                <a:latin typeface="Times New Roman" panose="02020603050405020304" pitchFamily="18" charset="0"/>
-                <a:cs typeface="Times New Roman" panose="02020603050405020304" pitchFamily="18" charset="0"/>
-              </a:rPr>
-              <a:t> </a:t>
-            </a:r>
-            <a:r>
-              <a:rPr lang="en-US" sz="5400" b="1" dirty="0" err="1">
-                <a:latin typeface="Times New Roman" panose="02020603050405020304" pitchFamily="18" charset="0"/>
-                <a:cs typeface="Times New Roman" panose="02020603050405020304" pitchFamily="18" charset="0"/>
-              </a:rPr>
-              <a:t>ơi</a:t>
+              <a:t>Ngày</a:t>
+            </a:r>
+            <a:r>
+              <a:rPr lang="en-US" sz="5400" b="1" dirty="0">
+                <a:latin typeface="Times New Roman" panose="02020603050405020304" pitchFamily="18" charset="0"/>
+                <a:cs typeface="Times New Roman" panose="02020603050405020304" pitchFamily="18" charset="0"/>
+              </a:rPr>
+              <a:t> </a:t>
+            </a:r>
+            <a:r>
+              <a:rPr lang="en-US" sz="5400" b="1" dirty="0" err="1">
+                <a:latin typeface="Times New Roman" panose="02020603050405020304" pitchFamily="18" charset="0"/>
+                <a:cs typeface="Times New Roman" panose="02020603050405020304" pitchFamily="18" charset="0"/>
+              </a:rPr>
+              <a:t>đêm</a:t>
+            </a:r>
+            <a:r>
+              <a:rPr lang="en-US" sz="5400" b="1" dirty="0">
+                <a:latin typeface="Times New Roman" panose="02020603050405020304" pitchFamily="18" charset="0"/>
+                <a:cs typeface="Times New Roman" panose="02020603050405020304" pitchFamily="18" charset="0"/>
+              </a:rPr>
+              <a:t> </a:t>
+            </a:r>
+            <a:r>
+              <a:rPr lang="en-US" sz="5400" b="1" dirty="0" err="1">
+                <a:latin typeface="Times New Roman" panose="02020603050405020304" pitchFamily="18" charset="0"/>
+                <a:cs typeface="Times New Roman" panose="02020603050405020304" pitchFamily="18" charset="0"/>
+              </a:rPr>
+              <a:t>khóc</a:t>
+            </a:r>
+            <a:r>
+              <a:rPr lang="en-US" sz="5400" b="1" dirty="0">
+                <a:latin typeface="Times New Roman" panose="02020603050405020304" pitchFamily="18" charset="0"/>
+                <a:cs typeface="Times New Roman" panose="02020603050405020304" pitchFamily="18" charset="0"/>
+              </a:rPr>
+              <a:t> than </a:t>
+            </a:r>
+            <a:r>
+              <a:rPr lang="en-US" sz="5400" b="1" dirty="0" err="1">
+                <a:latin typeface="Times New Roman" panose="02020603050405020304" pitchFamily="18" charset="0"/>
+                <a:cs typeface="Times New Roman" panose="02020603050405020304" pitchFamily="18" charset="0"/>
+              </a:rPr>
+              <a:t>mong</a:t>
+            </a:r>
+            <a:r>
+              <a:rPr lang="en-US" sz="5400" b="1" dirty="0">
+                <a:latin typeface="Times New Roman" panose="02020603050405020304" pitchFamily="18" charset="0"/>
+                <a:cs typeface="Times New Roman" panose="02020603050405020304" pitchFamily="18" charset="0"/>
+              </a:rPr>
+              <a:t> </a:t>
+            </a:r>
+            <a:r>
+              <a:rPr lang="en-US" sz="5400" b="1" dirty="0" err="1">
+                <a:latin typeface="Times New Roman" panose="02020603050405020304" pitchFamily="18" charset="0"/>
+                <a:cs typeface="Times New Roman" panose="02020603050405020304" pitchFamily="18" charset="0"/>
+              </a:rPr>
+              <a:t>chờ</a:t>
+            </a:r>
+            <a:r>
+              <a:rPr lang="en-US" sz="5400" b="1" dirty="0">
+                <a:latin typeface="Times New Roman" panose="02020603050405020304" pitchFamily="18" charset="0"/>
+                <a:cs typeface="Times New Roman" panose="02020603050405020304" pitchFamily="18" charset="0"/>
+              </a:rPr>
+              <a:t> </a:t>
+            </a:r>
+            <a:r>
+              <a:rPr lang="en-US" sz="5400" b="1" dirty="0" err="1">
+                <a:latin typeface="Times New Roman" panose="02020603050405020304" pitchFamily="18" charset="0"/>
+                <a:cs typeface="Times New Roman" panose="02020603050405020304" pitchFamily="18" charset="0"/>
+              </a:rPr>
+              <a:t>vinh</a:t>
+            </a:r>
+            <a:r>
+              <a:rPr lang="en-US" sz="5400" b="1" dirty="0">
+                <a:latin typeface="Times New Roman" panose="02020603050405020304" pitchFamily="18" charset="0"/>
+                <a:cs typeface="Times New Roman" panose="02020603050405020304" pitchFamily="18" charset="0"/>
+              </a:rPr>
+              <a:t> </a:t>
+            </a:r>
+            <a:r>
+              <a:rPr lang="en-US" sz="5400" b="1" dirty="0" err="1">
+                <a:latin typeface="Times New Roman" panose="02020603050405020304" pitchFamily="18" charset="0"/>
+                <a:cs typeface="Times New Roman" panose="02020603050405020304" pitchFamily="18" charset="0"/>
+              </a:rPr>
+              <a:t>phúc</a:t>
+            </a:r>
+            <a:r>
+              <a:rPr lang="en-US" sz="5400" b="1" dirty="0">
+                <a:latin typeface="Times New Roman" panose="02020603050405020304" pitchFamily="18" charset="0"/>
+                <a:cs typeface="Times New Roman" panose="02020603050405020304" pitchFamily="18" charset="0"/>
+              </a:rPr>
+              <a:t> </a:t>
+            </a:r>
+            <a:r>
+              <a:rPr lang="en-US" sz="5400" b="1" dirty="0" err="1">
+                <a:latin typeface="Times New Roman" panose="02020603050405020304" pitchFamily="18" charset="0"/>
+                <a:cs typeface="Times New Roman" panose="02020603050405020304" pitchFamily="18" charset="0"/>
+              </a:rPr>
+              <a:t>quê</a:t>
+            </a:r>
+            <a:r>
+              <a:rPr lang="en-US" sz="5400" b="1" dirty="0">
+                <a:latin typeface="Times New Roman" panose="02020603050405020304" pitchFamily="18" charset="0"/>
+                <a:cs typeface="Times New Roman" panose="02020603050405020304" pitchFamily="18" charset="0"/>
+              </a:rPr>
+              <a:t> </a:t>
+            </a:r>
+            <a:r>
+              <a:rPr lang="en-US" sz="5400" b="1" dirty="0" err="1">
+                <a:latin typeface="Times New Roman" panose="02020603050405020304" pitchFamily="18" charset="0"/>
+                <a:cs typeface="Times New Roman" panose="02020603050405020304" pitchFamily="18" charset="0"/>
+              </a:rPr>
+              <a:t>trời</a:t>
             </a:r>
             <a:r>
               <a:rPr lang="en-US" sz="5400" b="1" dirty="0">
@@ -13314,7 +12589,7 @@
     </p:spTree>
     <p:extLst>
       <p:ext uri="{BB962C8B-B14F-4D97-AF65-F5344CB8AC3E}">
-        <p14:creationId xmlns:p14="http://schemas.microsoft.com/office/powerpoint/2010/main" val="3946111244"/>
+        <p14:creationId xmlns:p14="http://schemas.microsoft.com/office/powerpoint/2010/main" val="3824621592"/>
       </p:ext>
     </p:extLst>
   </p:cSld>
@@ -13366,16 +12641,6 @@
           <a:p>
             <a:pPr algn="l"/>
             <a:r>
-              <a:rPr lang="en-US" sz="1800" dirty="0" err="1">
-                <a:solidFill>
-                  <a:srgbClr val="FF0000"/>
-                </a:solidFill>
-                <a:latin typeface="Times New Roman" panose="02020603050405020304" pitchFamily="18" charset="0"/>
-                <a:cs typeface="Times New Roman" panose="02020603050405020304" pitchFamily="18" charset="0"/>
-              </a:rPr>
-              <a:t>Kết</a:t>
-            </a:r>
-            <a:r>
               <a:rPr lang="en-US" sz="1800" dirty="0">
                 <a:solidFill>
                   <a:srgbClr val="FF0000"/>
@@ -13383,27 +12648,7 @@
                 <a:latin typeface="Times New Roman" panose="02020603050405020304" pitchFamily="18" charset="0"/>
                 <a:cs typeface="Times New Roman" panose="02020603050405020304" pitchFamily="18" charset="0"/>
               </a:rPr>
-              <a:t> </a:t>
-            </a:r>
-            <a:r>
-              <a:rPr lang="en-US" sz="1800" dirty="0" err="1">
-                <a:solidFill>
-                  <a:srgbClr val="FF0000"/>
-                </a:solidFill>
-                <a:latin typeface="Times New Roman" panose="02020603050405020304" pitchFamily="18" charset="0"/>
-                <a:cs typeface="Times New Roman" panose="02020603050405020304" pitchFamily="18" charset="0"/>
-              </a:rPr>
-              <a:t>lễ</a:t>
-            </a:r>
-            <a:r>
-              <a:rPr lang="en-US" sz="1800" dirty="0">
-                <a:solidFill>
-                  <a:srgbClr val="FF0000"/>
-                </a:solidFill>
-                <a:latin typeface="Times New Roman" panose="02020603050405020304" pitchFamily="18" charset="0"/>
-                <a:cs typeface="Times New Roman" panose="02020603050405020304" pitchFamily="18" charset="0"/>
-              </a:rPr>
-              <a:t>                                   	         </a:t>
+              <a:t>                                    	         </a:t>
             </a:r>
             <a:r>
               <a:rPr lang="en-US" sz="2400" b="1" dirty="0">
@@ -13465,35 +12710,7 @@
                 <a:latin typeface="Times New Roman" panose="02020603050405020304" pitchFamily="18" charset="0"/>
                 <a:cs typeface="Times New Roman" panose="02020603050405020304" pitchFamily="18" charset="0"/>
               </a:rPr>
-              <a:t>2. </a:t>
-            </a:r>
-            <a:r>
-              <a:rPr lang="en-US" sz="5400" b="1" dirty="0" err="1">
-                <a:latin typeface="Times New Roman" panose="02020603050405020304" pitchFamily="18" charset="0"/>
-                <a:cs typeface="Times New Roman" panose="02020603050405020304" pitchFamily="18" charset="0"/>
-              </a:rPr>
-              <a:t>Ngước</a:t>
-            </a:r>
-            <a:r>
-              <a:rPr lang="en-US" sz="5400" b="1" dirty="0">
-                <a:latin typeface="Times New Roman" panose="02020603050405020304" pitchFamily="18" charset="0"/>
-                <a:cs typeface="Times New Roman" panose="02020603050405020304" pitchFamily="18" charset="0"/>
-              </a:rPr>
-              <a:t> </a:t>
-            </a:r>
-            <a:r>
-              <a:rPr lang="en-US" sz="5400" b="1" dirty="0" err="1">
-                <a:latin typeface="Times New Roman" panose="02020603050405020304" pitchFamily="18" charset="0"/>
-                <a:cs typeface="Times New Roman" panose="02020603050405020304" pitchFamily="18" charset="0"/>
-              </a:rPr>
-              <a:t>trông</a:t>
-            </a:r>
-            <a:r>
-              <a:rPr lang="en-US" sz="5400" b="1" dirty="0">
-                <a:latin typeface="Times New Roman" panose="02020603050405020304" pitchFamily="18" charset="0"/>
-                <a:cs typeface="Times New Roman" panose="02020603050405020304" pitchFamily="18" charset="0"/>
-              </a:rPr>
-              <a:t> </a:t>
+              <a:t>ĐK: </a:t>
             </a:r>
             <a:r>
               <a:rPr lang="en-US" sz="5400" b="1" dirty="0" err="1">
@@ -13514,280 +12731,266 @@
                 <a:latin typeface="Times New Roman" panose="02020603050405020304" pitchFamily="18" charset="0"/>
                 <a:cs typeface="Times New Roman" panose="02020603050405020304" pitchFamily="18" charset="0"/>
               </a:rPr>
-              <a:t>lành</a:t>
-            </a:r>
-            <a:r>
-              <a:rPr lang="en-US" sz="5400" b="1" dirty="0">
-                <a:latin typeface="Times New Roman" panose="02020603050405020304" pitchFamily="18" charset="0"/>
-                <a:cs typeface="Times New Roman" panose="02020603050405020304" pitchFamily="18" charset="0"/>
-              </a:rPr>
-              <a:t> </a:t>
-            </a:r>
-            <a:r>
-              <a:rPr lang="en-US" sz="5400" b="1" dirty="0" err="1">
-                <a:latin typeface="Times New Roman" panose="02020603050405020304" pitchFamily="18" charset="0"/>
-                <a:cs typeface="Times New Roman" panose="02020603050405020304" pitchFamily="18" charset="0"/>
-              </a:rPr>
-              <a:t>thành</a:t>
-            </a:r>
-            <a:r>
-              <a:rPr lang="en-US" sz="5400" b="1" dirty="0">
-                <a:latin typeface="Times New Roman" panose="02020603050405020304" pitchFamily="18" charset="0"/>
-                <a:cs typeface="Times New Roman" panose="02020603050405020304" pitchFamily="18" charset="0"/>
-              </a:rPr>
-              <a:t> </a:t>
-            </a:r>
-            <a:r>
-              <a:rPr lang="en-US" sz="5400" b="1" dirty="0" err="1">
-                <a:latin typeface="Times New Roman" panose="02020603050405020304" pitchFamily="18" charset="0"/>
-                <a:cs typeface="Times New Roman" panose="02020603050405020304" pitchFamily="18" charset="0"/>
-              </a:rPr>
-              <a:t>kính</a:t>
-            </a:r>
-            <a:r>
-              <a:rPr lang="en-US" sz="5400" b="1" dirty="0">
-                <a:latin typeface="Times New Roman" panose="02020603050405020304" pitchFamily="18" charset="0"/>
-                <a:cs typeface="Times New Roman" panose="02020603050405020304" pitchFamily="18" charset="0"/>
-              </a:rPr>
-              <a:t> </a:t>
-            </a:r>
-            <a:r>
-              <a:rPr lang="en-US" sz="5400" b="1" dirty="0" err="1">
-                <a:latin typeface="Times New Roman" panose="02020603050405020304" pitchFamily="18" charset="0"/>
-                <a:cs typeface="Times New Roman" panose="02020603050405020304" pitchFamily="18" charset="0"/>
-              </a:rPr>
-              <a:t>dâng</a:t>
-            </a:r>
-            <a:r>
-              <a:rPr lang="en-US" sz="5400" b="1" dirty="0">
-                <a:latin typeface="Times New Roman" panose="02020603050405020304" pitchFamily="18" charset="0"/>
-                <a:cs typeface="Times New Roman" panose="02020603050405020304" pitchFamily="18" charset="0"/>
-              </a:rPr>
-              <a:t> </a:t>
-            </a:r>
-            <a:r>
-              <a:rPr lang="en-US" sz="5400" b="1" dirty="0" err="1">
-                <a:latin typeface="Times New Roman" panose="02020603050405020304" pitchFamily="18" charset="0"/>
-                <a:cs typeface="Times New Roman" panose="02020603050405020304" pitchFamily="18" charset="0"/>
-              </a:rPr>
-              <a:t>lời</a:t>
-            </a:r>
-            <a:r>
-              <a:rPr lang="en-US" sz="5400" b="1" dirty="0">
-                <a:latin typeface="Times New Roman" panose="02020603050405020304" pitchFamily="18" charset="0"/>
-                <a:cs typeface="Times New Roman" panose="02020603050405020304" pitchFamily="18" charset="0"/>
-              </a:rPr>
-              <a:t> </a:t>
-            </a:r>
-            <a:r>
-              <a:rPr lang="en-US" sz="5400" b="1" dirty="0" err="1">
-                <a:latin typeface="Times New Roman" panose="02020603050405020304" pitchFamily="18" charset="0"/>
-                <a:cs typeface="Times New Roman" panose="02020603050405020304" pitchFamily="18" charset="0"/>
-              </a:rPr>
-              <a:t>kêu</a:t>
-            </a:r>
-            <a:r>
-              <a:rPr lang="en-US" sz="5400" b="1" dirty="0">
-                <a:latin typeface="Times New Roman" panose="02020603050405020304" pitchFamily="18" charset="0"/>
-                <a:cs typeface="Times New Roman" panose="02020603050405020304" pitchFamily="18" charset="0"/>
-              </a:rPr>
-              <a:t> </a:t>
-            </a:r>
-            <a:r>
-              <a:rPr lang="en-US" sz="5400" b="1" dirty="0" err="1">
-                <a:latin typeface="Times New Roman" panose="02020603050405020304" pitchFamily="18" charset="0"/>
-                <a:cs typeface="Times New Roman" panose="02020603050405020304" pitchFamily="18" charset="0"/>
-              </a:rPr>
-              <a:t>khấn</a:t>
-            </a:r>
-            <a:r>
-              <a:rPr lang="en-US" sz="5400" b="1" dirty="0">
-                <a:latin typeface="Times New Roman" panose="02020603050405020304" pitchFamily="18" charset="0"/>
-                <a:cs typeface="Times New Roman" panose="02020603050405020304" pitchFamily="18" charset="0"/>
-              </a:rPr>
-              <a:t> </a:t>
-            </a:r>
-            <a:r>
-              <a:rPr lang="en-US" sz="5400" b="1" dirty="0" err="1">
-                <a:latin typeface="Times New Roman" panose="02020603050405020304" pitchFamily="18" charset="0"/>
-                <a:cs typeface="Times New Roman" panose="02020603050405020304" pitchFamily="18" charset="0"/>
-              </a:rPr>
-              <a:t>giữa</a:t>
-            </a:r>
-            <a:r>
-              <a:rPr lang="en-US" sz="5400" b="1" dirty="0">
-                <a:latin typeface="Times New Roman" panose="02020603050405020304" pitchFamily="18" charset="0"/>
-                <a:cs typeface="Times New Roman" panose="02020603050405020304" pitchFamily="18" charset="0"/>
-              </a:rPr>
-              <a:t> </a:t>
-            </a:r>
-            <a:r>
-              <a:rPr lang="en-US" sz="5400" b="1" dirty="0" err="1">
-                <a:latin typeface="Times New Roman" panose="02020603050405020304" pitchFamily="18" charset="0"/>
-                <a:cs typeface="Times New Roman" panose="02020603050405020304" pitchFamily="18" charset="0"/>
-              </a:rPr>
-              <a:t>thế</a:t>
-            </a:r>
-            <a:r>
-              <a:rPr lang="en-US" sz="5400" b="1" dirty="0">
-                <a:latin typeface="Times New Roman" panose="02020603050405020304" pitchFamily="18" charset="0"/>
-                <a:cs typeface="Times New Roman" panose="02020603050405020304" pitchFamily="18" charset="0"/>
-              </a:rPr>
-              <a:t> </a:t>
-            </a:r>
-            <a:r>
-              <a:rPr lang="en-US" sz="5400" b="1" dirty="0" err="1">
-                <a:latin typeface="Times New Roman" panose="02020603050405020304" pitchFamily="18" charset="0"/>
-                <a:cs typeface="Times New Roman" panose="02020603050405020304" pitchFamily="18" charset="0"/>
-              </a:rPr>
-              <a:t>gian</a:t>
-            </a:r>
-            <a:r>
-              <a:rPr lang="en-US" sz="5400" b="1" dirty="0">
-                <a:latin typeface="Times New Roman" panose="02020603050405020304" pitchFamily="18" charset="0"/>
-                <a:cs typeface="Times New Roman" panose="02020603050405020304" pitchFamily="18" charset="0"/>
-              </a:rPr>
-              <a:t> </a:t>
-            </a:r>
-            <a:r>
-              <a:rPr lang="en-US" sz="5400" b="1" dirty="0" err="1">
-                <a:latin typeface="Times New Roman" panose="02020603050405020304" pitchFamily="18" charset="0"/>
-                <a:cs typeface="Times New Roman" panose="02020603050405020304" pitchFamily="18" charset="0"/>
-              </a:rPr>
-              <a:t>khổ</a:t>
-            </a:r>
-            <a:r>
-              <a:rPr lang="en-US" sz="5400" b="1" dirty="0">
-                <a:latin typeface="Times New Roman" panose="02020603050405020304" pitchFamily="18" charset="0"/>
-                <a:cs typeface="Times New Roman" panose="02020603050405020304" pitchFamily="18" charset="0"/>
-              </a:rPr>
-              <a:t> </a:t>
-            </a:r>
-            <a:r>
-              <a:rPr lang="en-US" sz="5400" b="1" dirty="0" err="1">
-                <a:latin typeface="Times New Roman" panose="02020603050405020304" pitchFamily="18" charset="0"/>
-                <a:cs typeface="Times New Roman" panose="02020603050405020304" pitchFamily="18" charset="0"/>
-              </a:rPr>
-              <a:t>sầu</a:t>
-            </a:r>
-            <a:r>
-              <a:rPr lang="en-US" sz="5400" b="1" dirty="0">
-                <a:latin typeface="Times New Roman" panose="02020603050405020304" pitchFamily="18" charset="0"/>
-                <a:cs typeface="Times New Roman" panose="02020603050405020304" pitchFamily="18" charset="0"/>
-              </a:rPr>
-              <a:t> </a:t>
-            </a:r>
-            <a:r>
-              <a:rPr lang="en-US" sz="5400" b="1" dirty="0" err="1">
-                <a:latin typeface="Times New Roman" panose="02020603050405020304" pitchFamily="18" charset="0"/>
-                <a:cs typeface="Times New Roman" panose="02020603050405020304" pitchFamily="18" charset="0"/>
-              </a:rPr>
-              <a:t>xin</a:t>
-            </a:r>
-            <a:r>
-              <a:rPr lang="en-US" sz="5400" b="1" dirty="0">
-                <a:latin typeface="Times New Roman" panose="02020603050405020304" pitchFamily="18" charset="0"/>
-                <a:cs typeface="Times New Roman" panose="02020603050405020304" pitchFamily="18" charset="0"/>
-              </a:rPr>
-              <a:t> </a:t>
-            </a:r>
-            <a:r>
-              <a:rPr lang="en-US" sz="5400" b="1" dirty="0" err="1">
-                <a:latin typeface="Times New Roman" panose="02020603050405020304" pitchFamily="18" charset="0"/>
-                <a:cs typeface="Times New Roman" panose="02020603050405020304" pitchFamily="18" charset="0"/>
-              </a:rPr>
-              <a:t>hãy</a:t>
-            </a:r>
-            <a:r>
-              <a:rPr lang="en-US" sz="5400" b="1" dirty="0">
-                <a:latin typeface="Times New Roman" panose="02020603050405020304" pitchFamily="18" charset="0"/>
-                <a:cs typeface="Times New Roman" panose="02020603050405020304" pitchFamily="18" charset="0"/>
-              </a:rPr>
-              <a:t> </a:t>
-            </a:r>
-            <a:r>
-              <a:rPr lang="en-US" sz="5400" b="1" dirty="0" err="1">
-                <a:latin typeface="Times New Roman" panose="02020603050405020304" pitchFamily="18" charset="0"/>
-                <a:cs typeface="Times New Roman" panose="02020603050405020304" pitchFamily="18" charset="0"/>
-              </a:rPr>
-              <a:t>ủi</a:t>
-            </a:r>
-            <a:r>
-              <a:rPr lang="en-US" sz="5400" b="1" dirty="0">
-                <a:latin typeface="Times New Roman" panose="02020603050405020304" pitchFamily="18" charset="0"/>
-                <a:cs typeface="Times New Roman" panose="02020603050405020304" pitchFamily="18" charset="0"/>
-              </a:rPr>
-              <a:t> an. </a:t>
-            </a:r>
-            <a:r>
-              <a:rPr lang="en-US" sz="5400" b="1" dirty="0" err="1">
-                <a:latin typeface="Times New Roman" panose="02020603050405020304" pitchFamily="18" charset="0"/>
-                <a:cs typeface="Times New Roman" panose="02020603050405020304" pitchFamily="18" charset="0"/>
-              </a:rPr>
-              <a:t>Để</a:t>
-            </a:r>
-            <a:r>
-              <a:rPr lang="en-US" sz="5400" b="1" dirty="0">
-                <a:latin typeface="Times New Roman" panose="02020603050405020304" pitchFamily="18" charset="0"/>
-                <a:cs typeface="Times New Roman" panose="02020603050405020304" pitchFamily="18" charset="0"/>
-              </a:rPr>
-              <a:t> con </a:t>
-            </a:r>
-            <a:r>
-              <a:rPr lang="en-US" sz="5400" b="1" dirty="0" err="1">
-                <a:latin typeface="Times New Roman" panose="02020603050405020304" pitchFamily="18" charset="0"/>
-                <a:cs typeface="Times New Roman" panose="02020603050405020304" pitchFamily="18" charset="0"/>
-              </a:rPr>
-              <a:t>hằng</a:t>
-            </a:r>
-            <a:r>
-              <a:rPr lang="en-US" sz="5400" b="1" dirty="0">
-                <a:latin typeface="Times New Roman" panose="02020603050405020304" pitchFamily="18" charset="0"/>
-                <a:cs typeface="Times New Roman" panose="02020603050405020304" pitchFamily="18" charset="0"/>
-              </a:rPr>
-              <a:t> </a:t>
-            </a:r>
-            <a:r>
-              <a:rPr lang="en-US" sz="5400" b="1" dirty="0" err="1">
-                <a:latin typeface="Times New Roman" panose="02020603050405020304" pitchFamily="18" charset="0"/>
-                <a:cs typeface="Times New Roman" panose="02020603050405020304" pitchFamily="18" charset="0"/>
-              </a:rPr>
-              <a:t>trung</a:t>
-            </a:r>
-            <a:r>
-              <a:rPr lang="en-US" sz="5400" b="1" dirty="0">
-                <a:latin typeface="Times New Roman" panose="02020603050405020304" pitchFamily="18" charset="0"/>
-                <a:cs typeface="Times New Roman" panose="02020603050405020304" pitchFamily="18" charset="0"/>
-              </a:rPr>
-              <a:t> </a:t>
-            </a:r>
-            <a:r>
-              <a:rPr lang="en-US" sz="5400" b="1" dirty="0" err="1">
-                <a:latin typeface="Times New Roman" panose="02020603050405020304" pitchFamily="18" charset="0"/>
-                <a:cs typeface="Times New Roman" panose="02020603050405020304" pitchFamily="18" charset="0"/>
-              </a:rPr>
-              <a:t>thành</a:t>
-            </a:r>
-            <a:r>
-              <a:rPr lang="en-US" sz="5400" b="1" dirty="0">
-                <a:latin typeface="Times New Roman" panose="02020603050405020304" pitchFamily="18" charset="0"/>
-                <a:cs typeface="Times New Roman" panose="02020603050405020304" pitchFamily="18" charset="0"/>
-              </a:rPr>
-              <a:t> </a:t>
-            </a:r>
-            <a:r>
-              <a:rPr lang="en-US" sz="5400" b="1" dirty="0" err="1">
-                <a:latin typeface="Times New Roman" panose="02020603050405020304" pitchFamily="18" charset="0"/>
-                <a:cs typeface="Times New Roman" panose="02020603050405020304" pitchFamily="18" charset="0"/>
-              </a:rPr>
-              <a:t>theo</a:t>
-            </a:r>
-            <a:r>
-              <a:rPr lang="en-US" sz="5400" b="1" dirty="0">
-                <a:latin typeface="Times New Roman" panose="02020603050405020304" pitchFamily="18" charset="0"/>
-                <a:cs typeface="Times New Roman" panose="02020603050405020304" pitchFamily="18" charset="0"/>
-              </a:rPr>
-              <a:t> </a:t>
+              <a:t>đứng</a:t>
+            </a:r>
+            <a:r>
+              <a:rPr lang="en-US" sz="5400" b="1" dirty="0">
+                <a:latin typeface="Times New Roman" panose="02020603050405020304" pitchFamily="18" charset="0"/>
+                <a:cs typeface="Times New Roman" panose="02020603050405020304" pitchFamily="18" charset="0"/>
+              </a:rPr>
+              <a:t> </a:t>
+            </a:r>
+            <a:r>
+              <a:rPr lang="en-US" sz="5400" b="1" dirty="0" err="1">
+                <a:latin typeface="Times New Roman" panose="02020603050405020304" pitchFamily="18" charset="0"/>
+                <a:cs typeface="Times New Roman" panose="02020603050405020304" pitchFamily="18" charset="0"/>
+              </a:rPr>
+              <a:t>đó</a:t>
+            </a:r>
+            <a:r>
+              <a:rPr lang="en-US" sz="5400" b="1" dirty="0">
+                <a:latin typeface="Times New Roman" panose="02020603050405020304" pitchFamily="18" charset="0"/>
+                <a:cs typeface="Times New Roman" panose="02020603050405020304" pitchFamily="18" charset="0"/>
+              </a:rPr>
+              <a:t> </a:t>
+            </a:r>
+            <a:r>
+              <a:rPr lang="en-US" sz="5400" b="1" dirty="0" err="1">
+                <a:latin typeface="Times New Roman" panose="02020603050405020304" pitchFamily="18" charset="0"/>
+                <a:cs typeface="Times New Roman" panose="02020603050405020304" pitchFamily="18" charset="0"/>
+              </a:rPr>
+              <a:t>khi</a:t>
+            </a:r>
+            <a:r>
+              <a:rPr lang="en-US" sz="5400" b="1" dirty="0">
+                <a:latin typeface="Times New Roman" panose="02020603050405020304" pitchFamily="18" charset="0"/>
+                <a:cs typeface="Times New Roman" panose="02020603050405020304" pitchFamily="18" charset="0"/>
+              </a:rPr>
+              <a:t> </a:t>
+            </a:r>
+            <a:r>
+              <a:rPr lang="en-US" sz="5400" b="1" dirty="0" err="1">
+                <a:latin typeface="Times New Roman" panose="02020603050405020304" pitchFamily="18" charset="0"/>
+                <a:cs typeface="Times New Roman" panose="02020603050405020304" pitchFamily="18" charset="0"/>
+              </a:rPr>
+              <a:t>hoàng</a:t>
+            </a:r>
+            <a:r>
+              <a:rPr lang="en-US" sz="5400" b="1" dirty="0">
+                <a:latin typeface="Times New Roman" panose="02020603050405020304" pitchFamily="18" charset="0"/>
+                <a:cs typeface="Times New Roman" panose="02020603050405020304" pitchFamily="18" charset="0"/>
+              </a:rPr>
+              <a:t> </a:t>
+            </a:r>
+            <a:r>
+              <a:rPr lang="en-US" sz="5400" b="1" dirty="0" err="1">
+                <a:latin typeface="Times New Roman" panose="02020603050405020304" pitchFamily="18" charset="0"/>
+                <a:cs typeface="Times New Roman" panose="02020603050405020304" pitchFamily="18" charset="0"/>
+              </a:rPr>
+              <a:t>hôn</a:t>
+            </a:r>
+            <a:r>
+              <a:rPr lang="en-US" sz="5400" b="1" dirty="0">
+                <a:latin typeface="Times New Roman" panose="02020603050405020304" pitchFamily="18" charset="0"/>
+                <a:cs typeface="Times New Roman" panose="02020603050405020304" pitchFamily="18" charset="0"/>
+              </a:rPr>
+              <a:t> </a:t>
+            </a:r>
+            <a:r>
+              <a:rPr lang="en-US" sz="5400" b="1" dirty="0" err="1">
+                <a:latin typeface="Times New Roman" panose="02020603050405020304" pitchFamily="18" charset="0"/>
+                <a:cs typeface="Times New Roman" panose="02020603050405020304" pitchFamily="18" charset="0"/>
+              </a:rPr>
+              <a:t>tím</a:t>
+            </a:r>
+            <a:r>
+              <a:rPr lang="en-US" sz="5400" b="1" dirty="0">
+                <a:latin typeface="Times New Roman" panose="02020603050405020304" pitchFamily="18" charset="0"/>
+                <a:cs typeface="Times New Roman" panose="02020603050405020304" pitchFamily="18" charset="0"/>
+              </a:rPr>
+              <a:t> </a:t>
+            </a:r>
+            <a:r>
+              <a:rPr lang="en-US" sz="5400" b="1" dirty="0" err="1">
+                <a:latin typeface="Times New Roman" panose="02020603050405020304" pitchFamily="18" charset="0"/>
+                <a:cs typeface="Times New Roman" panose="02020603050405020304" pitchFamily="18" charset="0"/>
+              </a:rPr>
+              <a:t>mầu</a:t>
+            </a:r>
+            <a:r>
+              <a:rPr lang="en-US" sz="5400" b="1" dirty="0">
+                <a:latin typeface="Times New Roman" panose="02020603050405020304" pitchFamily="18" charset="0"/>
+                <a:cs typeface="Times New Roman" panose="02020603050405020304" pitchFamily="18" charset="0"/>
+              </a:rPr>
+              <a:t>. </a:t>
+            </a:r>
+            <a:r>
+              <a:rPr lang="en-US" sz="5400" b="1" dirty="0" err="1">
+                <a:latin typeface="Times New Roman" panose="02020603050405020304" pitchFamily="18" charset="0"/>
+                <a:cs typeface="Times New Roman" panose="02020603050405020304" pitchFamily="18" charset="0"/>
+              </a:rPr>
+              <a:t>Nhạc</a:t>
+            </a:r>
+            <a:r>
+              <a:rPr lang="en-US" sz="5400" b="1" dirty="0">
+                <a:latin typeface="Times New Roman" panose="02020603050405020304" pitchFamily="18" charset="0"/>
+                <a:cs typeface="Times New Roman" panose="02020603050405020304" pitchFamily="18" charset="0"/>
+              </a:rPr>
+              <a:t> </a:t>
+            </a:r>
+            <a:r>
+              <a:rPr lang="en-US" sz="5400" b="1" dirty="0" err="1">
+                <a:latin typeface="Times New Roman" panose="02020603050405020304" pitchFamily="18" charset="0"/>
+                <a:cs typeface="Times New Roman" panose="02020603050405020304" pitchFamily="18" charset="0"/>
+              </a:rPr>
+              <a:t>thương</a:t>
+            </a:r>
+            <a:r>
+              <a:rPr lang="en-US" sz="5400" b="1" dirty="0">
+                <a:latin typeface="Times New Roman" panose="02020603050405020304" pitchFamily="18" charset="0"/>
+                <a:cs typeface="Times New Roman" panose="02020603050405020304" pitchFamily="18" charset="0"/>
+              </a:rPr>
+              <a:t> </a:t>
+            </a:r>
+            <a:r>
+              <a:rPr lang="en-US" sz="5400" b="1" dirty="0" err="1">
+                <a:latin typeface="Times New Roman" panose="02020603050405020304" pitchFamily="18" charset="0"/>
+                <a:cs typeface="Times New Roman" panose="02020603050405020304" pitchFamily="18" charset="0"/>
+              </a:rPr>
+              <a:t>trầm</a:t>
+            </a:r>
+            <a:r>
+              <a:rPr lang="en-US" sz="5400" b="1" dirty="0">
+                <a:latin typeface="Times New Roman" panose="02020603050405020304" pitchFamily="18" charset="0"/>
+                <a:cs typeface="Times New Roman" panose="02020603050405020304" pitchFamily="18" charset="0"/>
+              </a:rPr>
+              <a:t> </a:t>
+            </a:r>
+            <a:r>
+              <a:rPr lang="en-US" sz="5400" b="1" dirty="0" err="1">
+                <a:latin typeface="Times New Roman" panose="02020603050405020304" pitchFamily="18" charset="0"/>
+                <a:cs typeface="Times New Roman" panose="02020603050405020304" pitchFamily="18" charset="0"/>
+              </a:rPr>
+              <a:t>buông</a:t>
+            </a:r>
+            <a:r>
+              <a:rPr lang="en-US" sz="5400" b="1" dirty="0">
+                <a:latin typeface="Times New Roman" panose="02020603050405020304" pitchFamily="18" charset="0"/>
+                <a:cs typeface="Times New Roman" panose="02020603050405020304" pitchFamily="18" charset="0"/>
+              </a:rPr>
+              <a:t> </a:t>
+            </a:r>
+            <a:r>
+              <a:rPr lang="en-US" sz="5400" b="1" dirty="0" err="1">
+                <a:latin typeface="Times New Roman" panose="02020603050405020304" pitchFamily="18" charset="0"/>
+                <a:cs typeface="Times New Roman" panose="02020603050405020304" pitchFamily="18" charset="0"/>
+              </a:rPr>
+              <a:t>hắt</a:t>
+            </a:r>
+            <a:r>
+              <a:rPr lang="en-US" sz="5400" b="1" dirty="0">
+                <a:latin typeface="Times New Roman" panose="02020603050405020304" pitchFamily="18" charset="0"/>
+                <a:cs typeface="Times New Roman" panose="02020603050405020304" pitchFamily="18" charset="0"/>
+              </a:rPr>
+              <a:t> </a:t>
+            </a:r>
+            <a:r>
+              <a:rPr lang="en-US" sz="5400" b="1" dirty="0" err="1">
+                <a:latin typeface="Times New Roman" panose="02020603050405020304" pitchFamily="18" charset="0"/>
+                <a:cs typeface="Times New Roman" panose="02020603050405020304" pitchFamily="18" charset="0"/>
+              </a:rPr>
+              <a:t>hiu</a:t>
+            </a:r>
+            <a:r>
+              <a:rPr lang="en-US" sz="5400" b="1" dirty="0">
+                <a:latin typeface="Times New Roman" panose="02020603050405020304" pitchFamily="18" charset="0"/>
+                <a:cs typeface="Times New Roman" panose="02020603050405020304" pitchFamily="18" charset="0"/>
+              </a:rPr>
+              <a:t>. </a:t>
+            </a:r>
+            <a:r>
+              <a:rPr lang="en-US" sz="5400" b="1" dirty="0" err="1">
+                <a:latin typeface="Times New Roman" panose="02020603050405020304" pitchFamily="18" charset="0"/>
+                <a:cs typeface="Times New Roman" panose="02020603050405020304" pitchFamily="18" charset="0"/>
+              </a:rPr>
+              <a:t>Đồi</a:t>
+            </a:r>
+            <a:r>
+              <a:rPr lang="en-US" sz="5400" b="1" dirty="0">
+                <a:latin typeface="Times New Roman" panose="02020603050405020304" pitchFamily="18" charset="0"/>
+                <a:cs typeface="Times New Roman" panose="02020603050405020304" pitchFamily="18" charset="0"/>
+              </a:rPr>
+              <a:t> </a:t>
+            </a:r>
+            <a:r>
+              <a:rPr lang="en-US" sz="5400" b="1" dirty="0" err="1">
+                <a:latin typeface="Times New Roman" panose="02020603050405020304" pitchFamily="18" charset="0"/>
+                <a:cs typeface="Times New Roman" panose="02020603050405020304" pitchFamily="18" charset="0"/>
+              </a:rPr>
+              <a:t>cao</a:t>
+            </a:r>
+            <a:r>
+              <a:rPr lang="en-US" sz="5400" b="1" dirty="0">
+                <a:latin typeface="Times New Roman" panose="02020603050405020304" pitchFamily="18" charset="0"/>
+                <a:cs typeface="Times New Roman" panose="02020603050405020304" pitchFamily="18" charset="0"/>
+              </a:rPr>
+              <a:t> u </a:t>
+            </a:r>
+            <a:r>
+              <a:rPr lang="en-US" sz="5400" b="1" dirty="0" err="1">
+                <a:latin typeface="Times New Roman" panose="02020603050405020304" pitchFamily="18" charset="0"/>
+                <a:cs typeface="Times New Roman" panose="02020603050405020304" pitchFamily="18" charset="0"/>
+              </a:rPr>
+              <a:t>hoài</a:t>
+            </a:r>
+            <a:r>
+              <a:rPr lang="en-US" sz="5400" b="1" dirty="0">
+                <a:latin typeface="Times New Roman" panose="02020603050405020304" pitchFamily="18" charset="0"/>
+                <a:cs typeface="Times New Roman" panose="02020603050405020304" pitchFamily="18" charset="0"/>
+              </a:rPr>
+              <a:t> </a:t>
+            </a:r>
+            <a:r>
+              <a:rPr lang="en-US" sz="5400" b="1" dirty="0" err="1">
+                <a:latin typeface="Times New Roman" panose="02020603050405020304" pitchFamily="18" charset="0"/>
+                <a:cs typeface="Times New Roman" panose="02020603050405020304" pitchFamily="18" charset="0"/>
+              </a:rPr>
+              <a:t>loang</a:t>
+            </a:r>
+            <a:r>
+              <a:rPr lang="en-US" sz="5400" b="1" dirty="0">
+                <a:latin typeface="Times New Roman" panose="02020603050405020304" pitchFamily="18" charset="0"/>
+                <a:cs typeface="Times New Roman" panose="02020603050405020304" pitchFamily="18" charset="0"/>
+              </a:rPr>
+              <a:t> </a:t>
+            </a:r>
+            <a:r>
+              <a:rPr lang="en-US" sz="5400" b="1" dirty="0" err="1">
+                <a:latin typeface="Times New Roman" panose="02020603050405020304" pitchFamily="18" charset="0"/>
+                <a:cs typeface="Times New Roman" panose="02020603050405020304" pitchFamily="18" charset="0"/>
+              </a:rPr>
+              <a:t>máu</a:t>
+            </a:r>
+            <a:r>
+              <a:rPr lang="en-US" sz="5400" b="1" dirty="0">
+                <a:latin typeface="Times New Roman" panose="02020603050405020304" pitchFamily="18" charset="0"/>
+                <a:cs typeface="Times New Roman" panose="02020603050405020304" pitchFamily="18" charset="0"/>
+              </a:rPr>
+              <a:t> </a:t>
+            </a:r>
+            <a:r>
+              <a:rPr lang="en-US" sz="5400" b="1" dirty="0" err="1">
+                <a:latin typeface="Times New Roman" panose="02020603050405020304" pitchFamily="18" charset="0"/>
+                <a:cs typeface="Times New Roman" panose="02020603050405020304" pitchFamily="18" charset="0"/>
+              </a:rPr>
+              <a:t>đào</a:t>
+            </a:r>
+            <a:r>
+              <a:rPr lang="en-US" sz="5400" b="1" dirty="0">
+                <a:latin typeface="Times New Roman" panose="02020603050405020304" pitchFamily="18" charset="0"/>
+                <a:cs typeface="Times New Roman" panose="02020603050405020304" pitchFamily="18" charset="0"/>
+              </a:rPr>
+              <a:t>. Con </a:t>
             </a:r>
             <a:r>
               <a:rPr lang="en-US" sz="5400" b="1" dirty="0" err="1">
@@ -13808,21 +13011,77 @@
                 <a:latin typeface="Times New Roman" panose="02020603050405020304" pitchFamily="18" charset="0"/>
                 <a:cs typeface="Times New Roman" panose="02020603050405020304" pitchFamily="18" charset="0"/>
               </a:rPr>
-              <a:t>trọn</a:t>
-            </a:r>
-            <a:r>
-              <a:rPr lang="en-US" sz="5400" b="1" dirty="0">
-                <a:latin typeface="Times New Roman" panose="02020603050405020304" pitchFamily="18" charset="0"/>
-                <a:cs typeface="Times New Roman" panose="02020603050405020304" pitchFamily="18" charset="0"/>
-              </a:rPr>
-              <a:t> </a:t>
-            </a:r>
-            <a:r>
-              <a:rPr lang="en-US" sz="5400" b="1" dirty="0" err="1">
-                <a:latin typeface="Times New Roman" panose="02020603050405020304" pitchFamily="18" charset="0"/>
-                <a:cs typeface="Times New Roman" panose="02020603050405020304" pitchFamily="18" charset="0"/>
-              </a:rPr>
-              <a:t>đời</a:t>
+              <a:t>đau</a:t>
+            </a:r>
+            <a:r>
+              <a:rPr lang="en-US" sz="5400" b="1" dirty="0">
+                <a:latin typeface="Times New Roman" panose="02020603050405020304" pitchFamily="18" charset="0"/>
+                <a:cs typeface="Times New Roman" panose="02020603050405020304" pitchFamily="18" charset="0"/>
+              </a:rPr>
+              <a:t> </a:t>
+            </a:r>
+            <a:r>
+              <a:rPr lang="en-US" sz="5400" b="1" dirty="0" err="1">
+                <a:latin typeface="Times New Roman" panose="02020603050405020304" pitchFamily="18" charset="0"/>
+                <a:cs typeface="Times New Roman" panose="02020603050405020304" pitchFamily="18" charset="0"/>
+              </a:rPr>
+              <a:t>thương</a:t>
+            </a:r>
+            <a:r>
+              <a:rPr lang="en-US" sz="5400" b="1" dirty="0">
+                <a:latin typeface="Times New Roman" panose="02020603050405020304" pitchFamily="18" charset="0"/>
+                <a:cs typeface="Times New Roman" panose="02020603050405020304" pitchFamily="18" charset="0"/>
+              </a:rPr>
+              <a:t> </a:t>
+            </a:r>
+            <a:r>
+              <a:rPr lang="en-US" sz="5400" b="1" dirty="0" err="1">
+                <a:latin typeface="Times New Roman" panose="02020603050405020304" pitchFamily="18" charset="0"/>
+                <a:cs typeface="Times New Roman" panose="02020603050405020304" pitchFamily="18" charset="0"/>
+              </a:rPr>
+              <a:t>treo</a:t>
+            </a:r>
+            <a:r>
+              <a:rPr lang="en-US" sz="5400" b="1" dirty="0">
+                <a:latin typeface="Times New Roman" panose="02020603050405020304" pitchFamily="18" charset="0"/>
+                <a:cs typeface="Times New Roman" panose="02020603050405020304" pitchFamily="18" charset="0"/>
+              </a:rPr>
+              <a:t> </a:t>
+            </a:r>
+            <a:r>
+              <a:rPr lang="en-US" sz="5400" b="1" dirty="0" err="1">
+                <a:latin typeface="Times New Roman" panose="02020603050405020304" pitchFamily="18" charset="0"/>
+                <a:cs typeface="Times New Roman" panose="02020603050405020304" pitchFamily="18" charset="0"/>
+              </a:rPr>
+              <a:t>trên</a:t>
+            </a:r>
+            <a:r>
+              <a:rPr lang="en-US" sz="5400" b="1" dirty="0">
+                <a:latin typeface="Times New Roman" panose="02020603050405020304" pitchFamily="18" charset="0"/>
+                <a:cs typeface="Times New Roman" panose="02020603050405020304" pitchFamily="18" charset="0"/>
+              </a:rPr>
+              <a:t> </a:t>
+            </a:r>
+            <a:r>
+              <a:rPr lang="en-US" sz="5400" b="1" dirty="0" err="1">
+                <a:latin typeface="Times New Roman" panose="02020603050405020304" pitchFamily="18" charset="0"/>
+                <a:cs typeface="Times New Roman" panose="02020603050405020304" pitchFamily="18" charset="0"/>
+              </a:rPr>
+              <a:t>Thập</a:t>
+            </a:r>
+            <a:r>
+              <a:rPr lang="en-US" sz="5400" b="1" dirty="0">
+                <a:latin typeface="Times New Roman" panose="02020603050405020304" pitchFamily="18" charset="0"/>
+                <a:cs typeface="Times New Roman" panose="02020603050405020304" pitchFamily="18" charset="0"/>
+              </a:rPr>
+              <a:t> </a:t>
+            </a:r>
+            <a:r>
+              <a:rPr lang="en-US" sz="5400" b="1" dirty="0" err="1">
+                <a:latin typeface="Times New Roman" panose="02020603050405020304" pitchFamily="18" charset="0"/>
+                <a:cs typeface="Times New Roman" panose="02020603050405020304" pitchFamily="18" charset="0"/>
+              </a:rPr>
+              <a:t>giá</a:t>
             </a:r>
             <a:r>
               <a:rPr lang="en-US" sz="5400" b="1" dirty="0">
@@ -13836,126 +13095,126 @@
                 <a:latin typeface="Times New Roman" panose="02020603050405020304" pitchFamily="18" charset="0"/>
                 <a:cs typeface="Times New Roman" panose="02020603050405020304" pitchFamily="18" charset="0"/>
               </a:rPr>
-              <a:t>Ngày</a:t>
-            </a:r>
-            <a:r>
-              <a:rPr lang="en-US" sz="5400" b="1" dirty="0">
-                <a:latin typeface="Times New Roman" panose="02020603050405020304" pitchFamily="18" charset="0"/>
-                <a:cs typeface="Times New Roman" panose="02020603050405020304" pitchFamily="18" charset="0"/>
-              </a:rPr>
-              <a:t> </a:t>
-            </a:r>
-            <a:r>
-              <a:rPr lang="en-US" sz="5400" b="1" dirty="0" err="1">
-                <a:latin typeface="Times New Roman" panose="02020603050405020304" pitchFamily="18" charset="0"/>
-                <a:cs typeface="Times New Roman" panose="02020603050405020304" pitchFamily="18" charset="0"/>
-              </a:rPr>
-              <a:t>mai</a:t>
-            </a:r>
-            <a:r>
-              <a:rPr lang="en-US" sz="5400" b="1" dirty="0">
-                <a:latin typeface="Times New Roman" panose="02020603050405020304" pitchFamily="18" charset="0"/>
-                <a:cs typeface="Times New Roman" panose="02020603050405020304" pitchFamily="18" charset="0"/>
-              </a:rPr>
-              <a:t> </a:t>
-            </a:r>
-            <a:r>
-              <a:rPr lang="en-US" sz="5400" b="1" dirty="0" err="1">
-                <a:latin typeface="Times New Roman" panose="02020603050405020304" pitchFamily="18" charset="0"/>
-                <a:cs typeface="Times New Roman" panose="02020603050405020304" pitchFamily="18" charset="0"/>
-              </a:rPr>
-              <a:t>sáng</a:t>
-            </a:r>
-            <a:r>
-              <a:rPr lang="en-US" sz="5400" b="1" dirty="0">
-                <a:latin typeface="Times New Roman" panose="02020603050405020304" pitchFamily="18" charset="0"/>
-                <a:cs typeface="Times New Roman" panose="02020603050405020304" pitchFamily="18" charset="0"/>
-              </a:rPr>
-              <a:t> </a:t>
-            </a:r>
-            <a:r>
-              <a:rPr lang="en-US" sz="5400" b="1" dirty="0" err="1">
-                <a:latin typeface="Times New Roman" panose="02020603050405020304" pitchFamily="18" charset="0"/>
-                <a:cs typeface="Times New Roman" panose="02020603050405020304" pitchFamily="18" charset="0"/>
-              </a:rPr>
-              <a:t>tươi</a:t>
-            </a:r>
-            <a:r>
-              <a:rPr lang="en-US" sz="5400" b="1" dirty="0">
-                <a:latin typeface="Times New Roman" panose="02020603050405020304" pitchFamily="18" charset="0"/>
-                <a:cs typeface="Times New Roman" panose="02020603050405020304" pitchFamily="18" charset="0"/>
-              </a:rPr>
-              <a:t> </a:t>
-            </a:r>
-            <a:r>
-              <a:rPr lang="en-US" sz="5400" b="1" dirty="0" err="1">
-                <a:latin typeface="Times New Roman" panose="02020603050405020304" pitchFamily="18" charset="0"/>
-                <a:cs typeface="Times New Roman" panose="02020603050405020304" pitchFamily="18" charset="0"/>
-              </a:rPr>
-              <a:t>bên</a:t>
-            </a:r>
-            <a:r>
-              <a:rPr lang="en-US" sz="5400" b="1" dirty="0">
-                <a:latin typeface="Times New Roman" panose="02020603050405020304" pitchFamily="18" charset="0"/>
-                <a:cs typeface="Times New Roman" panose="02020603050405020304" pitchFamily="18" charset="0"/>
-              </a:rPr>
-              <a:t> </a:t>
-            </a:r>
-            <a:r>
-              <a:rPr lang="en-US" sz="5400" b="1" dirty="0" err="1">
-                <a:latin typeface="Times New Roman" panose="02020603050405020304" pitchFamily="18" charset="0"/>
-                <a:cs typeface="Times New Roman" panose="02020603050405020304" pitchFamily="18" charset="0"/>
-              </a:rPr>
-              <a:t>Mẹ</a:t>
-            </a:r>
-            <a:r>
-              <a:rPr lang="en-US" sz="5400" b="1" dirty="0">
-                <a:latin typeface="Times New Roman" panose="02020603050405020304" pitchFamily="18" charset="0"/>
-                <a:cs typeface="Times New Roman" panose="02020603050405020304" pitchFamily="18" charset="0"/>
-              </a:rPr>
-              <a:t> ca </a:t>
-            </a:r>
-            <a:r>
-              <a:rPr lang="en-US" sz="5400" b="1" dirty="0" err="1">
-                <a:latin typeface="Times New Roman" panose="02020603050405020304" pitchFamily="18" charset="0"/>
-                <a:cs typeface="Times New Roman" panose="02020603050405020304" pitchFamily="18" charset="0"/>
-              </a:rPr>
-              <a:t>khúc</a:t>
-            </a:r>
-            <a:r>
-              <a:rPr lang="en-US" sz="5400" b="1" dirty="0">
-                <a:latin typeface="Times New Roman" panose="02020603050405020304" pitchFamily="18" charset="0"/>
-                <a:cs typeface="Times New Roman" panose="02020603050405020304" pitchFamily="18" charset="0"/>
-              </a:rPr>
-              <a:t> </a:t>
-            </a:r>
-            <a:r>
-              <a:rPr lang="en-US" sz="5400" b="1" dirty="0" err="1">
-                <a:latin typeface="Times New Roman" panose="02020603050405020304" pitchFamily="18" charset="0"/>
-                <a:cs typeface="Times New Roman" panose="02020603050405020304" pitchFamily="18" charset="0"/>
-              </a:rPr>
-              <a:t>khải</a:t>
-            </a:r>
-            <a:r>
-              <a:rPr lang="en-US" sz="5400" b="1" dirty="0">
-                <a:latin typeface="Times New Roman" panose="02020603050405020304" pitchFamily="18" charset="0"/>
-                <a:cs typeface="Times New Roman" panose="02020603050405020304" pitchFamily="18" charset="0"/>
-              </a:rPr>
-              <a:t> </a:t>
-            </a:r>
-            <a:r>
-              <a:rPr lang="en-US" sz="5400" b="1" dirty="0" err="1">
-                <a:latin typeface="Times New Roman" panose="02020603050405020304" pitchFamily="18" charset="0"/>
-                <a:cs typeface="Times New Roman" panose="02020603050405020304" pitchFamily="18" charset="0"/>
-              </a:rPr>
-              <a:t>hoàn</a:t>
-            </a:r>
-            <a:r>
-              <a:rPr lang="en-US" sz="5400" b="1" dirty="0">
-                <a:latin typeface="Times New Roman" panose="02020603050405020304" pitchFamily="18" charset="0"/>
-                <a:cs typeface="Times New Roman" panose="02020603050405020304" pitchFamily="18" charset="0"/>
-              </a:rPr>
-              <a:t>.</a:t>
+              <a:t>Hiến</a:t>
+            </a:r>
+            <a:r>
+              <a:rPr lang="en-US" sz="5400" b="1" dirty="0">
+                <a:latin typeface="Times New Roman" panose="02020603050405020304" pitchFamily="18" charset="0"/>
+                <a:cs typeface="Times New Roman" panose="02020603050405020304" pitchFamily="18" charset="0"/>
+              </a:rPr>
+              <a:t> </a:t>
+            </a:r>
+            <a:r>
+              <a:rPr lang="en-US" sz="5400" b="1" dirty="0" err="1">
+                <a:latin typeface="Times New Roman" panose="02020603050405020304" pitchFamily="18" charset="0"/>
+                <a:cs typeface="Times New Roman" panose="02020603050405020304" pitchFamily="18" charset="0"/>
+              </a:rPr>
+              <a:t>thân</a:t>
+            </a:r>
+            <a:r>
+              <a:rPr lang="en-US" sz="5400" b="1" dirty="0">
+                <a:latin typeface="Times New Roman" panose="02020603050405020304" pitchFamily="18" charset="0"/>
+                <a:cs typeface="Times New Roman" panose="02020603050405020304" pitchFamily="18" charset="0"/>
+              </a:rPr>
+              <a:t> </a:t>
+            </a:r>
+            <a:r>
+              <a:rPr lang="en-US" sz="5400" b="1" dirty="0" err="1">
+                <a:latin typeface="Times New Roman" panose="02020603050405020304" pitchFamily="18" charset="0"/>
+                <a:cs typeface="Times New Roman" panose="02020603050405020304" pitchFamily="18" charset="0"/>
+              </a:rPr>
+              <a:t>vì</a:t>
+            </a:r>
+            <a:r>
+              <a:rPr lang="en-US" sz="5400" b="1" dirty="0">
+                <a:latin typeface="Times New Roman" panose="02020603050405020304" pitchFamily="18" charset="0"/>
+                <a:cs typeface="Times New Roman" panose="02020603050405020304" pitchFamily="18" charset="0"/>
+              </a:rPr>
+              <a:t> </a:t>
+            </a:r>
+            <a:r>
+              <a:rPr lang="en-US" sz="5400" b="1" dirty="0" err="1">
+                <a:latin typeface="Times New Roman" panose="02020603050405020304" pitchFamily="18" charset="0"/>
+                <a:cs typeface="Times New Roman" panose="02020603050405020304" pitchFamily="18" charset="0"/>
+              </a:rPr>
+              <a:t>nhân</a:t>
+            </a:r>
+            <a:r>
+              <a:rPr lang="en-US" sz="5400" b="1" dirty="0">
+                <a:latin typeface="Times New Roman" panose="02020603050405020304" pitchFamily="18" charset="0"/>
+                <a:cs typeface="Times New Roman" panose="02020603050405020304" pitchFamily="18" charset="0"/>
+              </a:rPr>
+              <a:t> </a:t>
+            </a:r>
+            <a:r>
+              <a:rPr lang="en-US" sz="5400" b="1" dirty="0" err="1">
+                <a:latin typeface="Times New Roman" panose="02020603050405020304" pitchFamily="18" charset="0"/>
+                <a:cs typeface="Times New Roman" panose="02020603050405020304" pitchFamily="18" charset="0"/>
+              </a:rPr>
+              <a:t>loại</a:t>
+            </a:r>
+            <a:r>
+              <a:rPr lang="en-US" sz="5400" b="1" dirty="0">
+                <a:latin typeface="Times New Roman" panose="02020603050405020304" pitchFamily="18" charset="0"/>
+                <a:cs typeface="Times New Roman" panose="02020603050405020304" pitchFamily="18" charset="0"/>
+              </a:rPr>
+              <a:t> </a:t>
+            </a:r>
+            <a:r>
+              <a:rPr lang="en-US" sz="5400" b="1" dirty="0" err="1">
+                <a:latin typeface="Times New Roman" panose="02020603050405020304" pitchFamily="18" charset="0"/>
+                <a:cs typeface="Times New Roman" panose="02020603050405020304" pitchFamily="18" charset="0"/>
+              </a:rPr>
+              <a:t>tội</a:t>
+            </a:r>
+            <a:r>
+              <a:rPr lang="en-US" sz="5400" b="1" dirty="0">
+                <a:latin typeface="Times New Roman" panose="02020603050405020304" pitchFamily="18" charset="0"/>
+                <a:cs typeface="Times New Roman" panose="02020603050405020304" pitchFamily="18" charset="0"/>
+              </a:rPr>
+              <a:t> </a:t>
+            </a:r>
+            <a:r>
+              <a:rPr lang="en-US" sz="5400" b="1" dirty="0" err="1">
+                <a:latin typeface="Times New Roman" panose="02020603050405020304" pitchFamily="18" charset="0"/>
+                <a:cs typeface="Times New Roman" panose="02020603050405020304" pitchFamily="18" charset="0"/>
+              </a:rPr>
+              <a:t>tình</a:t>
+            </a:r>
+            <a:r>
+              <a:rPr lang="en-US" sz="5400" b="1" dirty="0">
+                <a:latin typeface="Times New Roman" panose="02020603050405020304" pitchFamily="18" charset="0"/>
+                <a:cs typeface="Times New Roman" panose="02020603050405020304" pitchFamily="18" charset="0"/>
+              </a:rPr>
+              <a:t> (</a:t>
+            </a:r>
+            <a:r>
+              <a:rPr lang="en-US" sz="5400" b="1" dirty="0" err="1">
+                <a:latin typeface="Times New Roman" panose="02020603050405020304" pitchFamily="18" charset="0"/>
+                <a:cs typeface="Times New Roman" panose="02020603050405020304" pitchFamily="18" charset="0"/>
+              </a:rPr>
+              <a:t>tội</a:t>
+            </a:r>
+            <a:r>
+              <a:rPr lang="en-US" sz="5400" b="1" dirty="0">
+                <a:latin typeface="Times New Roman" panose="02020603050405020304" pitchFamily="18" charset="0"/>
+                <a:cs typeface="Times New Roman" panose="02020603050405020304" pitchFamily="18" charset="0"/>
+              </a:rPr>
+              <a:t> </a:t>
+            </a:r>
+            <a:r>
+              <a:rPr lang="en-US" sz="5400" b="1" dirty="0" err="1">
+                <a:latin typeface="Times New Roman" panose="02020603050405020304" pitchFamily="18" charset="0"/>
+                <a:cs typeface="Times New Roman" panose="02020603050405020304" pitchFamily="18" charset="0"/>
+              </a:rPr>
+              <a:t>tình</a:t>
+            </a:r>
+            <a:r>
+              <a:rPr lang="en-US" sz="5400" b="1" dirty="0">
+                <a:latin typeface="Times New Roman" panose="02020603050405020304" pitchFamily="18" charset="0"/>
+                <a:cs typeface="Times New Roman" panose="02020603050405020304" pitchFamily="18" charset="0"/>
+              </a:rPr>
+              <a:t>).</a:t>
             </a:r>
             <a:endParaRPr lang="vi-VN" sz="5400" b="1" dirty="0">
               <a:latin typeface="Times New Roman" panose="02020603050405020304" pitchFamily="18" charset="0"/>
@@ -13967,7 +13226,7 @@
     </p:spTree>
     <p:extLst>
       <p:ext uri="{BB962C8B-B14F-4D97-AF65-F5344CB8AC3E}">
-        <p14:creationId xmlns:p14="http://schemas.microsoft.com/office/powerpoint/2010/main" val="3658179723"/>
+        <p14:creationId xmlns:p14="http://schemas.microsoft.com/office/powerpoint/2010/main" val="2200411873"/>
       </p:ext>
     </p:extLst>
   </p:cSld>
@@ -14019,16 +13278,6 @@
           <a:p>
             <a:pPr algn="l"/>
             <a:r>
-              <a:rPr lang="en-US" sz="1800" dirty="0" err="1">
-                <a:solidFill>
-                  <a:srgbClr val="FF0000"/>
-                </a:solidFill>
-                <a:latin typeface="Times New Roman" panose="02020603050405020304" pitchFamily="18" charset="0"/>
-                <a:cs typeface="Times New Roman" panose="02020603050405020304" pitchFamily="18" charset="0"/>
-              </a:rPr>
-              <a:t>Kết</a:t>
-            </a:r>
-            <a:r>
               <a:rPr lang="en-US" sz="1800" dirty="0">
                 <a:solidFill>
                   <a:srgbClr val="FF0000"/>
@@ -14036,27 +13285,7 @@
                 <a:latin typeface="Times New Roman" panose="02020603050405020304" pitchFamily="18" charset="0"/>
                 <a:cs typeface="Times New Roman" panose="02020603050405020304" pitchFamily="18" charset="0"/>
               </a:rPr>
-              <a:t> </a:t>
-            </a:r>
-            <a:r>
-              <a:rPr lang="en-US" sz="1800" dirty="0" err="1">
-                <a:solidFill>
-                  <a:srgbClr val="FF0000"/>
-                </a:solidFill>
-                <a:latin typeface="Times New Roman" panose="02020603050405020304" pitchFamily="18" charset="0"/>
-                <a:cs typeface="Times New Roman" panose="02020603050405020304" pitchFamily="18" charset="0"/>
-              </a:rPr>
-              <a:t>lễ</a:t>
-            </a:r>
-            <a:r>
-              <a:rPr lang="en-US" sz="1800" dirty="0">
-                <a:solidFill>
-                  <a:srgbClr val="FF0000"/>
-                </a:solidFill>
-                <a:latin typeface="Times New Roman" panose="02020603050405020304" pitchFamily="18" charset="0"/>
-                <a:cs typeface="Times New Roman" panose="02020603050405020304" pitchFamily="18" charset="0"/>
-              </a:rPr>
-              <a:t>                                   	         </a:t>
+              <a:t>                                    	         </a:t>
             </a:r>
             <a:r>
               <a:rPr lang="en-US" sz="2400" b="1" dirty="0">
@@ -14114,13 +13343,6 @@
           <a:p>
             <a:pPr algn="just"/>
             <a:r>
-              <a:rPr lang="en-US" sz="5400" b="1" dirty="0">
-                <a:latin typeface="Times New Roman" panose="02020603050405020304" pitchFamily="18" charset="0"/>
-                <a:cs typeface="Times New Roman" panose="02020603050405020304" pitchFamily="18" charset="0"/>
-              </a:rPr>
-              <a:t>ĐK: </a:t>
-            </a:r>
-            <a:r>
               <a:rPr lang="en-US" sz="5400" b="1" dirty="0" err="1">
                 <a:latin typeface="Times New Roman" panose="02020603050405020304" pitchFamily="18" charset="0"/>
                 <a:cs typeface="Times New Roman" panose="02020603050405020304" pitchFamily="18" charset="0"/>
@@ -14167,63 +13389,63 @@
                 <a:latin typeface="Times New Roman" panose="02020603050405020304" pitchFamily="18" charset="0"/>
                 <a:cs typeface="Times New Roman" panose="02020603050405020304" pitchFamily="18" charset="0"/>
               </a:rPr>
-              <a:t>khi</a:t>
-            </a:r>
-            <a:r>
-              <a:rPr lang="en-US" sz="5400" b="1" dirty="0">
-                <a:latin typeface="Times New Roman" panose="02020603050405020304" pitchFamily="18" charset="0"/>
-                <a:cs typeface="Times New Roman" panose="02020603050405020304" pitchFamily="18" charset="0"/>
-              </a:rPr>
-              <a:t> </a:t>
-            </a:r>
-            <a:r>
-              <a:rPr lang="en-US" sz="5400" b="1" dirty="0" err="1">
-                <a:latin typeface="Times New Roman" panose="02020603050405020304" pitchFamily="18" charset="0"/>
-                <a:cs typeface="Times New Roman" panose="02020603050405020304" pitchFamily="18" charset="0"/>
-              </a:rPr>
-              <a:t>hoàng</a:t>
-            </a:r>
-            <a:r>
-              <a:rPr lang="en-US" sz="5400" b="1" dirty="0">
-                <a:latin typeface="Times New Roman" panose="02020603050405020304" pitchFamily="18" charset="0"/>
-                <a:cs typeface="Times New Roman" panose="02020603050405020304" pitchFamily="18" charset="0"/>
-              </a:rPr>
-              <a:t> </a:t>
-            </a:r>
-            <a:r>
-              <a:rPr lang="en-US" sz="5400" b="1" dirty="0" err="1">
-                <a:latin typeface="Times New Roman" panose="02020603050405020304" pitchFamily="18" charset="0"/>
-                <a:cs typeface="Times New Roman" panose="02020603050405020304" pitchFamily="18" charset="0"/>
-              </a:rPr>
-              <a:t>hôn</a:t>
-            </a:r>
-            <a:r>
-              <a:rPr lang="en-US" sz="5400" b="1" dirty="0">
-                <a:latin typeface="Times New Roman" panose="02020603050405020304" pitchFamily="18" charset="0"/>
-                <a:cs typeface="Times New Roman" panose="02020603050405020304" pitchFamily="18" charset="0"/>
-              </a:rPr>
-              <a:t> </a:t>
-            </a:r>
-            <a:r>
-              <a:rPr lang="en-US" sz="5400" b="1" dirty="0" err="1">
-                <a:latin typeface="Times New Roman" panose="02020603050405020304" pitchFamily="18" charset="0"/>
-                <a:cs typeface="Times New Roman" panose="02020603050405020304" pitchFamily="18" charset="0"/>
-              </a:rPr>
-              <a:t>tím</a:t>
-            </a:r>
-            <a:r>
-              <a:rPr lang="en-US" sz="5400" b="1" dirty="0">
-                <a:latin typeface="Times New Roman" panose="02020603050405020304" pitchFamily="18" charset="0"/>
-                <a:cs typeface="Times New Roman" panose="02020603050405020304" pitchFamily="18" charset="0"/>
-              </a:rPr>
-              <a:t> </a:t>
-            </a:r>
-            <a:r>
-              <a:rPr lang="en-US" sz="5400" b="1" dirty="0" err="1">
-                <a:latin typeface="Times New Roman" panose="02020603050405020304" pitchFamily="18" charset="0"/>
-                <a:cs typeface="Times New Roman" panose="02020603050405020304" pitchFamily="18" charset="0"/>
-              </a:rPr>
-              <a:t>mầu</a:t>
+              <a:t>tâm</a:t>
+            </a:r>
+            <a:r>
+              <a:rPr lang="en-US" sz="5400" b="1" dirty="0">
+                <a:latin typeface="Times New Roman" panose="02020603050405020304" pitchFamily="18" charset="0"/>
+                <a:cs typeface="Times New Roman" panose="02020603050405020304" pitchFamily="18" charset="0"/>
+              </a:rPr>
+              <a:t> </a:t>
+            </a:r>
+            <a:r>
+              <a:rPr lang="en-US" sz="5400" b="1" dirty="0" err="1">
+                <a:latin typeface="Times New Roman" panose="02020603050405020304" pitchFamily="18" charset="0"/>
+                <a:cs typeface="Times New Roman" panose="02020603050405020304" pitchFamily="18" charset="0"/>
+              </a:rPr>
+              <a:t>hồn</a:t>
+            </a:r>
+            <a:r>
+              <a:rPr lang="en-US" sz="5400" b="1" dirty="0">
+                <a:latin typeface="Times New Roman" panose="02020603050405020304" pitchFamily="18" charset="0"/>
+                <a:cs typeface="Times New Roman" panose="02020603050405020304" pitchFamily="18" charset="0"/>
+              </a:rPr>
+              <a:t> </a:t>
+            </a:r>
+            <a:r>
+              <a:rPr lang="en-US" sz="5400" b="1" dirty="0" err="1">
+                <a:latin typeface="Times New Roman" panose="02020603050405020304" pitchFamily="18" charset="0"/>
+                <a:cs typeface="Times New Roman" panose="02020603050405020304" pitchFamily="18" charset="0"/>
+              </a:rPr>
+              <a:t>tê</a:t>
+            </a:r>
+            <a:r>
+              <a:rPr lang="en-US" sz="5400" b="1" dirty="0">
+                <a:latin typeface="Times New Roman" panose="02020603050405020304" pitchFamily="18" charset="0"/>
+                <a:cs typeface="Times New Roman" panose="02020603050405020304" pitchFamily="18" charset="0"/>
+              </a:rPr>
+              <a:t> </a:t>
+            </a:r>
+            <a:r>
+              <a:rPr lang="en-US" sz="5400" b="1" dirty="0" err="1">
+                <a:latin typeface="Times New Roman" panose="02020603050405020304" pitchFamily="18" charset="0"/>
+                <a:cs typeface="Times New Roman" panose="02020603050405020304" pitchFamily="18" charset="0"/>
+              </a:rPr>
+              <a:t>tái</a:t>
+            </a:r>
+            <a:r>
+              <a:rPr lang="en-US" sz="5400" b="1" dirty="0">
+                <a:latin typeface="Times New Roman" panose="02020603050405020304" pitchFamily="18" charset="0"/>
+                <a:cs typeface="Times New Roman" panose="02020603050405020304" pitchFamily="18" charset="0"/>
+              </a:rPr>
+              <a:t> </a:t>
+            </a:r>
+            <a:r>
+              <a:rPr lang="en-US" sz="5400" b="1" dirty="0" err="1">
+                <a:latin typeface="Times New Roman" panose="02020603050405020304" pitchFamily="18" charset="0"/>
+                <a:cs typeface="Times New Roman" panose="02020603050405020304" pitchFamily="18" charset="0"/>
+              </a:rPr>
+              <a:t>sầu</a:t>
             </a:r>
             <a:r>
               <a:rPr lang="en-US" sz="5400" b="1" dirty="0">
@@ -14237,7 +13459,77 @@
                 <a:latin typeface="Times New Roman" panose="02020603050405020304" pitchFamily="18" charset="0"/>
                 <a:cs typeface="Times New Roman" panose="02020603050405020304" pitchFamily="18" charset="0"/>
               </a:rPr>
-              <a:t>Nhạc</a:t>
+              <a:t>Đồng</a:t>
+            </a:r>
+            <a:r>
+              <a:rPr lang="en-US" sz="5400" b="1" dirty="0">
+                <a:latin typeface="Times New Roman" panose="02020603050405020304" pitchFamily="18" charset="0"/>
+                <a:cs typeface="Times New Roman" panose="02020603050405020304" pitchFamily="18" charset="0"/>
+              </a:rPr>
+              <a:t> </a:t>
+            </a:r>
+            <a:r>
+              <a:rPr lang="en-US" sz="5400" b="1" dirty="0" err="1">
+                <a:latin typeface="Times New Roman" panose="02020603050405020304" pitchFamily="18" charset="0"/>
+                <a:cs typeface="Times New Roman" panose="02020603050405020304" pitchFamily="18" charset="0"/>
+              </a:rPr>
+              <a:t>công</a:t>
+            </a:r>
+            <a:r>
+              <a:rPr lang="en-US" sz="5400" b="1" dirty="0">
+                <a:latin typeface="Times New Roman" panose="02020603050405020304" pitchFamily="18" charset="0"/>
+                <a:cs typeface="Times New Roman" panose="02020603050405020304" pitchFamily="18" charset="0"/>
+              </a:rPr>
+              <a:t> </a:t>
+            </a:r>
+            <a:r>
+              <a:rPr lang="en-US" sz="5400" b="1" dirty="0" err="1">
+                <a:latin typeface="Times New Roman" panose="02020603050405020304" pitchFamily="18" charset="0"/>
+                <a:cs typeface="Times New Roman" panose="02020603050405020304" pitchFamily="18" charset="0"/>
+              </a:rPr>
+              <a:t>cùng</a:t>
+            </a:r>
+            <a:r>
+              <a:rPr lang="en-US" sz="5400" b="1" dirty="0">
+                <a:latin typeface="Times New Roman" panose="02020603050405020304" pitchFamily="18" charset="0"/>
+                <a:cs typeface="Times New Roman" panose="02020603050405020304" pitchFamily="18" charset="0"/>
+              </a:rPr>
+              <a:t> con </a:t>
+            </a:r>
+            <a:r>
+              <a:rPr lang="en-US" sz="5400" b="1" dirty="0" err="1">
+                <a:latin typeface="Times New Roman" panose="02020603050405020304" pitchFamily="18" charset="0"/>
+                <a:cs typeface="Times New Roman" panose="02020603050405020304" pitchFamily="18" charset="0"/>
+              </a:rPr>
+              <a:t>dấu</a:t>
+            </a:r>
+            <a:r>
+              <a:rPr lang="en-US" sz="5400" b="1" dirty="0">
+                <a:latin typeface="Times New Roman" panose="02020603050405020304" pitchFamily="18" charset="0"/>
+                <a:cs typeface="Times New Roman" panose="02020603050405020304" pitchFamily="18" charset="0"/>
+              </a:rPr>
+              <a:t> </a:t>
+            </a:r>
+            <a:r>
+              <a:rPr lang="en-US" sz="5400" b="1" dirty="0" err="1">
+                <a:latin typeface="Times New Roman" panose="02020603050405020304" pitchFamily="18" charset="0"/>
+                <a:cs typeface="Times New Roman" panose="02020603050405020304" pitchFamily="18" charset="0"/>
+              </a:rPr>
+              <a:t>yêu</a:t>
+            </a:r>
+            <a:r>
+              <a:rPr lang="en-US" sz="5400" b="1" dirty="0">
+                <a:latin typeface="Times New Roman" panose="02020603050405020304" pitchFamily="18" charset="0"/>
+                <a:cs typeface="Times New Roman" panose="02020603050405020304" pitchFamily="18" charset="0"/>
+              </a:rPr>
+              <a:t>. </a:t>
+            </a:r>
+            <a:r>
+              <a:rPr lang="en-US" sz="5400" b="1" dirty="0" err="1">
+                <a:latin typeface="Times New Roman" panose="02020603050405020304" pitchFamily="18" charset="0"/>
+                <a:cs typeface="Times New Roman" panose="02020603050405020304" pitchFamily="18" charset="0"/>
+              </a:rPr>
+              <a:t>Vì</a:t>
             </a:r>
             <a:r>
               <a:rPr lang="en-US" sz="5400" b="1" dirty="0">
@@ -14265,286 +13557,6 @@
                 <a:latin typeface="Times New Roman" panose="02020603050405020304" pitchFamily="18" charset="0"/>
                 <a:cs typeface="Times New Roman" panose="02020603050405020304" pitchFamily="18" charset="0"/>
               </a:rPr>
-              <a:t>trầm</a:t>
-            </a:r>
-            <a:r>
-              <a:rPr lang="en-US" sz="5400" b="1" dirty="0">
-                <a:latin typeface="Times New Roman" panose="02020603050405020304" pitchFamily="18" charset="0"/>
-                <a:cs typeface="Times New Roman" panose="02020603050405020304" pitchFamily="18" charset="0"/>
-              </a:rPr>
-              <a:t> </a:t>
-            </a:r>
-            <a:r>
-              <a:rPr lang="en-US" sz="5400" b="1" dirty="0" err="1">
-                <a:latin typeface="Times New Roman" panose="02020603050405020304" pitchFamily="18" charset="0"/>
-                <a:cs typeface="Times New Roman" panose="02020603050405020304" pitchFamily="18" charset="0"/>
-              </a:rPr>
-              <a:t>buông</a:t>
-            </a:r>
-            <a:r>
-              <a:rPr lang="en-US" sz="5400" b="1" dirty="0">
-                <a:latin typeface="Times New Roman" panose="02020603050405020304" pitchFamily="18" charset="0"/>
-                <a:cs typeface="Times New Roman" panose="02020603050405020304" pitchFamily="18" charset="0"/>
-              </a:rPr>
-              <a:t> </a:t>
-            </a:r>
-            <a:r>
-              <a:rPr lang="en-US" sz="5400" b="1" dirty="0" err="1">
-                <a:latin typeface="Times New Roman" panose="02020603050405020304" pitchFamily="18" charset="0"/>
-                <a:cs typeface="Times New Roman" panose="02020603050405020304" pitchFamily="18" charset="0"/>
-              </a:rPr>
-              <a:t>hắt</a:t>
-            </a:r>
-            <a:r>
-              <a:rPr lang="en-US" sz="5400" b="1" dirty="0">
-                <a:latin typeface="Times New Roman" panose="02020603050405020304" pitchFamily="18" charset="0"/>
-                <a:cs typeface="Times New Roman" panose="02020603050405020304" pitchFamily="18" charset="0"/>
-              </a:rPr>
-              <a:t> </a:t>
-            </a:r>
-            <a:r>
-              <a:rPr lang="en-US" sz="5400" b="1" dirty="0" err="1">
-                <a:latin typeface="Times New Roman" panose="02020603050405020304" pitchFamily="18" charset="0"/>
-                <a:cs typeface="Times New Roman" panose="02020603050405020304" pitchFamily="18" charset="0"/>
-              </a:rPr>
-              <a:t>hiu</a:t>
-            </a:r>
-            <a:r>
-              <a:rPr lang="en-US" sz="5400" b="1" dirty="0">
-                <a:latin typeface="Times New Roman" panose="02020603050405020304" pitchFamily="18" charset="0"/>
-                <a:cs typeface="Times New Roman" panose="02020603050405020304" pitchFamily="18" charset="0"/>
-              </a:rPr>
-              <a:t>. </a:t>
-            </a:r>
-            <a:r>
-              <a:rPr lang="en-US" sz="5400" b="1" dirty="0" err="1">
-                <a:latin typeface="Times New Roman" panose="02020603050405020304" pitchFamily="18" charset="0"/>
-                <a:cs typeface="Times New Roman" panose="02020603050405020304" pitchFamily="18" charset="0"/>
-              </a:rPr>
-              <a:t>Đồi</a:t>
-            </a:r>
-            <a:r>
-              <a:rPr lang="en-US" sz="5400" b="1" dirty="0">
-                <a:latin typeface="Times New Roman" panose="02020603050405020304" pitchFamily="18" charset="0"/>
-                <a:cs typeface="Times New Roman" panose="02020603050405020304" pitchFamily="18" charset="0"/>
-              </a:rPr>
-              <a:t> </a:t>
-            </a:r>
-            <a:r>
-              <a:rPr lang="en-US" sz="5400" b="1" dirty="0" err="1">
-                <a:latin typeface="Times New Roman" panose="02020603050405020304" pitchFamily="18" charset="0"/>
-                <a:cs typeface="Times New Roman" panose="02020603050405020304" pitchFamily="18" charset="0"/>
-              </a:rPr>
-              <a:t>cao</a:t>
-            </a:r>
-            <a:r>
-              <a:rPr lang="en-US" sz="5400" b="1" dirty="0">
-                <a:latin typeface="Times New Roman" panose="02020603050405020304" pitchFamily="18" charset="0"/>
-                <a:cs typeface="Times New Roman" panose="02020603050405020304" pitchFamily="18" charset="0"/>
-              </a:rPr>
-              <a:t> u </a:t>
-            </a:r>
-            <a:r>
-              <a:rPr lang="en-US" sz="5400" b="1" dirty="0" err="1">
-                <a:latin typeface="Times New Roman" panose="02020603050405020304" pitchFamily="18" charset="0"/>
-                <a:cs typeface="Times New Roman" panose="02020603050405020304" pitchFamily="18" charset="0"/>
-              </a:rPr>
-              <a:t>hoài</a:t>
-            </a:r>
-            <a:r>
-              <a:rPr lang="en-US" sz="5400" b="1" dirty="0">
-                <a:latin typeface="Times New Roman" panose="02020603050405020304" pitchFamily="18" charset="0"/>
-                <a:cs typeface="Times New Roman" panose="02020603050405020304" pitchFamily="18" charset="0"/>
-              </a:rPr>
-              <a:t> </a:t>
-            </a:r>
-            <a:r>
-              <a:rPr lang="en-US" sz="5400" b="1" dirty="0" err="1">
-                <a:latin typeface="Times New Roman" panose="02020603050405020304" pitchFamily="18" charset="0"/>
-                <a:cs typeface="Times New Roman" panose="02020603050405020304" pitchFamily="18" charset="0"/>
-              </a:rPr>
-              <a:t>loang</a:t>
-            </a:r>
-            <a:r>
-              <a:rPr lang="en-US" sz="5400" b="1" dirty="0">
-                <a:latin typeface="Times New Roman" panose="02020603050405020304" pitchFamily="18" charset="0"/>
-                <a:cs typeface="Times New Roman" panose="02020603050405020304" pitchFamily="18" charset="0"/>
-              </a:rPr>
-              <a:t> </a:t>
-            </a:r>
-            <a:r>
-              <a:rPr lang="en-US" sz="5400" b="1" dirty="0" err="1">
-                <a:latin typeface="Times New Roman" panose="02020603050405020304" pitchFamily="18" charset="0"/>
-                <a:cs typeface="Times New Roman" panose="02020603050405020304" pitchFamily="18" charset="0"/>
-              </a:rPr>
-              <a:t>máu</a:t>
-            </a:r>
-            <a:r>
-              <a:rPr lang="en-US" sz="5400" b="1" dirty="0">
-                <a:latin typeface="Times New Roman" panose="02020603050405020304" pitchFamily="18" charset="0"/>
-                <a:cs typeface="Times New Roman" panose="02020603050405020304" pitchFamily="18" charset="0"/>
-              </a:rPr>
-              <a:t> </a:t>
-            </a:r>
-            <a:r>
-              <a:rPr lang="en-US" sz="5400" b="1" dirty="0" err="1">
-                <a:latin typeface="Times New Roman" panose="02020603050405020304" pitchFamily="18" charset="0"/>
-                <a:cs typeface="Times New Roman" panose="02020603050405020304" pitchFamily="18" charset="0"/>
-              </a:rPr>
-              <a:t>đào</a:t>
-            </a:r>
-            <a:r>
-              <a:rPr lang="en-US" sz="5400" b="1" dirty="0">
-                <a:latin typeface="Times New Roman" panose="02020603050405020304" pitchFamily="18" charset="0"/>
-                <a:cs typeface="Times New Roman" panose="02020603050405020304" pitchFamily="18" charset="0"/>
-              </a:rPr>
-              <a:t>. Con </a:t>
-            </a:r>
-            <a:r>
-              <a:rPr lang="en-US" sz="5400" b="1" dirty="0" err="1">
-                <a:latin typeface="Times New Roman" panose="02020603050405020304" pitchFamily="18" charset="0"/>
-                <a:cs typeface="Times New Roman" panose="02020603050405020304" pitchFamily="18" charset="0"/>
-              </a:rPr>
-              <a:t>Chúa</a:t>
-            </a:r>
-            <a:r>
-              <a:rPr lang="en-US" sz="5400" b="1" dirty="0">
-                <a:latin typeface="Times New Roman" panose="02020603050405020304" pitchFamily="18" charset="0"/>
-                <a:cs typeface="Times New Roman" panose="02020603050405020304" pitchFamily="18" charset="0"/>
-              </a:rPr>
-              <a:t> </a:t>
-            </a:r>
-            <a:r>
-              <a:rPr lang="en-US" sz="5400" b="1" dirty="0" err="1">
-                <a:latin typeface="Times New Roman" panose="02020603050405020304" pitchFamily="18" charset="0"/>
-                <a:cs typeface="Times New Roman" panose="02020603050405020304" pitchFamily="18" charset="0"/>
-              </a:rPr>
-              <a:t>đau</a:t>
-            </a:r>
-            <a:r>
-              <a:rPr lang="en-US" sz="5400" b="1" dirty="0">
-                <a:latin typeface="Times New Roman" panose="02020603050405020304" pitchFamily="18" charset="0"/>
-                <a:cs typeface="Times New Roman" panose="02020603050405020304" pitchFamily="18" charset="0"/>
-              </a:rPr>
-              <a:t> </a:t>
-            </a:r>
-            <a:r>
-              <a:rPr lang="en-US" sz="5400" b="1" dirty="0" err="1">
-                <a:latin typeface="Times New Roman" panose="02020603050405020304" pitchFamily="18" charset="0"/>
-                <a:cs typeface="Times New Roman" panose="02020603050405020304" pitchFamily="18" charset="0"/>
-              </a:rPr>
-              <a:t>thương</a:t>
-            </a:r>
-            <a:r>
-              <a:rPr lang="en-US" sz="5400" b="1" dirty="0">
-                <a:latin typeface="Times New Roman" panose="02020603050405020304" pitchFamily="18" charset="0"/>
-                <a:cs typeface="Times New Roman" panose="02020603050405020304" pitchFamily="18" charset="0"/>
-              </a:rPr>
-              <a:t> </a:t>
-            </a:r>
-            <a:r>
-              <a:rPr lang="en-US" sz="5400" b="1" dirty="0" err="1">
-                <a:latin typeface="Times New Roman" panose="02020603050405020304" pitchFamily="18" charset="0"/>
-                <a:cs typeface="Times New Roman" panose="02020603050405020304" pitchFamily="18" charset="0"/>
-              </a:rPr>
-              <a:t>treo</a:t>
-            </a:r>
-            <a:r>
-              <a:rPr lang="en-US" sz="5400" b="1" dirty="0">
-                <a:latin typeface="Times New Roman" panose="02020603050405020304" pitchFamily="18" charset="0"/>
-                <a:cs typeface="Times New Roman" panose="02020603050405020304" pitchFamily="18" charset="0"/>
-              </a:rPr>
-              <a:t> </a:t>
-            </a:r>
-            <a:r>
-              <a:rPr lang="en-US" sz="5400" b="1" dirty="0" err="1">
-                <a:latin typeface="Times New Roman" panose="02020603050405020304" pitchFamily="18" charset="0"/>
-                <a:cs typeface="Times New Roman" panose="02020603050405020304" pitchFamily="18" charset="0"/>
-              </a:rPr>
-              <a:t>trên</a:t>
-            </a:r>
-            <a:r>
-              <a:rPr lang="en-US" sz="5400" b="1" dirty="0">
-                <a:latin typeface="Times New Roman" panose="02020603050405020304" pitchFamily="18" charset="0"/>
-                <a:cs typeface="Times New Roman" panose="02020603050405020304" pitchFamily="18" charset="0"/>
-              </a:rPr>
-              <a:t> </a:t>
-            </a:r>
-            <a:r>
-              <a:rPr lang="en-US" sz="5400" b="1" dirty="0" err="1">
-                <a:latin typeface="Times New Roman" panose="02020603050405020304" pitchFamily="18" charset="0"/>
-                <a:cs typeface="Times New Roman" panose="02020603050405020304" pitchFamily="18" charset="0"/>
-              </a:rPr>
-              <a:t>Thập</a:t>
-            </a:r>
-            <a:r>
-              <a:rPr lang="en-US" sz="5400" b="1" dirty="0">
-                <a:latin typeface="Times New Roman" panose="02020603050405020304" pitchFamily="18" charset="0"/>
-                <a:cs typeface="Times New Roman" panose="02020603050405020304" pitchFamily="18" charset="0"/>
-              </a:rPr>
-              <a:t> </a:t>
-            </a:r>
-            <a:r>
-              <a:rPr lang="en-US" sz="5400" b="1" dirty="0" err="1">
-                <a:latin typeface="Times New Roman" panose="02020603050405020304" pitchFamily="18" charset="0"/>
-                <a:cs typeface="Times New Roman" panose="02020603050405020304" pitchFamily="18" charset="0"/>
-              </a:rPr>
-              <a:t>giá</a:t>
-            </a:r>
-            <a:r>
-              <a:rPr lang="en-US" sz="5400" b="1" dirty="0">
-                <a:latin typeface="Times New Roman" panose="02020603050405020304" pitchFamily="18" charset="0"/>
-                <a:cs typeface="Times New Roman" panose="02020603050405020304" pitchFamily="18" charset="0"/>
-              </a:rPr>
-              <a:t>. </a:t>
-            </a:r>
-            <a:r>
-              <a:rPr lang="en-US" sz="5400" b="1" dirty="0" err="1">
-                <a:latin typeface="Times New Roman" panose="02020603050405020304" pitchFamily="18" charset="0"/>
-                <a:cs typeface="Times New Roman" panose="02020603050405020304" pitchFamily="18" charset="0"/>
-              </a:rPr>
-              <a:t>Hiến</a:t>
-            </a:r>
-            <a:r>
-              <a:rPr lang="en-US" sz="5400" b="1" dirty="0">
-                <a:latin typeface="Times New Roman" panose="02020603050405020304" pitchFamily="18" charset="0"/>
-                <a:cs typeface="Times New Roman" panose="02020603050405020304" pitchFamily="18" charset="0"/>
-              </a:rPr>
-              <a:t> </a:t>
-            </a:r>
-            <a:r>
-              <a:rPr lang="en-US" sz="5400" b="1" dirty="0" err="1">
-                <a:latin typeface="Times New Roman" panose="02020603050405020304" pitchFamily="18" charset="0"/>
-                <a:cs typeface="Times New Roman" panose="02020603050405020304" pitchFamily="18" charset="0"/>
-              </a:rPr>
-              <a:t>thân</a:t>
-            </a:r>
-            <a:r>
-              <a:rPr lang="en-US" sz="5400" b="1" dirty="0">
-                <a:latin typeface="Times New Roman" panose="02020603050405020304" pitchFamily="18" charset="0"/>
-                <a:cs typeface="Times New Roman" panose="02020603050405020304" pitchFamily="18" charset="0"/>
-              </a:rPr>
-              <a:t> </a:t>
-            </a:r>
-            <a:r>
-              <a:rPr lang="en-US" sz="5400" b="1" dirty="0" err="1">
-                <a:latin typeface="Times New Roman" panose="02020603050405020304" pitchFamily="18" charset="0"/>
-                <a:cs typeface="Times New Roman" panose="02020603050405020304" pitchFamily="18" charset="0"/>
-              </a:rPr>
-              <a:t>vì</a:t>
-            </a:r>
-            <a:r>
-              <a:rPr lang="en-US" sz="5400" b="1" dirty="0">
-                <a:latin typeface="Times New Roman" panose="02020603050405020304" pitchFamily="18" charset="0"/>
-                <a:cs typeface="Times New Roman" panose="02020603050405020304" pitchFamily="18" charset="0"/>
-              </a:rPr>
-              <a:t> </a:t>
-            </a:r>
-            <a:r>
-              <a:rPr lang="en-US" sz="5400" b="1" dirty="0" err="1">
-                <a:latin typeface="Times New Roman" panose="02020603050405020304" pitchFamily="18" charset="0"/>
-                <a:cs typeface="Times New Roman" panose="02020603050405020304" pitchFamily="18" charset="0"/>
-              </a:rPr>
               <a:t>nhân</a:t>
             </a:r>
             <a:r>
@@ -14573,56 +13585,210 @@
                 <a:latin typeface="Times New Roman" panose="02020603050405020304" pitchFamily="18" charset="0"/>
                 <a:cs typeface="Times New Roman" panose="02020603050405020304" pitchFamily="18" charset="0"/>
               </a:rPr>
-              <a:t>tội</a:t>
-            </a:r>
-            <a:r>
-              <a:rPr lang="en-US" sz="5400" b="1" dirty="0">
-                <a:latin typeface="Times New Roman" panose="02020603050405020304" pitchFamily="18" charset="0"/>
-                <a:cs typeface="Times New Roman" panose="02020603050405020304" pitchFamily="18" charset="0"/>
-              </a:rPr>
-              <a:t> </a:t>
-            </a:r>
-            <a:r>
-              <a:rPr lang="en-US" sz="5400" b="1" dirty="0" err="1">
-                <a:latin typeface="Times New Roman" panose="02020603050405020304" pitchFamily="18" charset="0"/>
-                <a:cs typeface="Times New Roman" panose="02020603050405020304" pitchFamily="18" charset="0"/>
-              </a:rPr>
-              <a:t>tình</a:t>
-            </a:r>
-            <a:r>
-              <a:rPr lang="en-US" sz="5400" b="1" dirty="0">
-                <a:latin typeface="Times New Roman" panose="02020603050405020304" pitchFamily="18" charset="0"/>
-                <a:cs typeface="Times New Roman" panose="02020603050405020304" pitchFamily="18" charset="0"/>
-              </a:rPr>
-              <a:t> (</a:t>
-            </a:r>
-            <a:r>
-              <a:rPr lang="en-US" sz="5400" b="1" dirty="0" err="1">
-                <a:latin typeface="Times New Roman" panose="02020603050405020304" pitchFamily="18" charset="0"/>
-                <a:cs typeface="Times New Roman" panose="02020603050405020304" pitchFamily="18" charset="0"/>
-              </a:rPr>
-              <a:t>tội</a:t>
-            </a:r>
-            <a:r>
-              <a:rPr lang="en-US" sz="5400" b="1" dirty="0">
-                <a:latin typeface="Times New Roman" panose="02020603050405020304" pitchFamily="18" charset="0"/>
-                <a:cs typeface="Times New Roman" panose="02020603050405020304" pitchFamily="18" charset="0"/>
-              </a:rPr>
-              <a:t> </a:t>
-            </a:r>
-            <a:r>
-              <a:rPr lang="en-US" sz="5400" b="1" dirty="0" err="1">
-                <a:latin typeface="Times New Roman" panose="02020603050405020304" pitchFamily="18" charset="0"/>
-                <a:cs typeface="Times New Roman" panose="02020603050405020304" pitchFamily="18" charset="0"/>
-              </a:rPr>
-              <a:t>tình</a:t>
-            </a:r>
-            <a:r>
-              <a:rPr lang="en-US" sz="5400" b="1" dirty="0">
-                <a:latin typeface="Times New Roman" panose="02020603050405020304" pitchFamily="18" charset="0"/>
-                <a:cs typeface="Times New Roman" panose="02020603050405020304" pitchFamily="18" charset="0"/>
-              </a:rPr>
-              <a:t>).</a:t>
+              <a:t>bao</a:t>
+            </a:r>
+            <a:r>
+              <a:rPr lang="en-US" sz="5400" b="1" dirty="0">
+                <a:latin typeface="Times New Roman" panose="02020603050405020304" pitchFamily="18" charset="0"/>
+                <a:cs typeface="Times New Roman" panose="02020603050405020304" pitchFamily="18" charset="0"/>
+              </a:rPr>
+              <a:t> </a:t>
+            </a:r>
+            <a:r>
+              <a:rPr lang="en-US" sz="5400" b="1" dirty="0" err="1">
+                <a:latin typeface="Times New Roman" panose="02020603050405020304" pitchFamily="18" charset="0"/>
+                <a:cs typeface="Times New Roman" panose="02020603050405020304" pitchFamily="18" charset="0"/>
+              </a:rPr>
+              <a:t>khốn</a:t>
+            </a:r>
+            <a:r>
+              <a:rPr lang="en-US" sz="5400" b="1" dirty="0">
+                <a:latin typeface="Times New Roman" panose="02020603050405020304" pitchFamily="18" charset="0"/>
+                <a:cs typeface="Times New Roman" panose="02020603050405020304" pitchFamily="18" charset="0"/>
+              </a:rPr>
+              <a:t> </a:t>
+            </a:r>
+            <a:r>
+              <a:rPr lang="en-US" sz="5400" b="1" dirty="0" err="1">
+                <a:latin typeface="Times New Roman" panose="02020603050405020304" pitchFamily="18" charset="0"/>
+                <a:cs typeface="Times New Roman" panose="02020603050405020304" pitchFamily="18" charset="0"/>
+              </a:rPr>
+              <a:t>cùng</a:t>
+            </a:r>
+            <a:r>
+              <a:rPr lang="en-US" sz="5400" b="1" dirty="0">
+                <a:latin typeface="Times New Roman" panose="02020603050405020304" pitchFamily="18" charset="0"/>
+                <a:cs typeface="Times New Roman" panose="02020603050405020304" pitchFamily="18" charset="0"/>
+              </a:rPr>
+              <a:t>. Xin </a:t>
+            </a:r>
+            <a:r>
+              <a:rPr lang="en-US" sz="5400" b="1" dirty="0" err="1">
+                <a:latin typeface="Times New Roman" panose="02020603050405020304" pitchFamily="18" charset="0"/>
+                <a:cs typeface="Times New Roman" panose="02020603050405020304" pitchFamily="18" charset="0"/>
+              </a:rPr>
+              <a:t>dẫn</a:t>
+            </a:r>
+            <a:r>
+              <a:rPr lang="en-US" sz="5400" b="1" dirty="0">
+                <a:latin typeface="Times New Roman" panose="02020603050405020304" pitchFamily="18" charset="0"/>
+                <a:cs typeface="Times New Roman" panose="02020603050405020304" pitchFamily="18" charset="0"/>
+              </a:rPr>
+              <a:t> </a:t>
+            </a:r>
+            <a:r>
+              <a:rPr lang="en-US" sz="5400" b="1" dirty="0" err="1">
+                <a:latin typeface="Times New Roman" panose="02020603050405020304" pitchFamily="18" charset="0"/>
+                <a:cs typeface="Times New Roman" panose="02020603050405020304" pitchFamily="18" charset="0"/>
+              </a:rPr>
+              <a:t>đưa</a:t>
+            </a:r>
+            <a:r>
+              <a:rPr lang="en-US" sz="5400" b="1" dirty="0">
+                <a:latin typeface="Times New Roman" panose="02020603050405020304" pitchFamily="18" charset="0"/>
+                <a:cs typeface="Times New Roman" panose="02020603050405020304" pitchFamily="18" charset="0"/>
+              </a:rPr>
+              <a:t> </a:t>
+            </a:r>
+            <a:r>
+              <a:rPr lang="en-US" sz="5400" b="1" dirty="0" err="1">
+                <a:latin typeface="Times New Roman" panose="02020603050405020304" pitchFamily="18" charset="0"/>
+                <a:cs typeface="Times New Roman" panose="02020603050405020304" pitchFamily="18" charset="0"/>
+              </a:rPr>
+              <a:t>bao</a:t>
+            </a:r>
+            <a:r>
+              <a:rPr lang="en-US" sz="5400" b="1" dirty="0">
+                <a:latin typeface="Times New Roman" panose="02020603050405020304" pitchFamily="18" charset="0"/>
+                <a:cs typeface="Times New Roman" panose="02020603050405020304" pitchFamily="18" charset="0"/>
+              </a:rPr>
+              <a:t> </a:t>
+            </a:r>
+            <a:r>
+              <a:rPr lang="en-US" sz="5400" b="1" dirty="0" err="1">
+                <a:latin typeface="Times New Roman" panose="02020603050405020304" pitchFamily="18" charset="0"/>
+                <a:cs typeface="Times New Roman" panose="02020603050405020304" pitchFamily="18" charset="0"/>
+              </a:rPr>
+              <a:t>tâm</a:t>
+            </a:r>
+            <a:r>
+              <a:rPr lang="en-US" sz="5400" b="1" dirty="0">
+                <a:latin typeface="Times New Roman" panose="02020603050405020304" pitchFamily="18" charset="0"/>
+                <a:cs typeface="Times New Roman" panose="02020603050405020304" pitchFamily="18" charset="0"/>
+              </a:rPr>
+              <a:t> </a:t>
+            </a:r>
+            <a:r>
+              <a:rPr lang="en-US" sz="5400" b="1" dirty="0" err="1">
+                <a:latin typeface="Times New Roman" panose="02020603050405020304" pitchFamily="18" charset="0"/>
+                <a:cs typeface="Times New Roman" panose="02020603050405020304" pitchFamily="18" charset="0"/>
+              </a:rPr>
+              <a:t>hồn</a:t>
+            </a:r>
+            <a:r>
+              <a:rPr lang="en-US" sz="5400" b="1" dirty="0">
+                <a:latin typeface="Times New Roman" panose="02020603050405020304" pitchFamily="18" charset="0"/>
+                <a:cs typeface="Times New Roman" panose="02020603050405020304" pitchFamily="18" charset="0"/>
+              </a:rPr>
+              <a:t> </a:t>
+            </a:r>
+            <a:r>
+              <a:rPr lang="en-US" sz="5400" b="1" dirty="0" err="1">
+                <a:latin typeface="Times New Roman" panose="02020603050405020304" pitchFamily="18" charset="0"/>
+                <a:cs typeface="Times New Roman" panose="02020603050405020304" pitchFamily="18" charset="0"/>
+              </a:rPr>
+              <a:t>lạc</a:t>
+            </a:r>
+            <a:r>
+              <a:rPr lang="en-US" sz="5400" b="1" dirty="0">
+                <a:latin typeface="Times New Roman" panose="02020603050405020304" pitchFamily="18" charset="0"/>
+                <a:cs typeface="Times New Roman" panose="02020603050405020304" pitchFamily="18" charset="0"/>
+              </a:rPr>
+              <a:t> </a:t>
+            </a:r>
+            <a:r>
+              <a:rPr lang="en-US" sz="5400" b="1" dirty="0" err="1">
+                <a:latin typeface="Times New Roman" panose="02020603050405020304" pitchFamily="18" charset="0"/>
+                <a:cs typeface="Times New Roman" panose="02020603050405020304" pitchFamily="18" charset="0"/>
+              </a:rPr>
+              <a:t>hướng</a:t>
+            </a:r>
+            <a:r>
+              <a:rPr lang="en-US" sz="5400" b="1" dirty="0">
+                <a:latin typeface="Times New Roman" panose="02020603050405020304" pitchFamily="18" charset="0"/>
+                <a:cs typeface="Times New Roman" panose="02020603050405020304" pitchFamily="18" charset="0"/>
+              </a:rPr>
+              <a:t> </a:t>
+            </a:r>
+            <a:r>
+              <a:rPr lang="en-US" sz="5400" b="1" dirty="0" err="1">
+                <a:latin typeface="Times New Roman" panose="02020603050405020304" pitchFamily="18" charset="0"/>
+                <a:cs typeface="Times New Roman" panose="02020603050405020304" pitchFamily="18" charset="0"/>
+              </a:rPr>
+              <a:t>về</a:t>
+            </a:r>
+            <a:r>
+              <a:rPr lang="en-US" sz="5400" b="1" dirty="0">
+                <a:latin typeface="Times New Roman" panose="02020603050405020304" pitchFamily="18" charset="0"/>
+                <a:cs typeface="Times New Roman" panose="02020603050405020304" pitchFamily="18" charset="0"/>
+              </a:rPr>
+              <a:t> </a:t>
+            </a:r>
+            <a:r>
+              <a:rPr lang="en-US" sz="5400" b="1" dirty="0" err="1">
+                <a:latin typeface="Times New Roman" panose="02020603050405020304" pitchFamily="18" charset="0"/>
+                <a:cs typeface="Times New Roman" panose="02020603050405020304" pitchFamily="18" charset="0"/>
+              </a:rPr>
+              <a:t>bên</a:t>
+            </a:r>
+            <a:r>
+              <a:rPr lang="en-US" sz="5400" b="1" dirty="0">
+                <a:latin typeface="Times New Roman" panose="02020603050405020304" pitchFamily="18" charset="0"/>
+                <a:cs typeface="Times New Roman" panose="02020603050405020304" pitchFamily="18" charset="0"/>
+              </a:rPr>
+              <a:t> </a:t>
+            </a:r>
+            <a:r>
+              <a:rPr lang="en-US" sz="5400" b="1" dirty="0" err="1">
+                <a:latin typeface="Times New Roman" panose="02020603050405020304" pitchFamily="18" charset="0"/>
+                <a:cs typeface="Times New Roman" panose="02020603050405020304" pitchFamily="18" charset="0"/>
+              </a:rPr>
+              <a:t>Mẹ</a:t>
+            </a:r>
+            <a:r>
+              <a:rPr lang="en-US" sz="5400" b="1" dirty="0">
+                <a:latin typeface="Times New Roman" panose="02020603050405020304" pitchFamily="18" charset="0"/>
+                <a:cs typeface="Times New Roman" panose="02020603050405020304" pitchFamily="18" charset="0"/>
+              </a:rPr>
+              <a:t>, </a:t>
+            </a:r>
+            <a:r>
+              <a:rPr lang="en-US" sz="5400" b="1" dirty="0" err="1">
+                <a:latin typeface="Times New Roman" panose="02020603050405020304" pitchFamily="18" charset="0"/>
+                <a:cs typeface="Times New Roman" panose="02020603050405020304" pitchFamily="18" charset="0"/>
+              </a:rPr>
+              <a:t>Mẹ</a:t>
+            </a:r>
+            <a:r>
+              <a:rPr lang="en-US" sz="5400" b="1" dirty="0">
+                <a:latin typeface="Times New Roman" panose="02020603050405020304" pitchFamily="18" charset="0"/>
+                <a:cs typeface="Times New Roman" panose="02020603050405020304" pitchFamily="18" charset="0"/>
+              </a:rPr>
+              <a:t> </a:t>
+            </a:r>
+            <a:r>
+              <a:rPr lang="en-US" sz="5400" b="1" dirty="0" err="1">
+                <a:latin typeface="Times New Roman" panose="02020603050405020304" pitchFamily="18" charset="0"/>
+                <a:cs typeface="Times New Roman" panose="02020603050405020304" pitchFamily="18" charset="0"/>
+              </a:rPr>
+              <a:t>ơi</a:t>
+            </a:r>
+            <a:r>
+              <a:rPr lang="en-US" sz="5400" b="1" dirty="0">
+                <a:latin typeface="Times New Roman" panose="02020603050405020304" pitchFamily="18" charset="0"/>
+                <a:cs typeface="Times New Roman" panose="02020603050405020304" pitchFamily="18" charset="0"/>
+              </a:rPr>
+              <a:t>.</a:t>
             </a:r>
             <a:endParaRPr lang="vi-VN" sz="5400" b="1" dirty="0">
               <a:latin typeface="Times New Roman" panose="02020603050405020304" pitchFamily="18" charset="0"/>
@@ -14634,7 +13800,7 @@
     </p:spTree>
     <p:extLst>
       <p:ext uri="{BB962C8B-B14F-4D97-AF65-F5344CB8AC3E}">
-        <p14:creationId xmlns:p14="http://schemas.microsoft.com/office/powerpoint/2010/main" val="1218998703"/>
+        <p14:creationId xmlns:p14="http://schemas.microsoft.com/office/powerpoint/2010/main" val="3946111244"/>
       </p:ext>
     </p:extLst>
   </p:cSld>
@@ -14686,16 +13852,6 @@
           <a:p>
             <a:pPr algn="l"/>
             <a:r>
-              <a:rPr lang="en-US" sz="1800" dirty="0" err="1">
-                <a:solidFill>
-                  <a:srgbClr val="FF0000"/>
-                </a:solidFill>
-                <a:latin typeface="Times New Roman" panose="02020603050405020304" pitchFamily="18" charset="0"/>
-                <a:cs typeface="Times New Roman" panose="02020603050405020304" pitchFamily="18" charset="0"/>
-              </a:rPr>
-              <a:t>Kết</a:t>
-            </a:r>
-            <a:r>
               <a:rPr lang="en-US" sz="1800" dirty="0">
                 <a:solidFill>
                   <a:srgbClr val="FF0000"/>
@@ -14703,27 +13859,7 @@
                 <a:latin typeface="Times New Roman" panose="02020603050405020304" pitchFamily="18" charset="0"/>
                 <a:cs typeface="Times New Roman" panose="02020603050405020304" pitchFamily="18" charset="0"/>
               </a:rPr>
-              <a:t> </a:t>
-            </a:r>
-            <a:r>
-              <a:rPr lang="en-US" sz="1800" dirty="0" err="1">
-                <a:solidFill>
-                  <a:srgbClr val="FF0000"/>
-                </a:solidFill>
-                <a:latin typeface="Times New Roman" panose="02020603050405020304" pitchFamily="18" charset="0"/>
-                <a:cs typeface="Times New Roman" panose="02020603050405020304" pitchFamily="18" charset="0"/>
-              </a:rPr>
-              <a:t>lễ</a:t>
-            </a:r>
-            <a:r>
-              <a:rPr lang="en-US" sz="1800" dirty="0">
-                <a:solidFill>
-                  <a:srgbClr val="FF0000"/>
-                </a:solidFill>
-                <a:latin typeface="Times New Roman" panose="02020603050405020304" pitchFamily="18" charset="0"/>
-                <a:cs typeface="Times New Roman" panose="02020603050405020304" pitchFamily="18" charset="0"/>
-              </a:rPr>
-              <a:t>                                   	         </a:t>
+              <a:t>                                    	         </a:t>
             </a:r>
             <a:r>
               <a:rPr lang="en-US" sz="2400" b="1" dirty="0">
@@ -14781,6 +13917,1266 @@
           <a:p>
             <a:pPr algn="just"/>
             <a:r>
+              <a:rPr lang="en-US" sz="5400" b="1" dirty="0">
+                <a:latin typeface="Times New Roman" panose="02020603050405020304" pitchFamily="18" charset="0"/>
+                <a:cs typeface="Times New Roman" panose="02020603050405020304" pitchFamily="18" charset="0"/>
+              </a:rPr>
+              <a:t>2. </a:t>
+            </a:r>
+            <a:r>
+              <a:rPr lang="en-US" sz="5400" b="1" dirty="0" err="1">
+                <a:latin typeface="Times New Roman" panose="02020603050405020304" pitchFamily="18" charset="0"/>
+                <a:cs typeface="Times New Roman" panose="02020603050405020304" pitchFamily="18" charset="0"/>
+              </a:rPr>
+              <a:t>Ngước</a:t>
+            </a:r>
+            <a:r>
+              <a:rPr lang="en-US" sz="5400" b="1" dirty="0">
+                <a:latin typeface="Times New Roman" panose="02020603050405020304" pitchFamily="18" charset="0"/>
+                <a:cs typeface="Times New Roman" panose="02020603050405020304" pitchFamily="18" charset="0"/>
+              </a:rPr>
+              <a:t> </a:t>
+            </a:r>
+            <a:r>
+              <a:rPr lang="en-US" sz="5400" b="1" dirty="0" err="1">
+                <a:latin typeface="Times New Roman" panose="02020603050405020304" pitchFamily="18" charset="0"/>
+                <a:cs typeface="Times New Roman" panose="02020603050405020304" pitchFamily="18" charset="0"/>
+              </a:rPr>
+              <a:t>trông</a:t>
+            </a:r>
+            <a:r>
+              <a:rPr lang="en-US" sz="5400" b="1" dirty="0">
+                <a:latin typeface="Times New Roman" panose="02020603050405020304" pitchFamily="18" charset="0"/>
+                <a:cs typeface="Times New Roman" panose="02020603050405020304" pitchFamily="18" charset="0"/>
+              </a:rPr>
+              <a:t> </a:t>
+            </a:r>
+            <a:r>
+              <a:rPr lang="en-US" sz="5400" b="1" dirty="0" err="1">
+                <a:latin typeface="Times New Roman" panose="02020603050405020304" pitchFamily="18" charset="0"/>
+                <a:cs typeface="Times New Roman" panose="02020603050405020304" pitchFamily="18" charset="0"/>
+              </a:rPr>
+              <a:t>Mẹ</a:t>
+            </a:r>
+            <a:r>
+              <a:rPr lang="en-US" sz="5400" b="1" dirty="0">
+                <a:latin typeface="Times New Roman" panose="02020603050405020304" pitchFamily="18" charset="0"/>
+                <a:cs typeface="Times New Roman" panose="02020603050405020304" pitchFamily="18" charset="0"/>
+              </a:rPr>
+              <a:t> </a:t>
+            </a:r>
+            <a:r>
+              <a:rPr lang="en-US" sz="5400" b="1" dirty="0" err="1">
+                <a:latin typeface="Times New Roman" panose="02020603050405020304" pitchFamily="18" charset="0"/>
+                <a:cs typeface="Times New Roman" panose="02020603050405020304" pitchFamily="18" charset="0"/>
+              </a:rPr>
+              <a:t>lành</a:t>
+            </a:r>
+            <a:r>
+              <a:rPr lang="en-US" sz="5400" b="1" dirty="0">
+                <a:latin typeface="Times New Roman" panose="02020603050405020304" pitchFamily="18" charset="0"/>
+                <a:cs typeface="Times New Roman" panose="02020603050405020304" pitchFamily="18" charset="0"/>
+              </a:rPr>
+              <a:t> </a:t>
+            </a:r>
+            <a:r>
+              <a:rPr lang="en-US" sz="5400" b="1" dirty="0" err="1">
+                <a:latin typeface="Times New Roman" panose="02020603050405020304" pitchFamily="18" charset="0"/>
+                <a:cs typeface="Times New Roman" panose="02020603050405020304" pitchFamily="18" charset="0"/>
+              </a:rPr>
+              <a:t>thành</a:t>
+            </a:r>
+            <a:r>
+              <a:rPr lang="en-US" sz="5400" b="1" dirty="0">
+                <a:latin typeface="Times New Roman" panose="02020603050405020304" pitchFamily="18" charset="0"/>
+                <a:cs typeface="Times New Roman" panose="02020603050405020304" pitchFamily="18" charset="0"/>
+              </a:rPr>
+              <a:t> </a:t>
+            </a:r>
+            <a:r>
+              <a:rPr lang="en-US" sz="5400" b="1" dirty="0" err="1">
+                <a:latin typeface="Times New Roman" panose="02020603050405020304" pitchFamily="18" charset="0"/>
+                <a:cs typeface="Times New Roman" panose="02020603050405020304" pitchFamily="18" charset="0"/>
+              </a:rPr>
+              <a:t>kính</a:t>
+            </a:r>
+            <a:r>
+              <a:rPr lang="en-US" sz="5400" b="1" dirty="0">
+                <a:latin typeface="Times New Roman" panose="02020603050405020304" pitchFamily="18" charset="0"/>
+                <a:cs typeface="Times New Roman" panose="02020603050405020304" pitchFamily="18" charset="0"/>
+              </a:rPr>
+              <a:t> </a:t>
+            </a:r>
+            <a:r>
+              <a:rPr lang="en-US" sz="5400" b="1" dirty="0" err="1">
+                <a:latin typeface="Times New Roman" panose="02020603050405020304" pitchFamily="18" charset="0"/>
+                <a:cs typeface="Times New Roman" panose="02020603050405020304" pitchFamily="18" charset="0"/>
+              </a:rPr>
+              <a:t>dâng</a:t>
+            </a:r>
+            <a:r>
+              <a:rPr lang="en-US" sz="5400" b="1" dirty="0">
+                <a:latin typeface="Times New Roman" panose="02020603050405020304" pitchFamily="18" charset="0"/>
+                <a:cs typeface="Times New Roman" panose="02020603050405020304" pitchFamily="18" charset="0"/>
+              </a:rPr>
+              <a:t> </a:t>
+            </a:r>
+            <a:r>
+              <a:rPr lang="en-US" sz="5400" b="1" dirty="0" err="1">
+                <a:latin typeface="Times New Roman" panose="02020603050405020304" pitchFamily="18" charset="0"/>
+                <a:cs typeface="Times New Roman" panose="02020603050405020304" pitchFamily="18" charset="0"/>
+              </a:rPr>
+              <a:t>lời</a:t>
+            </a:r>
+            <a:r>
+              <a:rPr lang="en-US" sz="5400" b="1" dirty="0">
+                <a:latin typeface="Times New Roman" panose="02020603050405020304" pitchFamily="18" charset="0"/>
+                <a:cs typeface="Times New Roman" panose="02020603050405020304" pitchFamily="18" charset="0"/>
+              </a:rPr>
+              <a:t> </a:t>
+            </a:r>
+            <a:r>
+              <a:rPr lang="en-US" sz="5400" b="1" dirty="0" err="1">
+                <a:latin typeface="Times New Roman" panose="02020603050405020304" pitchFamily="18" charset="0"/>
+                <a:cs typeface="Times New Roman" panose="02020603050405020304" pitchFamily="18" charset="0"/>
+              </a:rPr>
+              <a:t>kêu</a:t>
+            </a:r>
+            <a:r>
+              <a:rPr lang="en-US" sz="5400" b="1" dirty="0">
+                <a:latin typeface="Times New Roman" panose="02020603050405020304" pitchFamily="18" charset="0"/>
+                <a:cs typeface="Times New Roman" panose="02020603050405020304" pitchFamily="18" charset="0"/>
+              </a:rPr>
+              <a:t> </a:t>
+            </a:r>
+            <a:r>
+              <a:rPr lang="en-US" sz="5400" b="1" dirty="0" err="1">
+                <a:latin typeface="Times New Roman" panose="02020603050405020304" pitchFamily="18" charset="0"/>
+                <a:cs typeface="Times New Roman" panose="02020603050405020304" pitchFamily="18" charset="0"/>
+              </a:rPr>
+              <a:t>khấn</a:t>
+            </a:r>
+            <a:r>
+              <a:rPr lang="en-US" sz="5400" b="1" dirty="0">
+                <a:latin typeface="Times New Roman" panose="02020603050405020304" pitchFamily="18" charset="0"/>
+                <a:cs typeface="Times New Roman" panose="02020603050405020304" pitchFamily="18" charset="0"/>
+              </a:rPr>
+              <a:t> </a:t>
+            </a:r>
+            <a:r>
+              <a:rPr lang="en-US" sz="5400" b="1" dirty="0" err="1">
+                <a:latin typeface="Times New Roman" panose="02020603050405020304" pitchFamily="18" charset="0"/>
+                <a:cs typeface="Times New Roman" panose="02020603050405020304" pitchFamily="18" charset="0"/>
+              </a:rPr>
+              <a:t>giữa</a:t>
+            </a:r>
+            <a:r>
+              <a:rPr lang="en-US" sz="5400" b="1" dirty="0">
+                <a:latin typeface="Times New Roman" panose="02020603050405020304" pitchFamily="18" charset="0"/>
+                <a:cs typeface="Times New Roman" panose="02020603050405020304" pitchFamily="18" charset="0"/>
+              </a:rPr>
+              <a:t> </a:t>
+            </a:r>
+            <a:r>
+              <a:rPr lang="en-US" sz="5400" b="1" dirty="0" err="1">
+                <a:latin typeface="Times New Roman" panose="02020603050405020304" pitchFamily="18" charset="0"/>
+                <a:cs typeface="Times New Roman" panose="02020603050405020304" pitchFamily="18" charset="0"/>
+              </a:rPr>
+              <a:t>thế</a:t>
+            </a:r>
+            <a:r>
+              <a:rPr lang="en-US" sz="5400" b="1" dirty="0">
+                <a:latin typeface="Times New Roman" panose="02020603050405020304" pitchFamily="18" charset="0"/>
+                <a:cs typeface="Times New Roman" panose="02020603050405020304" pitchFamily="18" charset="0"/>
+              </a:rPr>
+              <a:t> </a:t>
+            </a:r>
+            <a:r>
+              <a:rPr lang="en-US" sz="5400" b="1" dirty="0" err="1">
+                <a:latin typeface="Times New Roman" panose="02020603050405020304" pitchFamily="18" charset="0"/>
+                <a:cs typeface="Times New Roman" panose="02020603050405020304" pitchFamily="18" charset="0"/>
+              </a:rPr>
+              <a:t>gian</a:t>
+            </a:r>
+            <a:r>
+              <a:rPr lang="en-US" sz="5400" b="1" dirty="0">
+                <a:latin typeface="Times New Roman" panose="02020603050405020304" pitchFamily="18" charset="0"/>
+                <a:cs typeface="Times New Roman" panose="02020603050405020304" pitchFamily="18" charset="0"/>
+              </a:rPr>
+              <a:t> </a:t>
+            </a:r>
+            <a:r>
+              <a:rPr lang="en-US" sz="5400" b="1" dirty="0" err="1">
+                <a:latin typeface="Times New Roman" panose="02020603050405020304" pitchFamily="18" charset="0"/>
+                <a:cs typeface="Times New Roman" panose="02020603050405020304" pitchFamily="18" charset="0"/>
+              </a:rPr>
+              <a:t>khổ</a:t>
+            </a:r>
+            <a:r>
+              <a:rPr lang="en-US" sz="5400" b="1" dirty="0">
+                <a:latin typeface="Times New Roman" panose="02020603050405020304" pitchFamily="18" charset="0"/>
+                <a:cs typeface="Times New Roman" panose="02020603050405020304" pitchFamily="18" charset="0"/>
+              </a:rPr>
+              <a:t> </a:t>
+            </a:r>
+            <a:r>
+              <a:rPr lang="en-US" sz="5400" b="1" dirty="0" err="1">
+                <a:latin typeface="Times New Roman" panose="02020603050405020304" pitchFamily="18" charset="0"/>
+                <a:cs typeface="Times New Roman" panose="02020603050405020304" pitchFamily="18" charset="0"/>
+              </a:rPr>
+              <a:t>sầu</a:t>
+            </a:r>
+            <a:r>
+              <a:rPr lang="en-US" sz="5400" b="1" dirty="0">
+                <a:latin typeface="Times New Roman" panose="02020603050405020304" pitchFamily="18" charset="0"/>
+                <a:cs typeface="Times New Roman" panose="02020603050405020304" pitchFamily="18" charset="0"/>
+              </a:rPr>
+              <a:t> </a:t>
+            </a:r>
+            <a:r>
+              <a:rPr lang="en-US" sz="5400" b="1" dirty="0" err="1">
+                <a:latin typeface="Times New Roman" panose="02020603050405020304" pitchFamily="18" charset="0"/>
+                <a:cs typeface="Times New Roman" panose="02020603050405020304" pitchFamily="18" charset="0"/>
+              </a:rPr>
+              <a:t>xin</a:t>
+            </a:r>
+            <a:r>
+              <a:rPr lang="en-US" sz="5400" b="1" dirty="0">
+                <a:latin typeface="Times New Roman" panose="02020603050405020304" pitchFamily="18" charset="0"/>
+                <a:cs typeface="Times New Roman" panose="02020603050405020304" pitchFamily="18" charset="0"/>
+              </a:rPr>
+              <a:t> </a:t>
+            </a:r>
+            <a:r>
+              <a:rPr lang="en-US" sz="5400" b="1" dirty="0" err="1">
+                <a:latin typeface="Times New Roman" panose="02020603050405020304" pitchFamily="18" charset="0"/>
+                <a:cs typeface="Times New Roman" panose="02020603050405020304" pitchFamily="18" charset="0"/>
+              </a:rPr>
+              <a:t>hãy</a:t>
+            </a:r>
+            <a:r>
+              <a:rPr lang="en-US" sz="5400" b="1" dirty="0">
+                <a:latin typeface="Times New Roman" panose="02020603050405020304" pitchFamily="18" charset="0"/>
+                <a:cs typeface="Times New Roman" panose="02020603050405020304" pitchFamily="18" charset="0"/>
+              </a:rPr>
+              <a:t> </a:t>
+            </a:r>
+            <a:r>
+              <a:rPr lang="en-US" sz="5400" b="1" dirty="0" err="1">
+                <a:latin typeface="Times New Roman" panose="02020603050405020304" pitchFamily="18" charset="0"/>
+                <a:cs typeface="Times New Roman" panose="02020603050405020304" pitchFamily="18" charset="0"/>
+              </a:rPr>
+              <a:t>ủi</a:t>
+            </a:r>
+            <a:r>
+              <a:rPr lang="en-US" sz="5400" b="1" dirty="0">
+                <a:latin typeface="Times New Roman" panose="02020603050405020304" pitchFamily="18" charset="0"/>
+                <a:cs typeface="Times New Roman" panose="02020603050405020304" pitchFamily="18" charset="0"/>
+              </a:rPr>
+              <a:t> an. </a:t>
+            </a:r>
+            <a:r>
+              <a:rPr lang="en-US" sz="5400" b="1" dirty="0" err="1">
+                <a:latin typeface="Times New Roman" panose="02020603050405020304" pitchFamily="18" charset="0"/>
+                <a:cs typeface="Times New Roman" panose="02020603050405020304" pitchFamily="18" charset="0"/>
+              </a:rPr>
+              <a:t>Để</a:t>
+            </a:r>
+            <a:r>
+              <a:rPr lang="en-US" sz="5400" b="1" dirty="0">
+                <a:latin typeface="Times New Roman" panose="02020603050405020304" pitchFamily="18" charset="0"/>
+                <a:cs typeface="Times New Roman" panose="02020603050405020304" pitchFamily="18" charset="0"/>
+              </a:rPr>
+              <a:t> con </a:t>
+            </a:r>
+            <a:r>
+              <a:rPr lang="en-US" sz="5400" b="1" dirty="0" err="1">
+                <a:latin typeface="Times New Roman" panose="02020603050405020304" pitchFamily="18" charset="0"/>
+                <a:cs typeface="Times New Roman" panose="02020603050405020304" pitchFamily="18" charset="0"/>
+              </a:rPr>
+              <a:t>hằng</a:t>
+            </a:r>
+            <a:r>
+              <a:rPr lang="en-US" sz="5400" b="1" dirty="0">
+                <a:latin typeface="Times New Roman" panose="02020603050405020304" pitchFamily="18" charset="0"/>
+                <a:cs typeface="Times New Roman" panose="02020603050405020304" pitchFamily="18" charset="0"/>
+              </a:rPr>
+              <a:t> </a:t>
+            </a:r>
+            <a:r>
+              <a:rPr lang="en-US" sz="5400" b="1" dirty="0" err="1">
+                <a:latin typeface="Times New Roman" panose="02020603050405020304" pitchFamily="18" charset="0"/>
+                <a:cs typeface="Times New Roman" panose="02020603050405020304" pitchFamily="18" charset="0"/>
+              </a:rPr>
+              <a:t>trung</a:t>
+            </a:r>
+            <a:r>
+              <a:rPr lang="en-US" sz="5400" b="1" dirty="0">
+                <a:latin typeface="Times New Roman" panose="02020603050405020304" pitchFamily="18" charset="0"/>
+                <a:cs typeface="Times New Roman" panose="02020603050405020304" pitchFamily="18" charset="0"/>
+              </a:rPr>
+              <a:t> </a:t>
+            </a:r>
+            <a:r>
+              <a:rPr lang="en-US" sz="5400" b="1" dirty="0" err="1">
+                <a:latin typeface="Times New Roman" panose="02020603050405020304" pitchFamily="18" charset="0"/>
+                <a:cs typeface="Times New Roman" panose="02020603050405020304" pitchFamily="18" charset="0"/>
+              </a:rPr>
+              <a:t>thành</a:t>
+            </a:r>
+            <a:r>
+              <a:rPr lang="en-US" sz="5400" b="1" dirty="0">
+                <a:latin typeface="Times New Roman" panose="02020603050405020304" pitchFamily="18" charset="0"/>
+                <a:cs typeface="Times New Roman" panose="02020603050405020304" pitchFamily="18" charset="0"/>
+              </a:rPr>
+              <a:t> </a:t>
+            </a:r>
+            <a:r>
+              <a:rPr lang="en-US" sz="5400" b="1" dirty="0" err="1">
+                <a:latin typeface="Times New Roman" panose="02020603050405020304" pitchFamily="18" charset="0"/>
+                <a:cs typeface="Times New Roman" panose="02020603050405020304" pitchFamily="18" charset="0"/>
+              </a:rPr>
+              <a:t>theo</a:t>
+            </a:r>
+            <a:r>
+              <a:rPr lang="en-US" sz="5400" b="1" dirty="0">
+                <a:latin typeface="Times New Roman" panose="02020603050405020304" pitchFamily="18" charset="0"/>
+                <a:cs typeface="Times New Roman" panose="02020603050405020304" pitchFamily="18" charset="0"/>
+              </a:rPr>
+              <a:t> </a:t>
+            </a:r>
+            <a:r>
+              <a:rPr lang="en-US" sz="5400" b="1" dirty="0" err="1">
+                <a:latin typeface="Times New Roman" panose="02020603050405020304" pitchFamily="18" charset="0"/>
+                <a:cs typeface="Times New Roman" panose="02020603050405020304" pitchFamily="18" charset="0"/>
+              </a:rPr>
+              <a:t>Chúa</a:t>
+            </a:r>
+            <a:r>
+              <a:rPr lang="en-US" sz="5400" b="1" dirty="0">
+                <a:latin typeface="Times New Roman" panose="02020603050405020304" pitchFamily="18" charset="0"/>
+                <a:cs typeface="Times New Roman" panose="02020603050405020304" pitchFamily="18" charset="0"/>
+              </a:rPr>
+              <a:t> </a:t>
+            </a:r>
+            <a:r>
+              <a:rPr lang="en-US" sz="5400" b="1" dirty="0" err="1">
+                <a:latin typeface="Times New Roman" panose="02020603050405020304" pitchFamily="18" charset="0"/>
+                <a:cs typeface="Times New Roman" panose="02020603050405020304" pitchFamily="18" charset="0"/>
+              </a:rPr>
+              <a:t>trọn</a:t>
+            </a:r>
+            <a:r>
+              <a:rPr lang="en-US" sz="5400" b="1" dirty="0">
+                <a:latin typeface="Times New Roman" panose="02020603050405020304" pitchFamily="18" charset="0"/>
+                <a:cs typeface="Times New Roman" panose="02020603050405020304" pitchFamily="18" charset="0"/>
+              </a:rPr>
+              <a:t> </a:t>
+            </a:r>
+            <a:r>
+              <a:rPr lang="en-US" sz="5400" b="1" dirty="0" err="1">
+                <a:latin typeface="Times New Roman" panose="02020603050405020304" pitchFamily="18" charset="0"/>
+                <a:cs typeface="Times New Roman" panose="02020603050405020304" pitchFamily="18" charset="0"/>
+              </a:rPr>
+              <a:t>đời</a:t>
+            </a:r>
+            <a:r>
+              <a:rPr lang="en-US" sz="5400" b="1" dirty="0">
+                <a:latin typeface="Times New Roman" panose="02020603050405020304" pitchFamily="18" charset="0"/>
+                <a:cs typeface="Times New Roman" panose="02020603050405020304" pitchFamily="18" charset="0"/>
+              </a:rPr>
+              <a:t>. </a:t>
+            </a:r>
+            <a:r>
+              <a:rPr lang="en-US" sz="5400" b="1" dirty="0" err="1">
+                <a:latin typeface="Times New Roman" panose="02020603050405020304" pitchFamily="18" charset="0"/>
+                <a:cs typeface="Times New Roman" panose="02020603050405020304" pitchFamily="18" charset="0"/>
+              </a:rPr>
+              <a:t>Ngày</a:t>
+            </a:r>
+            <a:r>
+              <a:rPr lang="en-US" sz="5400" b="1" dirty="0">
+                <a:latin typeface="Times New Roman" panose="02020603050405020304" pitchFamily="18" charset="0"/>
+                <a:cs typeface="Times New Roman" panose="02020603050405020304" pitchFamily="18" charset="0"/>
+              </a:rPr>
+              <a:t> </a:t>
+            </a:r>
+            <a:r>
+              <a:rPr lang="en-US" sz="5400" b="1" dirty="0" err="1">
+                <a:latin typeface="Times New Roman" panose="02020603050405020304" pitchFamily="18" charset="0"/>
+                <a:cs typeface="Times New Roman" panose="02020603050405020304" pitchFamily="18" charset="0"/>
+              </a:rPr>
+              <a:t>mai</a:t>
+            </a:r>
+            <a:r>
+              <a:rPr lang="en-US" sz="5400" b="1" dirty="0">
+                <a:latin typeface="Times New Roman" panose="02020603050405020304" pitchFamily="18" charset="0"/>
+                <a:cs typeface="Times New Roman" panose="02020603050405020304" pitchFamily="18" charset="0"/>
+              </a:rPr>
+              <a:t> </a:t>
+            </a:r>
+            <a:r>
+              <a:rPr lang="en-US" sz="5400" b="1" dirty="0" err="1">
+                <a:latin typeface="Times New Roman" panose="02020603050405020304" pitchFamily="18" charset="0"/>
+                <a:cs typeface="Times New Roman" panose="02020603050405020304" pitchFamily="18" charset="0"/>
+              </a:rPr>
+              <a:t>sáng</a:t>
+            </a:r>
+            <a:r>
+              <a:rPr lang="en-US" sz="5400" b="1" dirty="0">
+                <a:latin typeface="Times New Roman" panose="02020603050405020304" pitchFamily="18" charset="0"/>
+                <a:cs typeface="Times New Roman" panose="02020603050405020304" pitchFamily="18" charset="0"/>
+              </a:rPr>
+              <a:t> </a:t>
+            </a:r>
+            <a:r>
+              <a:rPr lang="en-US" sz="5400" b="1" dirty="0" err="1">
+                <a:latin typeface="Times New Roman" panose="02020603050405020304" pitchFamily="18" charset="0"/>
+                <a:cs typeface="Times New Roman" panose="02020603050405020304" pitchFamily="18" charset="0"/>
+              </a:rPr>
+              <a:t>tươi</a:t>
+            </a:r>
+            <a:r>
+              <a:rPr lang="en-US" sz="5400" b="1" dirty="0">
+                <a:latin typeface="Times New Roman" panose="02020603050405020304" pitchFamily="18" charset="0"/>
+                <a:cs typeface="Times New Roman" panose="02020603050405020304" pitchFamily="18" charset="0"/>
+              </a:rPr>
+              <a:t> </a:t>
+            </a:r>
+            <a:r>
+              <a:rPr lang="en-US" sz="5400" b="1" dirty="0" err="1">
+                <a:latin typeface="Times New Roman" panose="02020603050405020304" pitchFamily="18" charset="0"/>
+                <a:cs typeface="Times New Roman" panose="02020603050405020304" pitchFamily="18" charset="0"/>
+              </a:rPr>
+              <a:t>bên</a:t>
+            </a:r>
+            <a:r>
+              <a:rPr lang="en-US" sz="5400" b="1" dirty="0">
+                <a:latin typeface="Times New Roman" panose="02020603050405020304" pitchFamily="18" charset="0"/>
+                <a:cs typeface="Times New Roman" panose="02020603050405020304" pitchFamily="18" charset="0"/>
+              </a:rPr>
+              <a:t> </a:t>
+            </a:r>
+            <a:r>
+              <a:rPr lang="en-US" sz="5400" b="1" dirty="0" err="1">
+                <a:latin typeface="Times New Roman" panose="02020603050405020304" pitchFamily="18" charset="0"/>
+                <a:cs typeface="Times New Roman" panose="02020603050405020304" pitchFamily="18" charset="0"/>
+              </a:rPr>
+              <a:t>Mẹ</a:t>
+            </a:r>
+            <a:r>
+              <a:rPr lang="en-US" sz="5400" b="1" dirty="0">
+                <a:latin typeface="Times New Roman" panose="02020603050405020304" pitchFamily="18" charset="0"/>
+                <a:cs typeface="Times New Roman" panose="02020603050405020304" pitchFamily="18" charset="0"/>
+              </a:rPr>
+              <a:t> ca </a:t>
+            </a:r>
+            <a:r>
+              <a:rPr lang="en-US" sz="5400" b="1" dirty="0" err="1">
+                <a:latin typeface="Times New Roman" panose="02020603050405020304" pitchFamily="18" charset="0"/>
+                <a:cs typeface="Times New Roman" panose="02020603050405020304" pitchFamily="18" charset="0"/>
+              </a:rPr>
+              <a:t>khúc</a:t>
+            </a:r>
+            <a:r>
+              <a:rPr lang="en-US" sz="5400" b="1" dirty="0">
+                <a:latin typeface="Times New Roman" panose="02020603050405020304" pitchFamily="18" charset="0"/>
+                <a:cs typeface="Times New Roman" panose="02020603050405020304" pitchFamily="18" charset="0"/>
+              </a:rPr>
+              <a:t> </a:t>
+            </a:r>
+            <a:r>
+              <a:rPr lang="en-US" sz="5400" b="1" dirty="0" err="1">
+                <a:latin typeface="Times New Roman" panose="02020603050405020304" pitchFamily="18" charset="0"/>
+                <a:cs typeface="Times New Roman" panose="02020603050405020304" pitchFamily="18" charset="0"/>
+              </a:rPr>
+              <a:t>khải</a:t>
+            </a:r>
+            <a:r>
+              <a:rPr lang="en-US" sz="5400" b="1" dirty="0">
+                <a:latin typeface="Times New Roman" panose="02020603050405020304" pitchFamily="18" charset="0"/>
+                <a:cs typeface="Times New Roman" panose="02020603050405020304" pitchFamily="18" charset="0"/>
+              </a:rPr>
+              <a:t> </a:t>
+            </a:r>
+            <a:r>
+              <a:rPr lang="en-US" sz="5400" b="1" dirty="0" err="1">
+                <a:latin typeface="Times New Roman" panose="02020603050405020304" pitchFamily="18" charset="0"/>
+                <a:cs typeface="Times New Roman" panose="02020603050405020304" pitchFamily="18" charset="0"/>
+              </a:rPr>
+              <a:t>hoàn</a:t>
+            </a:r>
+            <a:r>
+              <a:rPr lang="en-US" sz="5400" b="1" dirty="0">
+                <a:latin typeface="Times New Roman" panose="02020603050405020304" pitchFamily="18" charset="0"/>
+                <a:cs typeface="Times New Roman" panose="02020603050405020304" pitchFamily="18" charset="0"/>
+              </a:rPr>
+              <a:t>.</a:t>
+            </a:r>
+            <a:endParaRPr lang="vi-VN" sz="5400" b="1" dirty="0">
+              <a:latin typeface="Times New Roman" panose="02020603050405020304" pitchFamily="18" charset="0"/>
+              <a:cs typeface="Times New Roman" panose="02020603050405020304" pitchFamily="18" charset="0"/>
+            </a:endParaRPr>
+          </a:p>
+        </p:txBody>
+      </p:sp>
+    </p:spTree>
+    <p:extLst>
+      <p:ext uri="{BB962C8B-B14F-4D97-AF65-F5344CB8AC3E}">
+        <p14:creationId xmlns:p14="http://schemas.microsoft.com/office/powerpoint/2010/main" val="3658179723"/>
+      </p:ext>
+    </p:extLst>
+  </p:cSld>
+  <p:clrMapOvr>
+    <a:masterClrMapping/>
+  </p:clrMapOvr>
+  <p:transition/>
+</p:sld>
+</file>
+
+<file path=ppt/slides/slide47.xml><?xml version="1.0" encoding="utf-8"?>
+<p:sld xmlns:a="http://schemas.openxmlformats.org/drawingml/2006/main" xmlns:r="http://schemas.openxmlformats.org/officeDocument/2006/relationships" xmlns:p="http://schemas.openxmlformats.org/presentationml/2006/main">
+  <p:cSld>
+    <p:spTree>
+      <p:nvGrpSpPr>
+        <p:cNvPr id="1" name=""/>
+        <p:cNvGrpSpPr/>
+        <p:nvPr/>
+      </p:nvGrpSpPr>
+      <p:grpSpPr>
+        <a:xfrm>
+          <a:off x="0" y="0"/>
+          <a:ext cx="0" cy="0"/>
+          <a:chOff x="0" y="0"/>
+          <a:chExt cx="0" cy="0"/>
+        </a:xfrm>
+      </p:grpSpPr>
+      <p:sp>
+        <p:nvSpPr>
+          <p:cNvPr id="2" name="Title 1"/>
+          <p:cNvSpPr>
+            <a:spLocks noGrp="1"/>
+          </p:cNvSpPr>
+          <p:nvPr>
+            <p:ph type="ctrTitle"/>
+          </p:nvPr>
+        </p:nvSpPr>
+        <p:spPr>
+          <a:xfrm>
+            <a:off x="0" y="-3769"/>
+            <a:ext cx="9144000" cy="533400"/>
+          </a:xfrm>
+        </p:spPr>
+        <p:txBody>
+          <a:bodyPr>
+            <a:normAutofit/>
+          </a:bodyPr>
+          <a:lstStyle/>
+          <a:p>
+            <a:pPr algn="l"/>
+            <a:r>
+              <a:rPr lang="en-US" sz="1800" dirty="0">
+                <a:solidFill>
+                  <a:srgbClr val="FF0000"/>
+                </a:solidFill>
+                <a:latin typeface="Times New Roman" panose="02020603050405020304" pitchFamily="18" charset="0"/>
+                <a:cs typeface="Times New Roman" panose="02020603050405020304" pitchFamily="18" charset="0"/>
+              </a:rPr>
+              <a:t>                                    	         </a:t>
+            </a:r>
+            <a:r>
+              <a:rPr lang="en-US" sz="2400" b="1" dirty="0">
+                <a:solidFill>
+                  <a:srgbClr val="FF0000"/>
+                </a:solidFill>
+                <a:effectLst>
+                  <a:outerShdw blurRad="38100" dist="38100" dir="2700000" algn="tl">
+                    <a:srgbClr val="000000">
+                      <a:alpha val="43137"/>
+                    </a:srgbClr>
+                  </a:outerShdw>
+                </a:effectLst>
+                <a:latin typeface="Times New Roman" panose="02020603050405020304" pitchFamily="18" charset="0"/>
+                <a:cs typeface="Times New Roman" panose="02020603050405020304" pitchFamily="18" charset="0"/>
+              </a:rPr>
+              <a:t>MẸ ĐỨNG ĐÓ (221)</a:t>
+            </a:r>
+            <a:endParaRPr lang="en-US" sz="2400" b="1" dirty="0">
+              <a:solidFill>
+                <a:srgbClr val="FF0000"/>
+              </a:solidFill>
+              <a:effectLst>
+                <a:outerShdw blurRad="38100" dist="38100" dir="2700000" algn="tl">
+                  <a:srgbClr val="000000">
+                    <a:alpha val="43137"/>
+                  </a:srgbClr>
+                </a:outerShdw>
+              </a:effectLst>
+            </a:endParaRPr>
+          </a:p>
+        </p:txBody>
+      </p:sp>
+      <p:sp>
+        <p:nvSpPr>
+          <p:cNvPr id="3" name="Subtitle 2"/>
+          <p:cNvSpPr>
+            <a:spLocks noGrp="1"/>
+          </p:cNvSpPr>
+          <p:nvPr>
+            <p:ph type="subTitle" idx="1"/>
+          </p:nvPr>
+        </p:nvSpPr>
+        <p:spPr>
+          <a:xfrm>
+            <a:off x="0" y="942318"/>
+            <a:ext cx="9144000" cy="5105400"/>
+          </a:xfrm>
+        </p:spPr>
+        <p:txBody>
+          <a:bodyPr>
+            <a:noAutofit/>
+          </a:bodyPr>
+          <a:lstStyle/>
+          <a:p>
+            <a:pPr algn="just"/>
+            <a:r>
+              <a:rPr lang="en-US" sz="5400" b="1" dirty="0">
+                <a:latin typeface="Times New Roman" panose="02020603050405020304" pitchFamily="18" charset="0"/>
+                <a:cs typeface="Times New Roman" panose="02020603050405020304" pitchFamily="18" charset="0"/>
+              </a:rPr>
+              <a:t>ĐK: </a:t>
+            </a:r>
+            <a:r>
+              <a:rPr lang="en-US" sz="5400" b="1" dirty="0" err="1">
+                <a:latin typeface="Times New Roman" panose="02020603050405020304" pitchFamily="18" charset="0"/>
+                <a:cs typeface="Times New Roman" panose="02020603050405020304" pitchFamily="18" charset="0"/>
+              </a:rPr>
+              <a:t>Mẹ</a:t>
+            </a:r>
+            <a:r>
+              <a:rPr lang="en-US" sz="5400" b="1" dirty="0">
+                <a:latin typeface="Times New Roman" panose="02020603050405020304" pitchFamily="18" charset="0"/>
+                <a:cs typeface="Times New Roman" panose="02020603050405020304" pitchFamily="18" charset="0"/>
+              </a:rPr>
+              <a:t> </a:t>
+            </a:r>
+            <a:r>
+              <a:rPr lang="en-US" sz="5400" b="1" dirty="0" err="1">
+                <a:latin typeface="Times New Roman" panose="02020603050405020304" pitchFamily="18" charset="0"/>
+                <a:cs typeface="Times New Roman" panose="02020603050405020304" pitchFamily="18" charset="0"/>
+              </a:rPr>
+              <a:t>đứng</a:t>
+            </a:r>
+            <a:r>
+              <a:rPr lang="en-US" sz="5400" b="1" dirty="0">
+                <a:latin typeface="Times New Roman" panose="02020603050405020304" pitchFamily="18" charset="0"/>
+                <a:cs typeface="Times New Roman" panose="02020603050405020304" pitchFamily="18" charset="0"/>
+              </a:rPr>
+              <a:t> </a:t>
+            </a:r>
+            <a:r>
+              <a:rPr lang="en-US" sz="5400" b="1" dirty="0" err="1">
+                <a:latin typeface="Times New Roman" panose="02020603050405020304" pitchFamily="18" charset="0"/>
+                <a:cs typeface="Times New Roman" panose="02020603050405020304" pitchFamily="18" charset="0"/>
+              </a:rPr>
+              <a:t>đó</a:t>
+            </a:r>
+            <a:r>
+              <a:rPr lang="en-US" sz="5400" b="1" dirty="0">
+                <a:latin typeface="Times New Roman" panose="02020603050405020304" pitchFamily="18" charset="0"/>
+                <a:cs typeface="Times New Roman" panose="02020603050405020304" pitchFamily="18" charset="0"/>
+              </a:rPr>
+              <a:t> </a:t>
+            </a:r>
+            <a:r>
+              <a:rPr lang="en-US" sz="5400" b="1" dirty="0" err="1">
+                <a:latin typeface="Times New Roman" panose="02020603050405020304" pitchFamily="18" charset="0"/>
+                <a:cs typeface="Times New Roman" panose="02020603050405020304" pitchFamily="18" charset="0"/>
+              </a:rPr>
+              <a:t>khi</a:t>
+            </a:r>
+            <a:r>
+              <a:rPr lang="en-US" sz="5400" b="1" dirty="0">
+                <a:latin typeface="Times New Roman" panose="02020603050405020304" pitchFamily="18" charset="0"/>
+                <a:cs typeface="Times New Roman" panose="02020603050405020304" pitchFamily="18" charset="0"/>
+              </a:rPr>
+              <a:t> </a:t>
+            </a:r>
+            <a:r>
+              <a:rPr lang="en-US" sz="5400" b="1" dirty="0" err="1">
+                <a:latin typeface="Times New Roman" panose="02020603050405020304" pitchFamily="18" charset="0"/>
+                <a:cs typeface="Times New Roman" panose="02020603050405020304" pitchFamily="18" charset="0"/>
+              </a:rPr>
+              <a:t>hoàng</a:t>
+            </a:r>
+            <a:r>
+              <a:rPr lang="en-US" sz="5400" b="1" dirty="0">
+                <a:latin typeface="Times New Roman" panose="02020603050405020304" pitchFamily="18" charset="0"/>
+                <a:cs typeface="Times New Roman" panose="02020603050405020304" pitchFamily="18" charset="0"/>
+              </a:rPr>
+              <a:t> </a:t>
+            </a:r>
+            <a:r>
+              <a:rPr lang="en-US" sz="5400" b="1" dirty="0" err="1">
+                <a:latin typeface="Times New Roman" panose="02020603050405020304" pitchFamily="18" charset="0"/>
+                <a:cs typeface="Times New Roman" panose="02020603050405020304" pitchFamily="18" charset="0"/>
+              </a:rPr>
+              <a:t>hôn</a:t>
+            </a:r>
+            <a:r>
+              <a:rPr lang="en-US" sz="5400" b="1" dirty="0">
+                <a:latin typeface="Times New Roman" panose="02020603050405020304" pitchFamily="18" charset="0"/>
+                <a:cs typeface="Times New Roman" panose="02020603050405020304" pitchFamily="18" charset="0"/>
+              </a:rPr>
+              <a:t> </a:t>
+            </a:r>
+            <a:r>
+              <a:rPr lang="en-US" sz="5400" b="1" dirty="0" err="1">
+                <a:latin typeface="Times New Roman" panose="02020603050405020304" pitchFamily="18" charset="0"/>
+                <a:cs typeface="Times New Roman" panose="02020603050405020304" pitchFamily="18" charset="0"/>
+              </a:rPr>
+              <a:t>tím</a:t>
+            </a:r>
+            <a:r>
+              <a:rPr lang="en-US" sz="5400" b="1" dirty="0">
+                <a:latin typeface="Times New Roman" panose="02020603050405020304" pitchFamily="18" charset="0"/>
+                <a:cs typeface="Times New Roman" panose="02020603050405020304" pitchFamily="18" charset="0"/>
+              </a:rPr>
+              <a:t> </a:t>
+            </a:r>
+            <a:r>
+              <a:rPr lang="en-US" sz="5400" b="1" dirty="0" err="1">
+                <a:latin typeface="Times New Roman" panose="02020603050405020304" pitchFamily="18" charset="0"/>
+                <a:cs typeface="Times New Roman" panose="02020603050405020304" pitchFamily="18" charset="0"/>
+              </a:rPr>
+              <a:t>mầu</a:t>
+            </a:r>
+            <a:r>
+              <a:rPr lang="en-US" sz="5400" b="1" dirty="0">
+                <a:latin typeface="Times New Roman" panose="02020603050405020304" pitchFamily="18" charset="0"/>
+                <a:cs typeface="Times New Roman" panose="02020603050405020304" pitchFamily="18" charset="0"/>
+              </a:rPr>
+              <a:t>. </a:t>
+            </a:r>
+            <a:r>
+              <a:rPr lang="en-US" sz="5400" b="1" dirty="0" err="1">
+                <a:latin typeface="Times New Roman" panose="02020603050405020304" pitchFamily="18" charset="0"/>
+                <a:cs typeface="Times New Roman" panose="02020603050405020304" pitchFamily="18" charset="0"/>
+              </a:rPr>
+              <a:t>Nhạc</a:t>
+            </a:r>
+            <a:r>
+              <a:rPr lang="en-US" sz="5400" b="1" dirty="0">
+                <a:latin typeface="Times New Roman" panose="02020603050405020304" pitchFamily="18" charset="0"/>
+                <a:cs typeface="Times New Roman" panose="02020603050405020304" pitchFamily="18" charset="0"/>
+              </a:rPr>
+              <a:t> </a:t>
+            </a:r>
+            <a:r>
+              <a:rPr lang="en-US" sz="5400" b="1" dirty="0" err="1">
+                <a:latin typeface="Times New Roman" panose="02020603050405020304" pitchFamily="18" charset="0"/>
+                <a:cs typeface="Times New Roman" panose="02020603050405020304" pitchFamily="18" charset="0"/>
+              </a:rPr>
+              <a:t>thương</a:t>
+            </a:r>
+            <a:r>
+              <a:rPr lang="en-US" sz="5400" b="1" dirty="0">
+                <a:latin typeface="Times New Roman" panose="02020603050405020304" pitchFamily="18" charset="0"/>
+                <a:cs typeface="Times New Roman" panose="02020603050405020304" pitchFamily="18" charset="0"/>
+              </a:rPr>
+              <a:t> </a:t>
+            </a:r>
+            <a:r>
+              <a:rPr lang="en-US" sz="5400" b="1" dirty="0" err="1">
+                <a:latin typeface="Times New Roman" panose="02020603050405020304" pitchFamily="18" charset="0"/>
+                <a:cs typeface="Times New Roman" panose="02020603050405020304" pitchFamily="18" charset="0"/>
+              </a:rPr>
+              <a:t>trầm</a:t>
+            </a:r>
+            <a:r>
+              <a:rPr lang="en-US" sz="5400" b="1" dirty="0">
+                <a:latin typeface="Times New Roman" panose="02020603050405020304" pitchFamily="18" charset="0"/>
+                <a:cs typeface="Times New Roman" panose="02020603050405020304" pitchFamily="18" charset="0"/>
+              </a:rPr>
+              <a:t> </a:t>
+            </a:r>
+            <a:r>
+              <a:rPr lang="en-US" sz="5400" b="1" dirty="0" err="1">
+                <a:latin typeface="Times New Roman" panose="02020603050405020304" pitchFamily="18" charset="0"/>
+                <a:cs typeface="Times New Roman" panose="02020603050405020304" pitchFamily="18" charset="0"/>
+              </a:rPr>
+              <a:t>buông</a:t>
+            </a:r>
+            <a:r>
+              <a:rPr lang="en-US" sz="5400" b="1" dirty="0">
+                <a:latin typeface="Times New Roman" panose="02020603050405020304" pitchFamily="18" charset="0"/>
+                <a:cs typeface="Times New Roman" panose="02020603050405020304" pitchFamily="18" charset="0"/>
+              </a:rPr>
+              <a:t> </a:t>
+            </a:r>
+            <a:r>
+              <a:rPr lang="en-US" sz="5400" b="1" dirty="0" err="1">
+                <a:latin typeface="Times New Roman" panose="02020603050405020304" pitchFamily="18" charset="0"/>
+                <a:cs typeface="Times New Roman" panose="02020603050405020304" pitchFamily="18" charset="0"/>
+              </a:rPr>
+              <a:t>hắt</a:t>
+            </a:r>
+            <a:r>
+              <a:rPr lang="en-US" sz="5400" b="1" dirty="0">
+                <a:latin typeface="Times New Roman" panose="02020603050405020304" pitchFamily="18" charset="0"/>
+                <a:cs typeface="Times New Roman" panose="02020603050405020304" pitchFamily="18" charset="0"/>
+              </a:rPr>
+              <a:t> </a:t>
+            </a:r>
+            <a:r>
+              <a:rPr lang="en-US" sz="5400" b="1" dirty="0" err="1">
+                <a:latin typeface="Times New Roman" panose="02020603050405020304" pitchFamily="18" charset="0"/>
+                <a:cs typeface="Times New Roman" panose="02020603050405020304" pitchFamily="18" charset="0"/>
+              </a:rPr>
+              <a:t>hiu</a:t>
+            </a:r>
+            <a:r>
+              <a:rPr lang="en-US" sz="5400" b="1" dirty="0">
+                <a:latin typeface="Times New Roman" panose="02020603050405020304" pitchFamily="18" charset="0"/>
+                <a:cs typeface="Times New Roman" panose="02020603050405020304" pitchFamily="18" charset="0"/>
+              </a:rPr>
+              <a:t>. </a:t>
+            </a:r>
+            <a:r>
+              <a:rPr lang="en-US" sz="5400" b="1" dirty="0" err="1">
+                <a:latin typeface="Times New Roman" panose="02020603050405020304" pitchFamily="18" charset="0"/>
+                <a:cs typeface="Times New Roman" panose="02020603050405020304" pitchFamily="18" charset="0"/>
+              </a:rPr>
+              <a:t>Đồi</a:t>
+            </a:r>
+            <a:r>
+              <a:rPr lang="en-US" sz="5400" b="1" dirty="0">
+                <a:latin typeface="Times New Roman" panose="02020603050405020304" pitchFamily="18" charset="0"/>
+                <a:cs typeface="Times New Roman" panose="02020603050405020304" pitchFamily="18" charset="0"/>
+              </a:rPr>
+              <a:t> </a:t>
+            </a:r>
+            <a:r>
+              <a:rPr lang="en-US" sz="5400" b="1" dirty="0" err="1">
+                <a:latin typeface="Times New Roman" panose="02020603050405020304" pitchFamily="18" charset="0"/>
+                <a:cs typeface="Times New Roman" panose="02020603050405020304" pitchFamily="18" charset="0"/>
+              </a:rPr>
+              <a:t>cao</a:t>
+            </a:r>
+            <a:r>
+              <a:rPr lang="en-US" sz="5400" b="1" dirty="0">
+                <a:latin typeface="Times New Roman" panose="02020603050405020304" pitchFamily="18" charset="0"/>
+                <a:cs typeface="Times New Roman" panose="02020603050405020304" pitchFamily="18" charset="0"/>
+              </a:rPr>
+              <a:t> u </a:t>
+            </a:r>
+            <a:r>
+              <a:rPr lang="en-US" sz="5400" b="1" dirty="0" err="1">
+                <a:latin typeface="Times New Roman" panose="02020603050405020304" pitchFamily="18" charset="0"/>
+                <a:cs typeface="Times New Roman" panose="02020603050405020304" pitchFamily="18" charset="0"/>
+              </a:rPr>
+              <a:t>hoài</a:t>
+            </a:r>
+            <a:r>
+              <a:rPr lang="en-US" sz="5400" b="1" dirty="0">
+                <a:latin typeface="Times New Roman" panose="02020603050405020304" pitchFamily="18" charset="0"/>
+                <a:cs typeface="Times New Roman" panose="02020603050405020304" pitchFamily="18" charset="0"/>
+              </a:rPr>
+              <a:t> </a:t>
+            </a:r>
+            <a:r>
+              <a:rPr lang="en-US" sz="5400" b="1" dirty="0" err="1">
+                <a:latin typeface="Times New Roman" panose="02020603050405020304" pitchFamily="18" charset="0"/>
+                <a:cs typeface="Times New Roman" panose="02020603050405020304" pitchFamily="18" charset="0"/>
+              </a:rPr>
+              <a:t>loang</a:t>
+            </a:r>
+            <a:r>
+              <a:rPr lang="en-US" sz="5400" b="1" dirty="0">
+                <a:latin typeface="Times New Roman" panose="02020603050405020304" pitchFamily="18" charset="0"/>
+                <a:cs typeface="Times New Roman" panose="02020603050405020304" pitchFamily="18" charset="0"/>
+              </a:rPr>
+              <a:t> </a:t>
+            </a:r>
+            <a:r>
+              <a:rPr lang="en-US" sz="5400" b="1" dirty="0" err="1">
+                <a:latin typeface="Times New Roman" panose="02020603050405020304" pitchFamily="18" charset="0"/>
+                <a:cs typeface="Times New Roman" panose="02020603050405020304" pitchFamily="18" charset="0"/>
+              </a:rPr>
+              <a:t>máu</a:t>
+            </a:r>
+            <a:r>
+              <a:rPr lang="en-US" sz="5400" b="1" dirty="0">
+                <a:latin typeface="Times New Roman" panose="02020603050405020304" pitchFamily="18" charset="0"/>
+                <a:cs typeface="Times New Roman" panose="02020603050405020304" pitchFamily="18" charset="0"/>
+              </a:rPr>
+              <a:t> </a:t>
+            </a:r>
+            <a:r>
+              <a:rPr lang="en-US" sz="5400" b="1" dirty="0" err="1">
+                <a:latin typeface="Times New Roman" panose="02020603050405020304" pitchFamily="18" charset="0"/>
+                <a:cs typeface="Times New Roman" panose="02020603050405020304" pitchFamily="18" charset="0"/>
+              </a:rPr>
+              <a:t>đào</a:t>
+            </a:r>
+            <a:r>
+              <a:rPr lang="en-US" sz="5400" b="1" dirty="0">
+                <a:latin typeface="Times New Roman" panose="02020603050405020304" pitchFamily="18" charset="0"/>
+                <a:cs typeface="Times New Roman" panose="02020603050405020304" pitchFamily="18" charset="0"/>
+              </a:rPr>
+              <a:t>. Con </a:t>
+            </a:r>
+            <a:r>
+              <a:rPr lang="en-US" sz="5400" b="1" dirty="0" err="1">
+                <a:latin typeface="Times New Roman" panose="02020603050405020304" pitchFamily="18" charset="0"/>
+                <a:cs typeface="Times New Roman" panose="02020603050405020304" pitchFamily="18" charset="0"/>
+              </a:rPr>
+              <a:t>Chúa</a:t>
+            </a:r>
+            <a:r>
+              <a:rPr lang="en-US" sz="5400" b="1" dirty="0">
+                <a:latin typeface="Times New Roman" panose="02020603050405020304" pitchFamily="18" charset="0"/>
+                <a:cs typeface="Times New Roman" panose="02020603050405020304" pitchFamily="18" charset="0"/>
+              </a:rPr>
+              <a:t> </a:t>
+            </a:r>
+            <a:r>
+              <a:rPr lang="en-US" sz="5400" b="1" dirty="0" err="1">
+                <a:latin typeface="Times New Roman" panose="02020603050405020304" pitchFamily="18" charset="0"/>
+                <a:cs typeface="Times New Roman" panose="02020603050405020304" pitchFamily="18" charset="0"/>
+              </a:rPr>
+              <a:t>đau</a:t>
+            </a:r>
+            <a:r>
+              <a:rPr lang="en-US" sz="5400" b="1" dirty="0">
+                <a:latin typeface="Times New Roman" panose="02020603050405020304" pitchFamily="18" charset="0"/>
+                <a:cs typeface="Times New Roman" panose="02020603050405020304" pitchFamily="18" charset="0"/>
+              </a:rPr>
+              <a:t> </a:t>
+            </a:r>
+            <a:r>
+              <a:rPr lang="en-US" sz="5400" b="1" dirty="0" err="1">
+                <a:latin typeface="Times New Roman" panose="02020603050405020304" pitchFamily="18" charset="0"/>
+                <a:cs typeface="Times New Roman" panose="02020603050405020304" pitchFamily="18" charset="0"/>
+              </a:rPr>
+              <a:t>thương</a:t>
+            </a:r>
+            <a:r>
+              <a:rPr lang="en-US" sz="5400" b="1" dirty="0">
+                <a:latin typeface="Times New Roman" panose="02020603050405020304" pitchFamily="18" charset="0"/>
+                <a:cs typeface="Times New Roman" panose="02020603050405020304" pitchFamily="18" charset="0"/>
+              </a:rPr>
+              <a:t> </a:t>
+            </a:r>
+            <a:r>
+              <a:rPr lang="en-US" sz="5400" b="1" dirty="0" err="1">
+                <a:latin typeface="Times New Roman" panose="02020603050405020304" pitchFamily="18" charset="0"/>
+                <a:cs typeface="Times New Roman" panose="02020603050405020304" pitchFamily="18" charset="0"/>
+              </a:rPr>
+              <a:t>treo</a:t>
+            </a:r>
+            <a:r>
+              <a:rPr lang="en-US" sz="5400" b="1" dirty="0">
+                <a:latin typeface="Times New Roman" panose="02020603050405020304" pitchFamily="18" charset="0"/>
+                <a:cs typeface="Times New Roman" panose="02020603050405020304" pitchFamily="18" charset="0"/>
+              </a:rPr>
+              <a:t> </a:t>
+            </a:r>
+            <a:r>
+              <a:rPr lang="en-US" sz="5400" b="1" dirty="0" err="1">
+                <a:latin typeface="Times New Roman" panose="02020603050405020304" pitchFamily="18" charset="0"/>
+                <a:cs typeface="Times New Roman" panose="02020603050405020304" pitchFamily="18" charset="0"/>
+              </a:rPr>
+              <a:t>trên</a:t>
+            </a:r>
+            <a:r>
+              <a:rPr lang="en-US" sz="5400" b="1" dirty="0">
+                <a:latin typeface="Times New Roman" panose="02020603050405020304" pitchFamily="18" charset="0"/>
+                <a:cs typeface="Times New Roman" panose="02020603050405020304" pitchFamily="18" charset="0"/>
+              </a:rPr>
+              <a:t> </a:t>
+            </a:r>
+            <a:r>
+              <a:rPr lang="en-US" sz="5400" b="1" dirty="0" err="1">
+                <a:latin typeface="Times New Roman" panose="02020603050405020304" pitchFamily="18" charset="0"/>
+                <a:cs typeface="Times New Roman" panose="02020603050405020304" pitchFamily="18" charset="0"/>
+              </a:rPr>
+              <a:t>Thập</a:t>
+            </a:r>
+            <a:r>
+              <a:rPr lang="en-US" sz="5400" b="1" dirty="0">
+                <a:latin typeface="Times New Roman" panose="02020603050405020304" pitchFamily="18" charset="0"/>
+                <a:cs typeface="Times New Roman" panose="02020603050405020304" pitchFamily="18" charset="0"/>
+              </a:rPr>
+              <a:t> </a:t>
+            </a:r>
+            <a:r>
+              <a:rPr lang="en-US" sz="5400" b="1" dirty="0" err="1">
+                <a:latin typeface="Times New Roman" panose="02020603050405020304" pitchFamily="18" charset="0"/>
+                <a:cs typeface="Times New Roman" panose="02020603050405020304" pitchFamily="18" charset="0"/>
+              </a:rPr>
+              <a:t>giá</a:t>
+            </a:r>
+            <a:r>
+              <a:rPr lang="en-US" sz="5400" b="1" dirty="0">
+                <a:latin typeface="Times New Roman" panose="02020603050405020304" pitchFamily="18" charset="0"/>
+                <a:cs typeface="Times New Roman" panose="02020603050405020304" pitchFamily="18" charset="0"/>
+              </a:rPr>
+              <a:t>. </a:t>
+            </a:r>
+            <a:r>
+              <a:rPr lang="en-US" sz="5400" b="1" dirty="0" err="1">
+                <a:latin typeface="Times New Roman" panose="02020603050405020304" pitchFamily="18" charset="0"/>
+                <a:cs typeface="Times New Roman" panose="02020603050405020304" pitchFamily="18" charset="0"/>
+              </a:rPr>
+              <a:t>Hiến</a:t>
+            </a:r>
+            <a:r>
+              <a:rPr lang="en-US" sz="5400" b="1" dirty="0">
+                <a:latin typeface="Times New Roman" panose="02020603050405020304" pitchFamily="18" charset="0"/>
+                <a:cs typeface="Times New Roman" panose="02020603050405020304" pitchFamily="18" charset="0"/>
+              </a:rPr>
+              <a:t> </a:t>
+            </a:r>
+            <a:r>
+              <a:rPr lang="en-US" sz="5400" b="1" dirty="0" err="1">
+                <a:latin typeface="Times New Roman" panose="02020603050405020304" pitchFamily="18" charset="0"/>
+                <a:cs typeface="Times New Roman" panose="02020603050405020304" pitchFamily="18" charset="0"/>
+              </a:rPr>
+              <a:t>thân</a:t>
+            </a:r>
+            <a:r>
+              <a:rPr lang="en-US" sz="5400" b="1" dirty="0">
+                <a:latin typeface="Times New Roman" panose="02020603050405020304" pitchFamily="18" charset="0"/>
+                <a:cs typeface="Times New Roman" panose="02020603050405020304" pitchFamily="18" charset="0"/>
+              </a:rPr>
+              <a:t> </a:t>
+            </a:r>
+            <a:r>
+              <a:rPr lang="en-US" sz="5400" b="1" dirty="0" err="1">
+                <a:latin typeface="Times New Roman" panose="02020603050405020304" pitchFamily="18" charset="0"/>
+                <a:cs typeface="Times New Roman" panose="02020603050405020304" pitchFamily="18" charset="0"/>
+              </a:rPr>
+              <a:t>vì</a:t>
+            </a:r>
+            <a:r>
+              <a:rPr lang="en-US" sz="5400" b="1" dirty="0">
+                <a:latin typeface="Times New Roman" panose="02020603050405020304" pitchFamily="18" charset="0"/>
+                <a:cs typeface="Times New Roman" panose="02020603050405020304" pitchFamily="18" charset="0"/>
+              </a:rPr>
+              <a:t> </a:t>
+            </a:r>
+            <a:r>
+              <a:rPr lang="en-US" sz="5400" b="1" dirty="0" err="1">
+                <a:latin typeface="Times New Roman" panose="02020603050405020304" pitchFamily="18" charset="0"/>
+                <a:cs typeface="Times New Roman" panose="02020603050405020304" pitchFamily="18" charset="0"/>
+              </a:rPr>
+              <a:t>nhân</a:t>
+            </a:r>
+            <a:r>
+              <a:rPr lang="en-US" sz="5400" b="1" dirty="0">
+                <a:latin typeface="Times New Roman" panose="02020603050405020304" pitchFamily="18" charset="0"/>
+                <a:cs typeface="Times New Roman" panose="02020603050405020304" pitchFamily="18" charset="0"/>
+              </a:rPr>
+              <a:t> </a:t>
+            </a:r>
+            <a:r>
+              <a:rPr lang="en-US" sz="5400" b="1" dirty="0" err="1">
+                <a:latin typeface="Times New Roman" panose="02020603050405020304" pitchFamily="18" charset="0"/>
+                <a:cs typeface="Times New Roman" panose="02020603050405020304" pitchFamily="18" charset="0"/>
+              </a:rPr>
+              <a:t>loại</a:t>
+            </a:r>
+            <a:r>
+              <a:rPr lang="en-US" sz="5400" b="1" dirty="0">
+                <a:latin typeface="Times New Roman" panose="02020603050405020304" pitchFamily="18" charset="0"/>
+                <a:cs typeface="Times New Roman" panose="02020603050405020304" pitchFamily="18" charset="0"/>
+              </a:rPr>
+              <a:t> </a:t>
+            </a:r>
+            <a:r>
+              <a:rPr lang="en-US" sz="5400" b="1" dirty="0" err="1">
+                <a:latin typeface="Times New Roman" panose="02020603050405020304" pitchFamily="18" charset="0"/>
+                <a:cs typeface="Times New Roman" panose="02020603050405020304" pitchFamily="18" charset="0"/>
+              </a:rPr>
+              <a:t>tội</a:t>
+            </a:r>
+            <a:r>
+              <a:rPr lang="en-US" sz="5400" b="1" dirty="0">
+                <a:latin typeface="Times New Roman" panose="02020603050405020304" pitchFamily="18" charset="0"/>
+                <a:cs typeface="Times New Roman" panose="02020603050405020304" pitchFamily="18" charset="0"/>
+              </a:rPr>
+              <a:t> </a:t>
+            </a:r>
+            <a:r>
+              <a:rPr lang="en-US" sz="5400" b="1" dirty="0" err="1">
+                <a:latin typeface="Times New Roman" panose="02020603050405020304" pitchFamily="18" charset="0"/>
+                <a:cs typeface="Times New Roman" panose="02020603050405020304" pitchFamily="18" charset="0"/>
+              </a:rPr>
+              <a:t>tình</a:t>
+            </a:r>
+            <a:r>
+              <a:rPr lang="en-US" sz="5400" b="1" dirty="0">
+                <a:latin typeface="Times New Roman" panose="02020603050405020304" pitchFamily="18" charset="0"/>
+                <a:cs typeface="Times New Roman" panose="02020603050405020304" pitchFamily="18" charset="0"/>
+              </a:rPr>
+              <a:t> (</a:t>
+            </a:r>
+            <a:r>
+              <a:rPr lang="en-US" sz="5400" b="1" dirty="0" err="1">
+                <a:latin typeface="Times New Roman" panose="02020603050405020304" pitchFamily="18" charset="0"/>
+                <a:cs typeface="Times New Roman" panose="02020603050405020304" pitchFamily="18" charset="0"/>
+              </a:rPr>
+              <a:t>tội</a:t>
+            </a:r>
+            <a:r>
+              <a:rPr lang="en-US" sz="5400" b="1" dirty="0">
+                <a:latin typeface="Times New Roman" panose="02020603050405020304" pitchFamily="18" charset="0"/>
+                <a:cs typeface="Times New Roman" panose="02020603050405020304" pitchFamily="18" charset="0"/>
+              </a:rPr>
+              <a:t> </a:t>
+            </a:r>
+            <a:r>
+              <a:rPr lang="en-US" sz="5400" b="1" dirty="0" err="1">
+                <a:latin typeface="Times New Roman" panose="02020603050405020304" pitchFamily="18" charset="0"/>
+                <a:cs typeface="Times New Roman" panose="02020603050405020304" pitchFamily="18" charset="0"/>
+              </a:rPr>
+              <a:t>tình</a:t>
+            </a:r>
+            <a:r>
+              <a:rPr lang="en-US" sz="5400" b="1" dirty="0">
+                <a:latin typeface="Times New Roman" panose="02020603050405020304" pitchFamily="18" charset="0"/>
+                <a:cs typeface="Times New Roman" panose="02020603050405020304" pitchFamily="18" charset="0"/>
+              </a:rPr>
+              <a:t>).</a:t>
+            </a:r>
+            <a:endParaRPr lang="vi-VN" sz="5400" b="1" dirty="0">
+              <a:latin typeface="Times New Roman" panose="02020603050405020304" pitchFamily="18" charset="0"/>
+              <a:cs typeface="Times New Roman" panose="02020603050405020304" pitchFamily="18" charset="0"/>
+            </a:endParaRPr>
+          </a:p>
+        </p:txBody>
+      </p:sp>
+    </p:spTree>
+    <p:extLst>
+      <p:ext uri="{BB962C8B-B14F-4D97-AF65-F5344CB8AC3E}">
+        <p14:creationId xmlns:p14="http://schemas.microsoft.com/office/powerpoint/2010/main" val="1218998703"/>
+      </p:ext>
+    </p:extLst>
+  </p:cSld>
+  <p:clrMapOvr>
+    <a:masterClrMapping/>
+  </p:clrMapOvr>
+  <p:transition/>
+</p:sld>
+</file>
+
+<file path=ppt/slides/slide48.xml><?xml version="1.0" encoding="utf-8"?>
+<p:sld xmlns:a="http://schemas.openxmlformats.org/drawingml/2006/main" xmlns:r="http://schemas.openxmlformats.org/officeDocument/2006/relationships" xmlns:p="http://schemas.openxmlformats.org/presentationml/2006/main">
+  <p:cSld>
+    <p:spTree>
+      <p:nvGrpSpPr>
+        <p:cNvPr id="1" name=""/>
+        <p:cNvGrpSpPr/>
+        <p:nvPr/>
+      </p:nvGrpSpPr>
+      <p:grpSpPr>
+        <a:xfrm>
+          <a:off x="0" y="0"/>
+          <a:ext cx="0" cy="0"/>
+          <a:chOff x="0" y="0"/>
+          <a:chExt cx="0" cy="0"/>
+        </a:xfrm>
+      </p:grpSpPr>
+      <p:sp>
+        <p:nvSpPr>
+          <p:cNvPr id="2" name="Title 1"/>
+          <p:cNvSpPr>
+            <a:spLocks noGrp="1"/>
+          </p:cNvSpPr>
+          <p:nvPr>
+            <p:ph type="ctrTitle"/>
+          </p:nvPr>
+        </p:nvSpPr>
+        <p:spPr>
+          <a:xfrm>
+            <a:off x="0" y="-3769"/>
+            <a:ext cx="9144000" cy="533400"/>
+          </a:xfrm>
+        </p:spPr>
+        <p:txBody>
+          <a:bodyPr>
+            <a:normAutofit/>
+          </a:bodyPr>
+          <a:lstStyle/>
+          <a:p>
+            <a:pPr algn="l"/>
+            <a:r>
+              <a:rPr lang="en-US" sz="1800" dirty="0">
+                <a:solidFill>
+                  <a:srgbClr val="FF0000"/>
+                </a:solidFill>
+                <a:latin typeface="Times New Roman" panose="02020603050405020304" pitchFamily="18" charset="0"/>
+                <a:cs typeface="Times New Roman" panose="02020603050405020304" pitchFamily="18" charset="0"/>
+              </a:rPr>
+              <a:t>                                    	         </a:t>
+            </a:r>
+            <a:r>
+              <a:rPr lang="en-US" sz="2400" b="1" dirty="0">
+                <a:solidFill>
+                  <a:srgbClr val="FF0000"/>
+                </a:solidFill>
+                <a:effectLst>
+                  <a:outerShdw blurRad="38100" dist="38100" dir="2700000" algn="tl">
+                    <a:srgbClr val="000000">
+                      <a:alpha val="43137"/>
+                    </a:srgbClr>
+                  </a:outerShdw>
+                </a:effectLst>
+                <a:latin typeface="Times New Roman" panose="02020603050405020304" pitchFamily="18" charset="0"/>
+                <a:cs typeface="Times New Roman" panose="02020603050405020304" pitchFamily="18" charset="0"/>
+              </a:rPr>
+              <a:t>MẸ ĐỨNG ĐÓ (221)</a:t>
+            </a:r>
+            <a:endParaRPr lang="en-US" sz="2400" b="1" dirty="0">
+              <a:solidFill>
+                <a:srgbClr val="FF0000"/>
+              </a:solidFill>
+              <a:effectLst>
+                <a:outerShdw blurRad="38100" dist="38100" dir="2700000" algn="tl">
+                  <a:srgbClr val="000000">
+                    <a:alpha val="43137"/>
+                  </a:srgbClr>
+                </a:outerShdw>
+              </a:effectLst>
+            </a:endParaRPr>
+          </a:p>
+        </p:txBody>
+      </p:sp>
+      <p:sp>
+        <p:nvSpPr>
+          <p:cNvPr id="3" name="Subtitle 2"/>
+          <p:cNvSpPr>
+            <a:spLocks noGrp="1"/>
+          </p:cNvSpPr>
+          <p:nvPr>
+            <p:ph type="subTitle" idx="1"/>
+          </p:nvPr>
+        </p:nvSpPr>
+        <p:spPr>
+          <a:xfrm>
+            <a:off x="0" y="942318"/>
+            <a:ext cx="9144000" cy="5105400"/>
+          </a:xfrm>
+        </p:spPr>
+        <p:txBody>
+          <a:bodyPr>
+            <a:noAutofit/>
+          </a:bodyPr>
+          <a:lstStyle/>
+          <a:p>
+            <a:pPr algn="just"/>
+            <a:r>
               <a:rPr lang="en-US" sz="5400" b="1" dirty="0" err="1">
                 <a:latin typeface="Times New Roman" panose="02020603050405020304" pitchFamily="18" charset="0"/>
                 <a:cs typeface="Times New Roman" panose="02020603050405020304" pitchFamily="18" charset="0"/>
@@ -15246,6 +15642,86 @@
     <a:masterClrMapping/>
   </p:clrMapOvr>
   <p:transition/>
+</p:sld>
+</file>
+
+<file path=ppt/slides/slide49.xml><?xml version="1.0" encoding="utf-8"?>
+<p:sld xmlns:a="http://schemas.openxmlformats.org/drawingml/2006/main" xmlns:r="http://schemas.openxmlformats.org/officeDocument/2006/relationships" xmlns:p="http://schemas.openxmlformats.org/presentationml/2006/main">
+  <p:cSld>
+    <p:spTree>
+      <p:nvGrpSpPr>
+        <p:cNvPr id="1" name=""/>
+        <p:cNvGrpSpPr/>
+        <p:nvPr/>
+      </p:nvGrpSpPr>
+      <p:grpSpPr>
+        <a:xfrm>
+          <a:off x="0" y="0"/>
+          <a:ext cx="0" cy="0"/>
+          <a:chOff x="0" y="0"/>
+          <a:chExt cx="0" cy="0"/>
+        </a:xfrm>
+      </p:grpSpPr>
+      <p:sp>
+        <p:nvSpPr>
+          <p:cNvPr id="2" name="Title 1">
+            <a:extLst>
+              <a:ext uri="{FF2B5EF4-FFF2-40B4-BE49-F238E27FC236}">
+                <a16:creationId xmlns:a16="http://schemas.microsoft.com/office/drawing/2014/main" id="{9203AB50-7077-451A-AA1B-C600CCA66393}"/>
+              </a:ext>
+            </a:extLst>
+          </p:cNvPr>
+          <p:cNvSpPr>
+            <a:spLocks noGrp="1"/>
+          </p:cNvSpPr>
+          <p:nvPr>
+            <p:ph type="title"/>
+          </p:nvPr>
+        </p:nvSpPr>
+        <p:spPr/>
+        <p:txBody>
+          <a:bodyPr/>
+          <a:lstStyle/>
+          <a:p>
+            <a:endParaRPr lang="en-US"/>
+          </a:p>
+        </p:txBody>
+      </p:sp>
+      <p:sp>
+        <p:nvSpPr>
+          <p:cNvPr id="3" name="Content Placeholder 2">
+            <a:extLst>
+              <a:ext uri="{FF2B5EF4-FFF2-40B4-BE49-F238E27FC236}">
+                <a16:creationId xmlns:a16="http://schemas.microsoft.com/office/drawing/2014/main" id="{27E67C20-5DE3-4EA9-B5D5-49BF34509B40}"/>
+              </a:ext>
+            </a:extLst>
+          </p:cNvPr>
+          <p:cNvSpPr>
+            <a:spLocks noGrp="1"/>
+          </p:cNvSpPr>
+          <p:nvPr>
+            <p:ph idx="1"/>
+          </p:nvPr>
+        </p:nvSpPr>
+        <p:spPr/>
+        <p:txBody>
+          <a:bodyPr/>
+          <a:lstStyle/>
+          <a:p>
+            <a:endParaRPr lang="en-US"/>
+          </a:p>
+        </p:txBody>
+      </p:sp>
+    </p:spTree>
+    <p:extLst>
+      <p:ext uri="{BB962C8B-B14F-4D97-AF65-F5344CB8AC3E}">
+        <p14:creationId xmlns:p14="http://schemas.microsoft.com/office/powerpoint/2010/main" val="4067897300"/>
+      </p:ext>
+    </p:extLst>
+  </p:cSld>
+  <p:clrMapOvr>
+    <a:masterClrMapping/>
+  </p:clrMapOvr>
 </p:sld>
 </file>
 
